--- a/Presentations/Interim/Project_Presentation_Group6.pptx
+++ b/Presentations/Interim/Project_Presentation_Group6.pptx
@@ -42,7 +42,7 @@
       </p:grpSpPr>
       <p:sp>
         <p:nvSpPr>
-          <p:cNvPr id="89" name="PlaceHolder 1"/>
+          <p:cNvPr id="86" name="PlaceHolder 1"/>
           <p:cNvSpPr>
             <a:spLocks noGrp="1"/>
           </p:cNvSpPr>
@@ -62,27 +62,22 @@
         <p:txBody>
           <a:bodyPr lIns="0" rIns="0" tIns="0" bIns="0" anchor="ctr"/>
           <a:p>
+            <a:pPr algn="ctr"/>
             <a:r>
-              <a:rPr b="0" lang="de-DE" sz="2400" spc="-1" strike="noStrike">
-                <a:solidFill>
-                  <a:srgbClr val="000000"/>
-                </a:solidFill>
-                <a:latin typeface="Helvetica Neue"/>
+              <a:rPr b="0" lang="de-DE" sz="4400" spc="-1" strike="noStrike">
+                <a:latin typeface="Arial"/>
               </a:rPr>
               <a:t>Folie mittels Klicken verschieben</a:t>
             </a:r>
-            <a:endParaRPr b="0" lang="de-DE" sz="2400" spc="-1" strike="noStrike">
-              <a:solidFill>
-                <a:srgbClr val="000000"/>
-              </a:solidFill>
-              <a:latin typeface="Helvetica Neue"/>
-            </a:endParaRPr>
-          </a:p>
-        </p:txBody>
-      </p:sp>
-      <p:sp>
-        <p:nvSpPr>
-          <p:cNvPr id="90" name="PlaceHolder 2"/>
+            <a:endParaRPr b="0" lang="de-DE" sz="4400" spc="-1" strike="noStrike">
+              <a:latin typeface="Arial"/>
+            </a:endParaRPr>
+          </a:p>
+        </p:txBody>
+      </p:sp>
+      <p:sp>
+        <p:nvSpPr>
+          <p:cNvPr id="87" name="PlaceHolder 2"/>
           <p:cNvSpPr>
             <a:spLocks noGrp="1"/>
           </p:cNvSpPr>
@@ -116,7 +111,7 @@
       </p:sp>
       <p:sp>
         <p:nvSpPr>
-          <p:cNvPr id="91" name="PlaceHolder 3"/>
+          <p:cNvPr id="88" name="PlaceHolder 3"/>
           <p:cNvSpPr>
             <a:spLocks noGrp="1"/>
           </p:cNvSpPr>
@@ -150,7 +145,7 @@
       </p:sp>
       <p:sp>
         <p:nvSpPr>
-          <p:cNvPr id="92" name="PlaceHolder 4"/>
+          <p:cNvPr id="89" name="PlaceHolder 4"/>
           <p:cNvSpPr>
             <a:spLocks noGrp="1"/>
           </p:cNvSpPr>
@@ -185,7 +180,7 @@
       </p:sp>
       <p:sp>
         <p:nvSpPr>
-          <p:cNvPr id="93" name="PlaceHolder 5"/>
+          <p:cNvPr id="90" name="PlaceHolder 5"/>
           <p:cNvSpPr>
             <a:spLocks noGrp="1"/>
           </p:cNvSpPr>
@@ -219,7 +214,7 @@
       </p:sp>
       <p:sp>
         <p:nvSpPr>
-          <p:cNvPr id="94" name="PlaceHolder 6"/>
+          <p:cNvPr id="91" name="PlaceHolder 6"/>
           <p:cNvSpPr>
             <a:spLocks noGrp="1"/>
           </p:cNvSpPr>
@@ -240,7 +235,7 @@
           <a:bodyPr lIns="0" rIns="0" tIns="0" bIns="0" anchor="b"/>
           <a:p>
             <a:pPr algn="r"/>
-            <a:fld id="{40D4DF07-2057-4964-A938-E377182B3888}" type="slidenum">
+            <a:fld id="{90DBF7AB-7A67-4410-AF08-5283AFD7BAB6}" type="slidenum">
               <a:rPr b="0" lang="de-DE" sz="1400" spc="-1" strike="noStrike">
                 <a:latin typeface="Times New Roman"/>
               </a:rPr>
@@ -277,7 +272,7 @@
       </p:grpSpPr>
       <p:sp>
         <p:nvSpPr>
-          <p:cNvPr id="151" name="PlaceHolder 1"/>
+          <p:cNvPr id="149" name="PlaceHolder 1"/>
           <p:cNvSpPr>
             <a:spLocks noGrp="1"/>
           </p:cNvSpPr>
@@ -288,16 +283,16 @@
         <p:spPr>
           <a:xfrm>
             <a:off x="919080" y="746280"/>
-            <a:ext cx="4959000" cy="3720600"/>
-          </a:xfrm>
-          <a:prstGeom prst="rect">
-            <a:avLst/>
-          </a:prstGeom>
-        </p:spPr>
-      </p:sp>
-      <p:sp>
-        <p:nvSpPr>
-          <p:cNvPr id="152" name="PlaceHolder 2"/>
+            <a:ext cx="4958640" cy="3720240"/>
+          </a:xfrm>
+          <a:prstGeom prst="rect">
+            <a:avLst/>
+          </a:prstGeom>
+        </p:spPr>
+      </p:sp>
+      <p:sp>
+        <p:nvSpPr>
+          <p:cNvPr id="150" name="PlaceHolder 2"/>
           <p:cNvSpPr>
             <a:spLocks noGrp="1"/>
           </p:cNvSpPr>
@@ -308,7 +303,7 @@
         <p:spPr>
           <a:xfrm>
             <a:off x="906480" y="4715640"/>
-            <a:ext cx="4984560" cy="4466160"/>
+            <a:ext cx="4984200" cy="4465800"/>
           </a:xfrm>
           <a:prstGeom prst="rect">
             <a:avLst/>
@@ -325,14 +320,14 @@
       </p:sp>
       <p:sp>
         <p:nvSpPr>
-          <p:cNvPr id="153" name="TextShape 3"/>
-          <p:cNvSpPr txBox="1"/>
+          <p:cNvPr id="151" name="CustomShape 3"/>
+          <p:cNvSpPr/>
           <p:nvPr/>
         </p:nvSpPr>
         <p:spPr>
           <a:xfrm>
             <a:off x="3851280" y="9429840"/>
-            <a:ext cx="2945880" cy="496440"/>
+            <a:ext cx="2945520" cy="496080"/>
           </a:xfrm>
           <a:prstGeom prst="rect">
             <a:avLst/>
@@ -342,6 +337,12 @@
             <a:noFill/>
           </a:ln>
         </p:spPr>
+        <p:style>
+          <a:lnRef idx="0"/>
+          <a:fillRef idx="0"/>
+          <a:effectRef idx="0"/>
+          <a:fontRef idx="minor"/>
+        </p:style>
         <p:txBody>
           <a:bodyPr lIns="95400" rIns="95400" tIns="47880" bIns="47880" anchor="b"/>
           <a:p>
@@ -350,7 +351,7 @@
                 <a:spcPct val="100000"/>
               </a:lnSpc>
             </a:pPr>
-            <a:fld id="{93F7A8E9-E004-4470-A2D2-A712F73EEDC6}" type="slidenum">
+            <a:fld id="{67F84BA4-B1C5-49D4-ACC4-3D78EE25BBDD}" type="slidenum">
               <a:rPr b="0" lang="de-DE" sz="1300" spc="-1" strike="noStrike">
                 <a:solidFill>
                   <a:srgbClr val="000000"/>
@@ -361,7 +362,7 @@
               <a:t>&lt;Foliennummer&gt;</a:t>
             </a:fld>
             <a:endParaRPr b="0" lang="de-DE" sz="1300" spc="-1" strike="noStrike">
-              <a:latin typeface="Times New Roman"/>
+              <a:latin typeface="Arial"/>
             </a:endParaRPr>
           </a:p>
         </p:txBody>
@@ -390,7 +391,7 @@
       </p:grpSpPr>
       <p:sp>
         <p:nvSpPr>
-          <p:cNvPr id="154" name="PlaceHolder 1"/>
+          <p:cNvPr id="152" name="PlaceHolder 1"/>
           <p:cNvSpPr>
             <a:spLocks noGrp="1"/>
           </p:cNvSpPr>
@@ -401,16 +402,16 @@
         <p:spPr>
           <a:xfrm>
             <a:off x="919080" y="746280"/>
-            <a:ext cx="4959000" cy="3720600"/>
-          </a:xfrm>
-          <a:prstGeom prst="rect">
-            <a:avLst/>
-          </a:prstGeom>
-        </p:spPr>
-      </p:sp>
-      <p:sp>
-        <p:nvSpPr>
-          <p:cNvPr id="155" name="PlaceHolder 2"/>
+            <a:ext cx="4958640" cy="3720240"/>
+          </a:xfrm>
+          <a:prstGeom prst="rect">
+            <a:avLst/>
+          </a:prstGeom>
+        </p:spPr>
+      </p:sp>
+      <p:sp>
+        <p:nvSpPr>
+          <p:cNvPr id="153" name="PlaceHolder 2"/>
           <p:cNvSpPr>
             <a:spLocks noGrp="1"/>
           </p:cNvSpPr>
@@ -421,7 +422,7 @@
         <p:spPr>
           <a:xfrm>
             <a:off x="906480" y="4715640"/>
-            <a:ext cx="4984560" cy="4466160"/>
+            <a:ext cx="4984200" cy="4465800"/>
           </a:xfrm>
           <a:prstGeom prst="rect">
             <a:avLst/>
@@ -438,14 +439,14 @@
       </p:sp>
       <p:sp>
         <p:nvSpPr>
-          <p:cNvPr id="156" name="TextShape 3"/>
-          <p:cNvSpPr txBox="1"/>
+          <p:cNvPr id="154" name="CustomShape 3"/>
+          <p:cNvSpPr/>
           <p:nvPr/>
         </p:nvSpPr>
         <p:spPr>
           <a:xfrm>
             <a:off x="3851280" y="9429840"/>
-            <a:ext cx="2945880" cy="496440"/>
+            <a:ext cx="2945520" cy="496080"/>
           </a:xfrm>
           <a:prstGeom prst="rect">
             <a:avLst/>
@@ -455,6 +456,12 @@
             <a:noFill/>
           </a:ln>
         </p:spPr>
+        <p:style>
+          <a:lnRef idx="0"/>
+          <a:fillRef idx="0"/>
+          <a:effectRef idx="0"/>
+          <a:fontRef idx="minor"/>
+        </p:style>
         <p:txBody>
           <a:bodyPr lIns="95400" rIns="95400" tIns="47880" bIns="47880" anchor="b"/>
           <a:p>
@@ -463,7 +470,7 @@
                 <a:spcPct val="100000"/>
               </a:lnSpc>
             </a:pPr>
-            <a:fld id="{6A4FB04C-5B2F-4E36-95CE-02953FADC267}" type="slidenum">
+            <a:fld id="{9971E0EA-CB75-452E-8007-AA38DA311B09}" type="slidenum">
               <a:rPr b="0" lang="de-DE" sz="1300" spc="-1" strike="noStrike">
                 <a:solidFill>
                   <a:srgbClr val="000000"/>
@@ -474,7 +481,7 @@
               <a:t>&lt;Foliennummer&gt;</a:t>
             </a:fld>
             <a:endParaRPr b="0" lang="de-DE" sz="1300" spc="-1" strike="noStrike">
-              <a:latin typeface="Times New Roman"/>
+              <a:latin typeface="Arial"/>
             </a:endParaRPr>
           </a:p>
         </p:txBody>
@@ -503,7 +510,7 @@
       </p:grpSpPr>
       <p:sp>
         <p:nvSpPr>
-          <p:cNvPr id="157" name="PlaceHolder 1"/>
+          <p:cNvPr id="155" name="PlaceHolder 1"/>
           <p:cNvSpPr>
             <a:spLocks noGrp="1"/>
           </p:cNvSpPr>
@@ -514,16 +521,16 @@
         <p:spPr>
           <a:xfrm>
             <a:off x="919080" y="746280"/>
-            <a:ext cx="4959000" cy="3720600"/>
-          </a:xfrm>
-          <a:prstGeom prst="rect">
-            <a:avLst/>
-          </a:prstGeom>
-        </p:spPr>
-      </p:sp>
-      <p:sp>
-        <p:nvSpPr>
-          <p:cNvPr id="158" name="PlaceHolder 2"/>
+            <a:ext cx="4958640" cy="3720240"/>
+          </a:xfrm>
+          <a:prstGeom prst="rect">
+            <a:avLst/>
+          </a:prstGeom>
+        </p:spPr>
+      </p:sp>
+      <p:sp>
+        <p:nvSpPr>
+          <p:cNvPr id="156" name="PlaceHolder 2"/>
           <p:cNvSpPr>
             <a:spLocks noGrp="1"/>
           </p:cNvSpPr>
@@ -534,7 +541,7 @@
         <p:spPr>
           <a:xfrm>
             <a:off x="906480" y="4715640"/>
-            <a:ext cx="4984560" cy="4466160"/>
+            <a:ext cx="4984200" cy="4465800"/>
           </a:xfrm>
           <a:prstGeom prst="rect">
             <a:avLst/>
@@ -551,14 +558,14 @@
       </p:sp>
       <p:sp>
         <p:nvSpPr>
-          <p:cNvPr id="159" name="TextShape 3"/>
-          <p:cNvSpPr txBox="1"/>
+          <p:cNvPr id="157" name="CustomShape 3"/>
+          <p:cNvSpPr/>
           <p:nvPr/>
         </p:nvSpPr>
         <p:spPr>
           <a:xfrm>
             <a:off x="3851280" y="9429840"/>
-            <a:ext cx="2945880" cy="496440"/>
+            <a:ext cx="2945520" cy="496080"/>
           </a:xfrm>
           <a:prstGeom prst="rect">
             <a:avLst/>
@@ -568,6 +575,12 @@
             <a:noFill/>
           </a:ln>
         </p:spPr>
+        <p:style>
+          <a:lnRef idx="0"/>
+          <a:fillRef idx="0"/>
+          <a:effectRef idx="0"/>
+          <a:fontRef idx="minor"/>
+        </p:style>
         <p:txBody>
           <a:bodyPr lIns="95400" rIns="95400" tIns="47880" bIns="47880" anchor="b"/>
           <a:p>
@@ -576,7 +589,7 @@
                 <a:spcPct val="100000"/>
               </a:lnSpc>
             </a:pPr>
-            <a:fld id="{22BC6156-0C9F-4DAF-B4C0-F0FA164420E9}" type="slidenum">
+            <a:fld id="{94811705-E27D-4079-B2EB-996305A90F9C}" type="slidenum">
               <a:rPr b="0" lang="de-DE" sz="1300" spc="-1" strike="noStrike">
                 <a:solidFill>
                   <a:srgbClr val="000000"/>
@@ -587,7 +600,7 @@
               <a:t>&lt;Foliennummer&gt;</a:t>
             </a:fld>
             <a:endParaRPr b="0" lang="de-DE" sz="1300" spc="-1" strike="noStrike">
-              <a:latin typeface="Times New Roman"/>
+              <a:latin typeface="Arial"/>
             </a:endParaRPr>
           </a:p>
         </p:txBody>
@@ -616,7 +629,7 @@
       </p:grpSpPr>
       <p:sp>
         <p:nvSpPr>
-          <p:cNvPr id="160" name="PlaceHolder 1"/>
+          <p:cNvPr id="158" name="PlaceHolder 1"/>
           <p:cNvSpPr>
             <a:spLocks noGrp="1"/>
           </p:cNvSpPr>
@@ -627,16 +640,16 @@
         <p:spPr>
           <a:xfrm>
             <a:off x="919080" y="746280"/>
-            <a:ext cx="4959000" cy="3720600"/>
-          </a:xfrm>
-          <a:prstGeom prst="rect">
-            <a:avLst/>
-          </a:prstGeom>
-        </p:spPr>
-      </p:sp>
-      <p:sp>
-        <p:nvSpPr>
-          <p:cNvPr id="161" name="PlaceHolder 2"/>
+            <a:ext cx="4958640" cy="3720240"/>
+          </a:xfrm>
+          <a:prstGeom prst="rect">
+            <a:avLst/>
+          </a:prstGeom>
+        </p:spPr>
+      </p:sp>
+      <p:sp>
+        <p:nvSpPr>
+          <p:cNvPr id="159" name="PlaceHolder 2"/>
           <p:cNvSpPr>
             <a:spLocks noGrp="1"/>
           </p:cNvSpPr>
@@ -647,7 +660,7 @@
         <p:spPr>
           <a:xfrm>
             <a:off x="906480" y="4715640"/>
-            <a:ext cx="4984560" cy="4466160"/>
+            <a:ext cx="4984200" cy="4465800"/>
           </a:xfrm>
           <a:prstGeom prst="rect">
             <a:avLst/>
@@ -664,14 +677,14 @@
       </p:sp>
       <p:sp>
         <p:nvSpPr>
-          <p:cNvPr id="162" name="TextShape 3"/>
-          <p:cNvSpPr txBox="1"/>
+          <p:cNvPr id="160" name="CustomShape 3"/>
+          <p:cNvSpPr/>
           <p:nvPr/>
         </p:nvSpPr>
         <p:spPr>
           <a:xfrm>
             <a:off x="3851280" y="9429840"/>
-            <a:ext cx="2945880" cy="496440"/>
+            <a:ext cx="2945520" cy="496080"/>
           </a:xfrm>
           <a:prstGeom prst="rect">
             <a:avLst/>
@@ -681,6 +694,12 @@
             <a:noFill/>
           </a:ln>
         </p:spPr>
+        <p:style>
+          <a:lnRef idx="0"/>
+          <a:fillRef idx="0"/>
+          <a:effectRef idx="0"/>
+          <a:fontRef idx="minor"/>
+        </p:style>
         <p:txBody>
           <a:bodyPr lIns="95400" rIns="95400" tIns="47880" bIns="47880" anchor="b"/>
           <a:p>
@@ -689,7 +708,7 @@
                 <a:spcPct val="100000"/>
               </a:lnSpc>
             </a:pPr>
-            <a:fld id="{160A5097-861F-421E-A7A1-4A23B82F6CFC}" type="slidenum">
+            <a:fld id="{5239495A-5DE0-4181-ACF5-4B65EE886806}" type="slidenum">
               <a:rPr b="0" lang="de-DE" sz="1300" spc="-1" strike="noStrike">
                 <a:solidFill>
                   <a:srgbClr val="000000"/>
@@ -700,7 +719,7 @@
               <a:t>&lt;Foliennummer&gt;</a:t>
             </a:fld>
             <a:endParaRPr b="0" lang="de-DE" sz="1300" spc="-1" strike="noStrike">
-              <a:latin typeface="Times New Roman"/>
+              <a:latin typeface="Arial"/>
             </a:endParaRPr>
           </a:p>
         </p:txBody>
@@ -729,7 +748,7 @@
       </p:grpSpPr>
       <p:sp>
         <p:nvSpPr>
-          <p:cNvPr id="163" name="PlaceHolder 1"/>
+          <p:cNvPr id="161" name="PlaceHolder 1"/>
           <p:cNvSpPr>
             <a:spLocks noGrp="1"/>
           </p:cNvSpPr>
@@ -740,16 +759,16 @@
         <p:spPr>
           <a:xfrm>
             <a:off x="919080" y="746280"/>
-            <a:ext cx="4959000" cy="3720600"/>
-          </a:xfrm>
-          <a:prstGeom prst="rect">
-            <a:avLst/>
-          </a:prstGeom>
-        </p:spPr>
-      </p:sp>
-      <p:sp>
-        <p:nvSpPr>
-          <p:cNvPr id="164" name="PlaceHolder 2"/>
+            <a:ext cx="4958640" cy="3720240"/>
+          </a:xfrm>
+          <a:prstGeom prst="rect">
+            <a:avLst/>
+          </a:prstGeom>
+        </p:spPr>
+      </p:sp>
+      <p:sp>
+        <p:nvSpPr>
+          <p:cNvPr id="162" name="PlaceHolder 2"/>
           <p:cNvSpPr>
             <a:spLocks noGrp="1"/>
           </p:cNvSpPr>
@@ -760,7 +779,7 @@
         <p:spPr>
           <a:xfrm>
             <a:off x="906480" y="4715640"/>
-            <a:ext cx="4984560" cy="4466160"/>
+            <a:ext cx="4984200" cy="4465800"/>
           </a:xfrm>
           <a:prstGeom prst="rect">
             <a:avLst/>
@@ -777,14 +796,14 @@
       </p:sp>
       <p:sp>
         <p:nvSpPr>
-          <p:cNvPr id="165" name="TextShape 3"/>
-          <p:cNvSpPr txBox="1"/>
+          <p:cNvPr id="163" name="CustomShape 3"/>
+          <p:cNvSpPr/>
           <p:nvPr/>
         </p:nvSpPr>
         <p:spPr>
           <a:xfrm>
             <a:off x="3851280" y="9429840"/>
-            <a:ext cx="2945880" cy="496440"/>
+            <a:ext cx="2945520" cy="496080"/>
           </a:xfrm>
           <a:prstGeom prst="rect">
             <a:avLst/>
@@ -794,6 +813,12 @@
             <a:noFill/>
           </a:ln>
         </p:spPr>
+        <p:style>
+          <a:lnRef idx="0"/>
+          <a:fillRef idx="0"/>
+          <a:effectRef idx="0"/>
+          <a:fontRef idx="minor"/>
+        </p:style>
         <p:txBody>
           <a:bodyPr lIns="95400" rIns="95400" tIns="47880" bIns="47880" anchor="b"/>
           <a:p>
@@ -802,7 +827,7 @@
                 <a:spcPct val="100000"/>
               </a:lnSpc>
             </a:pPr>
-            <a:fld id="{EBF6EDFF-1A57-40B7-A04A-10A49666336B}" type="slidenum">
+            <a:fld id="{90F64611-AF36-4EB7-8576-453B7BDBDA69}" type="slidenum">
               <a:rPr b="0" lang="de-DE" sz="1300" spc="-1" strike="noStrike">
                 <a:solidFill>
                   <a:srgbClr val="000000"/>
@@ -813,7 +838,7 @@
               <a:t>&lt;Foliennummer&gt;</a:t>
             </a:fld>
             <a:endParaRPr b="0" lang="de-DE" sz="1300" spc="-1" strike="noStrike">
-              <a:latin typeface="Times New Roman"/>
+              <a:latin typeface="Arial"/>
             </a:endParaRPr>
           </a:p>
         </p:txBody>
@@ -842,7 +867,7 @@
       </p:grpSpPr>
       <p:sp>
         <p:nvSpPr>
-          <p:cNvPr id="166" name="PlaceHolder 1"/>
+          <p:cNvPr id="164" name="PlaceHolder 1"/>
           <p:cNvSpPr>
             <a:spLocks noGrp="1"/>
           </p:cNvSpPr>
@@ -853,16 +878,16 @@
         <p:spPr>
           <a:xfrm>
             <a:off x="919080" y="746280"/>
-            <a:ext cx="4959000" cy="3720600"/>
-          </a:xfrm>
-          <a:prstGeom prst="rect">
-            <a:avLst/>
-          </a:prstGeom>
-        </p:spPr>
-      </p:sp>
-      <p:sp>
-        <p:nvSpPr>
-          <p:cNvPr id="167" name="PlaceHolder 2"/>
+            <a:ext cx="4958640" cy="3720240"/>
+          </a:xfrm>
+          <a:prstGeom prst="rect">
+            <a:avLst/>
+          </a:prstGeom>
+        </p:spPr>
+      </p:sp>
+      <p:sp>
+        <p:nvSpPr>
+          <p:cNvPr id="165" name="PlaceHolder 2"/>
           <p:cNvSpPr>
             <a:spLocks noGrp="1"/>
           </p:cNvSpPr>
@@ -873,7 +898,7 @@
         <p:spPr>
           <a:xfrm>
             <a:off x="906480" y="4715640"/>
-            <a:ext cx="4984560" cy="4466160"/>
+            <a:ext cx="4984200" cy="4465800"/>
           </a:xfrm>
           <a:prstGeom prst="rect">
             <a:avLst/>
@@ -890,14 +915,14 @@
       </p:sp>
       <p:sp>
         <p:nvSpPr>
-          <p:cNvPr id="168" name="TextShape 3"/>
-          <p:cNvSpPr txBox="1"/>
+          <p:cNvPr id="166" name="CustomShape 3"/>
+          <p:cNvSpPr/>
           <p:nvPr/>
         </p:nvSpPr>
         <p:spPr>
           <a:xfrm>
             <a:off x="3851280" y="9429840"/>
-            <a:ext cx="2945880" cy="496440"/>
+            <a:ext cx="2945520" cy="496080"/>
           </a:xfrm>
           <a:prstGeom prst="rect">
             <a:avLst/>
@@ -907,6 +932,12 @@
             <a:noFill/>
           </a:ln>
         </p:spPr>
+        <p:style>
+          <a:lnRef idx="0"/>
+          <a:fillRef idx="0"/>
+          <a:effectRef idx="0"/>
+          <a:fontRef idx="minor"/>
+        </p:style>
         <p:txBody>
           <a:bodyPr lIns="95400" rIns="95400" tIns="47880" bIns="47880" anchor="b"/>
           <a:p>
@@ -915,7 +946,7 @@
                 <a:spcPct val="100000"/>
               </a:lnSpc>
             </a:pPr>
-            <a:fld id="{6C10D040-835F-4CF4-9382-4AC719AB2061}" type="slidenum">
+            <a:fld id="{1EEB0207-4BF8-4FD7-B5A4-03FA8D49F941}" type="slidenum">
               <a:rPr b="0" lang="de-DE" sz="1300" spc="-1" strike="noStrike">
                 <a:solidFill>
                   <a:srgbClr val="000000"/>
@@ -926,7 +957,7 @@
               <a:t>&lt;Foliennummer&gt;</a:t>
             </a:fld>
             <a:endParaRPr b="0" lang="de-DE" sz="1300" spc="-1" strike="noStrike">
-              <a:latin typeface="Times New Roman"/>
+              <a:latin typeface="Arial"/>
             </a:endParaRPr>
           </a:p>
         </p:txBody>
@@ -955,7 +986,7 @@
       </p:grpSpPr>
       <p:sp>
         <p:nvSpPr>
-          <p:cNvPr id="169" name="PlaceHolder 1"/>
+          <p:cNvPr id="167" name="PlaceHolder 1"/>
           <p:cNvSpPr>
             <a:spLocks noGrp="1"/>
           </p:cNvSpPr>
@@ -966,16 +997,16 @@
         <p:spPr>
           <a:xfrm>
             <a:off x="919080" y="746280"/>
-            <a:ext cx="4959000" cy="3720600"/>
-          </a:xfrm>
-          <a:prstGeom prst="rect">
-            <a:avLst/>
-          </a:prstGeom>
-        </p:spPr>
-      </p:sp>
-      <p:sp>
-        <p:nvSpPr>
-          <p:cNvPr id="170" name="PlaceHolder 2"/>
+            <a:ext cx="4958640" cy="3720240"/>
+          </a:xfrm>
+          <a:prstGeom prst="rect">
+            <a:avLst/>
+          </a:prstGeom>
+        </p:spPr>
+      </p:sp>
+      <p:sp>
+        <p:nvSpPr>
+          <p:cNvPr id="168" name="PlaceHolder 2"/>
           <p:cNvSpPr>
             <a:spLocks noGrp="1"/>
           </p:cNvSpPr>
@@ -986,7 +1017,7 @@
         <p:spPr>
           <a:xfrm>
             <a:off x="906480" y="4715640"/>
-            <a:ext cx="4984560" cy="4466160"/>
+            <a:ext cx="4984200" cy="4465800"/>
           </a:xfrm>
           <a:prstGeom prst="rect">
             <a:avLst/>
@@ -1003,14 +1034,14 @@
       </p:sp>
       <p:sp>
         <p:nvSpPr>
-          <p:cNvPr id="171" name="TextShape 3"/>
-          <p:cNvSpPr txBox="1"/>
+          <p:cNvPr id="169" name="CustomShape 3"/>
+          <p:cNvSpPr/>
           <p:nvPr/>
         </p:nvSpPr>
         <p:spPr>
           <a:xfrm>
             <a:off x="3851280" y="9429840"/>
-            <a:ext cx="2945880" cy="496440"/>
+            <a:ext cx="2945520" cy="496080"/>
           </a:xfrm>
           <a:prstGeom prst="rect">
             <a:avLst/>
@@ -1020,6 +1051,12 @@
             <a:noFill/>
           </a:ln>
         </p:spPr>
+        <p:style>
+          <a:lnRef idx="0"/>
+          <a:fillRef idx="0"/>
+          <a:effectRef idx="0"/>
+          <a:fontRef idx="minor"/>
+        </p:style>
         <p:txBody>
           <a:bodyPr lIns="95400" rIns="95400" tIns="47880" bIns="47880" anchor="b"/>
           <a:p>
@@ -1028,7 +1065,7 @@
                 <a:spcPct val="100000"/>
               </a:lnSpc>
             </a:pPr>
-            <a:fld id="{4CD710EE-2626-4D34-864E-27F403B3AF2D}" type="slidenum">
+            <a:fld id="{EB76FB03-65D1-494C-876E-AF229EB5808C}" type="slidenum">
               <a:rPr b="0" lang="de-DE" sz="1300" spc="-1" strike="noStrike">
                 <a:solidFill>
                   <a:srgbClr val="000000"/>
@@ -1039,7 +1076,7 @@
               <a:t>&lt;Foliennummer&gt;</a:t>
             </a:fld>
             <a:endParaRPr b="0" lang="de-DE" sz="1300" spc="-1" strike="noStrike">
-              <a:latin typeface="Times New Roman"/>
+              <a:latin typeface="Arial"/>
             </a:endParaRPr>
           </a:p>
         </p:txBody>
@@ -1100,8 +1137,8 @@
         </p:nvSpPr>
         <p:spPr>
           <a:xfrm>
-            <a:off x="250920" y="44280"/>
-            <a:ext cx="7535520" cy="720360"/>
+            <a:off x="457200" y="273600"/>
+            <a:ext cx="8229240" cy="1144800"/>
           </a:xfrm>
           <a:prstGeom prst="rect">
             <a:avLst/>
@@ -1110,11 +1147,9 @@
         <p:txBody>
           <a:bodyPr lIns="0" rIns="0" tIns="0" bIns="0" anchor="ctr"/>
           <a:p>
-            <a:endParaRPr b="0" lang="de-DE" sz="2400" spc="-1" strike="noStrike">
-              <a:solidFill>
-                <a:srgbClr val="000000"/>
-              </a:solidFill>
-              <a:latin typeface="Helvetica Neue"/>
+            <a:pPr algn="ctr"/>
+            <a:endParaRPr b="0" lang="de-DE" sz="4400" spc="-1" strike="noStrike">
+              <a:latin typeface="Arial"/>
             </a:endParaRPr>
           </a:p>
         </p:txBody>
@@ -1131,8 +1166,8 @@
         </p:nvSpPr>
         <p:spPr>
           <a:xfrm>
-            <a:off x="250920" y="981000"/>
-            <a:ext cx="8642160" cy="2575800"/>
+            <a:off x="457200" y="1604520"/>
+            <a:ext cx="8229240" cy="1896840"/>
           </a:xfrm>
           <a:prstGeom prst="rect">
             <a:avLst/>
@@ -1143,10 +1178,7 @@
             <a:normAutofit/>
           </a:bodyPr>
           <a:p>
-            <a:endParaRPr b="0" lang="de-DE" sz="1800" spc="-1" strike="noStrike">
-              <a:solidFill>
-                <a:srgbClr val="000000"/>
-              </a:solidFill>
+            <a:endParaRPr b="0" lang="de-DE" sz="3200" spc="-1" strike="noStrike">
               <a:latin typeface="Arial"/>
             </a:endParaRPr>
           </a:p>
@@ -1164,8 +1196,8 @@
         </p:nvSpPr>
         <p:spPr>
           <a:xfrm>
-            <a:off x="250920" y="3801960"/>
-            <a:ext cx="8642160" cy="2575800"/>
+            <a:off x="457200" y="3682080"/>
+            <a:ext cx="8229240" cy="1896840"/>
           </a:xfrm>
           <a:prstGeom prst="rect">
             <a:avLst/>
@@ -1176,10 +1208,7 @@
             <a:normAutofit/>
           </a:bodyPr>
           <a:p>
-            <a:endParaRPr b="0" lang="de-DE" sz="1800" spc="-1" strike="noStrike">
-              <a:solidFill>
-                <a:srgbClr val="000000"/>
-              </a:solidFill>
+            <a:endParaRPr b="0" lang="de-DE" sz="3200" spc="-1" strike="noStrike">
               <a:latin typeface="Arial"/>
             </a:endParaRPr>
           </a:p>
@@ -1219,8 +1248,8 @@
         </p:nvSpPr>
         <p:spPr>
           <a:xfrm>
-            <a:off x="250920" y="44280"/>
-            <a:ext cx="7535520" cy="720360"/>
+            <a:off x="457200" y="273600"/>
+            <a:ext cx="8229240" cy="1144800"/>
           </a:xfrm>
           <a:prstGeom prst="rect">
             <a:avLst/>
@@ -1229,11 +1258,9 @@
         <p:txBody>
           <a:bodyPr lIns="0" rIns="0" tIns="0" bIns="0" anchor="ctr"/>
           <a:p>
-            <a:endParaRPr b="0" lang="de-DE" sz="2400" spc="-1" strike="noStrike">
-              <a:solidFill>
-                <a:srgbClr val="000000"/>
-              </a:solidFill>
-              <a:latin typeface="Helvetica Neue"/>
+            <a:pPr algn="ctr"/>
+            <a:endParaRPr b="0" lang="de-DE" sz="4400" spc="-1" strike="noStrike">
+              <a:latin typeface="Arial"/>
             </a:endParaRPr>
           </a:p>
         </p:txBody>
@@ -1250,8 +1277,8 @@
         </p:nvSpPr>
         <p:spPr>
           <a:xfrm>
-            <a:off x="250920" y="981000"/>
-            <a:ext cx="4217040" cy="2575800"/>
+            <a:off x="457200" y="1604520"/>
+            <a:ext cx="4015800" cy="1896840"/>
           </a:xfrm>
           <a:prstGeom prst="rect">
             <a:avLst/>
@@ -1262,10 +1289,7 @@
             <a:normAutofit/>
           </a:bodyPr>
           <a:p>
-            <a:endParaRPr b="0" lang="de-DE" sz="1800" spc="-1" strike="noStrike">
-              <a:solidFill>
-                <a:srgbClr val="000000"/>
-              </a:solidFill>
+            <a:endParaRPr b="0" lang="de-DE" sz="3200" spc="-1" strike="noStrike">
               <a:latin typeface="Arial"/>
             </a:endParaRPr>
           </a:p>
@@ -1283,8 +1307,8 @@
         </p:nvSpPr>
         <p:spPr>
           <a:xfrm>
-            <a:off x="4679280" y="981000"/>
-            <a:ext cx="4217040" cy="2575800"/>
+            <a:off x="4674240" y="1604520"/>
+            <a:ext cx="4015800" cy="1896840"/>
           </a:xfrm>
           <a:prstGeom prst="rect">
             <a:avLst/>
@@ -1295,10 +1319,7 @@
             <a:normAutofit/>
           </a:bodyPr>
           <a:p>
-            <a:endParaRPr b="0" lang="de-DE" sz="1800" spc="-1" strike="noStrike">
-              <a:solidFill>
-                <a:srgbClr val="000000"/>
-              </a:solidFill>
+            <a:endParaRPr b="0" lang="de-DE" sz="3200" spc="-1" strike="noStrike">
               <a:latin typeface="Arial"/>
             </a:endParaRPr>
           </a:p>
@@ -1316,8 +1337,8 @@
         </p:nvSpPr>
         <p:spPr>
           <a:xfrm>
-            <a:off x="250920" y="3801960"/>
-            <a:ext cx="4217040" cy="2575800"/>
+            <a:off x="457200" y="3682080"/>
+            <a:ext cx="4015800" cy="1896840"/>
           </a:xfrm>
           <a:prstGeom prst="rect">
             <a:avLst/>
@@ -1328,10 +1349,7 @@
             <a:normAutofit/>
           </a:bodyPr>
           <a:p>
-            <a:endParaRPr b="0" lang="de-DE" sz="1800" spc="-1" strike="noStrike">
-              <a:solidFill>
-                <a:srgbClr val="000000"/>
-              </a:solidFill>
+            <a:endParaRPr b="0" lang="de-DE" sz="3200" spc="-1" strike="noStrike">
               <a:latin typeface="Arial"/>
             </a:endParaRPr>
           </a:p>
@@ -1349,8 +1367,8 @@
         </p:nvSpPr>
         <p:spPr>
           <a:xfrm>
-            <a:off x="4679280" y="3801960"/>
-            <a:ext cx="4217040" cy="2575800"/>
+            <a:off x="4674240" y="3682080"/>
+            <a:ext cx="4015800" cy="1896840"/>
           </a:xfrm>
           <a:prstGeom prst="rect">
             <a:avLst/>
@@ -1361,10 +1379,7 @@
             <a:normAutofit/>
           </a:bodyPr>
           <a:p>
-            <a:endParaRPr b="0" lang="de-DE" sz="1800" spc="-1" strike="noStrike">
-              <a:solidFill>
-                <a:srgbClr val="000000"/>
-              </a:solidFill>
+            <a:endParaRPr b="0" lang="de-DE" sz="3200" spc="-1" strike="noStrike">
               <a:latin typeface="Arial"/>
             </a:endParaRPr>
           </a:p>
@@ -1404,8 +1419,8 @@
         </p:nvSpPr>
         <p:spPr>
           <a:xfrm>
-            <a:off x="250920" y="44280"/>
-            <a:ext cx="7535520" cy="720360"/>
+            <a:off x="457200" y="273600"/>
+            <a:ext cx="8229240" cy="1144800"/>
           </a:xfrm>
           <a:prstGeom prst="rect">
             <a:avLst/>
@@ -1414,11 +1429,9 @@
         <p:txBody>
           <a:bodyPr lIns="0" rIns="0" tIns="0" bIns="0" anchor="ctr"/>
           <a:p>
-            <a:endParaRPr b="0" lang="de-DE" sz="2400" spc="-1" strike="noStrike">
-              <a:solidFill>
-                <a:srgbClr val="000000"/>
-              </a:solidFill>
-              <a:latin typeface="Helvetica Neue"/>
+            <a:pPr algn="ctr"/>
+            <a:endParaRPr b="0" lang="de-DE" sz="4400" spc="-1" strike="noStrike">
+              <a:latin typeface="Arial"/>
             </a:endParaRPr>
           </a:p>
         </p:txBody>
@@ -1435,8 +1448,8 @@
         </p:nvSpPr>
         <p:spPr>
           <a:xfrm>
-            <a:off x="250920" y="981000"/>
-            <a:ext cx="2782440" cy="2575800"/>
+            <a:off x="457200" y="1604520"/>
+            <a:ext cx="2649600" cy="1896840"/>
           </a:xfrm>
           <a:prstGeom prst="rect">
             <a:avLst/>
@@ -1447,10 +1460,7 @@
             <a:normAutofit/>
           </a:bodyPr>
           <a:p>
-            <a:endParaRPr b="0" lang="de-DE" sz="1800" spc="-1" strike="noStrike">
-              <a:solidFill>
-                <a:srgbClr val="000000"/>
-              </a:solidFill>
+            <a:endParaRPr b="0" lang="de-DE" sz="3200" spc="-1" strike="noStrike">
               <a:latin typeface="Arial"/>
             </a:endParaRPr>
           </a:p>
@@ -1468,8 +1478,8 @@
         </p:nvSpPr>
         <p:spPr>
           <a:xfrm>
-            <a:off x="3173040" y="981000"/>
-            <a:ext cx="2782440" cy="2575800"/>
+            <a:off x="3239640" y="1604520"/>
+            <a:ext cx="2649600" cy="1896840"/>
           </a:xfrm>
           <a:prstGeom prst="rect">
             <a:avLst/>
@@ -1480,10 +1490,7 @@
             <a:normAutofit/>
           </a:bodyPr>
           <a:p>
-            <a:endParaRPr b="0" lang="de-DE" sz="1800" spc="-1" strike="noStrike">
-              <a:solidFill>
-                <a:srgbClr val="000000"/>
-              </a:solidFill>
+            <a:endParaRPr b="0" lang="de-DE" sz="3200" spc="-1" strike="noStrike">
               <a:latin typeface="Arial"/>
             </a:endParaRPr>
           </a:p>
@@ -1501,8 +1508,8 @@
         </p:nvSpPr>
         <p:spPr>
           <a:xfrm>
-            <a:off x="6094800" y="981000"/>
-            <a:ext cx="2782440" cy="2575800"/>
+            <a:off x="6022080" y="1604520"/>
+            <a:ext cx="2649600" cy="1896840"/>
           </a:xfrm>
           <a:prstGeom prst="rect">
             <a:avLst/>
@@ -1513,10 +1520,7 @@
             <a:normAutofit/>
           </a:bodyPr>
           <a:p>
-            <a:endParaRPr b="0" lang="de-DE" sz="1800" spc="-1" strike="noStrike">
-              <a:solidFill>
-                <a:srgbClr val="000000"/>
-              </a:solidFill>
+            <a:endParaRPr b="0" lang="de-DE" sz="3200" spc="-1" strike="noStrike">
               <a:latin typeface="Arial"/>
             </a:endParaRPr>
           </a:p>
@@ -1534,8 +1538,8 @@
         </p:nvSpPr>
         <p:spPr>
           <a:xfrm>
-            <a:off x="250920" y="3801960"/>
-            <a:ext cx="2782440" cy="2575800"/>
+            <a:off x="457200" y="3682080"/>
+            <a:ext cx="2649600" cy="1896840"/>
           </a:xfrm>
           <a:prstGeom prst="rect">
             <a:avLst/>
@@ -1546,10 +1550,7 @@
             <a:normAutofit/>
           </a:bodyPr>
           <a:p>
-            <a:endParaRPr b="0" lang="de-DE" sz="1800" spc="-1" strike="noStrike">
-              <a:solidFill>
-                <a:srgbClr val="000000"/>
-              </a:solidFill>
+            <a:endParaRPr b="0" lang="de-DE" sz="3200" spc="-1" strike="noStrike">
               <a:latin typeface="Arial"/>
             </a:endParaRPr>
           </a:p>
@@ -1567,8 +1568,8 @@
         </p:nvSpPr>
         <p:spPr>
           <a:xfrm>
-            <a:off x="3173040" y="3801960"/>
-            <a:ext cx="2782440" cy="2575800"/>
+            <a:off x="3239640" y="3682080"/>
+            <a:ext cx="2649600" cy="1896840"/>
           </a:xfrm>
           <a:prstGeom prst="rect">
             <a:avLst/>
@@ -1579,10 +1580,7 @@
             <a:normAutofit/>
           </a:bodyPr>
           <a:p>
-            <a:endParaRPr b="0" lang="de-DE" sz="1800" spc="-1" strike="noStrike">
-              <a:solidFill>
-                <a:srgbClr val="000000"/>
-              </a:solidFill>
+            <a:endParaRPr b="0" lang="de-DE" sz="3200" spc="-1" strike="noStrike">
               <a:latin typeface="Arial"/>
             </a:endParaRPr>
           </a:p>
@@ -1600,8 +1598,8 @@
         </p:nvSpPr>
         <p:spPr>
           <a:xfrm>
-            <a:off x="6094800" y="3801960"/>
-            <a:ext cx="2782440" cy="2575800"/>
+            <a:off x="6022080" y="3682080"/>
+            <a:ext cx="2649600" cy="1896840"/>
           </a:xfrm>
           <a:prstGeom prst="rect">
             <a:avLst/>
@@ -1612,10 +1610,7 @@
             <a:normAutofit/>
           </a:bodyPr>
           <a:p>
-            <a:endParaRPr b="0" lang="de-DE" sz="1800" spc="-1" strike="noStrike">
-              <a:solidFill>
-                <a:srgbClr val="000000"/>
-              </a:solidFill>
+            <a:endParaRPr b="0" lang="de-DE" sz="3200" spc="-1" strike="noStrike">
               <a:latin typeface="Arial"/>
             </a:endParaRPr>
           </a:p>
@@ -1667,7 +1662,7 @@
       </p:grpSpPr>
       <p:sp>
         <p:nvSpPr>
-          <p:cNvPr id="53" name="PlaceHolder 1"/>
+          <p:cNvPr id="50" name="PlaceHolder 1"/>
           <p:cNvSpPr>
             <a:spLocks noGrp="1"/>
           </p:cNvSpPr>
@@ -1677,8 +1672,8 @@
         </p:nvSpPr>
         <p:spPr>
           <a:xfrm>
-            <a:off x="250920" y="44280"/>
-            <a:ext cx="7535520" cy="720360"/>
+            <a:off x="457200" y="273600"/>
+            <a:ext cx="8229240" cy="1144800"/>
           </a:xfrm>
           <a:prstGeom prst="rect">
             <a:avLst/>
@@ -1687,18 +1682,16 @@
         <p:txBody>
           <a:bodyPr lIns="0" rIns="0" tIns="0" bIns="0" anchor="ctr"/>
           <a:p>
-            <a:endParaRPr b="0" lang="de-DE" sz="2400" spc="-1" strike="noStrike">
-              <a:solidFill>
-                <a:srgbClr val="000000"/>
-              </a:solidFill>
-              <a:latin typeface="Helvetica Neue"/>
-            </a:endParaRPr>
-          </a:p>
-        </p:txBody>
-      </p:sp>
-      <p:sp>
-        <p:nvSpPr>
-          <p:cNvPr id="54" name="PlaceHolder 2"/>
+            <a:pPr algn="ctr"/>
+            <a:endParaRPr b="0" lang="de-DE" sz="4400" spc="-1" strike="noStrike">
+              <a:latin typeface="Arial"/>
+            </a:endParaRPr>
+          </a:p>
+        </p:txBody>
+      </p:sp>
+      <p:sp>
+        <p:nvSpPr>
+          <p:cNvPr id="51" name="PlaceHolder 2"/>
           <p:cNvSpPr>
             <a:spLocks noGrp="1"/>
           </p:cNvSpPr>
@@ -1708,8 +1701,8 @@
         </p:nvSpPr>
         <p:spPr>
           <a:xfrm>
-            <a:off x="250920" y="981000"/>
-            <a:ext cx="8642160" cy="5400360"/>
+            <a:off x="457200" y="1604520"/>
+            <a:ext cx="8229240" cy="3977280"/>
           </a:xfrm>
           <a:prstGeom prst="rect">
             <a:avLst/>
@@ -1749,7 +1742,7 @@
       </p:grpSpPr>
       <p:sp>
         <p:nvSpPr>
-          <p:cNvPr id="55" name="PlaceHolder 1"/>
+          <p:cNvPr id="52" name="PlaceHolder 1"/>
           <p:cNvSpPr>
             <a:spLocks noGrp="1"/>
           </p:cNvSpPr>
@@ -1759,8 +1752,8 @@
         </p:nvSpPr>
         <p:spPr>
           <a:xfrm>
-            <a:off x="250920" y="44280"/>
-            <a:ext cx="7535520" cy="720360"/>
+            <a:off x="457200" y="273600"/>
+            <a:ext cx="8229240" cy="1144800"/>
           </a:xfrm>
           <a:prstGeom prst="rect">
             <a:avLst/>
@@ -1769,18 +1762,16 @@
         <p:txBody>
           <a:bodyPr lIns="0" rIns="0" tIns="0" bIns="0" anchor="ctr"/>
           <a:p>
-            <a:endParaRPr b="0" lang="de-DE" sz="2400" spc="-1" strike="noStrike">
-              <a:solidFill>
-                <a:srgbClr val="000000"/>
-              </a:solidFill>
-              <a:latin typeface="Helvetica Neue"/>
-            </a:endParaRPr>
-          </a:p>
-        </p:txBody>
-      </p:sp>
-      <p:sp>
-        <p:nvSpPr>
-          <p:cNvPr id="56" name="PlaceHolder 2"/>
+            <a:pPr algn="ctr"/>
+            <a:endParaRPr b="0" lang="de-DE" sz="4400" spc="-1" strike="noStrike">
+              <a:latin typeface="Arial"/>
+            </a:endParaRPr>
+          </a:p>
+        </p:txBody>
+      </p:sp>
+      <p:sp>
+        <p:nvSpPr>
+          <p:cNvPr id="53" name="PlaceHolder 2"/>
           <p:cNvSpPr>
             <a:spLocks noGrp="1"/>
           </p:cNvSpPr>
@@ -1790,8 +1781,8 @@
         </p:nvSpPr>
         <p:spPr>
           <a:xfrm>
-            <a:off x="250920" y="981000"/>
-            <a:ext cx="8642160" cy="5400360"/>
+            <a:off x="457200" y="1604520"/>
+            <a:ext cx="8229240" cy="3977280"/>
           </a:xfrm>
           <a:prstGeom prst="rect">
             <a:avLst/>
@@ -1802,10 +1793,7 @@
             <a:normAutofit/>
           </a:bodyPr>
           <a:p>
-            <a:endParaRPr b="0" lang="de-DE" sz="1800" spc="-1" strike="noStrike">
-              <a:solidFill>
-                <a:srgbClr val="000000"/>
-              </a:solidFill>
+            <a:endParaRPr b="0" lang="de-DE" sz="3200" spc="-1" strike="noStrike">
               <a:latin typeface="Arial"/>
             </a:endParaRPr>
           </a:p>
@@ -1835,7 +1823,7 @@
       </p:grpSpPr>
       <p:sp>
         <p:nvSpPr>
-          <p:cNvPr id="57" name="PlaceHolder 1"/>
+          <p:cNvPr id="54" name="PlaceHolder 1"/>
           <p:cNvSpPr>
             <a:spLocks noGrp="1"/>
           </p:cNvSpPr>
@@ -1845,8 +1833,8 @@
         </p:nvSpPr>
         <p:spPr>
           <a:xfrm>
-            <a:off x="250920" y="44280"/>
-            <a:ext cx="7535520" cy="720360"/>
+            <a:off x="457200" y="273600"/>
+            <a:ext cx="8229240" cy="1144800"/>
           </a:xfrm>
           <a:prstGeom prst="rect">
             <a:avLst/>
@@ -1855,18 +1843,16 @@
         <p:txBody>
           <a:bodyPr lIns="0" rIns="0" tIns="0" bIns="0" anchor="ctr"/>
           <a:p>
-            <a:endParaRPr b="0" lang="de-DE" sz="2400" spc="-1" strike="noStrike">
-              <a:solidFill>
-                <a:srgbClr val="000000"/>
-              </a:solidFill>
-              <a:latin typeface="Helvetica Neue"/>
-            </a:endParaRPr>
-          </a:p>
-        </p:txBody>
-      </p:sp>
-      <p:sp>
-        <p:nvSpPr>
-          <p:cNvPr id="58" name="PlaceHolder 2"/>
+            <a:pPr algn="ctr"/>
+            <a:endParaRPr b="0" lang="de-DE" sz="4400" spc="-1" strike="noStrike">
+              <a:latin typeface="Arial"/>
+            </a:endParaRPr>
+          </a:p>
+        </p:txBody>
+      </p:sp>
+      <p:sp>
+        <p:nvSpPr>
+          <p:cNvPr id="55" name="PlaceHolder 2"/>
           <p:cNvSpPr>
             <a:spLocks noGrp="1"/>
           </p:cNvSpPr>
@@ -1876,8 +1862,8 @@
         </p:nvSpPr>
         <p:spPr>
           <a:xfrm>
-            <a:off x="250920" y="981000"/>
-            <a:ext cx="4217040" cy="5400360"/>
+            <a:off x="457200" y="1604520"/>
+            <a:ext cx="4015800" cy="3977280"/>
           </a:xfrm>
           <a:prstGeom prst="rect">
             <a:avLst/>
@@ -1888,18 +1874,15 @@
             <a:normAutofit/>
           </a:bodyPr>
           <a:p>
-            <a:endParaRPr b="0" lang="de-DE" sz="1800" spc="-1" strike="noStrike">
-              <a:solidFill>
-                <a:srgbClr val="000000"/>
-              </a:solidFill>
-              <a:latin typeface="Arial"/>
-            </a:endParaRPr>
-          </a:p>
-        </p:txBody>
-      </p:sp>
-      <p:sp>
-        <p:nvSpPr>
-          <p:cNvPr id="59" name="PlaceHolder 3"/>
+            <a:endParaRPr b="0" lang="de-DE" sz="3200" spc="-1" strike="noStrike">
+              <a:latin typeface="Arial"/>
+            </a:endParaRPr>
+          </a:p>
+        </p:txBody>
+      </p:sp>
+      <p:sp>
+        <p:nvSpPr>
+          <p:cNvPr id="56" name="PlaceHolder 3"/>
           <p:cNvSpPr>
             <a:spLocks noGrp="1"/>
           </p:cNvSpPr>
@@ -1909,8 +1892,8 @@
         </p:nvSpPr>
         <p:spPr>
           <a:xfrm>
-            <a:off x="4679280" y="981000"/>
-            <a:ext cx="4217040" cy="5400360"/>
+            <a:off x="4674240" y="1604520"/>
+            <a:ext cx="4015800" cy="3977280"/>
           </a:xfrm>
           <a:prstGeom prst="rect">
             <a:avLst/>
@@ -1921,10 +1904,7 @@
             <a:normAutofit/>
           </a:bodyPr>
           <a:p>
-            <a:endParaRPr b="0" lang="de-DE" sz="1800" spc="-1" strike="noStrike">
-              <a:solidFill>
-                <a:srgbClr val="000000"/>
-              </a:solidFill>
+            <a:endParaRPr b="0" lang="de-DE" sz="3200" spc="-1" strike="noStrike">
               <a:latin typeface="Arial"/>
             </a:endParaRPr>
           </a:p>
@@ -1954,7 +1934,7 @@
       </p:grpSpPr>
       <p:sp>
         <p:nvSpPr>
-          <p:cNvPr id="60" name="PlaceHolder 1"/>
+          <p:cNvPr id="57" name="PlaceHolder 1"/>
           <p:cNvSpPr>
             <a:spLocks noGrp="1"/>
           </p:cNvSpPr>
@@ -1964,8 +1944,8 @@
         </p:nvSpPr>
         <p:spPr>
           <a:xfrm>
-            <a:off x="250920" y="44280"/>
-            <a:ext cx="7535520" cy="720360"/>
+            <a:off x="457200" y="273600"/>
+            <a:ext cx="8229240" cy="1144800"/>
           </a:xfrm>
           <a:prstGeom prst="rect">
             <a:avLst/>
@@ -1974,11 +1954,9 @@
         <p:txBody>
           <a:bodyPr lIns="0" rIns="0" tIns="0" bIns="0" anchor="ctr"/>
           <a:p>
-            <a:endParaRPr b="0" lang="de-DE" sz="2400" spc="-1" strike="noStrike">
-              <a:solidFill>
-                <a:srgbClr val="000000"/>
-              </a:solidFill>
-              <a:latin typeface="Helvetica Neue"/>
+            <a:pPr algn="ctr"/>
+            <a:endParaRPr b="0" lang="de-DE" sz="4400" spc="-1" strike="noStrike">
+              <a:latin typeface="Arial"/>
             </a:endParaRPr>
           </a:p>
         </p:txBody>
@@ -2007,7 +1985,7 @@
       </p:grpSpPr>
       <p:sp>
         <p:nvSpPr>
-          <p:cNvPr id="61" name="PlaceHolder 1"/>
+          <p:cNvPr id="58" name="PlaceHolder 1"/>
           <p:cNvSpPr>
             <a:spLocks noGrp="1"/>
           </p:cNvSpPr>
@@ -2017,8 +1995,8 @@
         </p:nvSpPr>
         <p:spPr>
           <a:xfrm>
-            <a:off x="250920" y="44280"/>
-            <a:ext cx="7535520" cy="3340440"/>
+            <a:off x="457200" y="273600"/>
+            <a:ext cx="8229240" cy="5307840"/>
           </a:xfrm>
           <a:prstGeom prst="rect">
             <a:avLst/>
@@ -2058,7 +2036,7 @@
       </p:grpSpPr>
       <p:sp>
         <p:nvSpPr>
-          <p:cNvPr id="62" name="PlaceHolder 1"/>
+          <p:cNvPr id="59" name="PlaceHolder 1"/>
           <p:cNvSpPr>
             <a:spLocks noGrp="1"/>
           </p:cNvSpPr>
@@ -2068,8 +2046,8 @@
         </p:nvSpPr>
         <p:spPr>
           <a:xfrm>
-            <a:off x="250920" y="44280"/>
-            <a:ext cx="7535520" cy="720360"/>
+            <a:off x="457200" y="273600"/>
+            <a:ext cx="8229240" cy="1144800"/>
           </a:xfrm>
           <a:prstGeom prst="rect">
             <a:avLst/>
@@ -2078,18 +2056,16 @@
         <p:txBody>
           <a:bodyPr lIns="0" rIns="0" tIns="0" bIns="0" anchor="ctr"/>
           <a:p>
-            <a:endParaRPr b="0" lang="de-DE" sz="2400" spc="-1" strike="noStrike">
-              <a:solidFill>
-                <a:srgbClr val="000000"/>
-              </a:solidFill>
-              <a:latin typeface="Helvetica Neue"/>
-            </a:endParaRPr>
-          </a:p>
-        </p:txBody>
-      </p:sp>
-      <p:sp>
-        <p:nvSpPr>
-          <p:cNvPr id="63" name="PlaceHolder 2"/>
+            <a:pPr algn="ctr"/>
+            <a:endParaRPr b="0" lang="de-DE" sz="4400" spc="-1" strike="noStrike">
+              <a:latin typeface="Arial"/>
+            </a:endParaRPr>
+          </a:p>
+        </p:txBody>
+      </p:sp>
+      <p:sp>
+        <p:nvSpPr>
+          <p:cNvPr id="60" name="PlaceHolder 2"/>
           <p:cNvSpPr>
             <a:spLocks noGrp="1"/>
           </p:cNvSpPr>
@@ -2099,8 +2075,8 @@
         </p:nvSpPr>
         <p:spPr>
           <a:xfrm>
-            <a:off x="250920" y="981000"/>
-            <a:ext cx="4217040" cy="2575800"/>
+            <a:off x="457200" y="1604520"/>
+            <a:ext cx="4015800" cy="1896840"/>
           </a:xfrm>
           <a:prstGeom prst="rect">
             <a:avLst/>
@@ -2111,18 +2087,15 @@
             <a:normAutofit/>
           </a:bodyPr>
           <a:p>
-            <a:endParaRPr b="0" lang="de-DE" sz="1800" spc="-1" strike="noStrike">
-              <a:solidFill>
-                <a:srgbClr val="000000"/>
-              </a:solidFill>
-              <a:latin typeface="Arial"/>
-            </a:endParaRPr>
-          </a:p>
-        </p:txBody>
-      </p:sp>
-      <p:sp>
-        <p:nvSpPr>
-          <p:cNvPr id="64" name="PlaceHolder 3"/>
+            <a:endParaRPr b="0" lang="de-DE" sz="3200" spc="-1" strike="noStrike">
+              <a:latin typeface="Arial"/>
+            </a:endParaRPr>
+          </a:p>
+        </p:txBody>
+      </p:sp>
+      <p:sp>
+        <p:nvSpPr>
+          <p:cNvPr id="61" name="PlaceHolder 3"/>
           <p:cNvSpPr>
             <a:spLocks noGrp="1"/>
           </p:cNvSpPr>
@@ -2132,8 +2105,8 @@
         </p:nvSpPr>
         <p:spPr>
           <a:xfrm>
-            <a:off x="4679280" y="981000"/>
-            <a:ext cx="4217040" cy="5400360"/>
+            <a:off x="4674240" y="1604520"/>
+            <a:ext cx="4015800" cy="3977280"/>
           </a:xfrm>
           <a:prstGeom prst="rect">
             <a:avLst/>
@@ -2144,18 +2117,15 @@
             <a:normAutofit/>
           </a:bodyPr>
           <a:p>
-            <a:endParaRPr b="0" lang="de-DE" sz="1800" spc="-1" strike="noStrike">
-              <a:solidFill>
-                <a:srgbClr val="000000"/>
-              </a:solidFill>
-              <a:latin typeface="Arial"/>
-            </a:endParaRPr>
-          </a:p>
-        </p:txBody>
-      </p:sp>
-      <p:sp>
-        <p:nvSpPr>
-          <p:cNvPr id="65" name="PlaceHolder 4"/>
+            <a:endParaRPr b="0" lang="de-DE" sz="3200" spc="-1" strike="noStrike">
+              <a:latin typeface="Arial"/>
+            </a:endParaRPr>
+          </a:p>
+        </p:txBody>
+      </p:sp>
+      <p:sp>
+        <p:nvSpPr>
+          <p:cNvPr id="62" name="PlaceHolder 4"/>
           <p:cNvSpPr>
             <a:spLocks noGrp="1"/>
           </p:cNvSpPr>
@@ -2165,8 +2135,8 @@
         </p:nvSpPr>
         <p:spPr>
           <a:xfrm>
-            <a:off x="250920" y="3801960"/>
-            <a:ext cx="4217040" cy="2575800"/>
+            <a:off x="457200" y="3682080"/>
+            <a:ext cx="4015800" cy="1896840"/>
           </a:xfrm>
           <a:prstGeom prst="rect">
             <a:avLst/>
@@ -2177,10 +2147,7 @@
             <a:normAutofit/>
           </a:bodyPr>
           <a:p>
-            <a:endParaRPr b="0" lang="de-DE" sz="1800" spc="-1" strike="noStrike">
-              <a:solidFill>
-                <a:srgbClr val="000000"/>
-              </a:solidFill>
+            <a:endParaRPr b="0" lang="de-DE" sz="3200" spc="-1" strike="noStrike">
               <a:latin typeface="Arial"/>
             </a:endParaRPr>
           </a:p>
@@ -2220,8 +2187,8 @@
         </p:nvSpPr>
         <p:spPr>
           <a:xfrm>
-            <a:off x="250920" y="44280"/>
-            <a:ext cx="7535520" cy="720360"/>
+            <a:off x="457200" y="273600"/>
+            <a:ext cx="8229240" cy="1144800"/>
           </a:xfrm>
           <a:prstGeom prst="rect">
             <a:avLst/>
@@ -2230,11 +2197,9 @@
         <p:txBody>
           <a:bodyPr lIns="0" rIns="0" tIns="0" bIns="0" anchor="ctr"/>
           <a:p>
-            <a:endParaRPr b="0" lang="de-DE" sz="2400" spc="-1" strike="noStrike">
-              <a:solidFill>
-                <a:srgbClr val="000000"/>
-              </a:solidFill>
-              <a:latin typeface="Helvetica Neue"/>
+            <a:pPr algn="ctr"/>
+            <a:endParaRPr b="0" lang="de-DE" sz="4400" spc="-1" strike="noStrike">
+              <a:latin typeface="Arial"/>
             </a:endParaRPr>
           </a:p>
         </p:txBody>
@@ -2251,8 +2216,8 @@
         </p:nvSpPr>
         <p:spPr>
           <a:xfrm>
-            <a:off x="250920" y="981000"/>
-            <a:ext cx="8642160" cy="5400360"/>
+            <a:off x="457200" y="1604520"/>
+            <a:ext cx="8229240" cy="3977280"/>
           </a:xfrm>
           <a:prstGeom prst="rect">
             <a:avLst/>
@@ -2292,7 +2257,7 @@
       </p:grpSpPr>
       <p:sp>
         <p:nvSpPr>
-          <p:cNvPr id="66" name="PlaceHolder 1"/>
+          <p:cNvPr id="63" name="PlaceHolder 1"/>
           <p:cNvSpPr>
             <a:spLocks noGrp="1"/>
           </p:cNvSpPr>
@@ -2302,8 +2267,8 @@
         </p:nvSpPr>
         <p:spPr>
           <a:xfrm>
-            <a:off x="250920" y="44280"/>
-            <a:ext cx="7535520" cy="720360"/>
+            <a:off x="457200" y="273600"/>
+            <a:ext cx="8229240" cy="1144800"/>
           </a:xfrm>
           <a:prstGeom prst="rect">
             <a:avLst/>
@@ -2312,18 +2277,16 @@
         <p:txBody>
           <a:bodyPr lIns="0" rIns="0" tIns="0" bIns="0" anchor="ctr"/>
           <a:p>
-            <a:endParaRPr b="0" lang="de-DE" sz="2400" spc="-1" strike="noStrike">
-              <a:solidFill>
-                <a:srgbClr val="000000"/>
-              </a:solidFill>
-              <a:latin typeface="Helvetica Neue"/>
-            </a:endParaRPr>
-          </a:p>
-        </p:txBody>
-      </p:sp>
-      <p:sp>
-        <p:nvSpPr>
-          <p:cNvPr id="67" name="PlaceHolder 2"/>
+            <a:pPr algn="ctr"/>
+            <a:endParaRPr b="0" lang="de-DE" sz="4400" spc="-1" strike="noStrike">
+              <a:latin typeface="Arial"/>
+            </a:endParaRPr>
+          </a:p>
+        </p:txBody>
+      </p:sp>
+      <p:sp>
+        <p:nvSpPr>
+          <p:cNvPr id="64" name="PlaceHolder 2"/>
           <p:cNvSpPr>
             <a:spLocks noGrp="1"/>
           </p:cNvSpPr>
@@ -2333,8 +2296,8 @@
         </p:nvSpPr>
         <p:spPr>
           <a:xfrm>
-            <a:off x="250920" y="981000"/>
-            <a:ext cx="4217040" cy="5400360"/>
+            <a:off x="457200" y="1604520"/>
+            <a:ext cx="4015800" cy="3977280"/>
           </a:xfrm>
           <a:prstGeom prst="rect">
             <a:avLst/>
@@ -2345,18 +2308,15 @@
             <a:normAutofit/>
           </a:bodyPr>
           <a:p>
-            <a:endParaRPr b="0" lang="de-DE" sz="1800" spc="-1" strike="noStrike">
-              <a:solidFill>
-                <a:srgbClr val="000000"/>
-              </a:solidFill>
-              <a:latin typeface="Arial"/>
-            </a:endParaRPr>
-          </a:p>
-        </p:txBody>
-      </p:sp>
-      <p:sp>
-        <p:nvSpPr>
-          <p:cNvPr id="68" name="PlaceHolder 3"/>
+            <a:endParaRPr b="0" lang="de-DE" sz="3200" spc="-1" strike="noStrike">
+              <a:latin typeface="Arial"/>
+            </a:endParaRPr>
+          </a:p>
+        </p:txBody>
+      </p:sp>
+      <p:sp>
+        <p:nvSpPr>
+          <p:cNvPr id="65" name="PlaceHolder 3"/>
           <p:cNvSpPr>
             <a:spLocks noGrp="1"/>
           </p:cNvSpPr>
@@ -2366,8 +2326,8 @@
         </p:nvSpPr>
         <p:spPr>
           <a:xfrm>
-            <a:off x="4679280" y="981000"/>
-            <a:ext cx="4217040" cy="2575800"/>
+            <a:off x="4674240" y="1604520"/>
+            <a:ext cx="4015800" cy="1896840"/>
           </a:xfrm>
           <a:prstGeom prst="rect">
             <a:avLst/>
@@ -2378,18 +2338,15 @@
             <a:normAutofit/>
           </a:bodyPr>
           <a:p>
-            <a:endParaRPr b="0" lang="de-DE" sz="1800" spc="-1" strike="noStrike">
-              <a:solidFill>
-                <a:srgbClr val="000000"/>
-              </a:solidFill>
-              <a:latin typeface="Arial"/>
-            </a:endParaRPr>
-          </a:p>
-        </p:txBody>
-      </p:sp>
-      <p:sp>
-        <p:nvSpPr>
-          <p:cNvPr id="69" name="PlaceHolder 4"/>
+            <a:endParaRPr b="0" lang="de-DE" sz="3200" spc="-1" strike="noStrike">
+              <a:latin typeface="Arial"/>
+            </a:endParaRPr>
+          </a:p>
+        </p:txBody>
+      </p:sp>
+      <p:sp>
+        <p:nvSpPr>
+          <p:cNvPr id="66" name="PlaceHolder 4"/>
           <p:cNvSpPr>
             <a:spLocks noGrp="1"/>
           </p:cNvSpPr>
@@ -2399,8 +2356,8 @@
         </p:nvSpPr>
         <p:spPr>
           <a:xfrm>
-            <a:off x="4679280" y="3801960"/>
-            <a:ext cx="4217040" cy="2575800"/>
+            <a:off x="4674240" y="3682080"/>
+            <a:ext cx="4015800" cy="1896840"/>
           </a:xfrm>
           <a:prstGeom prst="rect">
             <a:avLst/>
@@ -2411,10 +2368,7 @@
             <a:normAutofit/>
           </a:bodyPr>
           <a:p>
-            <a:endParaRPr b="0" lang="de-DE" sz="1800" spc="-1" strike="noStrike">
-              <a:solidFill>
-                <a:srgbClr val="000000"/>
-              </a:solidFill>
+            <a:endParaRPr b="0" lang="de-DE" sz="3200" spc="-1" strike="noStrike">
               <a:latin typeface="Arial"/>
             </a:endParaRPr>
           </a:p>
@@ -2444,7 +2398,7 @@
       </p:grpSpPr>
       <p:sp>
         <p:nvSpPr>
-          <p:cNvPr id="70" name="PlaceHolder 1"/>
+          <p:cNvPr id="67" name="PlaceHolder 1"/>
           <p:cNvSpPr>
             <a:spLocks noGrp="1"/>
           </p:cNvSpPr>
@@ -2454,8 +2408,8 @@
         </p:nvSpPr>
         <p:spPr>
           <a:xfrm>
-            <a:off x="250920" y="44280"/>
-            <a:ext cx="7535520" cy="720360"/>
+            <a:off x="457200" y="273600"/>
+            <a:ext cx="8229240" cy="1144800"/>
           </a:xfrm>
           <a:prstGeom prst="rect">
             <a:avLst/>
@@ -2464,18 +2418,16 @@
         <p:txBody>
           <a:bodyPr lIns="0" rIns="0" tIns="0" bIns="0" anchor="ctr"/>
           <a:p>
-            <a:endParaRPr b="0" lang="de-DE" sz="2400" spc="-1" strike="noStrike">
-              <a:solidFill>
-                <a:srgbClr val="000000"/>
-              </a:solidFill>
-              <a:latin typeface="Helvetica Neue"/>
-            </a:endParaRPr>
-          </a:p>
-        </p:txBody>
-      </p:sp>
-      <p:sp>
-        <p:nvSpPr>
-          <p:cNvPr id="71" name="PlaceHolder 2"/>
+            <a:pPr algn="ctr"/>
+            <a:endParaRPr b="0" lang="de-DE" sz="4400" spc="-1" strike="noStrike">
+              <a:latin typeface="Arial"/>
+            </a:endParaRPr>
+          </a:p>
+        </p:txBody>
+      </p:sp>
+      <p:sp>
+        <p:nvSpPr>
+          <p:cNvPr id="68" name="PlaceHolder 2"/>
           <p:cNvSpPr>
             <a:spLocks noGrp="1"/>
           </p:cNvSpPr>
@@ -2485,8 +2437,8 @@
         </p:nvSpPr>
         <p:spPr>
           <a:xfrm>
-            <a:off x="250920" y="981000"/>
-            <a:ext cx="4217040" cy="2575800"/>
+            <a:off x="457200" y="1604520"/>
+            <a:ext cx="4015800" cy="1896840"/>
           </a:xfrm>
           <a:prstGeom prst="rect">
             <a:avLst/>
@@ -2497,18 +2449,15 @@
             <a:normAutofit/>
           </a:bodyPr>
           <a:p>
-            <a:endParaRPr b="0" lang="de-DE" sz="1800" spc="-1" strike="noStrike">
-              <a:solidFill>
-                <a:srgbClr val="000000"/>
-              </a:solidFill>
-              <a:latin typeface="Arial"/>
-            </a:endParaRPr>
-          </a:p>
-        </p:txBody>
-      </p:sp>
-      <p:sp>
-        <p:nvSpPr>
-          <p:cNvPr id="72" name="PlaceHolder 3"/>
+            <a:endParaRPr b="0" lang="de-DE" sz="3200" spc="-1" strike="noStrike">
+              <a:latin typeface="Arial"/>
+            </a:endParaRPr>
+          </a:p>
+        </p:txBody>
+      </p:sp>
+      <p:sp>
+        <p:nvSpPr>
+          <p:cNvPr id="69" name="PlaceHolder 3"/>
           <p:cNvSpPr>
             <a:spLocks noGrp="1"/>
           </p:cNvSpPr>
@@ -2518,8 +2467,8 @@
         </p:nvSpPr>
         <p:spPr>
           <a:xfrm>
-            <a:off x="4679280" y="981000"/>
-            <a:ext cx="4217040" cy="2575800"/>
+            <a:off x="4674240" y="1604520"/>
+            <a:ext cx="4015800" cy="1896840"/>
           </a:xfrm>
           <a:prstGeom prst="rect">
             <a:avLst/>
@@ -2530,18 +2479,15 @@
             <a:normAutofit/>
           </a:bodyPr>
           <a:p>
-            <a:endParaRPr b="0" lang="de-DE" sz="1800" spc="-1" strike="noStrike">
-              <a:solidFill>
-                <a:srgbClr val="000000"/>
-              </a:solidFill>
-              <a:latin typeface="Arial"/>
-            </a:endParaRPr>
-          </a:p>
-        </p:txBody>
-      </p:sp>
-      <p:sp>
-        <p:nvSpPr>
-          <p:cNvPr id="73" name="PlaceHolder 4"/>
+            <a:endParaRPr b="0" lang="de-DE" sz="3200" spc="-1" strike="noStrike">
+              <a:latin typeface="Arial"/>
+            </a:endParaRPr>
+          </a:p>
+        </p:txBody>
+      </p:sp>
+      <p:sp>
+        <p:nvSpPr>
+          <p:cNvPr id="70" name="PlaceHolder 4"/>
           <p:cNvSpPr>
             <a:spLocks noGrp="1"/>
           </p:cNvSpPr>
@@ -2551,8 +2497,8 @@
         </p:nvSpPr>
         <p:spPr>
           <a:xfrm>
-            <a:off x="250920" y="3801960"/>
-            <a:ext cx="8642160" cy="2575800"/>
+            <a:off x="457200" y="3682080"/>
+            <a:ext cx="8229240" cy="1896840"/>
           </a:xfrm>
           <a:prstGeom prst="rect">
             <a:avLst/>
@@ -2563,10 +2509,7 @@
             <a:normAutofit/>
           </a:bodyPr>
           <a:p>
-            <a:endParaRPr b="0" lang="de-DE" sz="1800" spc="-1" strike="noStrike">
-              <a:solidFill>
-                <a:srgbClr val="000000"/>
-              </a:solidFill>
+            <a:endParaRPr b="0" lang="de-DE" sz="3200" spc="-1" strike="noStrike">
               <a:latin typeface="Arial"/>
             </a:endParaRPr>
           </a:p>
@@ -2596,7 +2539,7 @@
       </p:grpSpPr>
       <p:sp>
         <p:nvSpPr>
-          <p:cNvPr id="74" name="PlaceHolder 1"/>
+          <p:cNvPr id="71" name="PlaceHolder 1"/>
           <p:cNvSpPr>
             <a:spLocks noGrp="1"/>
           </p:cNvSpPr>
@@ -2606,8 +2549,8 @@
         </p:nvSpPr>
         <p:spPr>
           <a:xfrm>
-            <a:off x="250920" y="44280"/>
-            <a:ext cx="7535520" cy="720360"/>
+            <a:off x="457200" y="273600"/>
+            <a:ext cx="8229240" cy="1144800"/>
           </a:xfrm>
           <a:prstGeom prst="rect">
             <a:avLst/>
@@ -2616,18 +2559,16 @@
         <p:txBody>
           <a:bodyPr lIns="0" rIns="0" tIns="0" bIns="0" anchor="ctr"/>
           <a:p>
-            <a:endParaRPr b="0" lang="de-DE" sz="2400" spc="-1" strike="noStrike">
-              <a:solidFill>
-                <a:srgbClr val="000000"/>
-              </a:solidFill>
-              <a:latin typeface="Helvetica Neue"/>
-            </a:endParaRPr>
-          </a:p>
-        </p:txBody>
-      </p:sp>
-      <p:sp>
-        <p:nvSpPr>
-          <p:cNvPr id="75" name="PlaceHolder 2"/>
+            <a:pPr algn="ctr"/>
+            <a:endParaRPr b="0" lang="de-DE" sz="4400" spc="-1" strike="noStrike">
+              <a:latin typeface="Arial"/>
+            </a:endParaRPr>
+          </a:p>
+        </p:txBody>
+      </p:sp>
+      <p:sp>
+        <p:nvSpPr>
+          <p:cNvPr id="72" name="PlaceHolder 2"/>
           <p:cNvSpPr>
             <a:spLocks noGrp="1"/>
           </p:cNvSpPr>
@@ -2637,8 +2578,8 @@
         </p:nvSpPr>
         <p:spPr>
           <a:xfrm>
-            <a:off x="250920" y="981000"/>
-            <a:ext cx="8642160" cy="2575800"/>
+            <a:off x="457200" y="1604520"/>
+            <a:ext cx="8229240" cy="1896840"/>
           </a:xfrm>
           <a:prstGeom prst="rect">
             <a:avLst/>
@@ -2649,18 +2590,15 @@
             <a:normAutofit/>
           </a:bodyPr>
           <a:p>
-            <a:endParaRPr b="0" lang="de-DE" sz="1800" spc="-1" strike="noStrike">
-              <a:solidFill>
-                <a:srgbClr val="000000"/>
-              </a:solidFill>
-              <a:latin typeface="Arial"/>
-            </a:endParaRPr>
-          </a:p>
-        </p:txBody>
-      </p:sp>
-      <p:sp>
-        <p:nvSpPr>
-          <p:cNvPr id="76" name="PlaceHolder 3"/>
+            <a:endParaRPr b="0" lang="de-DE" sz="3200" spc="-1" strike="noStrike">
+              <a:latin typeface="Arial"/>
+            </a:endParaRPr>
+          </a:p>
+        </p:txBody>
+      </p:sp>
+      <p:sp>
+        <p:nvSpPr>
+          <p:cNvPr id="73" name="PlaceHolder 3"/>
           <p:cNvSpPr>
             <a:spLocks noGrp="1"/>
           </p:cNvSpPr>
@@ -2670,8 +2608,8 @@
         </p:nvSpPr>
         <p:spPr>
           <a:xfrm>
-            <a:off x="250920" y="3801960"/>
-            <a:ext cx="8642160" cy="2575800"/>
+            <a:off x="457200" y="3682080"/>
+            <a:ext cx="8229240" cy="1896840"/>
           </a:xfrm>
           <a:prstGeom prst="rect">
             <a:avLst/>
@@ -2682,10 +2620,7 @@
             <a:normAutofit/>
           </a:bodyPr>
           <a:p>
-            <a:endParaRPr b="0" lang="de-DE" sz="1800" spc="-1" strike="noStrike">
-              <a:solidFill>
-                <a:srgbClr val="000000"/>
-              </a:solidFill>
+            <a:endParaRPr b="0" lang="de-DE" sz="3200" spc="-1" strike="noStrike">
               <a:latin typeface="Arial"/>
             </a:endParaRPr>
           </a:p>
@@ -2715,7 +2650,7 @@
       </p:grpSpPr>
       <p:sp>
         <p:nvSpPr>
-          <p:cNvPr id="77" name="PlaceHolder 1"/>
+          <p:cNvPr id="74" name="PlaceHolder 1"/>
           <p:cNvSpPr>
             <a:spLocks noGrp="1"/>
           </p:cNvSpPr>
@@ -2725,8 +2660,8 @@
         </p:nvSpPr>
         <p:spPr>
           <a:xfrm>
-            <a:off x="250920" y="44280"/>
-            <a:ext cx="7535520" cy="720360"/>
+            <a:off x="457200" y="273600"/>
+            <a:ext cx="8229240" cy="1144800"/>
           </a:xfrm>
           <a:prstGeom prst="rect">
             <a:avLst/>
@@ -2735,18 +2670,16 @@
         <p:txBody>
           <a:bodyPr lIns="0" rIns="0" tIns="0" bIns="0" anchor="ctr"/>
           <a:p>
-            <a:endParaRPr b="0" lang="de-DE" sz="2400" spc="-1" strike="noStrike">
-              <a:solidFill>
-                <a:srgbClr val="000000"/>
-              </a:solidFill>
-              <a:latin typeface="Helvetica Neue"/>
-            </a:endParaRPr>
-          </a:p>
-        </p:txBody>
-      </p:sp>
-      <p:sp>
-        <p:nvSpPr>
-          <p:cNvPr id="78" name="PlaceHolder 2"/>
+            <a:pPr algn="ctr"/>
+            <a:endParaRPr b="0" lang="de-DE" sz="4400" spc="-1" strike="noStrike">
+              <a:latin typeface="Arial"/>
+            </a:endParaRPr>
+          </a:p>
+        </p:txBody>
+      </p:sp>
+      <p:sp>
+        <p:nvSpPr>
+          <p:cNvPr id="75" name="PlaceHolder 2"/>
           <p:cNvSpPr>
             <a:spLocks noGrp="1"/>
           </p:cNvSpPr>
@@ -2756,8 +2689,8 @@
         </p:nvSpPr>
         <p:spPr>
           <a:xfrm>
-            <a:off x="250920" y="981000"/>
-            <a:ext cx="4217040" cy="2575800"/>
+            <a:off x="457200" y="1604520"/>
+            <a:ext cx="4015800" cy="1896840"/>
           </a:xfrm>
           <a:prstGeom prst="rect">
             <a:avLst/>
@@ -2768,18 +2701,15 @@
             <a:normAutofit/>
           </a:bodyPr>
           <a:p>
-            <a:endParaRPr b="0" lang="de-DE" sz="1800" spc="-1" strike="noStrike">
-              <a:solidFill>
-                <a:srgbClr val="000000"/>
-              </a:solidFill>
-              <a:latin typeface="Arial"/>
-            </a:endParaRPr>
-          </a:p>
-        </p:txBody>
-      </p:sp>
-      <p:sp>
-        <p:nvSpPr>
-          <p:cNvPr id="79" name="PlaceHolder 3"/>
+            <a:endParaRPr b="0" lang="de-DE" sz="3200" spc="-1" strike="noStrike">
+              <a:latin typeface="Arial"/>
+            </a:endParaRPr>
+          </a:p>
+        </p:txBody>
+      </p:sp>
+      <p:sp>
+        <p:nvSpPr>
+          <p:cNvPr id="76" name="PlaceHolder 3"/>
           <p:cNvSpPr>
             <a:spLocks noGrp="1"/>
           </p:cNvSpPr>
@@ -2789,8 +2719,8 @@
         </p:nvSpPr>
         <p:spPr>
           <a:xfrm>
-            <a:off x="4679280" y="981000"/>
-            <a:ext cx="4217040" cy="2575800"/>
+            <a:off x="4674240" y="1604520"/>
+            <a:ext cx="4015800" cy="1896840"/>
           </a:xfrm>
           <a:prstGeom prst="rect">
             <a:avLst/>
@@ -2801,18 +2731,15 @@
             <a:normAutofit/>
           </a:bodyPr>
           <a:p>
-            <a:endParaRPr b="0" lang="de-DE" sz="1800" spc="-1" strike="noStrike">
-              <a:solidFill>
-                <a:srgbClr val="000000"/>
-              </a:solidFill>
-              <a:latin typeface="Arial"/>
-            </a:endParaRPr>
-          </a:p>
-        </p:txBody>
-      </p:sp>
-      <p:sp>
-        <p:nvSpPr>
-          <p:cNvPr id="80" name="PlaceHolder 4"/>
+            <a:endParaRPr b="0" lang="de-DE" sz="3200" spc="-1" strike="noStrike">
+              <a:latin typeface="Arial"/>
+            </a:endParaRPr>
+          </a:p>
+        </p:txBody>
+      </p:sp>
+      <p:sp>
+        <p:nvSpPr>
+          <p:cNvPr id="77" name="PlaceHolder 4"/>
           <p:cNvSpPr>
             <a:spLocks noGrp="1"/>
           </p:cNvSpPr>
@@ -2822,8 +2749,8 @@
         </p:nvSpPr>
         <p:spPr>
           <a:xfrm>
-            <a:off x="250920" y="3801960"/>
-            <a:ext cx="4217040" cy="2575800"/>
+            <a:off x="457200" y="3682080"/>
+            <a:ext cx="4015800" cy="1896840"/>
           </a:xfrm>
           <a:prstGeom prst="rect">
             <a:avLst/>
@@ -2834,18 +2761,15 @@
             <a:normAutofit/>
           </a:bodyPr>
           <a:p>
-            <a:endParaRPr b="0" lang="de-DE" sz="1800" spc="-1" strike="noStrike">
-              <a:solidFill>
-                <a:srgbClr val="000000"/>
-              </a:solidFill>
-              <a:latin typeface="Arial"/>
-            </a:endParaRPr>
-          </a:p>
-        </p:txBody>
-      </p:sp>
-      <p:sp>
-        <p:nvSpPr>
-          <p:cNvPr id="81" name="PlaceHolder 5"/>
+            <a:endParaRPr b="0" lang="de-DE" sz="3200" spc="-1" strike="noStrike">
+              <a:latin typeface="Arial"/>
+            </a:endParaRPr>
+          </a:p>
+        </p:txBody>
+      </p:sp>
+      <p:sp>
+        <p:nvSpPr>
+          <p:cNvPr id="78" name="PlaceHolder 5"/>
           <p:cNvSpPr>
             <a:spLocks noGrp="1"/>
           </p:cNvSpPr>
@@ -2855,8 +2779,8 @@
         </p:nvSpPr>
         <p:spPr>
           <a:xfrm>
-            <a:off x="4679280" y="3801960"/>
-            <a:ext cx="4217040" cy="2575800"/>
+            <a:off x="4674240" y="3682080"/>
+            <a:ext cx="4015800" cy="1896840"/>
           </a:xfrm>
           <a:prstGeom prst="rect">
             <a:avLst/>
@@ -2867,10 +2791,7 @@
             <a:normAutofit/>
           </a:bodyPr>
           <a:p>
-            <a:endParaRPr b="0" lang="de-DE" sz="1800" spc="-1" strike="noStrike">
-              <a:solidFill>
-                <a:srgbClr val="000000"/>
-              </a:solidFill>
+            <a:endParaRPr b="0" lang="de-DE" sz="3200" spc="-1" strike="noStrike">
               <a:latin typeface="Arial"/>
             </a:endParaRPr>
           </a:p>
@@ -2900,7 +2821,7 @@
       </p:grpSpPr>
       <p:sp>
         <p:nvSpPr>
-          <p:cNvPr id="82" name="PlaceHolder 1"/>
+          <p:cNvPr id="79" name="PlaceHolder 1"/>
           <p:cNvSpPr>
             <a:spLocks noGrp="1"/>
           </p:cNvSpPr>
@@ -2910,8 +2831,8 @@
         </p:nvSpPr>
         <p:spPr>
           <a:xfrm>
-            <a:off x="250920" y="44280"/>
-            <a:ext cx="7535520" cy="720360"/>
+            <a:off x="457200" y="273600"/>
+            <a:ext cx="8229240" cy="1144800"/>
           </a:xfrm>
           <a:prstGeom prst="rect">
             <a:avLst/>
@@ -2920,18 +2841,16 @@
         <p:txBody>
           <a:bodyPr lIns="0" rIns="0" tIns="0" bIns="0" anchor="ctr"/>
           <a:p>
-            <a:endParaRPr b="0" lang="de-DE" sz="2400" spc="-1" strike="noStrike">
-              <a:solidFill>
-                <a:srgbClr val="000000"/>
-              </a:solidFill>
-              <a:latin typeface="Helvetica Neue"/>
-            </a:endParaRPr>
-          </a:p>
-        </p:txBody>
-      </p:sp>
-      <p:sp>
-        <p:nvSpPr>
-          <p:cNvPr id="83" name="PlaceHolder 2"/>
+            <a:pPr algn="ctr"/>
+            <a:endParaRPr b="0" lang="de-DE" sz="4400" spc="-1" strike="noStrike">
+              <a:latin typeface="Arial"/>
+            </a:endParaRPr>
+          </a:p>
+        </p:txBody>
+      </p:sp>
+      <p:sp>
+        <p:nvSpPr>
+          <p:cNvPr id="80" name="PlaceHolder 2"/>
           <p:cNvSpPr>
             <a:spLocks noGrp="1"/>
           </p:cNvSpPr>
@@ -2941,8 +2860,8 @@
         </p:nvSpPr>
         <p:spPr>
           <a:xfrm>
-            <a:off x="250920" y="981000"/>
-            <a:ext cx="2782440" cy="2575800"/>
+            <a:off x="457200" y="1604520"/>
+            <a:ext cx="2649600" cy="1896840"/>
           </a:xfrm>
           <a:prstGeom prst="rect">
             <a:avLst/>
@@ -2953,18 +2872,15 @@
             <a:normAutofit/>
           </a:bodyPr>
           <a:p>
-            <a:endParaRPr b="0" lang="de-DE" sz="1800" spc="-1" strike="noStrike">
-              <a:solidFill>
-                <a:srgbClr val="000000"/>
-              </a:solidFill>
-              <a:latin typeface="Arial"/>
-            </a:endParaRPr>
-          </a:p>
-        </p:txBody>
-      </p:sp>
-      <p:sp>
-        <p:nvSpPr>
-          <p:cNvPr id="84" name="PlaceHolder 3"/>
+            <a:endParaRPr b="0" lang="de-DE" sz="3200" spc="-1" strike="noStrike">
+              <a:latin typeface="Arial"/>
+            </a:endParaRPr>
+          </a:p>
+        </p:txBody>
+      </p:sp>
+      <p:sp>
+        <p:nvSpPr>
+          <p:cNvPr id="81" name="PlaceHolder 3"/>
           <p:cNvSpPr>
             <a:spLocks noGrp="1"/>
           </p:cNvSpPr>
@@ -2974,8 +2890,8 @@
         </p:nvSpPr>
         <p:spPr>
           <a:xfrm>
-            <a:off x="3173040" y="981000"/>
-            <a:ext cx="2782440" cy="2575800"/>
+            <a:off x="3239640" y="1604520"/>
+            <a:ext cx="2649600" cy="1896840"/>
           </a:xfrm>
           <a:prstGeom prst="rect">
             <a:avLst/>
@@ -2986,18 +2902,15 @@
             <a:normAutofit/>
           </a:bodyPr>
           <a:p>
-            <a:endParaRPr b="0" lang="de-DE" sz="1800" spc="-1" strike="noStrike">
-              <a:solidFill>
-                <a:srgbClr val="000000"/>
-              </a:solidFill>
-              <a:latin typeface="Arial"/>
-            </a:endParaRPr>
-          </a:p>
-        </p:txBody>
-      </p:sp>
-      <p:sp>
-        <p:nvSpPr>
-          <p:cNvPr id="85" name="PlaceHolder 4"/>
+            <a:endParaRPr b="0" lang="de-DE" sz="3200" spc="-1" strike="noStrike">
+              <a:latin typeface="Arial"/>
+            </a:endParaRPr>
+          </a:p>
+        </p:txBody>
+      </p:sp>
+      <p:sp>
+        <p:nvSpPr>
+          <p:cNvPr id="82" name="PlaceHolder 4"/>
           <p:cNvSpPr>
             <a:spLocks noGrp="1"/>
           </p:cNvSpPr>
@@ -3007,8 +2920,8 @@
         </p:nvSpPr>
         <p:spPr>
           <a:xfrm>
-            <a:off x="6094800" y="981000"/>
-            <a:ext cx="2782440" cy="2575800"/>
+            <a:off x="6022080" y="1604520"/>
+            <a:ext cx="2649600" cy="1896840"/>
           </a:xfrm>
           <a:prstGeom prst="rect">
             <a:avLst/>
@@ -3019,18 +2932,15 @@
             <a:normAutofit/>
           </a:bodyPr>
           <a:p>
-            <a:endParaRPr b="0" lang="de-DE" sz="1800" spc="-1" strike="noStrike">
-              <a:solidFill>
-                <a:srgbClr val="000000"/>
-              </a:solidFill>
-              <a:latin typeface="Arial"/>
-            </a:endParaRPr>
-          </a:p>
-        </p:txBody>
-      </p:sp>
-      <p:sp>
-        <p:nvSpPr>
-          <p:cNvPr id="86" name="PlaceHolder 5"/>
+            <a:endParaRPr b="0" lang="de-DE" sz="3200" spc="-1" strike="noStrike">
+              <a:latin typeface="Arial"/>
+            </a:endParaRPr>
+          </a:p>
+        </p:txBody>
+      </p:sp>
+      <p:sp>
+        <p:nvSpPr>
+          <p:cNvPr id="83" name="PlaceHolder 5"/>
           <p:cNvSpPr>
             <a:spLocks noGrp="1"/>
           </p:cNvSpPr>
@@ -3040,8 +2950,8 @@
         </p:nvSpPr>
         <p:spPr>
           <a:xfrm>
-            <a:off x="250920" y="3801960"/>
-            <a:ext cx="2782440" cy="2575800"/>
+            <a:off x="457200" y="3682080"/>
+            <a:ext cx="2649600" cy="1896840"/>
           </a:xfrm>
           <a:prstGeom prst="rect">
             <a:avLst/>
@@ -3052,18 +2962,15 @@
             <a:normAutofit/>
           </a:bodyPr>
           <a:p>
-            <a:endParaRPr b="0" lang="de-DE" sz="1800" spc="-1" strike="noStrike">
-              <a:solidFill>
-                <a:srgbClr val="000000"/>
-              </a:solidFill>
-              <a:latin typeface="Arial"/>
-            </a:endParaRPr>
-          </a:p>
-        </p:txBody>
-      </p:sp>
-      <p:sp>
-        <p:nvSpPr>
-          <p:cNvPr id="87" name="PlaceHolder 6"/>
+            <a:endParaRPr b="0" lang="de-DE" sz="3200" spc="-1" strike="noStrike">
+              <a:latin typeface="Arial"/>
+            </a:endParaRPr>
+          </a:p>
+        </p:txBody>
+      </p:sp>
+      <p:sp>
+        <p:nvSpPr>
+          <p:cNvPr id="84" name="PlaceHolder 6"/>
           <p:cNvSpPr>
             <a:spLocks noGrp="1"/>
           </p:cNvSpPr>
@@ -3073,8 +2980,8 @@
         </p:nvSpPr>
         <p:spPr>
           <a:xfrm>
-            <a:off x="3173040" y="3801960"/>
-            <a:ext cx="2782440" cy="2575800"/>
+            <a:off x="3239640" y="3682080"/>
+            <a:ext cx="2649600" cy="1896840"/>
           </a:xfrm>
           <a:prstGeom prst="rect">
             <a:avLst/>
@@ -3085,18 +2992,15 @@
             <a:normAutofit/>
           </a:bodyPr>
           <a:p>
-            <a:endParaRPr b="0" lang="de-DE" sz="1800" spc="-1" strike="noStrike">
-              <a:solidFill>
-                <a:srgbClr val="000000"/>
-              </a:solidFill>
-              <a:latin typeface="Arial"/>
-            </a:endParaRPr>
-          </a:p>
-        </p:txBody>
-      </p:sp>
-      <p:sp>
-        <p:nvSpPr>
-          <p:cNvPr id="88" name="PlaceHolder 7"/>
+            <a:endParaRPr b="0" lang="de-DE" sz="3200" spc="-1" strike="noStrike">
+              <a:latin typeface="Arial"/>
+            </a:endParaRPr>
+          </a:p>
+        </p:txBody>
+      </p:sp>
+      <p:sp>
+        <p:nvSpPr>
+          <p:cNvPr id="85" name="PlaceHolder 7"/>
           <p:cNvSpPr>
             <a:spLocks noGrp="1"/>
           </p:cNvSpPr>
@@ -3106,8 +3010,8 @@
         </p:nvSpPr>
         <p:spPr>
           <a:xfrm>
-            <a:off x="6094800" y="3801960"/>
-            <a:ext cx="2782440" cy="2575800"/>
+            <a:off x="6022080" y="3682080"/>
+            <a:ext cx="2649600" cy="1896840"/>
           </a:xfrm>
           <a:prstGeom prst="rect">
             <a:avLst/>
@@ -3118,10 +3022,7 @@
             <a:normAutofit/>
           </a:bodyPr>
           <a:p>
-            <a:endParaRPr b="0" lang="de-DE" sz="1800" spc="-1" strike="noStrike">
-              <a:solidFill>
-                <a:srgbClr val="000000"/>
-              </a:solidFill>
+            <a:endParaRPr b="0" lang="de-DE" sz="3200" spc="-1" strike="noStrike">
               <a:latin typeface="Arial"/>
             </a:endParaRPr>
           </a:p>
@@ -3161,8 +3062,8 @@
         </p:nvSpPr>
         <p:spPr>
           <a:xfrm>
-            <a:off x="250920" y="44280"/>
-            <a:ext cx="7535520" cy="720360"/>
+            <a:off x="457200" y="273600"/>
+            <a:ext cx="8229240" cy="1144800"/>
           </a:xfrm>
           <a:prstGeom prst="rect">
             <a:avLst/>
@@ -3171,11 +3072,9 @@
         <p:txBody>
           <a:bodyPr lIns="0" rIns="0" tIns="0" bIns="0" anchor="ctr"/>
           <a:p>
-            <a:endParaRPr b="0" lang="de-DE" sz="2400" spc="-1" strike="noStrike">
-              <a:solidFill>
-                <a:srgbClr val="000000"/>
-              </a:solidFill>
-              <a:latin typeface="Helvetica Neue"/>
+            <a:pPr algn="ctr"/>
+            <a:endParaRPr b="0" lang="de-DE" sz="4400" spc="-1" strike="noStrike">
+              <a:latin typeface="Arial"/>
             </a:endParaRPr>
           </a:p>
         </p:txBody>
@@ -3192,8 +3091,8 @@
         </p:nvSpPr>
         <p:spPr>
           <a:xfrm>
-            <a:off x="250920" y="981000"/>
-            <a:ext cx="8642160" cy="5400360"/>
+            <a:off x="457200" y="1604520"/>
+            <a:ext cx="8229240" cy="3977280"/>
           </a:xfrm>
           <a:prstGeom prst="rect">
             <a:avLst/>
@@ -3204,10 +3103,7 @@
             <a:normAutofit/>
           </a:bodyPr>
           <a:p>
-            <a:endParaRPr b="0" lang="de-DE" sz="1800" spc="-1" strike="noStrike">
-              <a:solidFill>
-                <a:srgbClr val="000000"/>
-              </a:solidFill>
+            <a:endParaRPr b="0" lang="de-DE" sz="3200" spc="-1" strike="noStrike">
               <a:latin typeface="Arial"/>
             </a:endParaRPr>
           </a:p>
@@ -3247,8 +3143,8 @@
         </p:nvSpPr>
         <p:spPr>
           <a:xfrm>
-            <a:off x="250920" y="44280"/>
-            <a:ext cx="7535520" cy="720360"/>
+            <a:off x="457200" y="273600"/>
+            <a:ext cx="8229240" cy="1144800"/>
           </a:xfrm>
           <a:prstGeom prst="rect">
             <a:avLst/>
@@ -3257,11 +3153,9 @@
         <p:txBody>
           <a:bodyPr lIns="0" rIns="0" tIns="0" bIns="0" anchor="ctr"/>
           <a:p>
-            <a:endParaRPr b="0" lang="de-DE" sz="2400" spc="-1" strike="noStrike">
-              <a:solidFill>
-                <a:srgbClr val="000000"/>
-              </a:solidFill>
-              <a:latin typeface="Helvetica Neue"/>
+            <a:pPr algn="ctr"/>
+            <a:endParaRPr b="0" lang="de-DE" sz="4400" spc="-1" strike="noStrike">
+              <a:latin typeface="Arial"/>
             </a:endParaRPr>
           </a:p>
         </p:txBody>
@@ -3278,8 +3172,8 @@
         </p:nvSpPr>
         <p:spPr>
           <a:xfrm>
-            <a:off x="250920" y="981000"/>
-            <a:ext cx="4217040" cy="5400360"/>
+            <a:off x="457200" y="1604520"/>
+            <a:ext cx="4015800" cy="3977280"/>
           </a:xfrm>
           <a:prstGeom prst="rect">
             <a:avLst/>
@@ -3290,10 +3184,7 @@
             <a:normAutofit/>
           </a:bodyPr>
           <a:p>
-            <a:endParaRPr b="0" lang="de-DE" sz="1800" spc="-1" strike="noStrike">
-              <a:solidFill>
-                <a:srgbClr val="000000"/>
-              </a:solidFill>
+            <a:endParaRPr b="0" lang="de-DE" sz="3200" spc="-1" strike="noStrike">
               <a:latin typeface="Arial"/>
             </a:endParaRPr>
           </a:p>
@@ -3311,8 +3202,8 @@
         </p:nvSpPr>
         <p:spPr>
           <a:xfrm>
-            <a:off x="4679280" y="981000"/>
-            <a:ext cx="4217040" cy="5400360"/>
+            <a:off x="4674240" y="1604520"/>
+            <a:ext cx="4015800" cy="3977280"/>
           </a:xfrm>
           <a:prstGeom prst="rect">
             <a:avLst/>
@@ -3323,10 +3214,7 @@
             <a:normAutofit/>
           </a:bodyPr>
           <a:p>
-            <a:endParaRPr b="0" lang="de-DE" sz="1800" spc="-1" strike="noStrike">
-              <a:solidFill>
-                <a:srgbClr val="000000"/>
-              </a:solidFill>
+            <a:endParaRPr b="0" lang="de-DE" sz="3200" spc="-1" strike="noStrike">
               <a:latin typeface="Arial"/>
             </a:endParaRPr>
           </a:p>
@@ -3366,8 +3254,8 @@
         </p:nvSpPr>
         <p:spPr>
           <a:xfrm>
-            <a:off x="250920" y="44280"/>
-            <a:ext cx="7535520" cy="720360"/>
+            <a:off x="457200" y="273600"/>
+            <a:ext cx="8229240" cy="1144800"/>
           </a:xfrm>
           <a:prstGeom prst="rect">
             <a:avLst/>
@@ -3376,11 +3264,9 @@
         <p:txBody>
           <a:bodyPr lIns="0" rIns="0" tIns="0" bIns="0" anchor="ctr"/>
           <a:p>
-            <a:endParaRPr b="0" lang="de-DE" sz="2400" spc="-1" strike="noStrike">
-              <a:solidFill>
-                <a:srgbClr val="000000"/>
-              </a:solidFill>
-              <a:latin typeface="Helvetica Neue"/>
+            <a:pPr algn="ctr"/>
+            <a:endParaRPr b="0" lang="de-DE" sz="4400" spc="-1" strike="noStrike">
+              <a:latin typeface="Arial"/>
             </a:endParaRPr>
           </a:p>
         </p:txBody>
@@ -3419,8 +3305,8 @@
         </p:nvSpPr>
         <p:spPr>
           <a:xfrm>
-            <a:off x="250920" y="44280"/>
-            <a:ext cx="7535520" cy="3340440"/>
+            <a:off x="457200" y="273600"/>
+            <a:ext cx="8229240" cy="5307840"/>
           </a:xfrm>
           <a:prstGeom prst="rect">
             <a:avLst/>
@@ -3470,8 +3356,8 @@
         </p:nvSpPr>
         <p:spPr>
           <a:xfrm>
-            <a:off x="250920" y="44280"/>
-            <a:ext cx="7535520" cy="720360"/>
+            <a:off x="457200" y="273600"/>
+            <a:ext cx="8229240" cy="1144800"/>
           </a:xfrm>
           <a:prstGeom prst="rect">
             <a:avLst/>
@@ -3480,11 +3366,9 @@
         <p:txBody>
           <a:bodyPr lIns="0" rIns="0" tIns="0" bIns="0" anchor="ctr"/>
           <a:p>
-            <a:endParaRPr b="0" lang="de-DE" sz="2400" spc="-1" strike="noStrike">
-              <a:solidFill>
-                <a:srgbClr val="000000"/>
-              </a:solidFill>
-              <a:latin typeface="Helvetica Neue"/>
+            <a:pPr algn="ctr"/>
+            <a:endParaRPr b="0" lang="de-DE" sz="4400" spc="-1" strike="noStrike">
+              <a:latin typeface="Arial"/>
             </a:endParaRPr>
           </a:p>
         </p:txBody>
@@ -3501,8 +3385,8 @@
         </p:nvSpPr>
         <p:spPr>
           <a:xfrm>
-            <a:off x="250920" y="981000"/>
-            <a:ext cx="4217040" cy="2575800"/>
+            <a:off x="457200" y="1604520"/>
+            <a:ext cx="4015800" cy="1896840"/>
           </a:xfrm>
           <a:prstGeom prst="rect">
             <a:avLst/>
@@ -3513,10 +3397,7 @@
             <a:normAutofit/>
           </a:bodyPr>
           <a:p>
-            <a:endParaRPr b="0" lang="de-DE" sz="1800" spc="-1" strike="noStrike">
-              <a:solidFill>
-                <a:srgbClr val="000000"/>
-              </a:solidFill>
+            <a:endParaRPr b="0" lang="de-DE" sz="3200" spc="-1" strike="noStrike">
               <a:latin typeface="Arial"/>
             </a:endParaRPr>
           </a:p>
@@ -3534,8 +3415,8 @@
         </p:nvSpPr>
         <p:spPr>
           <a:xfrm>
-            <a:off x="4679280" y="981000"/>
-            <a:ext cx="4217040" cy="5400360"/>
+            <a:off x="4674240" y="1604520"/>
+            <a:ext cx="4015800" cy="3977280"/>
           </a:xfrm>
           <a:prstGeom prst="rect">
             <a:avLst/>
@@ -3546,10 +3427,7 @@
             <a:normAutofit/>
           </a:bodyPr>
           <a:p>
-            <a:endParaRPr b="0" lang="de-DE" sz="1800" spc="-1" strike="noStrike">
-              <a:solidFill>
-                <a:srgbClr val="000000"/>
-              </a:solidFill>
+            <a:endParaRPr b="0" lang="de-DE" sz="3200" spc="-1" strike="noStrike">
               <a:latin typeface="Arial"/>
             </a:endParaRPr>
           </a:p>
@@ -3567,8 +3445,8 @@
         </p:nvSpPr>
         <p:spPr>
           <a:xfrm>
-            <a:off x="250920" y="3801960"/>
-            <a:ext cx="4217040" cy="2575800"/>
+            <a:off x="457200" y="3682080"/>
+            <a:ext cx="4015800" cy="1896840"/>
           </a:xfrm>
           <a:prstGeom prst="rect">
             <a:avLst/>
@@ -3579,10 +3457,7 @@
             <a:normAutofit/>
           </a:bodyPr>
           <a:p>
-            <a:endParaRPr b="0" lang="de-DE" sz="1800" spc="-1" strike="noStrike">
-              <a:solidFill>
-                <a:srgbClr val="000000"/>
-              </a:solidFill>
+            <a:endParaRPr b="0" lang="de-DE" sz="3200" spc="-1" strike="noStrike">
               <a:latin typeface="Arial"/>
             </a:endParaRPr>
           </a:p>
@@ -3622,8 +3497,8 @@
         </p:nvSpPr>
         <p:spPr>
           <a:xfrm>
-            <a:off x="250920" y="44280"/>
-            <a:ext cx="7535520" cy="720360"/>
+            <a:off x="457200" y="273600"/>
+            <a:ext cx="8229240" cy="1144800"/>
           </a:xfrm>
           <a:prstGeom prst="rect">
             <a:avLst/>
@@ -3632,11 +3507,9 @@
         <p:txBody>
           <a:bodyPr lIns="0" rIns="0" tIns="0" bIns="0" anchor="ctr"/>
           <a:p>
-            <a:endParaRPr b="0" lang="de-DE" sz="2400" spc="-1" strike="noStrike">
-              <a:solidFill>
-                <a:srgbClr val="000000"/>
-              </a:solidFill>
-              <a:latin typeface="Helvetica Neue"/>
+            <a:pPr algn="ctr"/>
+            <a:endParaRPr b="0" lang="de-DE" sz="4400" spc="-1" strike="noStrike">
+              <a:latin typeface="Arial"/>
             </a:endParaRPr>
           </a:p>
         </p:txBody>
@@ -3653,8 +3526,8 @@
         </p:nvSpPr>
         <p:spPr>
           <a:xfrm>
-            <a:off x="250920" y="981000"/>
-            <a:ext cx="4217040" cy="5400360"/>
+            <a:off x="457200" y="1604520"/>
+            <a:ext cx="4015800" cy="3977280"/>
           </a:xfrm>
           <a:prstGeom prst="rect">
             <a:avLst/>
@@ -3665,10 +3538,7 @@
             <a:normAutofit/>
           </a:bodyPr>
           <a:p>
-            <a:endParaRPr b="0" lang="de-DE" sz="1800" spc="-1" strike="noStrike">
-              <a:solidFill>
-                <a:srgbClr val="000000"/>
-              </a:solidFill>
+            <a:endParaRPr b="0" lang="de-DE" sz="3200" spc="-1" strike="noStrike">
               <a:latin typeface="Arial"/>
             </a:endParaRPr>
           </a:p>
@@ -3686,8 +3556,8 @@
         </p:nvSpPr>
         <p:spPr>
           <a:xfrm>
-            <a:off x="4679280" y="981000"/>
-            <a:ext cx="4217040" cy="2575800"/>
+            <a:off x="4674240" y="1604520"/>
+            <a:ext cx="4015800" cy="1896840"/>
           </a:xfrm>
           <a:prstGeom prst="rect">
             <a:avLst/>
@@ -3698,10 +3568,7 @@
             <a:normAutofit/>
           </a:bodyPr>
           <a:p>
-            <a:endParaRPr b="0" lang="de-DE" sz="1800" spc="-1" strike="noStrike">
-              <a:solidFill>
-                <a:srgbClr val="000000"/>
-              </a:solidFill>
+            <a:endParaRPr b="0" lang="de-DE" sz="3200" spc="-1" strike="noStrike">
               <a:latin typeface="Arial"/>
             </a:endParaRPr>
           </a:p>
@@ -3719,8 +3586,8 @@
         </p:nvSpPr>
         <p:spPr>
           <a:xfrm>
-            <a:off x="4679280" y="3801960"/>
-            <a:ext cx="4217040" cy="2575800"/>
+            <a:off x="4674240" y="3682080"/>
+            <a:ext cx="4015800" cy="1896840"/>
           </a:xfrm>
           <a:prstGeom prst="rect">
             <a:avLst/>
@@ -3731,10 +3598,7 @@
             <a:normAutofit/>
           </a:bodyPr>
           <a:p>
-            <a:endParaRPr b="0" lang="de-DE" sz="1800" spc="-1" strike="noStrike">
-              <a:solidFill>
-                <a:srgbClr val="000000"/>
-              </a:solidFill>
+            <a:endParaRPr b="0" lang="de-DE" sz="3200" spc="-1" strike="noStrike">
               <a:latin typeface="Arial"/>
             </a:endParaRPr>
           </a:p>
@@ -3774,8 +3638,8 @@
         </p:nvSpPr>
         <p:spPr>
           <a:xfrm>
-            <a:off x="250920" y="44280"/>
-            <a:ext cx="7535520" cy="720360"/>
+            <a:off x="457200" y="273600"/>
+            <a:ext cx="8229240" cy="1144800"/>
           </a:xfrm>
           <a:prstGeom prst="rect">
             <a:avLst/>
@@ -3784,11 +3648,9 @@
         <p:txBody>
           <a:bodyPr lIns="0" rIns="0" tIns="0" bIns="0" anchor="ctr"/>
           <a:p>
-            <a:endParaRPr b="0" lang="de-DE" sz="2400" spc="-1" strike="noStrike">
-              <a:solidFill>
-                <a:srgbClr val="000000"/>
-              </a:solidFill>
-              <a:latin typeface="Helvetica Neue"/>
+            <a:pPr algn="ctr"/>
+            <a:endParaRPr b="0" lang="de-DE" sz="4400" spc="-1" strike="noStrike">
+              <a:latin typeface="Arial"/>
             </a:endParaRPr>
           </a:p>
         </p:txBody>
@@ -3805,8 +3667,8 @@
         </p:nvSpPr>
         <p:spPr>
           <a:xfrm>
-            <a:off x="250920" y="981000"/>
-            <a:ext cx="4217040" cy="2575800"/>
+            <a:off x="457200" y="1604520"/>
+            <a:ext cx="4015800" cy="1896840"/>
           </a:xfrm>
           <a:prstGeom prst="rect">
             <a:avLst/>
@@ -3817,10 +3679,7 @@
             <a:normAutofit/>
           </a:bodyPr>
           <a:p>
-            <a:endParaRPr b="0" lang="de-DE" sz="1800" spc="-1" strike="noStrike">
-              <a:solidFill>
-                <a:srgbClr val="000000"/>
-              </a:solidFill>
+            <a:endParaRPr b="0" lang="de-DE" sz="3200" spc="-1" strike="noStrike">
               <a:latin typeface="Arial"/>
             </a:endParaRPr>
           </a:p>
@@ -3838,8 +3697,8 @@
         </p:nvSpPr>
         <p:spPr>
           <a:xfrm>
-            <a:off x="4679280" y="981000"/>
-            <a:ext cx="4217040" cy="2575800"/>
+            <a:off x="4674240" y="1604520"/>
+            <a:ext cx="4015800" cy="1896840"/>
           </a:xfrm>
           <a:prstGeom prst="rect">
             <a:avLst/>
@@ -3850,10 +3709,7 @@
             <a:normAutofit/>
           </a:bodyPr>
           <a:p>
-            <a:endParaRPr b="0" lang="de-DE" sz="1800" spc="-1" strike="noStrike">
-              <a:solidFill>
-                <a:srgbClr val="000000"/>
-              </a:solidFill>
+            <a:endParaRPr b="0" lang="de-DE" sz="3200" spc="-1" strike="noStrike">
               <a:latin typeface="Arial"/>
             </a:endParaRPr>
           </a:p>
@@ -3871,8 +3727,8 @@
         </p:nvSpPr>
         <p:spPr>
           <a:xfrm>
-            <a:off x="250920" y="3801960"/>
-            <a:ext cx="8642160" cy="2575800"/>
+            <a:off x="457200" y="3682080"/>
+            <a:ext cx="8229240" cy="1896840"/>
           </a:xfrm>
           <a:prstGeom prst="rect">
             <a:avLst/>
@@ -3883,10 +3739,7 @@
             <a:normAutofit/>
           </a:bodyPr>
           <a:p>
-            <a:endParaRPr b="0" lang="de-DE" sz="1800" spc="-1" strike="noStrike">
-              <a:solidFill>
-                <a:srgbClr val="000000"/>
-              </a:solidFill>
+            <a:endParaRPr b="0" lang="de-DE" sz="3200" spc="-1" strike="noStrike">
               <a:latin typeface="Arial"/>
             </a:endParaRPr>
           </a:p>
@@ -3930,7 +3783,7 @@
         <p:spPr>
           <a:xfrm>
             <a:off x="0" y="6597360"/>
-            <a:ext cx="9143280" cy="260280"/>
+            <a:ext cx="9142920" cy="259920"/>
           </a:xfrm>
           <a:prstGeom prst="rect">
             <a:avLst/>
@@ -3944,6 +3797,13 @@
             </a:solidFill>
             <a:round/>
           </a:ln>
+          <a:effectLst>
+            <a:outerShdw blurRad="40000" dir="5400000" dist="20160" rotWithShape="0">
+              <a:srgbClr val="000000">
+                <a:alpha val="38000"/>
+              </a:srgbClr>
+            </a:outerShdw>
+          </a:effectLst>
         </p:spPr>
         <p:style>
           <a:lnRef idx="3">
@@ -3967,7 +3827,7 @@
         <p:spPr>
           <a:xfrm>
             <a:off x="-360" y="8640"/>
-            <a:ext cx="9143640" cy="872280"/>
+            <a:ext cx="9143280" cy="871920"/>
           </a:xfrm>
           <a:prstGeom prst="rect">
             <a:avLst/>
@@ -3981,6 +3841,13 @@
             </a:solidFill>
             <a:round/>
           </a:ln>
+          <a:effectLst>
+            <a:outerShdw blurRad="40000" dir="5400000" dist="20160" rotWithShape="0">
+              <a:srgbClr val="000000">
+                <a:alpha val="38000"/>
+              </a:srgbClr>
+            </a:outerShdw>
+          </a:effectLst>
         </p:spPr>
         <p:style>
           <a:lnRef idx="3">
@@ -4008,7 +3875,7 @@
         <p:spPr>
           <a:xfrm>
             <a:off x="8172360" y="377640"/>
-            <a:ext cx="680040" cy="362520"/>
+            <a:ext cx="679680" cy="362160"/>
           </a:xfrm>
           <a:prstGeom prst="rect">
             <a:avLst/>
@@ -4031,7 +3898,7 @@
         <p:spPr>
           <a:xfrm>
             <a:off x="-360" y="864000"/>
-            <a:ext cx="9144000" cy="5993640"/>
+            <a:ext cx="9143640" cy="5993280"/>
           </a:xfrm>
           <a:prstGeom prst="rect">
             <a:avLst/>
@@ -4050,7 +3917,7 @@
         <p:spPr>
           <a:xfrm>
             <a:off x="457200" y="2466000"/>
-            <a:ext cx="8722440" cy="1301760"/>
+            <a:ext cx="8722080" cy="1301400"/>
           </a:xfrm>
           <a:prstGeom prst="rect">
             <a:avLst/>
@@ -4061,6 +3928,13 @@
           <a:ln>
             <a:noFill/>
           </a:ln>
+          <a:effectLst>
+            <a:outerShdw blurRad="40000" dir="5400000" dist="23040" rotWithShape="0">
+              <a:srgbClr val="000000">
+                <a:alpha val="35000"/>
+              </a:srgbClr>
+            </a:outerShdw>
+          </a:effectLst>
         </p:spPr>
         <p:style>
           <a:lnRef idx="1">
@@ -4084,7 +3958,7 @@
         <p:spPr>
           <a:xfrm>
             <a:off x="0" y="4821480"/>
-            <a:ext cx="8133120" cy="1346760"/>
+            <a:ext cx="8132760" cy="1346400"/>
           </a:xfrm>
           <a:prstGeom prst="rect">
             <a:avLst/>
@@ -4118,6 +3992,7 @@
                   <a:srgbClr val="666666"/>
                 </a:solidFill>
                 <a:latin typeface="Arial"/>
+                <a:ea typeface="DejaVu Sans"/>
               </a:rPr>
               <a:t>Software- and Systems Engineering Research Group </a:t>
             </a:r>
@@ -4137,6 +4012,7 @@
                   <a:srgbClr val="666666"/>
                 </a:solidFill>
                 <a:latin typeface="Arial"/>
+                <a:ea typeface="DejaVu Sans"/>
               </a:rPr>
               <a:t>Fakultät für Informatik</a:t>
             </a:r>
@@ -4156,6 +4032,7 @@
                   <a:srgbClr val="666666"/>
                 </a:solidFill>
                 <a:latin typeface="Arial"/>
+                <a:ea typeface="DejaVu Sans"/>
               </a:rPr>
               <a:t>Technische Universität München</a:t>
             </a:r>
@@ -4180,11 +4057,13 @@
               </a:lnSpc>
             </a:pPr>
             <a:r>
-              <a:rPr b="0" lang="de-DE" sz="1400" spc="-1" strike="noStrike">
+              <a:rPr b="0" lang="de-DE" sz="1400" spc="-1" strike="noStrike" u="sng">
                 <a:solidFill>
-                  <a:srgbClr val="a2c6de"/>
+                  <a:srgbClr val="64a0c8"/>
                 </a:solidFill>
+                <a:uFillTx/>
                 <a:latin typeface="Arial"/>
+                <a:ea typeface="DejaVu Sans"/>
                 <a:hlinkClick r:id="rId4"/>
               </a:rPr>
               <a:t>www4.in.tum.de/</a:t>
@@ -4195,6 +4074,7 @@
                   <a:srgbClr val="666666"/>
                 </a:solidFill>
                 <a:latin typeface="Arial"/>
+                <a:ea typeface="DejaVu Sans"/>
               </a:rPr>
               <a:t> </a:t>
             </a:r>
@@ -4204,104 +4084,9 @@
           </a:p>
         </p:txBody>
       </p:sp>
-      <p:sp>
-        <p:nvSpPr>
-          <p:cNvPr id="6" name="PlaceHolder 5"/>
-          <p:cNvSpPr>
-            <a:spLocks noGrp="1"/>
-          </p:cNvSpPr>
-          <p:nvPr>
-            <p:ph type="title"/>
-          </p:nvPr>
-        </p:nvSpPr>
-        <p:spPr>
-          <a:xfrm>
-            <a:off x="457200" y="2465280"/>
-            <a:ext cx="8686440" cy="1302480"/>
-          </a:xfrm>
-          <a:prstGeom prst="rect">
-            <a:avLst/>
-          </a:prstGeom>
-        </p:spPr>
-        <p:txBody>
-          <a:bodyPr lIns="90000" rIns="90000" tIns="0" bIns="0" anchor="b">
-            <a:normAutofit/>
-          </a:bodyPr>
-          <a:p>
-            <a:pPr marL="180000">
-              <a:lnSpc>
-                <a:spcPct val="100000"/>
-              </a:lnSpc>
-            </a:pPr>
-            <a:r>
-              <a:rPr b="1" lang="de-DE" sz="3200" spc="-1" strike="noStrike">
-                <a:solidFill>
-                  <a:srgbClr val="002143"/>
-                </a:solidFill>
-                <a:latin typeface="Arial"/>
-              </a:rPr>
-              <a:t>&lt;Titel&gt;</a:t>
-            </a:r>
-            <a:endParaRPr b="0" lang="de-DE" sz="3200" spc="-1" strike="noStrike">
-              <a:solidFill>
-                <a:srgbClr val="000000"/>
-              </a:solidFill>
-              <a:latin typeface="Helvetica Neue"/>
-            </a:endParaRPr>
-          </a:p>
-        </p:txBody>
-      </p:sp>
-      <p:sp>
-        <p:nvSpPr>
-          <p:cNvPr id="7" name="PlaceHolder 6"/>
-          <p:cNvSpPr>
-            <a:spLocks noGrp="1"/>
-          </p:cNvSpPr>
-          <p:nvPr>
-            <p:ph type="body"/>
-          </p:nvPr>
-        </p:nvSpPr>
-        <p:spPr>
-          <a:xfrm>
-            <a:off x="457200" y="3766680"/>
-            <a:ext cx="8722440" cy="4069080"/>
-          </a:xfrm>
-          <a:prstGeom prst="rect">
-            <a:avLst/>
-          </a:prstGeom>
-        </p:spPr>
-        <p:txBody>
-          <a:bodyPr/>
-          <a:p>
-            <a:pPr marL="180000">
-              <a:lnSpc>
-                <a:spcPct val="100000"/>
-              </a:lnSpc>
-              <a:spcBef>
-                <a:spcPts val="360"/>
-              </a:spcBef>
-            </a:pPr>
-            <a:r>
-              <a:rPr b="0" lang="de-DE" sz="1800" spc="-1" strike="noStrike">
-                <a:solidFill>
-                  <a:srgbClr val="666666"/>
-                </a:solidFill>
-                <a:latin typeface="Arial"/>
-              </a:rPr>
-              <a:t>&lt;Vortragender&gt; &lt;Datum&gt; &lt;Ort&gt;</a:t>
-            </a:r>
-            <a:endParaRPr b="0" lang="de-DE" sz="1800" spc="-1" strike="noStrike">
-              <a:solidFill>
-                <a:srgbClr val="000000"/>
-              </a:solidFill>
-              <a:latin typeface="Arial"/>
-            </a:endParaRPr>
-          </a:p>
-        </p:txBody>
-      </p:sp>
       <p:pic>
         <p:nvPicPr>
-          <p:cNvPr id="8" name="Bild 6" descr=""/>
+          <p:cNvPr id="6" name="Bild 6" descr=""/>
           <p:cNvPicPr/>
           <p:nvPr/>
         </p:nvPicPr>
@@ -4313,7 +4098,7 @@
         <p:spPr>
           <a:xfrm>
             <a:off x="6269040" y="398160"/>
-            <a:ext cx="1830240" cy="362520"/>
+            <a:ext cx="1829880" cy="362160"/>
           </a:xfrm>
           <a:prstGeom prst="rect">
             <a:avLst/>
@@ -4323,6 +4108,220 @@
           </a:ln>
         </p:spPr>
       </p:pic>
+      <p:sp>
+        <p:nvSpPr>
+          <p:cNvPr id="7" name="PlaceHolder 5"/>
+          <p:cNvSpPr>
+            <a:spLocks noGrp="1"/>
+          </p:cNvSpPr>
+          <p:nvPr>
+            <p:ph type="title"/>
+          </p:nvPr>
+        </p:nvSpPr>
+        <p:spPr>
+          <a:xfrm>
+            <a:off x="457200" y="273600"/>
+            <a:ext cx="8229240" cy="1144800"/>
+          </a:xfrm>
+          <a:prstGeom prst="rect">
+            <a:avLst/>
+          </a:prstGeom>
+        </p:spPr>
+        <p:txBody>
+          <a:bodyPr lIns="0" rIns="0" tIns="0" bIns="0" anchor="ctr"/>
+          <a:p>
+            <a:pPr algn="ctr"/>
+            <a:r>
+              <a:rPr b="0" lang="de-DE" sz="4400" spc="-1" strike="noStrike">
+                <a:latin typeface="Arial"/>
+              </a:rPr>
+              <a:t>Format des Titeltextes durch Klicken bearbeiten</a:t>
+            </a:r>
+            <a:endParaRPr b="0" lang="de-DE" sz="4400" spc="-1" strike="noStrike">
+              <a:latin typeface="Arial"/>
+            </a:endParaRPr>
+          </a:p>
+        </p:txBody>
+      </p:sp>
+      <p:sp>
+        <p:nvSpPr>
+          <p:cNvPr id="8" name="PlaceHolder 6"/>
+          <p:cNvSpPr>
+            <a:spLocks noGrp="1"/>
+          </p:cNvSpPr>
+          <p:nvPr>
+            <p:ph type="body"/>
+          </p:nvPr>
+        </p:nvSpPr>
+        <p:spPr>
+          <a:xfrm>
+            <a:off x="457200" y="1604520"/>
+            <a:ext cx="8229240" cy="3977280"/>
+          </a:xfrm>
+          <a:prstGeom prst="rect">
+            <a:avLst/>
+          </a:prstGeom>
+        </p:spPr>
+        <p:txBody>
+          <a:bodyPr lIns="0" rIns="0" tIns="0" bIns="0">
+            <a:normAutofit/>
+          </a:bodyPr>
+          <a:p>
+            <a:pPr marL="432000" indent="-324000">
+              <a:spcBef>
+                <a:spcPts val="1417"/>
+              </a:spcBef>
+              <a:buClr>
+                <a:srgbClr val="000000"/>
+              </a:buClr>
+              <a:buSzPct val="45000"/>
+              <a:buFont typeface="Wingdings" charset="2"/>
+              <a:buChar char=""/>
+            </a:pPr>
+            <a:r>
+              <a:rPr b="0" lang="de-DE" sz="3200" spc="-1" strike="noStrike">
+                <a:latin typeface="Arial"/>
+              </a:rPr>
+              <a:t>Format des Gliederungstextes durch Klicken bearbeiten</a:t>
+            </a:r>
+            <a:endParaRPr b="0" lang="de-DE" sz="3200" spc="-1" strike="noStrike">
+              <a:latin typeface="Arial"/>
+            </a:endParaRPr>
+          </a:p>
+          <a:p>
+            <a:pPr lvl="1" marL="864000" indent="-324000">
+              <a:spcBef>
+                <a:spcPts val="1134"/>
+              </a:spcBef>
+              <a:buClr>
+                <a:srgbClr val="000000"/>
+              </a:buClr>
+              <a:buSzPct val="75000"/>
+              <a:buFont typeface="Symbol" charset="2"/>
+              <a:buChar char=""/>
+            </a:pPr>
+            <a:r>
+              <a:rPr b="0" lang="de-DE" sz="2800" spc="-1" strike="noStrike">
+                <a:latin typeface="Arial"/>
+              </a:rPr>
+              <a:t>Zweite Gliederungsebene</a:t>
+            </a:r>
+            <a:endParaRPr b="0" lang="de-DE" sz="2800" spc="-1" strike="noStrike">
+              <a:latin typeface="Arial"/>
+            </a:endParaRPr>
+          </a:p>
+          <a:p>
+            <a:pPr lvl="2" marL="1296000" indent="-288000">
+              <a:spcBef>
+                <a:spcPts val="850"/>
+              </a:spcBef>
+              <a:buClr>
+                <a:srgbClr val="000000"/>
+              </a:buClr>
+              <a:buSzPct val="45000"/>
+              <a:buFont typeface="Wingdings" charset="2"/>
+              <a:buChar char=""/>
+            </a:pPr>
+            <a:r>
+              <a:rPr b="0" lang="de-DE" sz="2400" spc="-1" strike="noStrike">
+                <a:latin typeface="Arial"/>
+              </a:rPr>
+              <a:t>Dritte Gliederungsebene</a:t>
+            </a:r>
+            <a:endParaRPr b="0" lang="de-DE" sz="2400" spc="-1" strike="noStrike">
+              <a:latin typeface="Arial"/>
+            </a:endParaRPr>
+          </a:p>
+          <a:p>
+            <a:pPr lvl="3" marL="1728000" indent="-216000">
+              <a:spcBef>
+                <a:spcPts val="567"/>
+              </a:spcBef>
+              <a:buClr>
+                <a:srgbClr val="000000"/>
+              </a:buClr>
+              <a:buSzPct val="75000"/>
+              <a:buFont typeface="Symbol" charset="2"/>
+              <a:buChar char=""/>
+            </a:pPr>
+            <a:r>
+              <a:rPr b="0" lang="de-DE" sz="2000" spc="-1" strike="noStrike">
+                <a:latin typeface="Arial"/>
+              </a:rPr>
+              <a:t>Vierte Gliederungsebene</a:t>
+            </a:r>
+            <a:endParaRPr b="0" lang="de-DE" sz="2000" spc="-1" strike="noStrike">
+              <a:latin typeface="Arial"/>
+            </a:endParaRPr>
+          </a:p>
+          <a:p>
+            <a:pPr lvl="4" marL="2160000" indent="-216000">
+              <a:spcBef>
+                <a:spcPts val="283"/>
+              </a:spcBef>
+              <a:buClr>
+                <a:srgbClr val="000000"/>
+              </a:buClr>
+              <a:buSzPct val="45000"/>
+              <a:buFont typeface="Wingdings" charset="2"/>
+              <a:buChar char=""/>
+            </a:pPr>
+            <a:r>
+              <a:rPr b="0" lang="de-DE" sz="2000" spc="-1" strike="noStrike">
+                <a:latin typeface="Arial"/>
+              </a:rPr>
+              <a:t>Fünfte Gliederungsebene</a:t>
+            </a:r>
+            <a:endParaRPr b="0" lang="de-DE" sz="2000" spc="-1" strike="noStrike">
+              <a:latin typeface="Arial"/>
+            </a:endParaRPr>
+          </a:p>
+          <a:p>
+            <a:pPr lvl="5" marL="2592000" indent="-216000">
+              <a:spcBef>
+                <a:spcPts val="283"/>
+              </a:spcBef>
+              <a:buClr>
+                <a:srgbClr val="000000"/>
+              </a:buClr>
+              <a:buSzPct val="45000"/>
+              <a:buFont typeface="Wingdings" charset="2"/>
+              <a:buChar char=""/>
+            </a:pPr>
+            <a:r>
+              <a:rPr b="0" lang="de-DE" sz="2000" spc="-1" strike="noStrike">
+                <a:latin typeface="Arial"/>
+              </a:rPr>
+              <a:t>Sechste Gliederungsebene</a:t>
+            </a:r>
+            <a:endParaRPr b="0" lang="de-DE" sz="2000" spc="-1" strike="noStrike">
+              <a:latin typeface="Arial"/>
+            </a:endParaRPr>
+          </a:p>
+          <a:p>
+            <a:pPr lvl="6" marL="3024000" indent="-216000">
+              <a:spcBef>
+                <a:spcPts val="283"/>
+              </a:spcBef>
+              <a:buClr>
+                <a:srgbClr val="000000"/>
+              </a:buClr>
+              <a:buSzPct val="45000"/>
+              <a:buFont typeface="Wingdings" charset="2"/>
+              <a:buChar char=""/>
+            </a:pPr>
+            <a:r>
+              <a:rPr b="0" lang="de-DE" sz="2000" spc="-1" strike="noStrike">
+                <a:latin typeface="Arial"/>
+              </a:rPr>
+              <a:t>Siebte Gliederungsebene</a:t>
+            </a:r>
+            <a:endParaRPr b="0" lang="de-DE" sz="2000" spc="-1" strike="noStrike">
+              <a:latin typeface="Arial"/>
+            </a:endParaRPr>
+          </a:p>
+        </p:txBody>
+      </p:sp>
     </p:spTree>
   </p:cSld>
   <p:clrMap bg1="lt1" bg2="lt2" tx1="dk1" tx2="dk2" accent1="accent1" accent2="accent2" accent3="accent3" accent4="accent4" accent5="accent5" accent6="accent6" hlink="hlink" folHlink="folHlink"/>
@@ -4376,7 +4375,7 @@
         <p:spPr>
           <a:xfrm>
             <a:off x="0" y="6597360"/>
-            <a:ext cx="9143280" cy="260280"/>
+            <a:ext cx="9142920" cy="259920"/>
           </a:xfrm>
           <a:prstGeom prst="rect">
             <a:avLst/>
@@ -4390,6 +4389,13 @@
             </a:solidFill>
             <a:round/>
           </a:ln>
+          <a:effectLst>
+            <a:outerShdw blurRad="40000" dir="5400000" dist="20160" rotWithShape="0">
+              <a:srgbClr val="000000">
+                <a:alpha val="38000"/>
+              </a:srgbClr>
+            </a:outerShdw>
+          </a:effectLst>
         </p:spPr>
         <p:style>
           <a:lnRef idx="3">
@@ -4413,7 +4419,7 @@
         <p:spPr>
           <a:xfrm>
             <a:off x="-360" y="8640"/>
-            <a:ext cx="9143640" cy="872280"/>
+            <a:ext cx="9143280" cy="871920"/>
           </a:xfrm>
           <a:prstGeom prst="rect">
             <a:avLst/>
@@ -4427,6 +4433,13 @@
             </a:solidFill>
             <a:round/>
           </a:ln>
+          <a:effectLst>
+            <a:outerShdw blurRad="40000" dir="5400000" dist="20160" rotWithShape="0">
+              <a:srgbClr val="000000">
+                <a:alpha val="38000"/>
+              </a:srgbClr>
+            </a:outerShdw>
+          </a:effectLst>
         </p:spPr>
         <p:style>
           <a:lnRef idx="3">
@@ -4454,7 +4467,7 @@
         <p:spPr>
           <a:xfrm>
             <a:off x="8172360" y="377640"/>
-            <a:ext cx="680040" cy="362520"/>
+            <a:ext cx="679680" cy="362160"/>
           </a:xfrm>
           <a:prstGeom prst="rect">
             <a:avLst/>
@@ -4476,331 +4489,204 @@
         </p:nvSpPr>
         <p:spPr>
           <a:xfrm>
-            <a:off x="250920" y="44280"/>
-            <a:ext cx="7535520" cy="720360"/>
-          </a:xfrm>
-          <a:prstGeom prst="rect">
-            <a:avLst/>
-          </a:prstGeom>
-        </p:spPr>
-        <p:txBody>
-          <a:bodyPr lIns="90000" rIns="90000" tIns="0" bIns="0" anchor="b"/>
-          <a:p>
-            <a:pPr>
-              <a:lnSpc>
-                <a:spcPct val="100000"/>
-              </a:lnSpc>
+            <a:off x="457200" y="273600"/>
+            <a:ext cx="8229240" cy="1144800"/>
+          </a:xfrm>
+          <a:prstGeom prst="rect">
+            <a:avLst/>
+          </a:prstGeom>
+        </p:spPr>
+        <p:txBody>
+          <a:bodyPr lIns="0" rIns="0" tIns="0" bIns="0" anchor="ctr"/>
+          <a:p>
+            <a:pPr algn="ctr"/>
+            <a:r>
+              <a:rPr b="0" lang="de-DE" sz="4400" spc="-1" strike="noStrike">
+                <a:latin typeface="Arial"/>
+              </a:rPr>
+              <a:t>Format des Titeltextes durch Klicken bearbeiten</a:t>
+            </a:r>
+            <a:endParaRPr b="0" lang="de-DE" sz="4400" spc="-1" strike="noStrike">
+              <a:latin typeface="Arial"/>
+            </a:endParaRPr>
+          </a:p>
+        </p:txBody>
+      </p:sp>
+      <p:sp>
+        <p:nvSpPr>
+          <p:cNvPr id="49" name="PlaceHolder 4"/>
+          <p:cNvSpPr>
+            <a:spLocks noGrp="1"/>
+          </p:cNvSpPr>
+          <p:nvPr>
+            <p:ph type="body"/>
+          </p:nvPr>
+        </p:nvSpPr>
+        <p:spPr>
+          <a:xfrm>
+            <a:off x="457200" y="1604520"/>
+            <a:ext cx="8229240" cy="3977280"/>
+          </a:xfrm>
+          <a:prstGeom prst="rect">
+            <a:avLst/>
+          </a:prstGeom>
+        </p:spPr>
+        <p:txBody>
+          <a:bodyPr lIns="0" rIns="0" tIns="0" bIns="0">
+            <a:normAutofit/>
+          </a:bodyPr>
+          <a:p>
+            <a:pPr marL="432000" indent="-324000">
+              <a:spcBef>
+                <a:spcPts val="1417"/>
+              </a:spcBef>
+              <a:buClr>
+                <a:srgbClr val="000000"/>
+              </a:buClr>
+              <a:buSzPct val="45000"/>
+              <a:buFont typeface="Wingdings" charset="2"/>
+              <a:buChar char=""/>
+            </a:pPr>
+            <a:r>
+              <a:rPr b="0" lang="de-DE" sz="3200" spc="-1" strike="noStrike">
+                <a:latin typeface="Arial"/>
+              </a:rPr>
+              <a:t>Format des Gliederungstextes durch Klicken bearbeiten</a:t>
+            </a:r>
+            <a:endParaRPr b="0" lang="de-DE" sz="3200" spc="-1" strike="noStrike">
+              <a:latin typeface="Arial"/>
+            </a:endParaRPr>
+          </a:p>
+          <a:p>
+            <a:pPr lvl="1" marL="864000" indent="-324000">
+              <a:spcBef>
+                <a:spcPts val="1134"/>
+              </a:spcBef>
+              <a:buClr>
+                <a:srgbClr val="000000"/>
+              </a:buClr>
+              <a:buSzPct val="75000"/>
+              <a:buFont typeface="Symbol" charset="2"/>
+              <a:buChar char=""/>
+            </a:pPr>
+            <a:r>
+              <a:rPr b="0" lang="de-DE" sz="2800" spc="-1" strike="noStrike">
+                <a:latin typeface="Arial"/>
+              </a:rPr>
+              <a:t>Zweite Gliederungsebene</a:t>
+            </a:r>
+            <a:endParaRPr b="0" lang="de-DE" sz="2800" spc="-1" strike="noStrike">
+              <a:latin typeface="Arial"/>
+            </a:endParaRPr>
+          </a:p>
+          <a:p>
+            <a:pPr lvl="2" marL="1296000" indent="-288000">
+              <a:spcBef>
+                <a:spcPts val="850"/>
+              </a:spcBef>
+              <a:buClr>
+                <a:srgbClr val="000000"/>
+              </a:buClr>
+              <a:buSzPct val="45000"/>
+              <a:buFont typeface="Wingdings" charset="2"/>
+              <a:buChar char=""/>
             </a:pPr>
             <a:r>
               <a:rPr b="0" lang="de-DE" sz="2400" spc="-1" strike="noStrike">
-                <a:solidFill>
-                  <a:srgbClr val="ffffff"/>
-                </a:solidFill>
                 <a:latin typeface="Arial"/>
               </a:rPr>
-              <a:t>&lt;Titel&gt;</a:t>
+              <a:t>Dritte Gliederungsebene</a:t>
             </a:r>
             <a:endParaRPr b="0" lang="de-DE" sz="2400" spc="-1" strike="noStrike">
-              <a:solidFill>
+              <a:latin typeface="Arial"/>
+            </a:endParaRPr>
+          </a:p>
+          <a:p>
+            <a:pPr lvl="3" marL="1728000" indent="-216000">
+              <a:spcBef>
+                <a:spcPts val="567"/>
+              </a:spcBef>
+              <a:buClr>
                 <a:srgbClr val="000000"/>
-              </a:solidFill>
-              <a:latin typeface="Helvetica Neue"/>
-            </a:endParaRPr>
-          </a:p>
-        </p:txBody>
-      </p:sp>
-      <p:sp>
-        <p:nvSpPr>
-          <p:cNvPr id="49" name="PlaceHolder 4"/>
-          <p:cNvSpPr>
-            <a:spLocks noGrp="1"/>
-          </p:cNvSpPr>
-          <p:nvPr>
-            <p:ph type="body"/>
-          </p:nvPr>
-        </p:nvSpPr>
-        <p:spPr>
-          <a:xfrm>
-            <a:off x="250920" y="981000"/>
-            <a:ext cx="8642160" cy="5400360"/>
-          </a:xfrm>
-          <a:prstGeom prst="rect">
-            <a:avLst/>
-          </a:prstGeom>
-        </p:spPr>
-        <p:txBody>
-          <a:bodyPr>
-            <a:normAutofit/>
-          </a:bodyPr>
-          <a:p>
-            <a:pPr marL="1440" indent="-1080">
-              <a:lnSpc>
-                <a:spcPct val="100000"/>
-              </a:lnSpc>
-              <a:spcBef>
-                <a:spcPts val="360"/>
-              </a:spcBef>
+              </a:buClr>
+              <a:buSzPct val="75000"/>
+              <a:buFont typeface="Symbol" charset="2"/>
+              <a:buChar char=""/>
             </a:pPr>
             <a:r>
-              <a:rPr b="0" lang="de-DE" sz="1800" spc="-1" strike="noStrike">
-                <a:solidFill>
-                  <a:srgbClr val="000000"/>
-                </a:solidFill>
+              <a:rPr b="0" lang="de-DE" sz="2000" spc="-1" strike="noStrike">
                 <a:latin typeface="Arial"/>
               </a:rPr>
-              <a:t>&lt;Text&gt;</a:t>
+              <a:t>Vierte Gliederungsebene</a:t>
             </a:r>
-            <a:endParaRPr b="0" lang="de-DE" sz="1800" spc="-1" strike="noStrike">
-              <a:solidFill>
-                <a:srgbClr val="000000"/>
-              </a:solidFill>
-              <a:latin typeface="Arial"/>
-            </a:endParaRPr>
-          </a:p>
-          <a:p>
-            <a:pPr lvl="1" marL="358920" indent="-259920">
-              <a:lnSpc>
-                <a:spcPct val="100000"/>
-              </a:lnSpc>
+            <a:endParaRPr b="0" lang="de-DE" sz="2000" spc="-1" strike="noStrike">
+              <a:latin typeface="Arial"/>
+            </a:endParaRPr>
+          </a:p>
+          <a:p>
+            <a:pPr lvl="4" marL="2160000" indent="-216000">
               <a:spcBef>
-                <a:spcPts val="360"/>
+                <a:spcPts val="283"/>
               </a:spcBef>
               <a:buClr>
-                <a:srgbClr val="002143"/>
+                <a:srgbClr val="000000"/>
               </a:buClr>
+              <a:buSzPct val="45000"/>
               <a:buFont typeface="Wingdings" charset="2"/>
-              <a:buChar char=""/>
+              <a:buChar char=""/>
             </a:pPr>
             <a:r>
-              <a:rPr b="0" lang="de-DE" sz="1800" spc="-1" strike="noStrike">
-                <a:solidFill>
-                  <a:srgbClr val="000000"/>
-                </a:solidFill>
+              <a:rPr b="0" lang="de-DE" sz="2000" spc="-1" strike="noStrike">
                 <a:latin typeface="Arial"/>
               </a:rPr>
-              <a:t>Zweite Ebene</a:t>
+              <a:t>Fünfte Gliederungsebene</a:t>
             </a:r>
-            <a:endParaRPr b="0" lang="de-DE" sz="1800" spc="-1" strike="noStrike">
-              <a:solidFill>
-                <a:srgbClr val="000000"/>
-              </a:solidFill>
-              <a:latin typeface="Arial"/>
-            </a:endParaRPr>
-          </a:p>
-          <a:p>
-            <a:pPr lvl="2" marL="625320" indent="-175680">
-              <a:lnSpc>
-                <a:spcPct val="100000"/>
-              </a:lnSpc>
+            <a:endParaRPr b="0" lang="de-DE" sz="2000" spc="-1" strike="noStrike">
+              <a:latin typeface="Arial"/>
+            </a:endParaRPr>
+          </a:p>
+          <a:p>
+            <a:pPr lvl="5" marL="2592000" indent="-216000">
               <a:spcBef>
-                <a:spcPts val="360"/>
+                <a:spcPts val="283"/>
               </a:spcBef>
               <a:buClr>
-                <a:srgbClr val="002143"/>
+                <a:srgbClr val="000000"/>
               </a:buClr>
+              <a:buSzPct val="45000"/>
               <a:buFont typeface="Wingdings" charset="2"/>
-              <a:buChar char=""/>
+              <a:buChar char=""/>
             </a:pPr>
             <a:r>
-              <a:rPr b="0" lang="de-DE" sz="1800" spc="-1" strike="noStrike">
-                <a:solidFill>
-                  <a:srgbClr val="000000"/>
-                </a:solidFill>
+              <a:rPr b="0" lang="de-DE" sz="2000" spc="-1" strike="noStrike">
                 <a:latin typeface="Arial"/>
               </a:rPr>
-              <a:t>Dritte Ebene</a:t>
+              <a:t>Sechste Gliederungsebene</a:t>
             </a:r>
-            <a:endParaRPr b="0" lang="de-DE" sz="1800" spc="-1" strike="noStrike">
-              <a:solidFill>
-                <a:srgbClr val="000000"/>
-              </a:solidFill>
-              <a:latin typeface="Arial"/>
-            </a:endParaRPr>
-          </a:p>
-          <a:p>
-            <a:pPr lvl="3" marL="982800" indent="-174240">
-              <a:lnSpc>
-                <a:spcPct val="100000"/>
-              </a:lnSpc>
+            <a:endParaRPr b="0" lang="de-DE" sz="2000" spc="-1" strike="noStrike">
+              <a:latin typeface="Arial"/>
+            </a:endParaRPr>
+          </a:p>
+          <a:p>
+            <a:pPr lvl="6" marL="3024000" indent="-216000">
               <a:spcBef>
-                <a:spcPts val="320"/>
+                <a:spcPts val="283"/>
               </a:spcBef>
               <a:buClr>
-                <a:srgbClr val="002143"/>
+                <a:srgbClr val="000000"/>
               </a:buClr>
+              <a:buSzPct val="45000"/>
               <a:buFont typeface="Wingdings" charset="2"/>
-              <a:buChar char=""/>
+              <a:buChar char=""/>
             </a:pPr>
             <a:r>
-              <a:rPr b="0" lang="de-DE" sz="1600" spc="-1" strike="noStrike">
-                <a:solidFill>
-                  <a:srgbClr val="000000"/>
-                </a:solidFill>
+              <a:rPr b="0" lang="de-DE" sz="2000" spc="-1" strike="noStrike">
                 <a:latin typeface="Arial"/>
               </a:rPr>
-              <a:t>Vierte Ebene</a:t>
+              <a:t>Siebte Gliederungsebene</a:t>
             </a:r>
-            <a:endParaRPr b="0" lang="de-DE" sz="1600" spc="-1" strike="noStrike">
-              <a:solidFill>
-                <a:srgbClr val="000000"/>
-              </a:solidFill>
-              <a:latin typeface="Arial"/>
-            </a:endParaRPr>
-          </a:p>
-          <a:p>
-            <a:pPr lvl="4" marL="1257480" indent="-182160">
-              <a:lnSpc>
-                <a:spcPct val="100000"/>
-              </a:lnSpc>
-              <a:spcBef>
-                <a:spcPts val="320"/>
-              </a:spcBef>
-              <a:buClr>
-                <a:srgbClr val="002143"/>
-              </a:buClr>
-              <a:buFont typeface="Wingdings" charset="2"/>
-              <a:buChar char=""/>
-            </a:pPr>
-            <a:r>
-              <a:rPr b="0" lang="de-DE" sz="1600" spc="-1" strike="noStrike">
-                <a:solidFill>
-                  <a:srgbClr val="000000"/>
-                </a:solidFill>
-                <a:latin typeface="Arial"/>
-              </a:rPr>
-              <a:t>Fünfte Ebene</a:t>
-            </a:r>
-            <a:endParaRPr b="0" lang="de-DE" sz="1600" spc="-1" strike="noStrike">
-              <a:solidFill>
-                <a:srgbClr val="000000"/>
-              </a:solidFill>
-              <a:latin typeface="Arial"/>
-            </a:endParaRPr>
-          </a:p>
-        </p:txBody>
-      </p:sp>
-      <p:sp>
-        <p:nvSpPr>
-          <p:cNvPr id="50" name="PlaceHolder 5"/>
-          <p:cNvSpPr>
-            <a:spLocks noGrp="1"/>
-          </p:cNvSpPr>
-          <p:nvPr>
-            <p:ph type="ftr"/>
-          </p:nvPr>
-        </p:nvSpPr>
-        <p:spPr>
-          <a:xfrm>
-            <a:off x="249840" y="6568920"/>
-            <a:ext cx="4320720" cy="288720"/>
-          </a:xfrm>
-          <a:prstGeom prst="rect">
-            <a:avLst/>
-          </a:prstGeom>
-        </p:spPr>
-        <p:txBody>
-          <a:bodyPr anchor="ctr"/>
-          <a:p>
-            <a:pPr>
-              <a:lnSpc>
-                <a:spcPct val="100000"/>
-              </a:lnSpc>
-            </a:pPr>
-            <a:r>
-              <a:rPr b="0" lang="de-DE" sz="800" spc="-1" strike="noStrike">
-                <a:solidFill>
-                  <a:srgbClr val="ffffff"/>
-                </a:solidFill>
-                <a:latin typeface="Arial"/>
-              </a:rPr>
-              <a:t>Project Name</a:t>
-            </a:r>
-            <a:endParaRPr b="0" lang="de-DE" sz="800" spc="-1" strike="noStrike">
-              <a:latin typeface="Times New Roman"/>
-            </a:endParaRPr>
-          </a:p>
-        </p:txBody>
-      </p:sp>
-      <p:sp>
-        <p:nvSpPr>
-          <p:cNvPr id="51" name="PlaceHolder 6"/>
-          <p:cNvSpPr>
-            <a:spLocks noGrp="1"/>
-          </p:cNvSpPr>
-          <p:nvPr>
-            <p:ph type="sldNum"/>
-          </p:nvPr>
-        </p:nvSpPr>
-        <p:spPr>
-          <a:xfrm>
-            <a:off x="8643960" y="6570720"/>
-            <a:ext cx="248760" cy="288720"/>
-          </a:xfrm>
-          <a:prstGeom prst="rect">
-            <a:avLst/>
-          </a:prstGeom>
-        </p:spPr>
-        <p:txBody>
-          <a:bodyPr anchor="ctr"/>
-          <a:p>
-            <a:pPr algn="r">
-              <a:lnSpc>
-                <a:spcPct val="100000"/>
-              </a:lnSpc>
-            </a:pPr>
-            <a:fld id="{3DFC6296-BED8-4781-968A-77FB14887F5B}" type="slidenum">
-              <a:rPr b="0" lang="de-DE" sz="800" spc="-1" strike="noStrike">
-                <a:solidFill>
-                  <a:srgbClr val="ffffff"/>
-                </a:solidFill>
-                <a:latin typeface="Arial"/>
-              </a:rPr>
-              <a:t>&lt;Foliennummer&gt;</a:t>
-            </a:fld>
-            <a:endParaRPr b="0" lang="de-DE" sz="800" spc="-1" strike="noStrike">
-              <a:latin typeface="Times New Roman"/>
-            </a:endParaRPr>
-          </a:p>
-        </p:txBody>
-      </p:sp>
-      <p:sp>
-        <p:nvSpPr>
-          <p:cNvPr id="52" name="PlaceHolder 7"/>
-          <p:cNvSpPr>
-            <a:spLocks noGrp="1"/>
-          </p:cNvSpPr>
-          <p:nvPr>
-            <p:ph type="dt"/>
-          </p:nvPr>
-        </p:nvSpPr>
-        <p:spPr>
-          <a:xfrm>
-            <a:off x="7037280" y="6570720"/>
-            <a:ext cx="1606320" cy="288720"/>
-          </a:xfrm>
-          <a:prstGeom prst="rect">
-            <a:avLst/>
-          </a:prstGeom>
-        </p:spPr>
-        <p:txBody>
-          <a:bodyPr anchor="ctr"/>
-          <a:p>
-            <a:pPr algn="r">
-              <a:lnSpc>
-                <a:spcPct val="100000"/>
-              </a:lnSpc>
-            </a:pPr>
-            <a:r>
-              <a:rPr b="0" lang="de-DE" sz="800" spc="-1" strike="noStrike">
-                <a:solidFill>
-                  <a:srgbClr val="ffffff"/>
-                </a:solidFill>
-                <a:latin typeface="Arial"/>
-              </a:rPr>
-              <a:t>Software- and Systems Engineering Research Group</a:t>
-            </a:r>
-            <a:endParaRPr b="0" lang="de-DE" sz="800" spc="-1" strike="noStrike">
-              <a:latin typeface="Times New Roman"/>
+            <a:endParaRPr b="0" lang="de-DE" sz="2000" spc="-1" strike="noStrike">
+              <a:latin typeface="Arial"/>
             </a:endParaRPr>
           </a:p>
         </p:txBody>
@@ -4844,14 +4730,14 @@
       </p:grpSpPr>
       <p:sp>
         <p:nvSpPr>
-          <p:cNvPr id="95" name="CustomShape 1" hidden="1"/>
+          <p:cNvPr id="92" name="CustomShape 1" hidden="1"/>
           <p:cNvSpPr/>
           <p:nvPr/>
         </p:nvSpPr>
         <p:spPr>
           <a:xfrm>
             <a:off x="0" y="0"/>
-            <a:ext cx="158400" cy="158400"/>
+            <a:ext cx="158040" cy="158040"/>
           </a:xfrm>
           <a:prstGeom prst="rect">
             <a:avLst/>
@@ -4877,14 +4763,14 @@
       </p:sp>
       <p:sp>
         <p:nvSpPr>
-          <p:cNvPr id="96" name="TextShape 2"/>
-          <p:cNvSpPr txBox="1"/>
+          <p:cNvPr id="93" name="CustomShape 2"/>
+          <p:cNvSpPr/>
           <p:nvPr/>
         </p:nvSpPr>
         <p:spPr>
           <a:xfrm>
             <a:off x="457200" y="2465280"/>
-            <a:ext cx="8686440" cy="1035360"/>
+            <a:ext cx="8686080" cy="1035000"/>
           </a:xfrm>
           <a:prstGeom prst="rect">
             <a:avLst/>
@@ -4894,6 +4780,12 @@
             <a:noFill/>
           </a:ln>
         </p:spPr>
+        <p:style>
+          <a:lnRef idx="0"/>
+          <a:fillRef idx="0"/>
+          <a:effectRef idx="0"/>
+          <a:fontRef idx="minor"/>
+        </p:style>
         <p:txBody>
           <a:bodyPr lIns="90000" rIns="90000" tIns="0" bIns="0" anchor="b">
             <a:normAutofit/>
@@ -4924,24 +4816,21 @@
               <a:t>Distance Based Application Trigger</a:t>
             </a:r>
             <a:endParaRPr b="0" lang="de-DE" sz="3200" spc="-1" strike="noStrike">
-              <a:solidFill>
-                <a:srgbClr val="000000"/>
-              </a:solidFill>
-              <a:latin typeface="Helvetica Neue"/>
-            </a:endParaRPr>
-          </a:p>
-        </p:txBody>
-      </p:sp>
-      <p:sp>
-        <p:nvSpPr>
-          <p:cNvPr id="97" name="TextShape 3"/>
-          <p:cNvSpPr txBox="1"/>
+              <a:latin typeface="Arial"/>
+            </a:endParaRPr>
+          </a:p>
+        </p:txBody>
+      </p:sp>
+      <p:sp>
+        <p:nvSpPr>
+          <p:cNvPr id="94" name="CustomShape 3"/>
+          <p:cNvSpPr/>
           <p:nvPr/>
         </p:nvSpPr>
         <p:spPr>
           <a:xfrm>
             <a:off x="457200" y="3766680"/>
-            <a:ext cx="8722440" cy="369000"/>
+            <a:ext cx="8722080" cy="368640"/>
           </a:xfrm>
           <a:prstGeom prst="rect">
             <a:avLst/>
@@ -4953,8 +4842,14 @@
             <a:noFill/>
           </a:ln>
         </p:spPr>
-        <p:txBody>
-          <a:bodyPr/>
+        <p:style>
+          <a:lnRef idx="0"/>
+          <a:fillRef idx="0"/>
+          <a:effectRef idx="0"/>
+          <a:fontRef idx="minor"/>
+        </p:style>
+        <p:txBody>
+          <a:bodyPr lIns="90000" rIns="90000" tIns="45000" bIns="45000"/>
           <a:p>
             <a:pPr marL="180000">
               <a:lnSpc>
@@ -4983,9 +4878,6 @@
               <a:t>Mehdi Yosofie &amp; Philipp Schlieker, 21.12.2018</a:t>
             </a:r>
             <a:endParaRPr b="0" lang="de-DE" sz="1800" spc="-1" strike="noStrike">
-              <a:solidFill>
-                <a:srgbClr val="000000"/>
-              </a:solidFill>
               <a:latin typeface="Arial"/>
             </a:endParaRPr>
           </a:p>
@@ -4993,7 +4885,7 @@
       </p:sp>
       <p:pic>
         <p:nvPicPr>
-          <p:cNvPr id="98" name="" descr=""/>
+          <p:cNvPr id="95" name="" descr=""/>
           <p:cNvPicPr/>
           <p:nvPr/>
         </p:nvPicPr>
@@ -5073,14 +4965,14 @@
       </p:grpSpPr>
       <p:sp>
         <p:nvSpPr>
-          <p:cNvPr id="99" name="CustomShape 1" hidden="1"/>
+          <p:cNvPr id="96" name="CustomShape 1" hidden="1"/>
           <p:cNvSpPr/>
           <p:nvPr/>
         </p:nvSpPr>
         <p:spPr>
           <a:xfrm>
             <a:off x="0" y="0"/>
-            <a:ext cx="158400" cy="158400"/>
+            <a:ext cx="158040" cy="158040"/>
           </a:xfrm>
           <a:prstGeom prst="rect">
             <a:avLst/>
@@ -5106,14 +4998,14 @@
       </p:sp>
       <p:sp>
         <p:nvSpPr>
-          <p:cNvPr id="100" name="TextShape 2"/>
-          <p:cNvSpPr txBox="1"/>
+          <p:cNvPr id="97" name="CustomShape 2"/>
+          <p:cNvSpPr/>
           <p:nvPr/>
         </p:nvSpPr>
         <p:spPr>
           <a:xfrm>
             <a:off x="250920" y="44280"/>
-            <a:ext cx="7535520" cy="720360"/>
+            <a:ext cx="7535160" cy="720000"/>
           </a:xfrm>
           <a:prstGeom prst="rect">
             <a:avLst/>
@@ -5123,6 +5015,12 @@
             <a:noFill/>
           </a:ln>
         </p:spPr>
+        <p:style>
+          <a:lnRef idx="0"/>
+          <a:fillRef idx="0"/>
+          <a:effectRef idx="0"/>
+          <a:fontRef idx="minor"/>
+        </p:style>
         <p:txBody>
           <a:bodyPr lIns="90000" rIns="90000" tIns="0" bIns="0" anchor="b"/>
           <a:p>
@@ -5141,24 +5039,21 @@
               <a:t>Distance Based Application Trigger</a:t>
             </a:r>
             <a:endParaRPr b="0" lang="de-DE" sz="2800" spc="-1" strike="noStrike">
-              <a:solidFill>
-                <a:srgbClr val="000000"/>
-              </a:solidFill>
-              <a:latin typeface="Helvetica Neue"/>
-            </a:endParaRPr>
-          </a:p>
-        </p:txBody>
-      </p:sp>
-      <p:sp>
-        <p:nvSpPr>
-          <p:cNvPr id="101" name="TextShape 3"/>
-          <p:cNvSpPr txBox="1"/>
+              <a:latin typeface="Arial"/>
+            </a:endParaRPr>
+          </a:p>
+        </p:txBody>
+      </p:sp>
+      <p:sp>
+        <p:nvSpPr>
+          <p:cNvPr id="98" name="CustomShape 3"/>
+          <p:cNvSpPr/>
           <p:nvPr/>
         </p:nvSpPr>
         <p:spPr>
           <a:xfrm>
             <a:off x="249840" y="6568920"/>
-            <a:ext cx="4320720" cy="288720"/>
+            <a:ext cx="4320360" cy="288360"/>
           </a:xfrm>
           <a:prstGeom prst="rect">
             <a:avLst/>
@@ -5168,8 +5063,14 @@
             <a:noFill/>
           </a:ln>
         </p:spPr>
-        <p:txBody>
-          <a:bodyPr anchor="ctr"/>
+        <p:style>
+          <a:lnRef idx="0"/>
+          <a:fillRef idx="0"/>
+          <a:effectRef idx="0"/>
+          <a:fontRef idx="minor"/>
+        </p:style>
+        <p:txBody>
+          <a:bodyPr lIns="90000" rIns="90000" tIns="45000" bIns="45000" anchor="ctr"/>
           <a:p>
             <a:pPr>
               <a:lnSpc>
@@ -5186,21 +5087,21 @@
               <a:t>Distance Based Application Trigger</a:t>
             </a:r>
             <a:endParaRPr b="0" lang="de-DE" sz="800" spc="-1" strike="noStrike">
-              <a:latin typeface="Times New Roman"/>
-            </a:endParaRPr>
-          </a:p>
-        </p:txBody>
-      </p:sp>
-      <p:sp>
-        <p:nvSpPr>
-          <p:cNvPr id="102" name="TextShape 4"/>
-          <p:cNvSpPr txBox="1"/>
+              <a:latin typeface="Arial"/>
+            </a:endParaRPr>
+          </a:p>
+        </p:txBody>
+      </p:sp>
+      <p:sp>
+        <p:nvSpPr>
+          <p:cNvPr id="99" name="CustomShape 4"/>
+          <p:cNvSpPr/>
           <p:nvPr/>
         </p:nvSpPr>
         <p:spPr>
           <a:xfrm>
             <a:off x="8643960" y="6570720"/>
-            <a:ext cx="248760" cy="288720"/>
+            <a:ext cx="248400" cy="288360"/>
           </a:xfrm>
           <a:prstGeom prst="rect">
             <a:avLst/>
@@ -5210,15 +5111,21 @@
             <a:noFill/>
           </a:ln>
         </p:spPr>
-        <p:txBody>
-          <a:bodyPr anchor="ctr"/>
+        <p:style>
+          <a:lnRef idx="0"/>
+          <a:fillRef idx="0"/>
+          <a:effectRef idx="0"/>
+          <a:fontRef idx="minor"/>
+        </p:style>
+        <p:txBody>
+          <a:bodyPr lIns="90000" rIns="90000" tIns="45000" bIns="45000" anchor="ctr"/>
           <a:p>
             <a:pPr algn="r">
               <a:lnSpc>
                 <a:spcPct val="100000"/>
               </a:lnSpc>
             </a:pPr>
-            <a:fld id="{FEC573DF-35C1-40C8-ACBE-2F02875C54E6}" type="slidenum">
+            <a:fld id="{A510D951-7CBF-4624-AD05-0EE1D13DF899}" type="slidenum">
               <a:rPr b="0" lang="de-DE" sz="800" spc="-1" strike="noStrike">
                 <a:solidFill>
                   <a:srgbClr val="ffffff"/>
@@ -5228,21 +5135,21 @@
               <a:t>&lt;Foliennummer&gt;</a:t>
             </a:fld>
             <a:endParaRPr b="0" lang="de-DE" sz="800" spc="-1" strike="noStrike">
-              <a:latin typeface="Times New Roman"/>
-            </a:endParaRPr>
-          </a:p>
-        </p:txBody>
-      </p:sp>
-      <p:sp>
-        <p:nvSpPr>
-          <p:cNvPr id="103" name="TextShape 5"/>
-          <p:cNvSpPr txBox="1"/>
+              <a:latin typeface="Arial"/>
+            </a:endParaRPr>
+          </a:p>
+        </p:txBody>
+      </p:sp>
+      <p:sp>
+        <p:nvSpPr>
+          <p:cNvPr id="100" name="CustomShape 5"/>
+          <p:cNvSpPr/>
           <p:nvPr/>
         </p:nvSpPr>
         <p:spPr>
           <a:xfrm>
             <a:off x="7037280" y="6570720"/>
-            <a:ext cx="1606320" cy="288720"/>
+            <a:ext cx="1605960" cy="288360"/>
           </a:xfrm>
           <a:prstGeom prst="rect">
             <a:avLst/>
@@ -5252,8 +5159,14 @@
             <a:noFill/>
           </a:ln>
         </p:spPr>
-        <p:txBody>
-          <a:bodyPr anchor="ctr"/>
+        <p:style>
+          <a:lnRef idx="0"/>
+          <a:fillRef idx="0"/>
+          <a:effectRef idx="0"/>
+          <a:fontRef idx="minor"/>
+        </p:style>
+        <p:txBody>
+          <a:bodyPr lIns="90000" rIns="90000" tIns="45000" bIns="45000" anchor="ctr"/>
           <a:p>
             <a:pPr algn="r">
               <a:lnSpc>
@@ -5270,14 +5183,14 @@
               <a:t>Software- and Systems Engineering Research Group</a:t>
             </a:r>
             <a:endParaRPr b="0" lang="de-DE" sz="800" spc="-1" strike="noStrike">
-              <a:latin typeface="Times New Roman"/>
+              <a:latin typeface="Arial"/>
             </a:endParaRPr>
           </a:p>
         </p:txBody>
       </p:sp>
       <p:pic>
         <p:nvPicPr>
-          <p:cNvPr id="104" name="Grafik 9" descr=""/>
+          <p:cNvPr id="101" name="Grafik 9" descr=""/>
           <p:cNvPicPr/>
           <p:nvPr/>
         </p:nvPicPr>
@@ -5288,7 +5201,7 @@
         <p:spPr>
           <a:xfrm>
             <a:off x="0" y="2205000"/>
-            <a:ext cx="8892720" cy="2730240"/>
+            <a:ext cx="8892360" cy="2729880"/>
           </a:xfrm>
           <a:prstGeom prst="rect">
             <a:avLst/>
@@ -5300,7 +5213,7 @@
       </p:pic>
       <p:pic>
         <p:nvPicPr>
-          <p:cNvPr id="105" name="" descr=""/>
+          <p:cNvPr id="102" name="" descr=""/>
           <p:cNvPicPr/>
           <p:nvPr/>
         </p:nvPicPr>
@@ -5380,14 +5293,14 @@
       </p:grpSpPr>
       <p:sp>
         <p:nvSpPr>
-          <p:cNvPr id="106" name="CustomShape 1" hidden="1"/>
+          <p:cNvPr id="103" name="CustomShape 1" hidden="1"/>
           <p:cNvSpPr/>
           <p:nvPr/>
         </p:nvSpPr>
         <p:spPr>
           <a:xfrm>
             <a:off x="0" y="0"/>
-            <a:ext cx="158400" cy="158400"/>
+            <a:ext cx="158040" cy="158040"/>
           </a:xfrm>
           <a:prstGeom prst="rect">
             <a:avLst/>
@@ -5413,14 +5326,14 @@
       </p:sp>
       <p:sp>
         <p:nvSpPr>
-          <p:cNvPr id="107" name="TextShape 2"/>
-          <p:cNvSpPr txBox="1"/>
+          <p:cNvPr id="104" name="CustomShape 2"/>
+          <p:cNvSpPr/>
           <p:nvPr/>
         </p:nvSpPr>
         <p:spPr>
           <a:xfrm>
             <a:off x="250920" y="44280"/>
-            <a:ext cx="7535520" cy="720360"/>
+            <a:ext cx="7535160" cy="720000"/>
           </a:xfrm>
           <a:prstGeom prst="rect">
             <a:avLst/>
@@ -5430,6 +5343,12 @@
             <a:noFill/>
           </a:ln>
         </p:spPr>
+        <p:style>
+          <a:lnRef idx="0"/>
+          <a:fillRef idx="0"/>
+          <a:effectRef idx="0"/>
+          <a:fontRef idx="minor"/>
+        </p:style>
         <p:txBody>
           <a:bodyPr lIns="90000" rIns="90000" tIns="0" bIns="0" anchor="b"/>
           <a:p>
@@ -5448,24 +5367,21 @@
               <a:t>Distance Based Application Trigger</a:t>
             </a:r>
             <a:endParaRPr b="0" lang="de-DE" sz="2800" spc="-1" strike="noStrike">
-              <a:solidFill>
-                <a:srgbClr val="000000"/>
-              </a:solidFill>
-              <a:latin typeface="Helvetica Neue"/>
-            </a:endParaRPr>
-          </a:p>
-        </p:txBody>
-      </p:sp>
-      <p:sp>
-        <p:nvSpPr>
-          <p:cNvPr id="108" name="TextShape 3"/>
-          <p:cNvSpPr txBox="1"/>
+              <a:latin typeface="Arial"/>
+            </a:endParaRPr>
+          </a:p>
+        </p:txBody>
+      </p:sp>
+      <p:sp>
+        <p:nvSpPr>
+          <p:cNvPr id="105" name="CustomShape 3"/>
+          <p:cNvSpPr/>
           <p:nvPr/>
         </p:nvSpPr>
         <p:spPr>
           <a:xfrm>
             <a:off x="249840" y="6568920"/>
-            <a:ext cx="4320720" cy="288720"/>
+            <a:ext cx="4320360" cy="288360"/>
           </a:xfrm>
           <a:prstGeom prst="rect">
             <a:avLst/>
@@ -5475,8 +5391,14 @@
             <a:noFill/>
           </a:ln>
         </p:spPr>
-        <p:txBody>
-          <a:bodyPr anchor="ctr"/>
+        <p:style>
+          <a:lnRef idx="0"/>
+          <a:fillRef idx="0"/>
+          <a:effectRef idx="0"/>
+          <a:fontRef idx="minor"/>
+        </p:style>
+        <p:txBody>
+          <a:bodyPr lIns="90000" rIns="90000" tIns="45000" bIns="45000" anchor="ctr"/>
           <a:p>
             <a:pPr>
               <a:lnSpc>
@@ -5493,21 +5415,21 @@
               <a:t>Distance Based Application Trigger</a:t>
             </a:r>
             <a:endParaRPr b="0" lang="de-DE" sz="800" spc="-1" strike="noStrike">
-              <a:latin typeface="Times New Roman"/>
-            </a:endParaRPr>
-          </a:p>
-        </p:txBody>
-      </p:sp>
-      <p:sp>
-        <p:nvSpPr>
-          <p:cNvPr id="109" name="TextShape 4"/>
-          <p:cNvSpPr txBox="1"/>
+              <a:latin typeface="Arial"/>
+            </a:endParaRPr>
+          </a:p>
+        </p:txBody>
+      </p:sp>
+      <p:sp>
+        <p:nvSpPr>
+          <p:cNvPr id="106" name="CustomShape 4"/>
+          <p:cNvSpPr/>
           <p:nvPr/>
         </p:nvSpPr>
         <p:spPr>
           <a:xfrm>
             <a:off x="8643960" y="6570720"/>
-            <a:ext cx="248760" cy="288720"/>
+            <a:ext cx="248400" cy="288360"/>
           </a:xfrm>
           <a:prstGeom prst="rect">
             <a:avLst/>
@@ -5517,15 +5439,21 @@
             <a:noFill/>
           </a:ln>
         </p:spPr>
-        <p:txBody>
-          <a:bodyPr anchor="ctr"/>
+        <p:style>
+          <a:lnRef idx="0"/>
+          <a:fillRef idx="0"/>
+          <a:effectRef idx="0"/>
+          <a:fontRef idx="minor"/>
+        </p:style>
+        <p:txBody>
+          <a:bodyPr lIns="90000" rIns="90000" tIns="45000" bIns="45000" anchor="ctr"/>
           <a:p>
             <a:pPr algn="r">
               <a:lnSpc>
                 <a:spcPct val="100000"/>
               </a:lnSpc>
             </a:pPr>
-            <a:fld id="{95C587C8-D553-45D1-916C-E2AA9040D901}" type="slidenum">
+            <a:fld id="{D2C5821F-5F09-48ED-BC9C-FFB6E89BD21B}" type="slidenum">
               <a:rPr b="0" lang="de-DE" sz="800" spc="-1" strike="noStrike">
                 <a:solidFill>
                   <a:srgbClr val="ffffff"/>
@@ -5535,21 +5463,21 @@
               <a:t>&lt;Foliennummer&gt;</a:t>
             </a:fld>
             <a:endParaRPr b="0" lang="de-DE" sz="800" spc="-1" strike="noStrike">
-              <a:latin typeface="Times New Roman"/>
-            </a:endParaRPr>
-          </a:p>
-        </p:txBody>
-      </p:sp>
-      <p:sp>
-        <p:nvSpPr>
-          <p:cNvPr id="110" name="TextShape 5"/>
-          <p:cNvSpPr txBox="1"/>
+              <a:latin typeface="Arial"/>
+            </a:endParaRPr>
+          </a:p>
+        </p:txBody>
+      </p:sp>
+      <p:sp>
+        <p:nvSpPr>
+          <p:cNvPr id="107" name="CustomShape 5"/>
+          <p:cNvSpPr/>
           <p:nvPr/>
         </p:nvSpPr>
         <p:spPr>
           <a:xfrm>
             <a:off x="7037280" y="6570720"/>
-            <a:ext cx="1606320" cy="288720"/>
+            <a:ext cx="1605960" cy="288360"/>
           </a:xfrm>
           <a:prstGeom prst="rect">
             <a:avLst/>
@@ -5559,8 +5487,14 @@
             <a:noFill/>
           </a:ln>
         </p:spPr>
-        <p:txBody>
-          <a:bodyPr anchor="ctr"/>
+        <p:style>
+          <a:lnRef idx="0"/>
+          <a:fillRef idx="0"/>
+          <a:effectRef idx="0"/>
+          <a:fontRef idx="minor"/>
+        </p:style>
+        <p:txBody>
+          <a:bodyPr lIns="90000" rIns="90000" tIns="45000" bIns="45000" anchor="ctr"/>
           <a:p>
             <a:pPr algn="r">
               <a:lnSpc>
@@ -5577,14 +5511,14 @@
               <a:t>Software- and Systems Engineering Research Group</a:t>
             </a:r>
             <a:endParaRPr b="0" lang="de-DE" sz="800" spc="-1" strike="noStrike">
-              <a:latin typeface="Times New Roman"/>
+              <a:latin typeface="Arial"/>
             </a:endParaRPr>
           </a:p>
         </p:txBody>
       </p:sp>
       <p:pic>
         <p:nvPicPr>
-          <p:cNvPr id="111" name="Grafik 8" descr=""/>
+          <p:cNvPr id="108" name="Grafik 8" descr=""/>
           <p:cNvPicPr/>
           <p:nvPr/>
         </p:nvPicPr>
@@ -5595,7 +5529,7 @@
         <p:spPr>
           <a:xfrm>
             <a:off x="0" y="2133000"/>
-            <a:ext cx="8892720" cy="2736000"/>
+            <a:ext cx="8892360" cy="2735640"/>
           </a:xfrm>
           <a:prstGeom prst="rect">
             <a:avLst/>
@@ -5607,7 +5541,7 @@
       </p:pic>
       <p:pic>
         <p:nvPicPr>
-          <p:cNvPr id="112" name="" descr=""/>
+          <p:cNvPr id="109" name="" descr=""/>
           <p:cNvPicPr/>
           <p:nvPr/>
         </p:nvPicPr>
@@ -5687,14 +5621,14 @@
       </p:grpSpPr>
       <p:sp>
         <p:nvSpPr>
-          <p:cNvPr id="113" name="TextShape 1"/>
-          <p:cNvSpPr txBox="1"/>
+          <p:cNvPr id="110" name="CustomShape 1"/>
+          <p:cNvSpPr/>
           <p:nvPr/>
         </p:nvSpPr>
         <p:spPr>
           <a:xfrm>
             <a:off x="250920" y="44280"/>
-            <a:ext cx="7535520" cy="720360"/>
+            <a:ext cx="7535160" cy="720000"/>
           </a:xfrm>
           <a:prstGeom prst="rect">
             <a:avLst/>
@@ -5704,9 +5638,20 @@
             <a:noFill/>
           </a:ln>
         </p:spPr>
+        <p:style>
+          <a:lnRef idx="0"/>
+          <a:fillRef idx="0"/>
+          <a:effectRef idx="0"/>
+          <a:fontRef idx="minor"/>
+        </p:style>
         <p:txBody>
           <a:bodyPr lIns="0" rIns="0" tIns="0" bIns="0" anchor="ctr"/>
           <a:p>
+            <a:pPr>
+              <a:lnSpc>
+                <a:spcPct val="100000"/>
+              </a:lnSpc>
+            </a:pPr>
             <a:r>
               <a:rPr b="0" lang="de-DE" sz="2400" spc="-1" strike="noStrike">
                 <a:solidFill>
@@ -5717,284 +5662,14 @@
               <a:t>Project Architecture</a:t>
             </a:r>
             <a:endParaRPr b="0" lang="de-DE" sz="2400" spc="-1" strike="noStrike">
-              <a:solidFill>
-                <a:srgbClr val="ffffff"/>
-              </a:solidFill>
-              <a:latin typeface="Helvetica Neue"/>
-            </a:endParaRPr>
-          </a:p>
-        </p:txBody>
-      </p:sp>
-    </p:spTree>
-  </p:cSld>
-  <mc:AlternateContent>
-    <mc:Choice Requires="p14">
-      <p:transition spd="slow" p14:dur="2000"/>
-    </mc:Choice>
-    <mc:Fallback>
-      <p:transition spd="slow"/>
-    </mc:Fallback>
-  </mc:AlternateContent>
-</p:sld>
-</file>
-
-<file path=ppt/slides/slide5.xml><?xml version="1.0" encoding="utf-8"?>
-<p:sld xmlns:a="http://schemas.openxmlformats.org/drawingml/2006/main" xmlns:p="http://schemas.openxmlformats.org/presentationml/2006/main" xmlns:r="http://schemas.openxmlformats.org/officeDocument/2006/relationships" xmlns:p14="http://schemas.microsoft.com/office/powerpoint/2010/main" xmlns:p15="http://schemas.microsoft.com/office/powerpoint/2012/main" xmlns:mc="http://schemas.openxmlformats.org/markup-compatibility/2006">
-  <p:cSld>
-    <p:spTree>
-      <p:nvGrpSpPr>
-        <p:cNvPr id="1" name=""/>
-        <p:cNvGrpSpPr/>
-        <p:nvPr/>
-      </p:nvGrpSpPr>
-      <p:grpSpPr>
-        <a:xfrm>
-          <a:off x="0" y="0"/>
-          <a:ext cx="0" cy="0"/>
-          <a:chOff x="0" y="0"/>
-          <a:chExt cx="0" cy="0"/>
-        </a:xfrm>
-      </p:grpSpPr>
-      <p:sp>
-        <p:nvSpPr>
-          <p:cNvPr id="114" name="CustomShape 1" hidden="1"/>
-          <p:cNvSpPr/>
-          <p:nvPr/>
-        </p:nvSpPr>
-        <p:spPr>
-          <a:xfrm>
-            <a:off x="0" y="0"/>
-            <a:ext cx="158400" cy="158400"/>
-          </a:xfrm>
-          <a:prstGeom prst="rect">
-            <a:avLst/>
-          </a:prstGeom>
-          <a:ln>
-            <a:round/>
-          </a:ln>
-        </p:spPr>
-        <p:style>
-          <a:lnRef idx="2">
-            <a:schemeClr val="accent3">
-              <a:shade val="50000"/>
-            </a:schemeClr>
-          </a:lnRef>
-          <a:fillRef idx="1">
-            <a:schemeClr val="accent3"/>
-          </a:fillRef>
-          <a:effectRef idx="0">
-            <a:schemeClr val="accent3"/>
-          </a:effectRef>
-          <a:fontRef idx="minor"/>
-        </p:style>
-      </p:sp>
-      <p:sp>
-        <p:nvSpPr>
-          <p:cNvPr id="115" name="TextShape 2"/>
-          <p:cNvSpPr txBox="1"/>
-          <p:nvPr/>
-        </p:nvSpPr>
-        <p:spPr>
-          <a:xfrm>
-            <a:off x="250920" y="44280"/>
-            <a:ext cx="7535520" cy="720360"/>
-          </a:xfrm>
-          <a:prstGeom prst="rect">
-            <a:avLst/>
-          </a:prstGeom>
-          <a:noFill/>
-          <a:ln w="9360">
-            <a:noFill/>
-          </a:ln>
-        </p:spPr>
-        <p:txBody>
-          <a:bodyPr lIns="90000" rIns="90000" tIns="0" bIns="0" anchor="b"/>
-          <a:p>
-            <a:pPr>
-              <a:lnSpc>
-                <a:spcPct val="100000"/>
-              </a:lnSpc>
-            </a:pPr>
-            <a:r>
-              <a:rPr b="0" lang="de-DE" sz="2800" spc="-1" strike="noStrike">
-                <a:solidFill>
-                  <a:srgbClr val="ffffff"/>
-                </a:solidFill>
-                <a:latin typeface="Arial"/>
-              </a:rPr>
-              <a:t>Conceptual approach</a:t>
-            </a:r>
-            <a:endParaRPr b="0" lang="de-DE" sz="2800" spc="-1" strike="noStrike">
-              <a:solidFill>
-                <a:srgbClr val="000000"/>
-              </a:solidFill>
-              <a:latin typeface="Helvetica Neue"/>
-            </a:endParaRPr>
-          </a:p>
-        </p:txBody>
-      </p:sp>
-      <p:sp>
-        <p:nvSpPr>
-          <p:cNvPr id="116" name="TextShape 3"/>
-          <p:cNvSpPr txBox="1"/>
-          <p:nvPr/>
-        </p:nvSpPr>
-        <p:spPr>
-          <a:xfrm>
-            <a:off x="250920" y="981000"/>
-            <a:ext cx="8642160" cy="5400360"/>
-          </a:xfrm>
-          <a:prstGeom prst="rect">
-            <a:avLst/>
-          </a:prstGeom>
-          <a:noFill/>
-          <a:ln w="9360">
-            <a:noFill/>
-          </a:ln>
-        </p:spPr>
-        <p:txBody>
-          <a:bodyPr>
-            <a:normAutofit/>
-          </a:bodyPr>
-          <a:p>
-            <a:endParaRPr b="0" lang="de-DE" sz="1800" spc="-1" strike="noStrike">
-              <a:solidFill>
-                <a:srgbClr val="000000"/>
-              </a:solidFill>
-              <a:latin typeface="Arial"/>
-            </a:endParaRPr>
-          </a:p>
-        </p:txBody>
-      </p:sp>
-      <p:sp>
-        <p:nvSpPr>
-          <p:cNvPr id="117" name="TextShape 4"/>
-          <p:cNvSpPr txBox="1"/>
-          <p:nvPr/>
-        </p:nvSpPr>
-        <p:spPr>
-          <a:xfrm>
-            <a:off x="249840" y="6568920"/>
-            <a:ext cx="4320720" cy="288720"/>
-          </a:xfrm>
-          <a:prstGeom prst="rect">
-            <a:avLst/>
-          </a:prstGeom>
-          <a:noFill/>
-          <a:ln w="9360">
-            <a:noFill/>
-          </a:ln>
-        </p:spPr>
-        <p:txBody>
-          <a:bodyPr anchor="ctr"/>
-          <a:p>
-            <a:pPr>
-              <a:lnSpc>
-                <a:spcPct val="100000"/>
-              </a:lnSpc>
-            </a:pPr>
-            <a:r>
-              <a:rPr b="0" lang="de-DE" sz="800" spc="-1" strike="noStrike">
-                <a:solidFill>
-                  <a:srgbClr val="ffffff"/>
-                </a:solidFill>
-                <a:latin typeface="Arial"/>
-              </a:rPr>
-              <a:t>Distance Based Application Trigger</a:t>
-            </a:r>
-            <a:endParaRPr b="0" lang="de-DE" sz="800" spc="-1" strike="noStrike">
-              <a:latin typeface="Times New Roman"/>
-            </a:endParaRPr>
-          </a:p>
-        </p:txBody>
-      </p:sp>
-      <p:sp>
-        <p:nvSpPr>
-          <p:cNvPr id="118" name="TextShape 5"/>
-          <p:cNvSpPr txBox="1"/>
-          <p:nvPr/>
-        </p:nvSpPr>
-        <p:spPr>
-          <a:xfrm>
-            <a:off x="8643960" y="6570720"/>
-            <a:ext cx="248760" cy="288720"/>
-          </a:xfrm>
-          <a:prstGeom prst="rect">
-            <a:avLst/>
-          </a:prstGeom>
-          <a:noFill/>
-          <a:ln w="9360">
-            <a:noFill/>
-          </a:ln>
-        </p:spPr>
-        <p:txBody>
-          <a:bodyPr anchor="ctr"/>
-          <a:p>
-            <a:pPr algn="r">
-              <a:lnSpc>
-                <a:spcPct val="100000"/>
-              </a:lnSpc>
-            </a:pPr>
-            <a:fld id="{F063E330-65C9-4192-92FD-89A6520A75F0}" type="slidenum">
-              <a:rPr b="0" lang="de-DE" sz="800" spc="-1" strike="noStrike">
-                <a:solidFill>
-                  <a:srgbClr val="ffffff"/>
-                </a:solidFill>
-                <a:latin typeface="Arial"/>
-              </a:rPr>
-              <a:t>&lt;Foliennummer&gt;</a:t>
-            </a:fld>
-            <a:endParaRPr b="0" lang="de-DE" sz="800" spc="-1" strike="noStrike">
-              <a:latin typeface="Times New Roman"/>
-            </a:endParaRPr>
-          </a:p>
-        </p:txBody>
-      </p:sp>
-      <p:sp>
-        <p:nvSpPr>
-          <p:cNvPr id="119" name="TextShape 6"/>
-          <p:cNvSpPr txBox="1"/>
-          <p:nvPr/>
-        </p:nvSpPr>
-        <p:spPr>
-          <a:xfrm>
-            <a:off x="7037280" y="6570720"/>
-            <a:ext cx="1606320" cy="288720"/>
-          </a:xfrm>
-          <a:prstGeom prst="rect">
-            <a:avLst/>
-          </a:prstGeom>
-          <a:noFill/>
-          <a:ln w="9360">
-            <a:noFill/>
-          </a:ln>
-        </p:spPr>
-        <p:txBody>
-          <a:bodyPr anchor="ctr"/>
-          <a:p>
-            <a:pPr algn="r">
-              <a:lnSpc>
-                <a:spcPct val="100000"/>
-              </a:lnSpc>
-            </a:pPr>
-            <a:r>
-              <a:rPr b="0" lang="de-DE" sz="800" spc="-1" strike="noStrike">
-                <a:solidFill>
-                  <a:srgbClr val="ffffff"/>
-                </a:solidFill>
-                <a:latin typeface="Arial"/>
-              </a:rPr>
-              <a:t>Software- and Systems Engineering Research Group</a:t>
-            </a:r>
-            <a:endParaRPr b="0" lang="de-DE" sz="800" spc="-1" strike="noStrike">
-              <a:latin typeface="Times New Roman"/>
+              <a:latin typeface="Arial"/>
             </a:endParaRPr>
           </a:p>
         </p:txBody>
       </p:sp>
       <p:pic>
         <p:nvPicPr>
-          <p:cNvPr id="120" name="Grafik 8" descr=""/>
+          <p:cNvPr id="111" name="" descr=""/>
           <p:cNvPicPr/>
           <p:nvPr/>
         </p:nvPicPr>
@@ -6004,31 +5679,8 @@
         </p:blipFill>
         <p:spPr>
           <a:xfrm>
-            <a:off x="227880" y="1224720"/>
-            <a:ext cx="8687520" cy="5028480"/>
-          </a:xfrm>
-          <a:prstGeom prst="rect">
-            <a:avLst/>
-          </a:prstGeom>
-          <a:ln>
-            <a:noFill/>
-          </a:ln>
-        </p:spPr>
-      </p:pic>
-      <p:pic>
-        <p:nvPicPr>
-          <p:cNvPr id="121" name="" descr=""/>
-          <p:cNvPicPr/>
-          <p:nvPr/>
-        </p:nvPicPr>
-        <p:blipFill>
-          <a:blip r:embed="rId2"/>
-          <a:stretch/>
-        </p:blipFill>
-        <p:spPr>
-          <a:xfrm>
-            <a:off x="360" y="0"/>
-            <a:ext cx="360" cy="360"/>
+            <a:off x="358200" y="1080000"/>
+            <a:ext cx="8713800" cy="5193360"/>
           </a:xfrm>
           <a:prstGeom prst="rect">
             <a:avLst/>
@@ -6078,7 +5730,7 @@
 </p:sld>
 </file>
 
-<file path=ppt/slides/slide6.xml><?xml version="1.0" encoding="utf-8"?>
+<file path=ppt/slides/slide5.xml><?xml version="1.0" encoding="utf-8"?>
 <p:sld xmlns:a="http://schemas.openxmlformats.org/drawingml/2006/main" xmlns:p="http://schemas.openxmlformats.org/presentationml/2006/main" xmlns:r="http://schemas.openxmlformats.org/officeDocument/2006/relationships" xmlns:p14="http://schemas.microsoft.com/office/powerpoint/2010/main" xmlns:p15="http://schemas.microsoft.com/office/powerpoint/2012/main" xmlns:mc="http://schemas.openxmlformats.org/markup-compatibility/2006">
   <p:cSld>
     <p:spTree>
@@ -6097,14 +5749,14 @@
       </p:grpSpPr>
       <p:sp>
         <p:nvSpPr>
-          <p:cNvPr id="122" name="CustomShape 1" hidden="1"/>
+          <p:cNvPr id="112" name="CustomShape 1" hidden="1"/>
           <p:cNvSpPr/>
           <p:nvPr/>
         </p:nvSpPr>
         <p:spPr>
           <a:xfrm>
             <a:off x="0" y="0"/>
-            <a:ext cx="158400" cy="158400"/>
+            <a:ext cx="158040" cy="158040"/>
           </a:xfrm>
           <a:prstGeom prst="rect">
             <a:avLst/>
@@ -6130,14 +5782,14 @@
       </p:sp>
       <p:sp>
         <p:nvSpPr>
-          <p:cNvPr id="123" name="TextShape 2"/>
-          <p:cNvSpPr txBox="1"/>
+          <p:cNvPr id="113" name="CustomShape 2"/>
+          <p:cNvSpPr/>
           <p:nvPr/>
         </p:nvSpPr>
         <p:spPr>
           <a:xfrm>
             <a:off x="250920" y="44280"/>
-            <a:ext cx="7535520" cy="720360"/>
+            <a:ext cx="7535160" cy="720000"/>
           </a:xfrm>
           <a:prstGeom prst="rect">
             <a:avLst/>
@@ -6147,6 +5799,12 @@
             <a:noFill/>
           </a:ln>
         </p:spPr>
+        <p:style>
+          <a:lnRef idx="0"/>
+          <a:fillRef idx="0"/>
+          <a:effectRef idx="0"/>
+          <a:fontRef idx="minor"/>
+        </p:style>
         <p:txBody>
           <a:bodyPr lIns="90000" rIns="90000" tIns="0" bIns="0" anchor="b"/>
           <a:p>
@@ -6162,27 +5820,24 @@
                 </a:solidFill>
                 <a:latin typeface="Arial"/>
               </a:rPr>
-              <a:t>Sensors used</a:t>
+              <a:t>Conceptual approach</a:t>
             </a:r>
             <a:endParaRPr b="0" lang="de-DE" sz="2800" spc="-1" strike="noStrike">
-              <a:solidFill>
-                <a:srgbClr val="000000"/>
-              </a:solidFill>
-              <a:latin typeface="Helvetica Neue"/>
-            </a:endParaRPr>
-          </a:p>
-        </p:txBody>
-      </p:sp>
-      <p:sp>
-        <p:nvSpPr>
-          <p:cNvPr id="124" name="TextShape 3"/>
-          <p:cNvSpPr txBox="1"/>
+              <a:latin typeface="Arial"/>
+            </a:endParaRPr>
+          </a:p>
+        </p:txBody>
+      </p:sp>
+      <p:sp>
+        <p:nvSpPr>
+          <p:cNvPr id="114" name="CustomShape 3"/>
+          <p:cNvSpPr/>
           <p:nvPr/>
         </p:nvSpPr>
         <p:spPr>
           <a:xfrm>
-            <a:off x="20160" y="5356080"/>
-            <a:ext cx="4873320" cy="791640"/>
+            <a:off x="250920" y="981000"/>
+            <a:ext cx="8641800" cy="5400000"/>
           </a:xfrm>
           <a:prstGeom prst="rect">
             <a:avLst/>
@@ -6192,47 +5847,23 @@
             <a:noFill/>
           </a:ln>
         </p:spPr>
-        <p:txBody>
-          <a:bodyPr>
-            <a:normAutofit/>
-          </a:bodyPr>
-          <a:p>
-            <a:pPr algn="ctr">
-              <a:lnSpc>
-                <a:spcPct val="100000"/>
-              </a:lnSpc>
-              <a:spcBef>
-                <a:spcPts val="479"/>
-              </a:spcBef>
-            </a:pPr>
-            <a:r>
-              <a:rPr b="0" lang="de-DE" sz="2400" spc="-1" strike="noStrike">
-                <a:solidFill>
-                  <a:srgbClr val="000000"/>
-                </a:solidFill>
-                <a:latin typeface="Arial"/>
-              </a:rPr>
-              <a:t>Bluetooth Low Energy (BLE)</a:t>
-            </a:r>
-            <a:endParaRPr b="0" lang="de-DE" sz="2400" spc="-1" strike="noStrike">
-              <a:solidFill>
-                <a:srgbClr val="000000"/>
-              </a:solidFill>
-              <a:latin typeface="Arial"/>
-            </a:endParaRPr>
-          </a:p>
-        </p:txBody>
-      </p:sp>
-      <p:sp>
-        <p:nvSpPr>
-          <p:cNvPr id="125" name="TextShape 4"/>
-          <p:cNvSpPr txBox="1"/>
+        <p:style>
+          <a:lnRef idx="0"/>
+          <a:fillRef idx="0"/>
+          <a:effectRef idx="0"/>
+          <a:fontRef idx="minor"/>
+        </p:style>
+      </p:sp>
+      <p:sp>
+        <p:nvSpPr>
+          <p:cNvPr id="115" name="CustomShape 4"/>
+          <p:cNvSpPr/>
           <p:nvPr/>
         </p:nvSpPr>
         <p:spPr>
           <a:xfrm>
             <a:off x="249840" y="6568920"/>
-            <a:ext cx="4320720" cy="288720"/>
+            <a:ext cx="4320360" cy="288360"/>
           </a:xfrm>
           <a:prstGeom prst="rect">
             <a:avLst/>
@@ -6242,8 +5873,14 @@
             <a:noFill/>
           </a:ln>
         </p:spPr>
-        <p:txBody>
-          <a:bodyPr anchor="ctr"/>
+        <p:style>
+          <a:lnRef idx="0"/>
+          <a:fillRef idx="0"/>
+          <a:effectRef idx="0"/>
+          <a:fontRef idx="minor"/>
+        </p:style>
+        <p:txBody>
+          <a:bodyPr lIns="90000" rIns="90000" tIns="45000" bIns="45000" anchor="ctr"/>
           <a:p>
             <a:pPr>
               <a:lnSpc>
@@ -6260,21 +5897,21 @@
               <a:t>Distance Based Application Trigger</a:t>
             </a:r>
             <a:endParaRPr b="0" lang="de-DE" sz="800" spc="-1" strike="noStrike">
-              <a:latin typeface="Times New Roman"/>
-            </a:endParaRPr>
-          </a:p>
-        </p:txBody>
-      </p:sp>
-      <p:sp>
-        <p:nvSpPr>
-          <p:cNvPr id="126" name="TextShape 5"/>
-          <p:cNvSpPr txBox="1"/>
+              <a:latin typeface="Arial"/>
+            </a:endParaRPr>
+          </a:p>
+        </p:txBody>
+      </p:sp>
+      <p:sp>
+        <p:nvSpPr>
+          <p:cNvPr id="116" name="CustomShape 5"/>
+          <p:cNvSpPr/>
           <p:nvPr/>
         </p:nvSpPr>
         <p:spPr>
           <a:xfrm>
             <a:off x="8643960" y="6570720"/>
-            <a:ext cx="248760" cy="288720"/>
+            <a:ext cx="248400" cy="288360"/>
           </a:xfrm>
           <a:prstGeom prst="rect">
             <a:avLst/>
@@ -6284,15 +5921,21 @@
             <a:noFill/>
           </a:ln>
         </p:spPr>
-        <p:txBody>
-          <a:bodyPr anchor="ctr"/>
+        <p:style>
+          <a:lnRef idx="0"/>
+          <a:fillRef idx="0"/>
+          <a:effectRef idx="0"/>
+          <a:fontRef idx="minor"/>
+        </p:style>
+        <p:txBody>
+          <a:bodyPr lIns="90000" rIns="90000" tIns="45000" bIns="45000" anchor="ctr"/>
           <a:p>
             <a:pPr algn="r">
               <a:lnSpc>
                 <a:spcPct val="100000"/>
               </a:lnSpc>
             </a:pPr>
-            <a:fld id="{506E4FF0-8C3A-460E-A79A-2C9370B2CFE9}" type="slidenum">
+            <a:fld id="{6E059888-0BA4-42DD-883B-F9C389FC8B00}" type="slidenum">
               <a:rPr b="0" lang="de-DE" sz="800" spc="-1" strike="noStrike">
                 <a:solidFill>
                   <a:srgbClr val="ffffff"/>
@@ -6302,21 +5945,21 @@
               <a:t>&lt;Foliennummer&gt;</a:t>
             </a:fld>
             <a:endParaRPr b="0" lang="de-DE" sz="800" spc="-1" strike="noStrike">
-              <a:latin typeface="Times New Roman"/>
-            </a:endParaRPr>
-          </a:p>
-        </p:txBody>
-      </p:sp>
-      <p:sp>
-        <p:nvSpPr>
-          <p:cNvPr id="127" name="TextShape 6"/>
-          <p:cNvSpPr txBox="1"/>
+              <a:latin typeface="Arial"/>
+            </a:endParaRPr>
+          </a:p>
+        </p:txBody>
+      </p:sp>
+      <p:sp>
+        <p:nvSpPr>
+          <p:cNvPr id="117" name="CustomShape 6"/>
+          <p:cNvSpPr/>
           <p:nvPr/>
         </p:nvSpPr>
         <p:spPr>
           <a:xfrm>
             <a:off x="7037280" y="6570720"/>
-            <a:ext cx="1606320" cy="288720"/>
+            <a:ext cx="1605960" cy="288360"/>
           </a:xfrm>
           <a:prstGeom prst="rect">
             <a:avLst/>
@@ -6326,8 +5969,14 @@
             <a:noFill/>
           </a:ln>
         </p:spPr>
-        <p:txBody>
-          <a:bodyPr anchor="ctr"/>
+        <p:style>
+          <a:lnRef idx="0"/>
+          <a:fillRef idx="0"/>
+          <a:effectRef idx="0"/>
+          <a:fontRef idx="minor"/>
+        </p:style>
+        <p:txBody>
+          <a:bodyPr lIns="90000" rIns="90000" tIns="45000" bIns="45000" anchor="ctr"/>
           <a:p>
             <a:pPr algn="r">
               <a:lnSpc>
@@ -6344,14 +5993,14 @@
               <a:t>Software- and Systems Engineering Research Group</a:t>
             </a:r>
             <a:endParaRPr b="0" lang="de-DE" sz="800" spc="-1" strike="noStrike">
-              <a:latin typeface="Times New Roman"/>
+              <a:latin typeface="Arial"/>
             </a:endParaRPr>
           </a:p>
         </p:txBody>
       </p:sp>
       <p:pic>
         <p:nvPicPr>
-          <p:cNvPr id="128" name="Grafik 9" descr=""/>
+          <p:cNvPr id="118" name="Grafik 8" descr=""/>
           <p:cNvPicPr/>
           <p:nvPr/>
         </p:nvPicPr>
@@ -6361,8 +6010,8 @@
         </p:blipFill>
         <p:spPr>
           <a:xfrm>
-            <a:off x="492120" y="1506960"/>
-            <a:ext cx="3845880" cy="3178080"/>
+            <a:off x="227880" y="1224720"/>
+            <a:ext cx="8687160" cy="5028120"/>
           </a:xfrm>
           <a:prstGeom prst="rect">
             <a:avLst/>
@@ -6374,88 +6023,12 @@
       </p:pic>
       <p:pic>
         <p:nvPicPr>
-          <p:cNvPr id="129" name="Grafik 10" descr=""/>
+          <p:cNvPr id="119" name="" descr=""/>
           <p:cNvPicPr/>
           <p:nvPr/>
         </p:nvPicPr>
         <p:blipFill>
           <a:blip r:embed="rId2"/>
-          <a:stretch/>
-        </p:blipFill>
-        <p:spPr>
-          <a:xfrm>
-            <a:off x="5214600" y="1506960"/>
-            <a:ext cx="3228480" cy="3178080"/>
-          </a:xfrm>
-          <a:prstGeom prst="rect">
-            <a:avLst/>
-          </a:prstGeom>
-          <a:ln>
-            <a:noFill/>
-          </a:ln>
-        </p:spPr>
-      </p:pic>
-      <p:sp>
-        <p:nvSpPr>
-          <p:cNvPr id="130" name="CustomShape 7"/>
-          <p:cNvSpPr/>
-          <p:nvPr/>
-        </p:nvSpPr>
-        <p:spPr>
-          <a:xfrm>
-            <a:off x="4764600" y="5356080"/>
-            <a:ext cx="4128120" cy="791640"/>
-          </a:xfrm>
-          <a:prstGeom prst="rect">
-            <a:avLst/>
-          </a:prstGeom>
-          <a:noFill/>
-          <a:ln w="9360">
-            <a:noFill/>
-          </a:ln>
-        </p:spPr>
-        <p:style>
-          <a:lnRef idx="0"/>
-          <a:fillRef idx="0"/>
-          <a:effectRef idx="0"/>
-          <a:fontRef idx="minor"/>
-        </p:style>
-        <p:txBody>
-          <a:bodyPr>
-            <a:normAutofit/>
-          </a:bodyPr>
-          <a:p>
-            <a:pPr algn="ctr">
-              <a:lnSpc>
-                <a:spcPct val="100000"/>
-              </a:lnSpc>
-              <a:spcBef>
-                <a:spcPts val="479"/>
-              </a:spcBef>
-            </a:pPr>
-            <a:r>
-              <a:rPr b="0" lang="de-DE" sz="2400" spc="-1" strike="noStrike">
-                <a:solidFill>
-                  <a:srgbClr val="000000"/>
-                </a:solidFill>
-                <a:latin typeface="Arial"/>
-              </a:rPr>
-              <a:t>Beacons</a:t>
-            </a:r>
-            <a:endParaRPr b="0" lang="de-DE" sz="2400" spc="-1" strike="noStrike">
-              <a:latin typeface="Arial"/>
-            </a:endParaRPr>
-          </a:p>
-        </p:txBody>
-      </p:sp>
-      <p:pic>
-        <p:nvPicPr>
-          <p:cNvPr id="131" name="" descr=""/>
-          <p:cNvPicPr/>
-          <p:nvPr/>
-        </p:nvPicPr>
-        <p:blipFill>
-          <a:blip r:embed="rId3"/>
           <a:stretch/>
         </p:blipFill>
         <p:spPr>
@@ -6511,7 +6084,7 @@
 </p:sld>
 </file>
 
-<file path=ppt/slides/slide7.xml><?xml version="1.0" encoding="utf-8"?>
+<file path=ppt/slides/slide6.xml><?xml version="1.0" encoding="utf-8"?>
 <p:sld xmlns:a="http://schemas.openxmlformats.org/drawingml/2006/main" xmlns:p="http://schemas.openxmlformats.org/presentationml/2006/main" xmlns:r="http://schemas.openxmlformats.org/officeDocument/2006/relationships" xmlns:p14="http://schemas.microsoft.com/office/powerpoint/2010/main" xmlns:p15="http://schemas.microsoft.com/office/powerpoint/2012/main" xmlns:mc="http://schemas.openxmlformats.org/markup-compatibility/2006">
   <p:cSld>
     <p:spTree>
@@ -6530,14 +6103,14 @@
       </p:grpSpPr>
       <p:sp>
         <p:nvSpPr>
-          <p:cNvPr id="132" name="CustomShape 1" hidden="1"/>
+          <p:cNvPr id="120" name="CustomShape 1" hidden="1"/>
           <p:cNvSpPr/>
           <p:nvPr/>
         </p:nvSpPr>
         <p:spPr>
           <a:xfrm>
             <a:off x="0" y="0"/>
-            <a:ext cx="158400" cy="158400"/>
+            <a:ext cx="158040" cy="158040"/>
           </a:xfrm>
           <a:prstGeom prst="rect">
             <a:avLst/>
@@ -6563,14 +6136,14 @@
       </p:sp>
       <p:sp>
         <p:nvSpPr>
-          <p:cNvPr id="133" name="TextShape 2"/>
-          <p:cNvSpPr txBox="1"/>
+          <p:cNvPr id="121" name="CustomShape 2"/>
+          <p:cNvSpPr/>
           <p:nvPr/>
         </p:nvSpPr>
         <p:spPr>
           <a:xfrm>
             <a:off x="250920" y="44280"/>
-            <a:ext cx="7535520" cy="720360"/>
+            <a:ext cx="7535160" cy="720000"/>
           </a:xfrm>
           <a:prstGeom prst="rect">
             <a:avLst/>
@@ -6580,6 +6153,12 @@
             <a:noFill/>
           </a:ln>
         </p:spPr>
+        <p:style>
+          <a:lnRef idx="0"/>
+          <a:fillRef idx="0"/>
+          <a:effectRef idx="0"/>
+          <a:fontRef idx="minor"/>
+        </p:style>
         <p:txBody>
           <a:bodyPr lIns="90000" rIns="90000" tIns="0" bIns="0" anchor="b"/>
           <a:p>
@@ -6595,27 +6174,24 @@
                 </a:solidFill>
                 <a:latin typeface="Arial"/>
               </a:rPr>
-              <a:t>Potential Problems</a:t>
+              <a:t>Sensors used</a:t>
             </a:r>
             <a:endParaRPr b="0" lang="de-DE" sz="2800" spc="-1" strike="noStrike">
-              <a:solidFill>
-                <a:srgbClr val="000000"/>
-              </a:solidFill>
-              <a:latin typeface="Helvetica Neue"/>
-            </a:endParaRPr>
-          </a:p>
-        </p:txBody>
-      </p:sp>
-      <p:sp>
-        <p:nvSpPr>
-          <p:cNvPr id="134" name="TextShape 3"/>
-          <p:cNvSpPr txBox="1"/>
+              <a:latin typeface="Arial"/>
+            </a:endParaRPr>
+          </a:p>
+        </p:txBody>
+      </p:sp>
+      <p:sp>
+        <p:nvSpPr>
+          <p:cNvPr id="122" name="CustomShape 3"/>
+          <p:cNvSpPr/>
           <p:nvPr/>
         </p:nvSpPr>
         <p:spPr>
           <a:xfrm>
-            <a:off x="250920" y="981000"/>
-            <a:ext cx="8642160" cy="5400360"/>
+            <a:off x="20160" y="5356080"/>
+            <a:ext cx="4872960" cy="791280"/>
           </a:xfrm>
           <a:prstGeom prst="rect">
             <a:avLst/>
@@ -6625,23 +6201,24 @@
             <a:noFill/>
           </a:ln>
         </p:spPr>
-        <p:txBody>
-          <a:bodyPr>
+        <p:style>
+          <a:lnRef idx="0"/>
+          <a:fillRef idx="0"/>
+          <a:effectRef idx="0"/>
+          <a:fontRef idx="minor"/>
+        </p:style>
+        <p:txBody>
+          <a:bodyPr lIns="90000" rIns="90000" tIns="45000" bIns="45000">
             <a:normAutofit/>
           </a:bodyPr>
           <a:p>
-            <a:pPr marL="457200" indent="-456840">
+            <a:pPr algn="ctr">
               <a:lnSpc>
                 <a:spcPct val="100000"/>
               </a:lnSpc>
               <a:spcBef>
                 <a:spcPts val="479"/>
               </a:spcBef>
-              <a:buClr>
-                <a:srgbClr val="000000"/>
-              </a:buClr>
-              <a:buFont typeface="Arial"/>
-              <a:buChar char="•"/>
             </a:pPr>
             <a:r>
               <a:rPr b="0" lang="de-DE" sz="2400" spc="-1" strike="noStrike">
@@ -6650,133 +6227,24 @@
                 </a:solidFill>
                 <a:latin typeface="Arial"/>
               </a:rPr>
-              <a:t>Accuracy of position estimates</a:t>
+              <a:t>Bluetooth Low Energy (BLE)</a:t>
             </a:r>
             <a:endParaRPr b="0" lang="de-DE" sz="2400" spc="-1" strike="noStrike">
-              <a:solidFill>
-                <a:srgbClr val="000000"/>
-              </a:solidFill>
-              <a:latin typeface="Arial"/>
-            </a:endParaRPr>
-          </a:p>
-          <a:p>
-            <a:pPr marL="457200" indent="-456840">
-              <a:lnSpc>
-                <a:spcPct val="100000"/>
-              </a:lnSpc>
-              <a:spcBef>
-                <a:spcPts val="479"/>
-              </a:spcBef>
-              <a:buClr>
-                <a:srgbClr val="000000"/>
-              </a:buClr>
-              <a:buFont typeface="Arial"/>
-              <a:buChar char="•"/>
-            </a:pPr>
-            <a:r>
-              <a:rPr b="0" lang="de-DE" sz="2400" spc="-1" strike="noStrike">
-                <a:solidFill>
-                  <a:srgbClr val="000000"/>
-                </a:solidFill>
-                <a:latin typeface="Arial"/>
-              </a:rPr>
-              <a:t>Response time for detection of beacons in the background</a:t>
-            </a:r>
-            <a:endParaRPr b="0" lang="de-DE" sz="2400" spc="-1" strike="noStrike">
-              <a:solidFill>
-                <a:srgbClr val="000000"/>
-              </a:solidFill>
-              <a:latin typeface="Arial"/>
-            </a:endParaRPr>
-          </a:p>
-          <a:p>
-            <a:pPr marL="457200" indent="-456840">
-              <a:lnSpc>
-                <a:spcPct val="100000"/>
-              </a:lnSpc>
-              <a:spcBef>
-                <a:spcPts val="479"/>
-              </a:spcBef>
-              <a:buClr>
-                <a:srgbClr val="000000"/>
-              </a:buClr>
-              <a:buFont typeface="Arial"/>
-              <a:buChar char="•"/>
-            </a:pPr>
-            <a:r>
-              <a:rPr b="0" lang="de-DE" sz="2400" spc="-1" strike="noStrike">
-                <a:solidFill>
-                  <a:srgbClr val="000000"/>
-                </a:solidFill>
-                <a:latin typeface="Arial"/>
-              </a:rPr>
-              <a:t>Compatibility of different beacons</a:t>
-            </a:r>
-            <a:endParaRPr b="0" lang="de-DE" sz="2400" spc="-1" strike="noStrike">
-              <a:solidFill>
-                <a:srgbClr val="000000"/>
-              </a:solidFill>
-              <a:latin typeface="Arial"/>
-            </a:endParaRPr>
-          </a:p>
-          <a:p>
-            <a:pPr marL="457200" indent="-456840">
-              <a:lnSpc>
-                <a:spcPct val="100000"/>
-              </a:lnSpc>
-              <a:spcBef>
-                <a:spcPts val="479"/>
-              </a:spcBef>
-              <a:buClr>
-                <a:srgbClr val="000000"/>
-              </a:buClr>
-              <a:buFont typeface="Arial"/>
-              <a:buChar char="•"/>
-            </a:pPr>
-            <a:r>
-              <a:rPr b="0" lang="de-DE" sz="2400" spc="-1" strike="noStrike">
-                <a:solidFill>
-                  <a:srgbClr val="000000"/>
-                </a:solidFill>
-                <a:latin typeface="Arial"/>
-              </a:rPr>
-              <a:t>Compatibility of BLE libraries between Android versions</a:t>
-            </a:r>
-            <a:endParaRPr b="0" lang="de-DE" sz="2400" spc="-1" strike="noStrike">
-              <a:solidFill>
-                <a:srgbClr val="000000"/>
-              </a:solidFill>
-              <a:latin typeface="Arial"/>
-            </a:endParaRPr>
-          </a:p>
-          <a:p>
-            <a:pPr>
-              <a:lnSpc>
-                <a:spcPct val="100000"/>
-              </a:lnSpc>
-              <a:spcBef>
-                <a:spcPts val="479"/>
-              </a:spcBef>
-            </a:pPr>
-            <a:endParaRPr b="0" lang="de-DE" sz="2400" spc="-1" strike="noStrike">
-              <a:solidFill>
-                <a:srgbClr val="000000"/>
-              </a:solidFill>
-              <a:latin typeface="Arial"/>
-            </a:endParaRPr>
-          </a:p>
-        </p:txBody>
-      </p:sp>
-      <p:sp>
-        <p:nvSpPr>
-          <p:cNvPr id="135" name="TextShape 4"/>
-          <p:cNvSpPr txBox="1"/>
+              <a:latin typeface="Arial"/>
+            </a:endParaRPr>
+          </a:p>
+        </p:txBody>
+      </p:sp>
+      <p:sp>
+        <p:nvSpPr>
+          <p:cNvPr id="123" name="CustomShape 4"/>
+          <p:cNvSpPr/>
           <p:nvPr/>
         </p:nvSpPr>
         <p:spPr>
           <a:xfrm>
             <a:off x="249840" y="6568920"/>
-            <a:ext cx="4320720" cy="288720"/>
+            <a:ext cx="4320360" cy="288360"/>
           </a:xfrm>
           <a:prstGeom prst="rect">
             <a:avLst/>
@@ -6786,8 +6254,14 @@
             <a:noFill/>
           </a:ln>
         </p:spPr>
-        <p:txBody>
-          <a:bodyPr anchor="ctr"/>
+        <p:style>
+          <a:lnRef idx="0"/>
+          <a:fillRef idx="0"/>
+          <a:effectRef idx="0"/>
+          <a:fontRef idx="minor"/>
+        </p:style>
+        <p:txBody>
+          <a:bodyPr lIns="90000" rIns="90000" tIns="45000" bIns="45000" anchor="ctr"/>
           <a:p>
             <a:pPr>
               <a:lnSpc>
@@ -6804,21 +6278,21 @@
               <a:t>Distance Based Application Trigger</a:t>
             </a:r>
             <a:endParaRPr b="0" lang="de-DE" sz="800" spc="-1" strike="noStrike">
-              <a:latin typeface="Times New Roman"/>
-            </a:endParaRPr>
-          </a:p>
-        </p:txBody>
-      </p:sp>
-      <p:sp>
-        <p:nvSpPr>
-          <p:cNvPr id="136" name="TextShape 5"/>
-          <p:cNvSpPr txBox="1"/>
+              <a:latin typeface="Arial"/>
+            </a:endParaRPr>
+          </a:p>
+        </p:txBody>
+      </p:sp>
+      <p:sp>
+        <p:nvSpPr>
+          <p:cNvPr id="124" name="CustomShape 5"/>
+          <p:cNvSpPr/>
           <p:nvPr/>
         </p:nvSpPr>
         <p:spPr>
           <a:xfrm>
             <a:off x="8643960" y="6570720"/>
-            <a:ext cx="248760" cy="288720"/>
+            <a:ext cx="248400" cy="288360"/>
           </a:xfrm>
           <a:prstGeom prst="rect">
             <a:avLst/>
@@ -6828,39 +6302,45 @@
             <a:noFill/>
           </a:ln>
         </p:spPr>
-        <p:txBody>
-          <a:bodyPr anchor="ctr"/>
+        <p:style>
+          <a:lnRef idx="0"/>
+          <a:fillRef idx="0"/>
+          <a:effectRef idx="0"/>
+          <a:fontRef idx="minor"/>
+        </p:style>
+        <p:txBody>
+          <a:bodyPr lIns="90000" rIns="90000" tIns="45000" bIns="45000" anchor="ctr"/>
           <a:p>
             <a:pPr algn="r">
               <a:lnSpc>
                 <a:spcPct val="100000"/>
               </a:lnSpc>
             </a:pPr>
-            <a:fld id="{43B031A4-A9CC-4CFA-ADEC-1F2719078C24}" type="slidenum">
+            <a:fld id="{EF7E94B8-2A16-43C2-9BF5-C641125782F7}" type="slidenum">
               <a:rPr b="0" lang="de-DE" sz="800" spc="-1" strike="noStrike">
                 <a:solidFill>
                   <a:srgbClr val="ffffff"/>
                 </a:solidFill>
                 <a:latin typeface="Arial"/>
               </a:rPr>
-              <a:t>&lt;Foliennummer&gt;</a:t>
+              <a:t>6</a:t>
             </a:fld>
             <a:endParaRPr b="0" lang="de-DE" sz="800" spc="-1" strike="noStrike">
-              <a:latin typeface="Times New Roman"/>
-            </a:endParaRPr>
-          </a:p>
-        </p:txBody>
-      </p:sp>
-      <p:sp>
-        <p:nvSpPr>
-          <p:cNvPr id="137" name="TextShape 6"/>
-          <p:cNvSpPr txBox="1"/>
+              <a:latin typeface="Arial"/>
+            </a:endParaRPr>
+          </a:p>
+        </p:txBody>
+      </p:sp>
+      <p:sp>
+        <p:nvSpPr>
+          <p:cNvPr id="125" name="CustomShape 6"/>
+          <p:cNvSpPr/>
           <p:nvPr/>
         </p:nvSpPr>
         <p:spPr>
           <a:xfrm>
             <a:off x="7037280" y="6570720"/>
-            <a:ext cx="1606320" cy="288720"/>
+            <a:ext cx="1605960" cy="288360"/>
           </a:xfrm>
           <a:prstGeom prst="rect">
             <a:avLst/>
@@ -6870,8 +6350,14 @@
             <a:noFill/>
           </a:ln>
         </p:spPr>
-        <p:txBody>
-          <a:bodyPr anchor="ctr"/>
+        <p:style>
+          <a:lnRef idx="0"/>
+          <a:fillRef idx="0"/>
+          <a:effectRef idx="0"/>
+          <a:fontRef idx="minor"/>
+        </p:style>
+        <p:txBody>
+          <a:bodyPr lIns="90000" rIns="90000" tIns="45000" bIns="45000" anchor="ctr"/>
           <a:p>
             <a:pPr algn="r">
               <a:lnSpc>
@@ -6888,19 +6374,119 @@
               <a:t>Software- and Systems Engineering Research Group</a:t>
             </a:r>
             <a:endParaRPr b="0" lang="de-DE" sz="800" spc="-1" strike="noStrike">
-              <a:latin typeface="Times New Roman"/>
+              <a:latin typeface="Arial"/>
             </a:endParaRPr>
           </a:p>
         </p:txBody>
       </p:sp>
       <p:pic>
         <p:nvPicPr>
-          <p:cNvPr id="138" name="" descr=""/>
+          <p:cNvPr id="126" name="Grafik 9" descr=""/>
           <p:cNvPicPr/>
           <p:nvPr/>
         </p:nvPicPr>
         <p:blipFill>
           <a:blip r:embed="rId1"/>
+          <a:stretch/>
+        </p:blipFill>
+        <p:spPr>
+          <a:xfrm>
+            <a:off x="492120" y="1506960"/>
+            <a:ext cx="3845520" cy="3177720"/>
+          </a:xfrm>
+          <a:prstGeom prst="rect">
+            <a:avLst/>
+          </a:prstGeom>
+          <a:ln>
+            <a:noFill/>
+          </a:ln>
+        </p:spPr>
+      </p:pic>
+      <p:pic>
+        <p:nvPicPr>
+          <p:cNvPr id="127" name="Grafik 10" descr=""/>
+          <p:cNvPicPr/>
+          <p:nvPr/>
+        </p:nvPicPr>
+        <p:blipFill>
+          <a:blip r:embed="rId2"/>
+          <a:stretch/>
+        </p:blipFill>
+        <p:spPr>
+          <a:xfrm>
+            <a:off x="5214600" y="1506960"/>
+            <a:ext cx="3228120" cy="3177720"/>
+          </a:xfrm>
+          <a:prstGeom prst="rect">
+            <a:avLst/>
+          </a:prstGeom>
+          <a:ln>
+            <a:noFill/>
+          </a:ln>
+        </p:spPr>
+      </p:pic>
+      <p:sp>
+        <p:nvSpPr>
+          <p:cNvPr id="128" name="CustomShape 7"/>
+          <p:cNvSpPr/>
+          <p:nvPr/>
+        </p:nvSpPr>
+        <p:spPr>
+          <a:xfrm>
+            <a:off x="4764600" y="5356080"/>
+            <a:ext cx="4127760" cy="791280"/>
+          </a:xfrm>
+          <a:prstGeom prst="rect">
+            <a:avLst/>
+          </a:prstGeom>
+          <a:noFill/>
+          <a:ln w="9360">
+            <a:noFill/>
+          </a:ln>
+        </p:spPr>
+        <p:style>
+          <a:lnRef idx="0"/>
+          <a:fillRef idx="0"/>
+          <a:effectRef idx="0"/>
+          <a:fontRef idx="minor"/>
+        </p:style>
+        <p:txBody>
+          <a:bodyPr lIns="90000" rIns="90000" tIns="45000" bIns="45000">
+            <a:normAutofit/>
+          </a:bodyPr>
+          <a:p>
+            <a:pPr algn="ctr">
+              <a:lnSpc>
+                <a:spcPct val="100000"/>
+              </a:lnSpc>
+              <a:spcBef>
+                <a:spcPts val="479"/>
+              </a:spcBef>
+            </a:pPr>
+            <a:r>
+              <a:rPr b="0" lang="de-DE" sz="2400" spc="-1" strike="noStrike">
+                <a:solidFill>
+                  <a:srgbClr val="000000"/>
+                </a:solidFill>
+                <a:latin typeface="Arial"/>
+                <a:ea typeface="DejaVu Sans"/>
+              </a:rPr>
+              <a:t>Beacons</a:t>
+            </a:r>
+            <a:endParaRPr b="0" lang="de-DE" sz="2400" spc="-1" strike="noStrike">
+              <a:latin typeface="Arial"/>
+            </a:endParaRPr>
+          </a:p>
+        </p:txBody>
+      </p:sp>
+      <p:pic>
+        <p:nvPicPr>
+          <p:cNvPr id="129" name="" descr=""/>
+          <p:cNvPicPr/>
+          <p:nvPr/>
+        </p:nvPicPr>
+        <p:blipFill>
+          <a:blip r:embed="rId3"/>
           <a:stretch/>
         </p:blipFill>
         <p:spPr>
@@ -6956,6 +6542,463 @@
 </p:sld>
 </file>
 
+<file path=ppt/slides/slide7.xml><?xml version="1.0" encoding="utf-8"?>
+<p:sld xmlns:a="http://schemas.openxmlformats.org/drawingml/2006/main" xmlns:p="http://schemas.openxmlformats.org/presentationml/2006/main" xmlns:r="http://schemas.openxmlformats.org/officeDocument/2006/relationships" xmlns:p14="http://schemas.microsoft.com/office/powerpoint/2010/main" xmlns:p15="http://schemas.microsoft.com/office/powerpoint/2012/main" xmlns:mc="http://schemas.openxmlformats.org/markup-compatibility/2006">
+  <p:cSld>
+    <p:spTree>
+      <p:nvGrpSpPr>
+        <p:cNvPr id="1" name=""/>
+        <p:cNvGrpSpPr/>
+        <p:nvPr/>
+      </p:nvGrpSpPr>
+      <p:grpSpPr>
+        <a:xfrm>
+          <a:off x="0" y="0"/>
+          <a:ext cx="0" cy="0"/>
+          <a:chOff x="0" y="0"/>
+          <a:chExt cx="0" cy="0"/>
+        </a:xfrm>
+      </p:grpSpPr>
+      <p:sp>
+        <p:nvSpPr>
+          <p:cNvPr id="130" name="CustomShape 1" hidden="1"/>
+          <p:cNvSpPr/>
+          <p:nvPr/>
+        </p:nvSpPr>
+        <p:spPr>
+          <a:xfrm>
+            <a:off x="0" y="0"/>
+            <a:ext cx="158040" cy="158040"/>
+          </a:xfrm>
+          <a:prstGeom prst="rect">
+            <a:avLst/>
+          </a:prstGeom>
+          <a:ln>
+            <a:round/>
+          </a:ln>
+        </p:spPr>
+        <p:style>
+          <a:lnRef idx="2">
+            <a:schemeClr val="accent3">
+              <a:shade val="50000"/>
+            </a:schemeClr>
+          </a:lnRef>
+          <a:fillRef idx="1">
+            <a:schemeClr val="accent3"/>
+          </a:fillRef>
+          <a:effectRef idx="0">
+            <a:schemeClr val="accent3"/>
+          </a:effectRef>
+          <a:fontRef idx="minor"/>
+        </p:style>
+      </p:sp>
+      <p:sp>
+        <p:nvSpPr>
+          <p:cNvPr id="131" name="CustomShape 2"/>
+          <p:cNvSpPr/>
+          <p:nvPr/>
+        </p:nvSpPr>
+        <p:spPr>
+          <a:xfrm>
+            <a:off x="250920" y="44280"/>
+            <a:ext cx="7535160" cy="720000"/>
+          </a:xfrm>
+          <a:prstGeom prst="rect">
+            <a:avLst/>
+          </a:prstGeom>
+          <a:noFill/>
+          <a:ln w="9360">
+            <a:noFill/>
+          </a:ln>
+        </p:spPr>
+        <p:style>
+          <a:lnRef idx="0"/>
+          <a:fillRef idx="0"/>
+          <a:effectRef idx="0"/>
+          <a:fontRef idx="minor"/>
+        </p:style>
+        <p:txBody>
+          <a:bodyPr lIns="90000" rIns="90000" tIns="0" bIns="0" anchor="b"/>
+          <a:p>
+            <a:pPr>
+              <a:lnSpc>
+                <a:spcPct val="100000"/>
+              </a:lnSpc>
+            </a:pPr>
+            <a:r>
+              <a:rPr b="0" lang="de-DE" sz="2800" spc="-1" strike="noStrike">
+                <a:solidFill>
+                  <a:srgbClr val="ffffff"/>
+                </a:solidFill>
+                <a:latin typeface="Arial"/>
+              </a:rPr>
+              <a:t>Potential Problems</a:t>
+            </a:r>
+            <a:endParaRPr b="0" lang="de-DE" sz="2800" spc="-1" strike="noStrike">
+              <a:latin typeface="Arial"/>
+            </a:endParaRPr>
+          </a:p>
+        </p:txBody>
+      </p:sp>
+      <p:sp>
+        <p:nvSpPr>
+          <p:cNvPr id="132" name="CustomShape 3"/>
+          <p:cNvSpPr/>
+          <p:nvPr/>
+        </p:nvSpPr>
+        <p:spPr>
+          <a:xfrm>
+            <a:off x="250920" y="981000"/>
+            <a:ext cx="8641800" cy="5400000"/>
+          </a:xfrm>
+          <a:prstGeom prst="rect">
+            <a:avLst/>
+          </a:prstGeom>
+          <a:noFill/>
+          <a:ln w="9360">
+            <a:noFill/>
+          </a:ln>
+        </p:spPr>
+        <p:style>
+          <a:lnRef idx="0"/>
+          <a:fillRef idx="0"/>
+          <a:effectRef idx="0"/>
+          <a:fontRef idx="minor"/>
+        </p:style>
+        <p:txBody>
+          <a:bodyPr lIns="90000" rIns="90000" tIns="45000" bIns="45000">
+            <a:normAutofit/>
+          </a:bodyPr>
+          <a:p>
+            <a:pPr marL="457200" indent="-456480">
+              <a:lnSpc>
+                <a:spcPct val="100000"/>
+              </a:lnSpc>
+              <a:spcBef>
+                <a:spcPts val="479"/>
+              </a:spcBef>
+              <a:buClr>
+                <a:srgbClr val="000000"/>
+              </a:buClr>
+              <a:buFont typeface="Arial"/>
+              <a:buChar char="•"/>
+            </a:pPr>
+            <a:r>
+              <a:rPr b="0" lang="de-DE" sz="2400" spc="-1" strike="noStrike">
+                <a:solidFill>
+                  <a:srgbClr val="000000"/>
+                </a:solidFill>
+                <a:latin typeface="Arial"/>
+              </a:rPr>
+              <a:t>Accuracy of position estimates</a:t>
+            </a:r>
+            <a:endParaRPr b="0" lang="de-DE" sz="2400" spc="-1" strike="noStrike">
+              <a:latin typeface="Arial"/>
+            </a:endParaRPr>
+          </a:p>
+          <a:p>
+            <a:pPr marL="457200" indent="-456480">
+              <a:lnSpc>
+                <a:spcPct val="100000"/>
+              </a:lnSpc>
+              <a:spcBef>
+                <a:spcPts val="479"/>
+              </a:spcBef>
+              <a:buClr>
+                <a:srgbClr val="000000"/>
+              </a:buClr>
+              <a:buFont typeface="Arial"/>
+              <a:buChar char="•"/>
+            </a:pPr>
+            <a:r>
+              <a:rPr b="0" lang="de-DE" sz="2400" spc="-1" strike="noStrike">
+                <a:solidFill>
+                  <a:srgbClr val="000000"/>
+                </a:solidFill>
+                <a:latin typeface="Arial"/>
+              </a:rPr>
+              <a:t>Response time for detection of beacons in the background</a:t>
+            </a:r>
+            <a:endParaRPr b="0" lang="de-DE" sz="2400" spc="-1" strike="noStrike">
+              <a:latin typeface="Arial"/>
+            </a:endParaRPr>
+          </a:p>
+          <a:p>
+            <a:pPr marL="457200" indent="-456480">
+              <a:lnSpc>
+                <a:spcPct val="100000"/>
+              </a:lnSpc>
+              <a:spcBef>
+                <a:spcPts val="479"/>
+              </a:spcBef>
+              <a:buClr>
+                <a:srgbClr val="000000"/>
+              </a:buClr>
+              <a:buFont typeface="Arial"/>
+              <a:buChar char="•"/>
+            </a:pPr>
+            <a:r>
+              <a:rPr b="0" lang="de-DE" sz="2400" spc="-1" strike="noStrike">
+                <a:solidFill>
+                  <a:srgbClr val="000000"/>
+                </a:solidFill>
+                <a:latin typeface="Arial"/>
+              </a:rPr>
+              <a:t>Compatibility of different beacons</a:t>
+            </a:r>
+            <a:endParaRPr b="0" lang="de-DE" sz="2400" spc="-1" strike="noStrike">
+              <a:latin typeface="Arial"/>
+            </a:endParaRPr>
+          </a:p>
+          <a:p>
+            <a:pPr marL="457200" indent="-456480">
+              <a:lnSpc>
+                <a:spcPct val="100000"/>
+              </a:lnSpc>
+              <a:spcBef>
+                <a:spcPts val="479"/>
+              </a:spcBef>
+              <a:buClr>
+                <a:srgbClr val="000000"/>
+              </a:buClr>
+              <a:buFont typeface="Arial"/>
+              <a:buChar char="•"/>
+            </a:pPr>
+            <a:r>
+              <a:rPr b="0" lang="de-DE" sz="2400" spc="-1" strike="noStrike">
+                <a:solidFill>
+                  <a:srgbClr val="000000"/>
+                </a:solidFill>
+                <a:latin typeface="Arial"/>
+              </a:rPr>
+              <a:t>Compatibility of BLE libraries between Android versions</a:t>
+            </a:r>
+            <a:endParaRPr b="0" lang="de-DE" sz="2400" spc="-1" strike="noStrike">
+              <a:latin typeface="Arial"/>
+            </a:endParaRPr>
+          </a:p>
+          <a:p>
+            <a:pPr>
+              <a:lnSpc>
+                <a:spcPct val="100000"/>
+              </a:lnSpc>
+              <a:spcBef>
+                <a:spcPts val="479"/>
+              </a:spcBef>
+            </a:pPr>
+            <a:endParaRPr b="0" lang="de-DE" sz="2400" spc="-1" strike="noStrike">
+              <a:latin typeface="Arial"/>
+            </a:endParaRPr>
+          </a:p>
+        </p:txBody>
+      </p:sp>
+      <p:sp>
+        <p:nvSpPr>
+          <p:cNvPr id="133" name="CustomShape 4"/>
+          <p:cNvSpPr/>
+          <p:nvPr/>
+        </p:nvSpPr>
+        <p:spPr>
+          <a:xfrm>
+            <a:off x="249840" y="6568920"/>
+            <a:ext cx="4320360" cy="288360"/>
+          </a:xfrm>
+          <a:prstGeom prst="rect">
+            <a:avLst/>
+          </a:prstGeom>
+          <a:noFill/>
+          <a:ln w="9360">
+            <a:noFill/>
+          </a:ln>
+        </p:spPr>
+        <p:style>
+          <a:lnRef idx="0"/>
+          <a:fillRef idx="0"/>
+          <a:effectRef idx="0"/>
+          <a:fontRef idx="minor"/>
+        </p:style>
+        <p:txBody>
+          <a:bodyPr lIns="90000" rIns="90000" tIns="45000" bIns="45000" anchor="ctr"/>
+          <a:p>
+            <a:pPr>
+              <a:lnSpc>
+                <a:spcPct val="100000"/>
+              </a:lnSpc>
+            </a:pPr>
+            <a:r>
+              <a:rPr b="0" lang="de-DE" sz="800" spc="-1" strike="noStrike">
+                <a:solidFill>
+                  <a:srgbClr val="ffffff"/>
+                </a:solidFill>
+                <a:latin typeface="Arial"/>
+              </a:rPr>
+              <a:t>Distance Based Application Trigger</a:t>
+            </a:r>
+            <a:endParaRPr b="0" lang="de-DE" sz="800" spc="-1" strike="noStrike">
+              <a:latin typeface="Arial"/>
+            </a:endParaRPr>
+          </a:p>
+        </p:txBody>
+      </p:sp>
+      <p:sp>
+        <p:nvSpPr>
+          <p:cNvPr id="134" name="CustomShape 5"/>
+          <p:cNvSpPr/>
+          <p:nvPr/>
+        </p:nvSpPr>
+        <p:spPr>
+          <a:xfrm>
+            <a:off x="8643960" y="6570720"/>
+            <a:ext cx="248400" cy="288360"/>
+          </a:xfrm>
+          <a:prstGeom prst="rect">
+            <a:avLst/>
+          </a:prstGeom>
+          <a:noFill/>
+          <a:ln w="9360">
+            <a:noFill/>
+          </a:ln>
+        </p:spPr>
+        <p:style>
+          <a:lnRef idx="0"/>
+          <a:fillRef idx="0"/>
+          <a:effectRef idx="0"/>
+          <a:fontRef idx="minor"/>
+        </p:style>
+        <p:txBody>
+          <a:bodyPr lIns="90000" rIns="90000" tIns="45000" bIns="45000" anchor="ctr"/>
+          <a:p>
+            <a:pPr algn="r">
+              <a:lnSpc>
+                <a:spcPct val="100000"/>
+              </a:lnSpc>
+            </a:pPr>
+            <a:fld id="{192565A8-C951-4284-9AA4-601B1DC1E9A6}" type="slidenum">
+              <a:rPr b="0" lang="de-DE" sz="800" spc="-1" strike="noStrike">
+                <a:solidFill>
+                  <a:srgbClr val="ffffff"/>
+                </a:solidFill>
+                <a:latin typeface="Arial"/>
+              </a:rPr>
+              <a:t>7</a:t>
+            </a:fld>
+            <a:endParaRPr b="0" lang="de-DE" sz="800" spc="-1" strike="noStrike">
+              <a:latin typeface="Arial"/>
+            </a:endParaRPr>
+          </a:p>
+        </p:txBody>
+      </p:sp>
+      <p:sp>
+        <p:nvSpPr>
+          <p:cNvPr id="135" name="CustomShape 6"/>
+          <p:cNvSpPr/>
+          <p:nvPr/>
+        </p:nvSpPr>
+        <p:spPr>
+          <a:xfrm>
+            <a:off x="7037280" y="6570720"/>
+            <a:ext cx="1605960" cy="288360"/>
+          </a:xfrm>
+          <a:prstGeom prst="rect">
+            <a:avLst/>
+          </a:prstGeom>
+          <a:noFill/>
+          <a:ln w="9360">
+            <a:noFill/>
+          </a:ln>
+        </p:spPr>
+        <p:style>
+          <a:lnRef idx="0"/>
+          <a:fillRef idx="0"/>
+          <a:effectRef idx="0"/>
+          <a:fontRef idx="minor"/>
+        </p:style>
+        <p:txBody>
+          <a:bodyPr lIns="90000" rIns="90000" tIns="45000" bIns="45000" anchor="ctr"/>
+          <a:p>
+            <a:pPr algn="r">
+              <a:lnSpc>
+                <a:spcPct val="100000"/>
+              </a:lnSpc>
+            </a:pPr>
+            <a:r>
+              <a:rPr b="0" lang="de-DE" sz="800" spc="-1" strike="noStrike">
+                <a:solidFill>
+                  <a:srgbClr val="ffffff"/>
+                </a:solidFill>
+                <a:latin typeface="Arial"/>
+              </a:rPr>
+              <a:t>Software- and Systems Engineering Research Group</a:t>
+            </a:r>
+            <a:endParaRPr b="0" lang="de-DE" sz="800" spc="-1" strike="noStrike">
+              <a:latin typeface="Arial"/>
+            </a:endParaRPr>
+          </a:p>
+        </p:txBody>
+      </p:sp>
+      <p:pic>
+        <p:nvPicPr>
+          <p:cNvPr id="136" name="" descr=""/>
+          <p:cNvPicPr/>
+          <p:nvPr/>
+        </p:nvPicPr>
+        <p:blipFill>
+          <a:blip r:embed="rId1"/>
+          <a:stretch/>
+        </p:blipFill>
+        <p:spPr>
+          <a:xfrm>
+            <a:off x="360" y="0"/>
+            <a:ext cx="360" cy="360"/>
+          </a:xfrm>
+          <a:prstGeom prst="rect">
+            <a:avLst/>
+          </a:prstGeom>
+          <a:ln>
+            <a:noFill/>
+          </a:ln>
+        </p:spPr>
+      </p:pic>
+    </p:spTree>
+  </p:cSld>
+  <mc:AlternateContent>
+    <mc:Choice Requires="p14">
+      <p:transition spd="slow" p14:dur="2000"/>
+    </mc:Choice>
+    <mc:Fallback>
+      <p:transition spd="slow"/>
+    </mc:Fallback>
+  </mc:AlternateContent>
+  <p:timing>
+    <p:tnLst>
+      <p:par>
+        <p:cTn id="13" dur="indefinite" restart="never" nodeType="tmRoot">
+          <p:childTnLst>
+            <p:seq>
+              <p:cTn id="14" dur="indefinite" nodeType="mainSeq"/>
+              <p:prevCondLst>
+                <p:cond delay="0" evt="onPrev">
+                  <p:tgtEl>
+                    <p:sldTgt/>
+                  </p:tgtEl>
+                </p:cond>
+              </p:prevCondLst>
+              <p:nextCondLst>
+                <p:cond delay="0" evt="onNext">
+                  <p:tgtEl>
+                    <p:sldTgt/>
+                  </p:tgtEl>
+                </p:cond>
+              </p:nextCondLst>
+            </p:seq>
+          </p:childTnLst>
+        </p:cTn>
+      </p:par>
+    </p:tnLst>
+  </p:timing>
+</p:sld>
+</file>
+
 <file path=ppt/slides/slide8.xml><?xml version="1.0" encoding="utf-8"?>
 <p:sld xmlns:a="http://schemas.openxmlformats.org/drawingml/2006/main" xmlns:p="http://schemas.openxmlformats.org/presentationml/2006/main" xmlns:r="http://schemas.openxmlformats.org/officeDocument/2006/relationships" xmlns:p14="http://schemas.microsoft.com/office/powerpoint/2010/main" xmlns:p15="http://schemas.microsoft.com/office/powerpoint/2012/main" xmlns:mc="http://schemas.openxmlformats.org/markup-compatibility/2006">
   <p:cSld>
@@ -6975,14 +7018,14 @@
       </p:grpSpPr>
       <p:sp>
         <p:nvSpPr>
-          <p:cNvPr id="139" name="CustomShape 1" hidden="1"/>
+          <p:cNvPr id="137" name="CustomShape 1" hidden="1"/>
           <p:cNvSpPr/>
           <p:nvPr/>
         </p:nvSpPr>
         <p:spPr>
           <a:xfrm>
             <a:off x="0" y="0"/>
-            <a:ext cx="158400" cy="158400"/>
+            <a:ext cx="158040" cy="158040"/>
           </a:xfrm>
           <a:prstGeom prst="rect">
             <a:avLst/>
@@ -7008,14 +7051,14 @@
       </p:sp>
       <p:sp>
         <p:nvSpPr>
-          <p:cNvPr id="140" name="TextShape 2"/>
-          <p:cNvSpPr txBox="1"/>
+          <p:cNvPr id="138" name="CustomShape 2"/>
+          <p:cNvSpPr/>
           <p:nvPr/>
         </p:nvSpPr>
         <p:spPr>
           <a:xfrm>
             <a:off x="250920" y="44280"/>
-            <a:ext cx="7535520" cy="720360"/>
+            <a:ext cx="7535160" cy="720000"/>
           </a:xfrm>
           <a:prstGeom prst="rect">
             <a:avLst/>
@@ -7025,6 +7068,12 @@
             <a:noFill/>
           </a:ln>
         </p:spPr>
+        <p:style>
+          <a:lnRef idx="0"/>
+          <a:fillRef idx="0"/>
+          <a:effectRef idx="0"/>
+          <a:fontRef idx="minor"/>
+        </p:style>
         <p:txBody>
           <a:bodyPr lIns="90000" rIns="90000" tIns="0" bIns="0" anchor="b"/>
           <a:p>
@@ -7043,24 +7092,21 @@
               <a:t>How would the prototype function?</a:t>
             </a:r>
             <a:endParaRPr b="0" lang="de-DE" sz="2800" spc="-1" strike="noStrike">
-              <a:solidFill>
-                <a:srgbClr val="000000"/>
-              </a:solidFill>
-              <a:latin typeface="Helvetica Neue"/>
-            </a:endParaRPr>
-          </a:p>
-        </p:txBody>
-      </p:sp>
-      <p:sp>
-        <p:nvSpPr>
-          <p:cNvPr id="141" name="TextShape 3"/>
-          <p:cNvSpPr txBox="1"/>
+              <a:latin typeface="Arial"/>
+            </a:endParaRPr>
+          </a:p>
+        </p:txBody>
+      </p:sp>
+      <p:sp>
+        <p:nvSpPr>
+          <p:cNvPr id="139" name="CustomShape 3"/>
+          <p:cNvSpPr/>
           <p:nvPr/>
         </p:nvSpPr>
         <p:spPr>
           <a:xfrm>
             <a:off x="249840" y="6568920"/>
-            <a:ext cx="4320720" cy="288720"/>
+            <a:ext cx="4320360" cy="288360"/>
           </a:xfrm>
           <a:prstGeom prst="rect">
             <a:avLst/>
@@ -7070,8 +7116,14 @@
             <a:noFill/>
           </a:ln>
         </p:spPr>
-        <p:txBody>
-          <a:bodyPr anchor="ctr"/>
+        <p:style>
+          <a:lnRef idx="0"/>
+          <a:fillRef idx="0"/>
+          <a:effectRef idx="0"/>
+          <a:fontRef idx="minor"/>
+        </p:style>
+        <p:txBody>
+          <a:bodyPr lIns="90000" rIns="90000" tIns="45000" bIns="45000" anchor="ctr"/>
           <a:p>
             <a:pPr>
               <a:lnSpc>
@@ -7088,21 +7140,21 @@
               <a:t>Distance Based Application Trigger</a:t>
             </a:r>
             <a:endParaRPr b="0" lang="de-DE" sz="800" spc="-1" strike="noStrike">
-              <a:latin typeface="Times New Roman"/>
-            </a:endParaRPr>
-          </a:p>
-        </p:txBody>
-      </p:sp>
-      <p:sp>
-        <p:nvSpPr>
-          <p:cNvPr id="142" name="TextShape 4"/>
-          <p:cNvSpPr txBox="1"/>
+              <a:latin typeface="Arial"/>
+            </a:endParaRPr>
+          </a:p>
+        </p:txBody>
+      </p:sp>
+      <p:sp>
+        <p:nvSpPr>
+          <p:cNvPr id="140" name="CustomShape 4"/>
+          <p:cNvSpPr/>
           <p:nvPr/>
         </p:nvSpPr>
         <p:spPr>
           <a:xfrm>
             <a:off x="8643960" y="6570720"/>
-            <a:ext cx="248760" cy="288720"/>
+            <a:ext cx="248400" cy="288360"/>
           </a:xfrm>
           <a:prstGeom prst="rect">
             <a:avLst/>
@@ -7112,15 +7164,21 @@
             <a:noFill/>
           </a:ln>
         </p:spPr>
-        <p:txBody>
-          <a:bodyPr anchor="ctr"/>
+        <p:style>
+          <a:lnRef idx="0"/>
+          <a:fillRef idx="0"/>
+          <a:effectRef idx="0"/>
+          <a:fontRef idx="minor"/>
+        </p:style>
+        <p:txBody>
+          <a:bodyPr lIns="90000" rIns="90000" tIns="45000" bIns="45000" anchor="ctr"/>
           <a:p>
             <a:pPr algn="r">
               <a:lnSpc>
                 <a:spcPct val="100000"/>
               </a:lnSpc>
             </a:pPr>
-            <a:fld id="{5421B37E-D580-43DE-990C-665EE1AE5E4F}" type="slidenum">
+            <a:fld id="{4F461415-D2AE-4D82-AD85-645C25C5CEFB}" type="slidenum">
               <a:rPr b="0" lang="de-DE" sz="800" spc="-1" strike="noStrike">
                 <a:solidFill>
                   <a:srgbClr val="ffffff"/>
@@ -7130,21 +7188,21 @@
               <a:t>&lt;Foliennummer&gt;</a:t>
             </a:fld>
             <a:endParaRPr b="0" lang="de-DE" sz="800" spc="-1" strike="noStrike">
-              <a:latin typeface="Times New Roman"/>
-            </a:endParaRPr>
-          </a:p>
-        </p:txBody>
-      </p:sp>
-      <p:sp>
-        <p:nvSpPr>
-          <p:cNvPr id="143" name="TextShape 5"/>
-          <p:cNvSpPr txBox="1"/>
+              <a:latin typeface="Arial"/>
+            </a:endParaRPr>
+          </a:p>
+        </p:txBody>
+      </p:sp>
+      <p:sp>
+        <p:nvSpPr>
+          <p:cNvPr id="141" name="CustomShape 5"/>
+          <p:cNvSpPr/>
           <p:nvPr/>
         </p:nvSpPr>
         <p:spPr>
           <a:xfrm>
             <a:off x="7037280" y="6570720"/>
-            <a:ext cx="1606320" cy="288720"/>
+            <a:ext cx="1605960" cy="288360"/>
           </a:xfrm>
           <a:prstGeom prst="rect">
             <a:avLst/>
@@ -7154,8 +7212,14 @@
             <a:noFill/>
           </a:ln>
         </p:spPr>
-        <p:txBody>
-          <a:bodyPr anchor="ctr"/>
+        <p:style>
+          <a:lnRef idx="0"/>
+          <a:fillRef idx="0"/>
+          <a:effectRef idx="0"/>
+          <a:fontRef idx="minor"/>
+        </p:style>
+        <p:txBody>
+          <a:bodyPr lIns="90000" rIns="90000" tIns="45000" bIns="45000" anchor="ctr"/>
           <a:p>
             <a:pPr algn="r">
               <a:lnSpc>
@@ -7172,14 +7236,14 @@
               <a:t>Software- and Systems Engineering Research Group</a:t>
             </a:r>
             <a:endParaRPr b="0" lang="de-DE" sz="800" spc="-1" strike="noStrike">
-              <a:latin typeface="Times New Roman"/>
+              <a:latin typeface="Arial"/>
             </a:endParaRPr>
           </a:p>
         </p:txBody>
       </p:sp>
       <p:pic>
         <p:nvPicPr>
-          <p:cNvPr id="144" name="Inhaltsplatzhalter 12" descr=""/>
+          <p:cNvPr id="142" name="Inhaltsplatzhalter 12" descr=""/>
           <p:cNvPicPr/>
           <p:nvPr/>
         </p:nvPicPr>
@@ -7202,7 +7266,7 @@
         <p:spPr>
           <a:xfrm>
             <a:off x="3272760" y="1499040"/>
-            <a:ext cx="2595960" cy="2356200"/>
+            <a:ext cx="2595600" cy="2355840"/>
           </a:xfrm>
           <a:prstGeom prst="rect">
             <a:avLst/>
@@ -7214,7 +7278,7 @@
       </p:pic>
       <p:pic>
         <p:nvPicPr>
-          <p:cNvPr id="145" name="Grafik 14" descr=""/>
+          <p:cNvPr id="143" name="Grafik 14" descr=""/>
           <p:cNvPicPr/>
           <p:nvPr/>
         </p:nvPicPr>
@@ -7237,7 +7301,7 @@
         <p:spPr>
           <a:xfrm>
             <a:off x="107640" y="1459800"/>
-            <a:ext cx="3032280" cy="2356200"/>
+            <a:ext cx="3031920" cy="2355840"/>
           </a:xfrm>
           <a:prstGeom prst="rect">
             <a:avLst/>
@@ -7249,7 +7313,7 @@
       </p:pic>
       <p:pic>
         <p:nvPicPr>
-          <p:cNvPr id="146" name="Grafik 15" descr=""/>
+          <p:cNvPr id="144" name="Grafik 15" descr=""/>
           <p:cNvPicPr/>
           <p:nvPr/>
         </p:nvPicPr>
@@ -7260,7 +7324,7 @@
         <p:spPr>
           <a:xfrm>
             <a:off x="6220080" y="1459800"/>
-            <a:ext cx="2595960" cy="2356200"/>
+            <a:ext cx="2595600" cy="2355840"/>
           </a:xfrm>
           <a:prstGeom prst="rect">
             <a:avLst/>
@@ -7272,14 +7336,14 @@
       </p:pic>
       <p:sp>
         <p:nvSpPr>
-          <p:cNvPr id="147" name="CustomShape 6"/>
+          <p:cNvPr id="145" name="CustomShape 6"/>
           <p:cNvSpPr/>
           <p:nvPr/>
         </p:nvSpPr>
         <p:spPr>
           <a:xfrm>
             <a:off x="107640" y="4002480"/>
-            <a:ext cx="3032280" cy="1187640"/>
+            <a:ext cx="3031920" cy="1187280"/>
           </a:xfrm>
           <a:prstGeom prst="rect">
             <a:avLst/>
@@ -7315,6 +7379,7 @@
                   <a:srgbClr val="000000"/>
                 </a:solidFill>
                 <a:latin typeface="Arial"/>
+                <a:ea typeface="DejaVu Sans"/>
               </a:rPr>
               <a:t>Android App</a:t>
             </a:r>
@@ -7334,6 +7399,7 @@
                   <a:srgbClr val="000000"/>
                 </a:solidFill>
                 <a:latin typeface="Arial"/>
+                <a:ea typeface="DejaVu Sans"/>
               </a:rPr>
               <a:t>using AltBeacon Framework</a:t>
             </a:r>
@@ -7345,14 +7411,14 @@
       </p:sp>
       <p:sp>
         <p:nvSpPr>
-          <p:cNvPr id="148" name="CustomShape 7"/>
+          <p:cNvPr id="146" name="CustomShape 7"/>
           <p:cNvSpPr/>
           <p:nvPr/>
         </p:nvSpPr>
         <p:spPr>
           <a:xfrm>
             <a:off x="3002760" y="4002480"/>
-            <a:ext cx="3032280" cy="1553400"/>
+            <a:ext cx="3031920" cy="1553040"/>
           </a:xfrm>
           <a:prstGeom prst="rect">
             <a:avLst/>
@@ -7388,6 +7454,7 @@
                   <a:srgbClr val="000000"/>
                 </a:solidFill>
                 <a:latin typeface="Arial"/>
+                <a:ea typeface="DejaVu Sans"/>
               </a:rPr>
               <a:t>API</a:t>
             </a:r>
@@ -7407,6 +7474,7 @@
                   <a:srgbClr val="000000"/>
                 </a:solidFill>
                 <a:latin typeface="Arial"/>
+                <a:ea typeface="DejaVu Sans"/>
               </a:rPr>
               <a:t>using Raspberry Pi or Sonoff Smart Switch</a:t>
             </a:r>
@@ -7418,14 +7486,14 @@
       </p:sp>
       <p:sp>
         <p:nvSpPr>
-          <p:cNvPr id="149" name="CustomShape 8"/>
+          <p:cNvPr id="147" name="CustomShape 8"/>
           <p:cNvSpPr/>
           <p:nvPr/>
         </p:nvSpPr>
         <p:spPr>
           <a:xfrm>
             <a:off x="6035400" y="4002480"/>
-            <a:ext cx="3032280" cy="1919160"/>
+            <a:ext cx="3031920" cy="1918800"/>
           </a:xfrm>
           <a:prstGeom prst="rect">
             <a:avLst/>
@@ -7461,6 +7529,7 @@
                   <a:srgbClr val="000000"/>
                 </a:solidFill>
                 <a:latin typeface="Arial"/>
+                <a:ea typeface="DejaVu Sans"/>
               </a:rPr>
               <a:t>Beacon</a:t>
             </a:r>
@@ -7480,6 +7549,7 @@
                   <a:srgbClr val="000000"/>
                 </a:solidFill>
                 <a:latin typeface="Arial"/>
+                <a:ea typeface="DejaVu Sans"/>
               </a:rPr>
               <a:t>using Raspberry Pi,</a:t>
             </a:r>
@@ -7499,6 +7569,7 @@
                   <a:srgbClr val="000000"/>
                 </a:solidFill>
                 <a:latin typeface="Arial"/>
+                <a:ea typeface="DejaVu Sans"/>
               </a:rPr>
               <a:t>Laptop or dedicated Beacon</a:t>
             </a:r>
@@ -7520,7 +7591,7 @@
       </p:sp>
       <p:pic>
         <p:nvPicPr>
-          <p:cNvPr id="150" name="" descr=""/>
+          <p:cNvPr id="148" name="" descr=""/>
           <p:cNvPicPr/>
           <p:nvPr/>
         </p:nvPicPr>
@@ -7554,10 +7625,10 @@
   <p:timing>
     <p:tnLst>
       <p:par>
-        <p:cTn id="13" dur="indefinite" restart="never" nodeType="tmRoot">
+        <p:cTn id="15" dur="indefinite" restart="never" nodeType="tmRoot">
           <p:childTnLst>
             <p:seq>
-              <p:cTn id="14" dur="indefinite" nodeType="mainSeq"/>
+              <p:cTn id="16" dur="indefinite" nodeType="mainSeq"/>
               <p:prevCondLst>
                 <p:cond delay="0" evt="onPrev">
                   <p:tgtEl>

--- a/Presentations/Interim/Project_Presentation_Group6.pptx
+++ b/Presentations/Interim/Project_Presentation_Group6.pptx
@@ -1,30 +1,442 @@
 
 <file path=ppt/presentation.xml><?xml version="1.0" encoding="utf-8"?>
-<p:presentation xmlns:a="http://schemas.openxmlformats.org/drawingml/2006/main" xmlns:p="http://schemas.openxmlformats.org/presentationml/2006/main" xmlns:r="http://schemas.openxmlformats.org/officeDocument/2006/relationships" xmlns:p14="http://schemas.microsoft.com/office/powerpoint/2010/main" xmlns:p15="http://schemas.microsoft.com/office/powerpoint/2012/main" xmlns:mc="http://schemas.openxmlformats.org/markup-compatibility/2006">
+<p:presentation xmlns:a="http://schemas.openxmlformats.org/drawingml/2006/main" xmlns:r="http://schemas.openxmlformats.org/officeDocument/2006/relationships" xmlns:p="http://schemas.openxmlformats.org/presentationml/2006/main">
   <p:sldMasterIdLst>
-    <p:sldMasterId id="2147483648" r:id="rId2"/>
-    <p:sldMasterId id="2147483661" r:id="rId3"/>
+    <p:sldMasterId id="2147483648" r:id="rId1"/>
+    <p:sldMasterId id="2147483661" r:id="rId2"/>
   </p:sldMasterIdLst>
   <p:notesMasterIdLst>
-    <p:notesMasterId r:id="rId4"/>
+    <p:notesMasterId r:id="rId10"/>
   </p:notesMasterIdLst>
   <p:sldIdLst>
-    <p:sldId id="256" r:id="rId5"/>
-    <p:sldId id="257" r:id="rId6"/>
-    <p:sldId id="258" r:id="rId7"/>
-    <p:sldId id="259" r:id="rId8"/>
-    <p:sldId id="260" r:id="rId9"/>
-    <p:sldId id="261" r:id="rId10"/>
-    <p:sldId id="262" r:id="rId11"/>
-    <p:sldId id="263" r:id="rId12"/>
+    <p:sldId id="256" r:id="rId3"/>
+    <p:sldId id="257" r:id="rId4"/>
+    <p:sldId id="258" r:id="rId5"/>
+    <p:sldId id="260" r:id="rId6"/>
+    <p:sldId id="261" r:id="rId7"/>
+    <p:sldId id="262" r:id="rId8"/>
+    <p:sldId id="263" r:id="rId9"/>
   </p:sldIdLst>
-  <p:sldSz cx="9144000" cy="6858000"/>
-  <p:notesSz cx="6797675" cy="9926637"/>
+  <p:sldSz cx="9144000" cy="6858000" type="screen4x3"/>
+  <p:notesSz cx="6797675" cy="9926638"/>
+  <p:defaultTextStyle>
+    <a:defPPr>
+      <a:defRPr lang="de-DE"/>
+    </a:defPPr>
+    <a:lvl1pPr marL="0" algn="l" defTabSz="914400" rtl="0" eaLnBrk="1" latinLnBrk="0" hangingPunct="1">
+      <a:defRPr sz="1800" kern="1200">
+        <a:solidFill>
+          <a:schemeClr val="tx1"/>
+        </a:solidFill>
+        <a:latin typeface="+mn-lt"/>
+        <a:ea typeface="+mn-ea"/>
+        <a:cs typeface="+mn-cs"/>
+      </a:defRPr>
+    </a:lvl1pPr>
+    <a:lvl2pPr marL="457200" algn="l" defTabSz="914400" rtl="0" eaLnBrk="1" latinLnBrk="0" hangingPunct="1">
+      <a:defRPr sz="1800" kern="1200">
+        <a:solidFill>
+          <a:schemeClr val="tx1"/>
+        </a:solidFill>
+        <a:latin typeface="+mn-lt"/>
+        <a:ea typeface="+mn-ea"/>
+        <a:cs typeface="+mn-cs"/>
+      </a:defRPr>
+    </a:lvl2pPr>
+    <a:lvl3pPr marL="914400" algn="l" defTabSz="914400" rtl="0" eaLnBrk="1" latinLnBrk="0" hangingPunct="1">
+      <a:defRPr sz="1800" kern="1200">
+        <a:solidFill>
+          <a:schemeClr val="tx1"/>
+        </a:solidFill>
+        <a:latin typeface="+mn-lt"/>
+        <a:ea typeface="+mn-ea"/>
+        <a:cs typeface="+mn-cs"/>
+      </a:defRPr>
+    </a:lvl3pPr>
+    <a:lvl4pPr marL="1371600" algn="l" defTabSz="914400" rtl="0" eaLnBrk="1" latinLnBrk="0" hangingPunct="1">
+      <a:defRPr sz="1800" kern="1200">
+        <a:solidFill>
+          <a:schemeClr val="tx1"/>
+        </a:solidFill>
+        <a:latin typeface="+mn-lt"/>
+        <a:ea typeface="+mn-ea"/>
+        <a:cs typeface="+mn-cs"/>
+      </a:defRPr>
+    </a:lvl4pPr>
+    <a:lvl5pPr marL="1828800" algn="l" defTabSz="914400" rtl="0" eaLnBrk="1" latinLnBrk="0" hangingPunct="1">
+      <a:defRPr sz="1800" kern="1200">
+        <a:solidFill>
+          <a:schemeClr val="tx1"/>
+        </a:solidFill>
+        <a:latin typeface="+mn-lt"/>
+        <a:ea typeface="+mn-ea"/>
+        <a:cs typeface="+mn-cs"/>
+      </a:defRPr>
+    </a:lvl5pPr>
+    <a:lvl6pPr marL="2286000" algn="l" defTabSz="914400" rtl="0" eaLnBrk="1" latinLnBrk="0" hangingPunct="1">
+      <a:defRPr sz="1800" kern="1200">
+        <a:solidFill>
+          <a:schemeClr val="tx1"/>
+        </a:solidFill>
+        <a:latin typeface="+mn-lt"/>
+        <a:ea typeface="+mn-ea"/>
+        <a:cs typeface="+mn-cs"/>
+      </a:defRPr>
+    </a:lvl6pPr>
+    <a:lvl7pPr marL="2743200" algn="l" defTabSz="914400" rtl="0" eaLnBrk="1" latinLnBrk="0" hangingPunct="1">
+      <a:defRPr sz="1800" kern="1200">
+        <a:solidFill>
+          <a:schemeClr val="tx1"/>
+        </a:solidFill>
+        <a:latin typeface="+mn-lt"/>
+        <a:ea typeface="+mn-ea"/>
+        <a:cs typeface="+mn-cs"/>
+      </a:defRPr>
+    </a:lvl7pPr>
+    <a:lvl8pPr marL="3200400" algn="l" defTabSz="914400" rtl="0" eaLnBrk="1" latinLnBrk="0" hangingPunct="1">
+      <a:defRPr sz="1800" kern="1200">
+        <a:solidFill>
+          <a:schemeClr val="tx1"/>
+        </a:solidFill>
+        <a:latin typeface="+mn-lt"/>
+        <a:ea typeface="+mn-ea"/>
+        <a:cs typeface="+mn-cs"/>
+      </a:defRPr>
+    </a:lvl8pPr>
+    <a:lvl9pPr marL="3657600" algn="l" defTabSz="914400" rtl="0" eaLnBrk="1" latinLnBrk="0" hangingPunct="1">
+      <a:defRPr sz="1800" kern="1200">
+        <a:solidFill>
+          <a:schemeClr val="tx1"/>
+        </a:solidFill>
+        <a:latin typeface="+mn-lt"/>
+        <a:ea typeface="+mn-ea"/>
+        <a:cs typeface="+mn-cs"/>
+      </a:defRPr>
+    </a:lvl9pPr>
+  </p:defaultTextStyle>
 </p:presentation>
 </file>
 
 <file path=ppt/notesMasters/notesMaster1.xml><?xml version="1.0" encoding="utf-8"?>
-<p:notesMaster xmlns:a="http://schemas.openxmlformats.org/drawingml/2006/main" xmlns:p="http://schemas.openxmlformats.org/presentationml/2006/main" xmlns:r="http://schemas.openxmlformats.org/officeDocument/2006/relationships" xmlns:p14="http://schemas.microsoft.com/office/powerpoint/2010/main" xmlns:p15="http://schemas.microsoft.com/office/powerpoint/2012/main" xmlns:mc="http://schemas.openxmlformats.org/markup-compatibility/2006">
+<p:notesMaster xmlns:a="http://schemas.openxmlformats.org/drawingml/2006/main" xmlns:r="http://schemas.openxmlformats.org/officeDocument/2006/relationships" xmlns:p="http://schemas.openxmlformats.org/presentationml/2006/main">
+  <p:cSld>
+    <p:bg>
+      <p:bgRef idx="1001">
+        <a:schemeClr val="bg1"/>
+      </p:bgRef>
+    </p:bg>
+    <p:spTree>
+      <p:nvGrpSpPr>
+        <p:cNvPr id="1" name=""/>
+        <p:cNvGrpSpPr/>
+        <p:nvPr/>
+      </p:nvGrpSpPr>
+      <p:grpSpPr>
+        <a:xfrm>
+          <a:off x="0" y="0"/>
+          <a:ext cx="0" cy="0"/>
+          <a:chOff x="0" y="0"/>
+          <a:chExt cx="0" cy="0"/>
+        </a:xfrm>
+      </p:grpSpPr>
+      <p:sp>
+        <p:nvSpPr>
+          <p:cNvPr id="86" name="PlaceHolder 1"/>
+          <p:cNvSpPr>
+            <a:spLocks noGrp="1" noRot="1" noChangeAspect="1"/>
+          </p:cNvSpPr>
+          <p:nvPr>
+            <p:ph type="sldImg"/>
+          </p:nvPr>
+        </p:nvSpPr>
+        <p:spPr>
+          <a:xfrm>
+            <a:off x="216000" y="812520"/>
+            <a:ext cx="7127280" cy="4008960"/>
+          </a:xfrm>
+          <a:prstGeom prst="rect">
+            <a:avLst/>
+          </a:prstGeom>
+        </p:spPr>
+        <p:txBody>
+          <a:bodyPr lIns="0" tIns="0" rIns="0" bIns="0" anchor="ctr"/>
+          <a:lstStyle/>
+          <a:p>
+            <a:pPr algn="ctr"/>
+            <a:r>
+              <a:rPr lang="de-DE" sz="4400" b="0" strike="noStrike" spc="-1">
+                <a:latin typeface="Arial"/>
+              </a:rPr>
+              <a:t>Folie mittels Klicken verschieben</a:t>
+            </a:r>
+          </a:p>
+        </p:txBody>
+      </p:sp>
+      <p:sp>
+        <p:nvSpPr>
+          <p:cNvPr id="87" name="PlaceHolder 2"/>
+          <p:cNvSpPr>
+            <a:spLocks noGrp="1"/>
+          </p:cNvSpPr>
+          <p:nvPr>
+            <p:ph type="body"/>
+          </p:nvPr>
+        </p:nvSpPr>
+        <p:spPr>
+          <a:xfrm>
+            <a:off x="756000" y="5078520"/>
+            <a:ext cx="6047640" cy="4811040"/>
+          </a:xfrm>
+          <a:prstGeom prst="rect">
+            <a:avLst/>
+          </a:prstGeom>
+        </p:spPr>
+        <p:txBody>
+          <a:bodyPr lIns="0" tIns="0" rIns="0" bIns="0"/>
+          <a:lstStyle/>
+          <a:p>
+            <a:r>
+              <a:rPr lang="de-DE" sz="2000" b="0" strike="noStrike" spc="-1">
+                <a:latin typeface="Arial"/>
+              </a:rPr>
+              <a:t>Format der Notizen mittels Klicken bearbeiten</a:t>
+            </a:r>
+          </a:p>
+        </p:txBody>
+      </p:sp>
+      <p:sp>
+        <p:nvSpPr>
+          <p:cNvPr id="88" name="PlaceHolder 3"/>
+          <p:cNvSpPr>
+            <a:spLocks noGrp="1"/>
+          </p:cNvSpPr>
+          <p:nvPr>
+            <p:ph type="hdr"/>
+          </p:nvPr>
+        </p:nvSpPr>
+        <p:spPr>
+          <a:xfrm>
+            <a:off x="0" y="0"/>
+            <a:ext cx="3280680" cy="534240"/>
+          </a:xfrm>
+          <a:prstGeom prst="rect">
+            <a:avLst/>
+          </a:prstGeom>
+        </p:spPr>
+        <p:txBody>
+          <a:bodyPr lIns="0" tIns="0" rIns="0" bIns="0"/>
+          <a:lstStyle/>
+          <a:p>
+            <a:r>
+              <a:rPr lang="de-DE" sz="1400" b="0" strike="noStrike" spc="-1">
+                <a:latin typeface="Times New Roman"/>
+              </a:rPr>
+              <a:t>&lt;Kopfzeile&gt;</a:t>
+            </a:r>
+          </a:p>
+        </p:txBody>
+      </p:sp>
+      <p:sp>
+        <p:nvSpPr>
+          <p:cNvPr id="89" name="PlaceHolder 4"/>
+          <p:cNvSpPr>
+            <a:spLocks noGrp="1"/>
+          </p:cNvSpPr>
+          <p:nvPr>
+            <p:ph type="dt"/>
+          </p:nvPr>
+        </p:nvSpPr>
+        <p:spPr>
+          <a:xfrm>
+            <a:off x="4278960" y="0"/>
+            <a:ext cx="3280680" cy="534240"/>
+          </a:xfrm>
+          <a:prstGeom prst="rect">
+            <a:avLst/>
+          </a:prstGeom>
+        </p:spPr>
+        <p:txBody>
+          <a:bodyPr lIns="0" tIns="0" rIns="0" bIns="0"/>
+          <a:lstStyle/>
+          <a:p>
+            <a:pPr algn="r"/>
+            <a:r>
+              <a:rPr lang="de-DE" sz="1400" b="0" strike="noStrike" spc="-1">
+                <a:latin typeface="Times New Roman"/>
+              </a:rPr>
+              <a:t>&lt;Datum/Uhrzeit&gt;</a:t>
+            </a:r>
+          </a:p>
+        </p:txBody>
+      </p:sp>
+      <p:sp>
+        <p:nvSpPr>
+          <p:cNvPr id="90" name="PlaceHolder 5"/>
+          <p:cNvSpPr>
+            <a:spLocks noGrp="1"/>
+          </p:cNvSpPr>
+          <p:nvPr>
+            <p:ph type="ftr"/>
+          </p:nvPr>
+        </p:nvSpPr>
+        <p:spPr>
+          <a:xfrm>
+            <a:off x="0" y="10157400"/>
+            <a:ext cx="3280680" cy="534240"/>
+          </a:xfrm>
+          <a:prstGeom prst="rect">
+            <a:avLst/>
+          </a:prstGeom>
+        </p:spPr>
+        <p:txBody>
+          <a:bodyPr lIns="0" tIns="0" rIns="0" bIns="0" anchor="b"/>
+          <a:lstStyle/>
+          <a:p>
+            <a:r>
+              <a:rPr lang="de-DE" sz="1400" b="0" strike="noStrike" spc="-1">
+                <a:latin typeface="Times New Roman"/>
+              </a:rPr>
+              <a:t>&lt;Fußzeile&gt;</a:t>
+            </a:r>
+          </a:p>
+        </p:txBody>
+      </p:sp>
+      <p:sp>
+        <p:nvSpPr>
+          <p:cNvPr id="91" name="PlaceHolder 6"/>
+          <p:cNvSpPr>
+            <a:spLocks noGrp="1"/>
+          </p:cNvSpPr>
+          <p:nvPr>
+            <p:ph type="sldNum"/>
+          </p:nvPr>
+        </p:nvSpPr>
+        <p:spPr>
+          <a:xfrm>
+            <a:off x="4278960" y="10157400"/>
+            <a:ext cx="3280680" cy="534240"/>
+          </a:xfrm>
+          <a:prstGeom prst="rect">
+            <a:avLst/>
+          </a:prstGeom>
+        </p:spPr>
+        <p:txBody>
+          <a:bodyPr lIns="0" tIns="0" rIns="0" bIns="0" anchor="b"/>
+          <a:lstStyle/>
+          <a:p>
+            <a:pPr algn="r"/>
+            <a:fld id="{90DBF7AB-7A67-4410-AF08-5283AFD7BAB6}" type="slidenum">
+              <a:rPr lang="de-DE" sz="1400" b="0" strike="noStrike" spc="-1">
+                <a:latin typeface="Times New Roman"/>
+              </a:rPr>
+              <a:t>‹Nr.›</a:t>
+            </a:fld>
+            <a:endParaRPr lang="de-DE" sz="1400" b="0" strike="noStrike" spc="-1">
+              <a:latin typeface="Times New Roman"/>
+            </a:endParaRPr>
+          </a:p>
+        </p:txBody>
+      </p:sp>
+    </p:spTree>
+  </p:cSld>
+  <p:clrMap bg1="lt1" tx1="dk1" bg2="lt2" tx2="dk2" accent1="accent1" accent2="accent2" accent3="accent3" accent4="accent4" accent5="accent5" accent6="accent6" hlink="hlink" folHlink="folHlink"/>
+  <p:notesStyle>
+    <a:lvl1pPr marL="0" algn="l" defTabSz="914400" rtl="0" eaLnBrk="1" latinLnBrk="0" hangingPunct="1">
+      <a:defRPr sz="1200" kern="1200">
+        <a:solidFill>
+          <a:schemeClr val="tx1"/>
+        </a:solidFill>
+        <a:latin typeface="+mn-lt"/>
+        <a:ea typeface="+mn-ea"/>
+        <a:cs typeface="+mn-cs"/>
+      </a:defRPr>
+    </a:lvl1pPr>
+    <a:lvl2pPr marL="457200" algn="l" defTabSz="914400" rtl="0" eaLnBrk="1" latinLnBrk="0" hangingPunct="1">
+      <a:defRPr sz="1200" kern="1200">
+        <a:solidFill>
+          <a:schemeClr val="tx1"/>
+        </a:solidFill>
+        <a:latin typeface="+mn-lt"/>
+        <a:ea typeface="+mn-ea"/>
+        <a:cs typeface="+mn-cs"/>
+      </a:defRPr>
+    </a:lvl2pPr>
+    <a:lvl3pPr marL="914400" algn="l" defTabSz="914400" rtl="0" eaLnBrk="1" latinLnBrk="0" hangingPunct="1">
+      <a:defRPr sz="1200" kern="1200">
+        <a:solidFill>
+          <a:schemeClr val="tx1"/>
+        </a:solidFill>
+        <a:latin typeface="+mn-lt"/>
+        <a:ea typeface="+mn-ea"/>
+        <a:cs typeface="+mn-cs"/>
+      </a:defRPr>
+    </a:lvl3pPr>
+    <a:lvl4pPr marL="1371600" algn="l" defTabSz="914400" rtl="0" eaLnBrk="1" latinLnBrk="0" hangingPunct="1">
+      <a:defRPr sz="1200" kern="1200">
+        <a:solidFill>
+          <a:schemeClr val="tx1"/>
+        </a:solidFill>
+        <a:latin typeface="+mn-lt"/>
+        <a:ea typeface="+mn-ea"/>
+        <a:cs typeface="+mn-cs"/>
+      </a:defRPr>
+    </a:lvl4pPr>
+    <a:lvl5pPr marL="1828800" algn="l" defTabSz="914400" rtl="0" eaLnBrk="1" latinLnBrk="0" hangingPunct="1">
+      <a:defRPr sz="1200" kern="1200">
+        <a:solidFill>
+          <a:schemeClr val="tx1"/>
+        </a:solidFill>
+        <a:latin typeface="+mn-lt"/>
+        <a:ea typeface="+mn-ea"/>
+        <a:cs typeface="+mn-cs"/>
+      </a:defRPr>
+    </a:lvl5pPr>
+    <a:lvl6pPr marL="2286000" algn="l" defTabSz="914400" rtl="0" eaLnBrk="1" latinLnBrk="0" hangingPunct="1">
+      <a:defRPr sz="1200" kern="1200">
+        <a:solidFill>
+          <a:schemeClr val="tx1"/>
+        </a:solidFill>
+        <a:latin typeface="+mn-lt"/>
+        <a:ea typeface="+mn-ea"/>
+        <a:cs typeface="+mn-cs"/>
+      </a:defRPr>
+    </a:lvl6pPr>
+    <a:lvl7pPr marL="2743200" algn="l" defTabSz="914400" rtl="0" eaLnBrk="1" latinLnBrk="0" hangingPunct="1">
+      <a:defRPr sz="1200" kern="1200">
+        <a:solidFill>
+          <a:schemeClr val="tx1"/>
+        </a:solidFill>
+        <a:latin typeface="+mn-lt"/>
+        <a:ea typeface="+mn-ea"/>
+        <a:cs typeface="+mn-cs"/>
+      </a:defRPr>
+    </a:lvl7pPr>
+    <a:lvl8pPr marL="3200400" algn="l" defTabSz="914400" rtl="0" eaLnBrk="1" latinLnBrk="0" hangingPunct="1">
+      <a:defRPr sz="1200" kern="1200">
+        <a:solidFill>
+          <a:schemeClr val="tx1"/>
+        </a:solidFill>
+        <a:latin typeface="+mn-lt"/>
+        <a:ea typeface="+mn-ea"/>
+        <a:cs typeface="+mn-cs"/>
+      </a:defRPr>
+    </a:lvl8pPr>
+    <a:lvl9pPr marL="3657600" algn="l" defTabSz="914400" rtl="0" eaLnBrk="1" latinLnBrk="0" hangingPunct="1">
+      <a:defRPr sz="1200" kern="1200">
+        <a:solidFill>
+          <a:schemeClr val="tx1"/>
+        </a:solidFill>
+        <a:latin typeface="+mn-lt"/>
+        <a:ea typeface="+mn-ea"/>
+        <a:cs typeface="+mn-cs"/>
+      </a:defRPr>
+    </a:lvl9pPr>
+  </p:notesStyle>
+</p:notesMaster>
+</file>
+
+<file path=ppt/notesSlides/notesSlide1.xml><?xml version="1.0" encoding="utf-8"?>
+<p:notes xmlns:a="http://schemas.openxmlformats.org/drawingml/2006/main" xmlns:r="http://schemas.openxmlformats.org/officeDocument/2006/relationships" xmlns:p="http://schemas.openxmlformats.org/presentationml/2006/main">
   <p:cSld>
     <p:spTree>
       <p:nvGrpSpPr>
@@ -42,9 +454,9 @@
       </p:grpSpPr>
       <p:sp>
         <p:nvSpPr>
-          <p:cNvPr id="86" name="PlaceHolder 1"/>
+          <p:cNvPr id="149" name="PlaceHolder 1"/>
           <p:cNvSpPr>
-            <a:spLocks noGrp="1"/>
+            <a:spLocks noGrp="1" noRot="1" noChangeAspect="1"/>
           </p:cNvSpPr>
           <p:nvPr>
             <p:ph type="sldImg"/>
@@ -52,32 +464,17 @@
         </p:nvSpPr>
         <p:spPr>
           <a:xfrm>
-            <a:off x="216000" y="812520"/>
-            <a:ext cx="7127280" cy="4008960"/>
-          </a:xfrm>
-          <a:prstGeom prst="rect">
-            <a:avLst/>
-          </a:prstGeom>
-        </p:spPr>
-        <p:txBody>
-          <a:bodyPr lIns="0" rIns="0" tIns="0" bIns="0" anchor="ctr"/>
-          <a:p>
-            <a:pPr algn="ctr"/>
-            <a:r>
-              <a:rPr b="0" lang="de-DE" sz="4400" spc="-1" strike="noStrike">
-                <a:latin typeface="Arial"/>
-              </a:rPr>
-              <a:t>Folie mittels Klicken verschieben</a:t>
-            </a:r>
-            <a:endParaRPr b="0" lang="de-DE" sz="4400" spc="-1" strike="noStrike">
-              <a:latin typeface="Arial"/>
-            </a:endParaRPr>
-          </a:p>
-        </p:txBody>
-      </p:sp>
-      <p:sp>
-        <p:nvSpPr>
-          <p:cNvPr id="87" name="PlaceHolder 2"/>
+            <a:off x="919163" y="746125"/>
+            <a:ext cx="4959350" cy="3721100"/>
+          </a:xfrm>
+          <a:prstGeom prst="rect">
+            <a:avLst/>
+          </a:prstGeom>
+        </p:spPr>
+      </p:sp>
+      <p:sp>
+        <p:nvSpPr>
+          <p:cNvPr id="150" name="PlaceHolder 2"/>
           <p:cNvSpPr>
             <a:spLocks noGrp="1"/>
           </p:cNvSpPr>
@@ -87,174 +484,89 @@
         </p:nvSpPr>
         <p:spPr>
           <a:xfrm>
-            <a:off x="756000" y="5078520"/>
-            <a:ext cx="6047640" cy="4811040"/>
-          </a:xfrm>
-          <a:prstGeom prst="rect">
-            <a:avLst/>
-          </a:prstGeom>
-        </p:spPr>
-        <p:txBody>
-          <a:bodyPr lIns="0" rIns="0" tIns="0" bIns="0"/>
-          <a:p>
-            <a:r>
-              <a:rPr b="0" lang="de-DE" sz="2000" spc="-1" strike="noStrike">
-                <a:latin typeface="Arial"/>
-              </a:rPr>
-              <a:t>Format der Notizen mittels Klicken bearbeiten</a:t>
-            </a:r>
-            <a:endParaRPr b="0" lang="de-DE" sz="2000" spc="-1" strike="noStrike">
-              <a:latin typeface="Arial"/>
-            </a:endParaRPr>
-          </a:p>
-        </p:txBody>
-      </p:sp>
-      <p:sp>
-        <p:nvSpPr>
-          <p:cNvPr id="88" name="PlaceHolder 3"/>
-          <p:cNvSpPr>
-            <a:spLocks noGrp="1"/>
-          </p:cNvSpPr>
-          <p:nvPr>
-            <p:ph type="hdr"/>
-          </p:nvPr>
-        </p:nvSpPr>
-        <p:spPr>
-          <a:xfrm>
-            <a:off x="0" y="0"/>
-            <a:ext cx="3280680" cy="534240"/>
-          </a:xfrm>
-          <a:prstGeom prst="rect">
-            <a:avLst/>
-          </a:prstGeom>
-        </p:spPr>
-        <p:txBody>
-          <a:bodyPr lIns="0" rIns="0" tIns="0" bIns="0"/>
-          <a:p>
-            <a:r>
-              <a:rPr b="0" lang="de-DE" sz="1400" spc="-1" strike="noStrike">
-                <a:latin typeface="Times New Roman"/>
-              </a:rPr>
-              <a:t>&lt;Kopfzeile&gt;</a:t>
-            </a:r>
-            <a:endParaRPr b="0" lang="de-DE" sz="1400" spc="-1" strike="noStrike">
-              <a:latin typeface="Times New Roman"/>
-            </a:endParaRPr>
-          </a:p>
-        </p:txBody>
-      </p:sp>
-      <p:sp>
-        <p:nvSpPr>
-          <p:cNvPr id="89" name="PlaceHolder 4"/>
-          <p:cNvSpPr>
-            <a:spLocks noGrp="1"/>
-          </p:cNvSpPr>
-          <p:nvPr>
-            <p:ph type="dt"/>
-          </p:nvPr>
-        </p:nvSpPr>
-        <p:spPr>
-          <a:xfrm>
-            <a:off x="4278960" y="0"/>
-            <a:ext cx="3280680" cy="534240"/>
-          </a:xfrm>
-          <a:prstGeom prst="rect">
-            <a:avLst/>
-          </a:prstGeom>
-        </p:spPr>
-        <p:txBody>
-          <a:bodyPr lIns="0" rIns="0" tIns="0" bIns="0"/>
-          <a:p>
-            <a:pPr algn="r"/>
-            <a:r>
-              <a:rPr b="0" lang="de-DE" sz="1400" spc="-1" strike="noStrike">
-                <a:latin typeface="Times New Roman"/>
-              </a:rPr>
-              <a:t>&lt;Datum/Uhrzeit&gt;</a:t>
-            </a:r>
-            <a:endParaRPr b="0" lang="de-DE" sz="1400" spc="-1" strike="noStrike">
-              <a:latin typeface="Times New Roman"/>
-            </a:endParaRPr>
-          </a:p>
-        </p:txBody>
-      </p:sp>
-      <p:sp>
-        <p:nvSpPr>
-          <p:cNvPr id="90" name="PlaceHolder 5"/>
-          <p:cNvSpPr>
-            <a:spLocks noGrp="1"/>
-          </p:cNvSpPr>
-          <p:nvPr>
-            <p:ph type="ftr"/>
-          </p:nvPr>
-        </p:nvSpPr>
-        <p:spPr>
-          <a:xfrm>
-            <a:off x="0" y="10157400"/>
-            <a:ext cx="3280680" cy="534240"/>
-          </a:xfrm>
-          <a:prstGeom prst="rect">
-            <a:avLst/>
-          </a:prstGeom>
-        </p:spPr>
-        <p:txBody>
-          <a:bodyPr lIns="0" rIns="0" tIns="0" bIns="0" anchor="b"/>
-          <a:p>
-            <a:r>
-              <a:rPr b="0" lang="de-DE" sz="1400" spc="-1" strike="noStrike">
-                <a:latin typeface="Times New Roman"/>
-              </a:rPr>
-              <a:t>&lt;Fußzeile&gt;</a:t>
-            </a:r>
-            <a:endParaRPr b="0" lang="de-DE" sz="1400" spc="-1" strike="noStrike">
-              <a:latin typeface="Times New Roman"/>
-            </a:endParaRPr>
-          </a:p>
-        </p:txBody>
-      </p:sp>
-      <p:sp>
-        <p:nvSpPr>
-          <p:cNvPr id="91" name="PlaceHolder 6"/>
-          <p:cNvSpPr>
-            <a:spLocks noGrp="1"/>
-          </p:cNvSpPr>
-          <p:nvPr>
-            <p:ph type="sldNum"/>
-          </p:nvPr>
-        </p:nvSpPr>
-        <p:spPr>
-          <a:xfrm>
-            <a:off x="4278960" y="10157400"/>
-            <a:ext cx="3280680" cy="534240"/>
-          </a:xfrm>
-          <a:prstGeom prst="rect">
-            <a:avLst/>
-          </a:prstGeom>
-        </p:spPr>
-        <p:txBody>
-          <a:bodyPr lIns="0" rIns="0" tIns="0" bIns="0" anchor="b"/>
-          <a:p>
-            <a:pPr algn="r"/>
-            <a:fld id="{90DBF7AB-7A67-4410-AF08-5283AFD7BAB6}" type="slidenum">
-              <a:rPr b="0" lang="de-DE" sz="1400" spc="-1" strike="noStrike">
-                <a:latin typeface="Times New Roman"/>
-              </a:rPr>
-              <a:t>&lt;Foliennummer&gt;</a:t>
+            <a:off x="906480" y="4715640"/>
+            <a:ext cx="4984200" cy="4465800"/>
+          </a:xfrm>
+          <a:prstGeom prst="rect">
+            <a:avLst/>
+          </a:prstGeom>
+        </p:spPr>
+        <p:txBody>
+          <a:bodyPr lIns="95400" tIns="47880" rIns="95400" bIns="47880"/>
+          <a:lstStyle/>
+          <a:p>
+            <a:endParaRPr lang="de-DE" sz="2000" b="0" strike="noStrike" spc="-1">
+              <a:latin typeface="Arial"/>
+            </a:endParaRPr>
+          </a:p>
+        </p:txBody>
+      </p:sp>
+      <p:sp>
+        <p:nvSpPr>
+          <p:cNvPr id="151" name="CustomShape 3"/>
+          <p:cNvSpPr/>
+          <p:nvPr/>
+        </p:nvSpPr>
+        <p:spPr>
+          <a:xfrm>
+            <a:off x="3851280" y="9429840"/>
+            <a:ext cx="2945520" cy="496080"/>
+          </a:xfrm>
+          <a:prstGeom prst="rect">
+            <a:avLst/>
+          </a:prstGeom>
+          <a:noFill/>
+          <a:ln w="9360">
+            <a:noFill/>
+          </a:ln>
+        </p:spPr>
+        <p:style>
+          <a:lnRef idx="0">
+            <a:scrgbClr r="0" g="0" b="0"/>
+          </a:lnRef>
+          <a:fillRef idx="0">
+            <a:scrgbClr r="0" g="0" b="0"/>
+          </a:fillRef>
+          <a:effectRef idx="0">
+            <a:scrgbClr r="0" g="0" b="0"/>
+          </a:effectRef>
+          <a:fontRef idx="minor"/>
+        </p:style>
+        <p:txBody>
+          <a:bodyPr lIns="95400" tIns="47880" rIns="95400" bIns="47880" anchor="b"/>
+          <a:lstStyle/>
+          <a:p>
+            <a:pPr algn="r">
+              <a:lnSpc>
+                <a:spcPct val="100000"/>
+              </a:lnSpc>
+            </a:pPr>
+            <a:fld id="{67F84BA4-B1C5-49D4-ACC4-3D78EE25BBDD}" type="slidenum">
+              <a:rPr lang="de-DE" sz="1300" b="0" strike="noStrike" spc="-1">
+                <a:solidFill>
+                  <a:srgbClr val="000000"/>
+                </a:solidFill>
+                <a:latin typeface="Arial Unicode MS"/>
+                <a:ea typeface="+mn-ea"/>
+              </a:rPr>
+              <a:t>1</a:t>
             </a:fld>
-            <a:endParaRPr b="0" lang="de-DE" sz="1400" spc="-1" strike="noStrike">
-              <a:latin typeface="Times New Roman"/>
+            <a:endParaRPr lang="de-DE" sz="1300" b="0" strike="noStrike" spc="-1">
+              <a:latin typeface="Arial"/>
             </a:endParaRPr>
           </a:p>
         </p:txBody>
       </p:sp>
     </p:spTree>
   </p:cSld>
-  <p:clrMap bg1="lt1" bg2="lt2" tx1="dk1" tx2="dk2" accent1="accent1" accent2="accent2" accent3="accent3" accent4="accent4" accent5="accent5" accent6="accent6" hlink="hlink" folHlink="folHlink"/>
-</p:notesMaster>
+  <p:clrMapOvr>
+    <a:masterClrMapping/>
+  </p:clrMapOvr>
+</p:notes>
 </file>
 
-<file path=ppt/notesSlides/notesSlide1.xml><?xml version="1.0" encoding="utf-8"?>
-<p:notes xmlns:a="http://schemas.openxmlformats.org/drawingml/2006/main" xmlns:p="http://schemas.openxmlformats.org/presentationml/2006/main" xmlns:r="http://schemas.openxmlformats.org/officeDocument/2006/relationships" xmlns:p14="http://schemas.microsoft.com/office/powerpoint/2010/main" xmlns:p15="http://schemas.microsoft.com/office/powerpoint/2012/main" xmlns:mc="http://schemas.openxmlformats.org/markup-compatibility/2006">
+<file path=ppt/notesSlides/notesSlide2.xml><?xml version="1.0" encoding="utf-8"?>
+<p:notes xmlns:a="http://schemas.openxmlformats.org/drawingml/2006/main" xmlns:r="http://schemas.openxmlformats.org/officeDocument/2006/relationships" xmlns:p="http://schemas.openxmlformats.org/presentationml/2006/main">
   <p:cSld>
     <p:spTree>
       <p:nvGrpSpPr>
@@ -272,9 +584,9 @@
       </p:grpSpPr>
       <p:sp>
         <p:nvSpPr>
-          <p:cNvPr id="149" name="PlaceHolder 1"/>
+          <p:cNvPr id="152" name="PlaceHolder 1"/>
           <p:cNvSpPr>
-            <a:spLocks noGrp="1"/>
+            <a:spLocks noGrp="1" noRot="1" noChangeAspect="1"/>
           </p:cNvSpPr>
           <p:nvPr>
             <p:ph type="sldImg"/>
@@ -282,17 +594,17 @@
         </p:nvSpPr>
         <p:spPr>
           <a:xfrm>
-            <a:off x="919080" y="746280"/>
-            <a:ext cx="4958640" cy="3720240"/>
-          </a:xfrm>
-          <a:prstGeom prst="rect">
-            <a:avLst/>
-          </a:prstGeom>
-        </p:spPr>
-      </p:sp>
-      <p:sp>
-        <p:nvSpPr>
-          <p:cNvPr id="150" name="PlaceHolder 2"/>
+            <a:off x="919163" y="746125"/>
+            <a:ext cx="4959350" cy="3721100"/>
+          </a:xfrm>
+          <a:prstGeom prst="rect">
+            <a:avLst/>
+          </a:prstGeom>
+        </p:spPr>
+      </p:sp>
+      <p:sp>
+        <p:nvSpPr>
+          <p:cNvPr id="153" name="PlaceHolder 2"/>
           <p:cNvSpPr>
             <a:spLocks noGrp="1"/>
           </p:cNvSpPr>
@@ -310,17 +622,18 @@
           </a:prstGeom>
         </p:spPr>
         <p:txBody>
-          <a:bodyPr lIns="95400" rIns="95400" tIns="47880" bIns="47880"/>
-          <a:p>
-            <a:endParaRPr b="0" lang="de-DE" sz="2000" spc="-1" strike="noStrike">
-              <a:latin typeface="Arial"/>
-            </a:endParaRPr>
-          </a:p>
-        </p:txBody>
-      </p:sp>
-      <p:sp>
-        <p:nvSpPr>
-          <p:cNvPr id="151" name="CustomShape 3"/>
+          <a:bodyPr lIns="95400" tIns="47880" rIns="95400" bIns="47880"/>
+          <a:lstStyle/>
+          <a:p>
+            <a:endParaRPr lang="de-DE" sz="2000" b="0" strike="noStrike" spc="-1">
+              <a:latin typeface="Arial"/>
+            </a:endParaRPr>
+          </a:p>
+        </p:txBody>
+      </p:sp>
+      <p:sp>
+        <p:nvSpPr>
+          <p:cNvPr id="154" name="CustomShape 3"/>
           <p:cNvSpPr/>
           <p:nvPr/>
         </p:nvSpPr>
@@ -338,30 +651,37 @@
           </a:ln>
         </p:spPr>
         <p:style>
-          <a:lnRef idx="0"/>
-          <a:fillRef idx="0"/>
-          <a:effectRef idx="0"/>
+          <a:lnRef idx="0">
+            <a:scrgbClr r="0" g="0" b="0"/>
+          </a:lnRef>
+          <a:fillRef idx="0">
+            <a:scrgbClr r="0" g="0" b="0"/>
+          </a:fillRef>
+          <a:effectRef idx="0">
+            <a:scrgbClr r="0" g="0" b="0"/>
+          </a:effectRef>
           <a:fontRef idx="minor"/>
         </p:style>
         <p:txBody>
-          <a:bodyPr lIns="95400" rIns="95400" tIns="47880" bIns="47880" anchor="b"/>
+          <a:bodyPr lIns="95400" tIns="47880" rIns="95400" bIns="47880" anchor="b"/>
+          <a:lstStyle/>
           <a:p>
             <a:pPr algn="r">
               <a:lnSpc>
                 <a:spcPct val="100000"/>
               </a:lnSpc>
             </a:pPr>
-            <a:fld id="{67F84BA4-B1C5-49D4-ACC4-3D78EE25BBDD}" type="slidenum">
-              <a:rPr b="0" lang="de-DE" sz="1300" spc="-1" strike="noStrike">
+            <a:fld id="{9971E0EA-CB75-452E-8007-AA38DA311B09}" type="slidenum">
+              <a:rPr lang="de-DE" sz="1300" b="0" strike="noStrike" spc="-1">
                 <a:solidFill>
                   <a:srgbClr val="000000"/>
                 </a:solidFill>
                 <a:latin typeface="Arial Unicode MS"/>
                 <a:ea typeface="+mn-ea"/>
               </a:rPr>
-              <a:t>&lt;Foliennummer&gt;</a:t>
+              <a:t>2</a:t>
             </a:fld>
-            <a:endParaRPr b="0" lang="de-DE" sz="1300" spc="-1" strike="noStrike">
+            <a:endParaRPr lang="de-DE" sz="1300" b="0" strike="noStrike" spc="-1">
               <a:latin typeface="Arial"/>
             </a:endParaRPr>
           </a:p>
@@ -369,11 +689,14 @@
       </p:sp>
     </p:spTree>
   </p:cSld>
+  <p:clrMapOvr>
+    <a:masterClrMapping/>
+  </p:clrMapOvr>
 </p:notes>
 </file>
 
-<file path=ppt/notesSlides/notesSlide2.xml><?xml version="1.0" encoding="utf-8"?>
-<p:notes xmlns:a="http://schemas.openxmlformats.org/drawingml/2006/main" xmlns:p="http://schemas.openxmlformats.org/presentationml/2006/main" xmlns:r="http://schemas.openxmlformats.org/officeDocument/2006/relationships" xmlns:p14="http://schemas.microsoft.com/office/powerpoint/2010/main" xmlns:p15="http://schemas.microsoft.com/office/powerpoint/2012/main" xmlns:mc="http://schemas.openxmlformats.org/markup-compatibility/2006">
+<file path=ppt/notesSlides/notesSlide3.xml><?xml version="1.0" encoding="utf-8"?>
+<p:notes xmlns:a="http://schemas.openxmlformats.org/drawingml/2006/main" xmlns:r="http://schemas.openxmlformats.org/officeDocument/2006/relationships" xmlns:p="http://schemas.openxmlformats.org/presentationml/2006/main">
   <p:cSld>
     <p:spTree>
       <p:nvGrpSpPr>
@@ -391,9 +714,9 @@
       </p:grpSpPr>
       <p:sp>
         <p:nvSpPr>
-          <p:cNvPr id="152" name="PlaceHolder 1"/>
+          <p:cNvPr id="155" name="PlaceHolder 1"/>
           <p:cNvSpPr>
-            <a:spLocks noGrp="1"/>
+            <a:spLocks noGrp="1" noRot="1" noChangeAspect="1"/>
           </p:cNvSpPr>
           <p:nvPr>
             <p:ph type="sldImg"/>
@@ -401,17 +724,17 @@
         </p:nvSpPr>
         <p:spPr>
           <a:xfrm>
-            <a:off x="919080" y="746280"/>
-            <a:ext cx="4958640" cy="3720240"/>
-          </a:xfrm>
-          <a:prstGeom prst="rect">
-            <a:avLst/>
-          </a:prstGeom>
-        </p:spPr>
-      </p:sp>
-      <p:sp>
-        <p:nvSpPr>
-          <p:cNvPr id="153" name="PlaceHolder 2"/>
+            <a:off x="919163" y="746125"/>
+            <a:ext cx="4959350" cy="3721100"/>
+          </a:xfrm>
+          <a:prstGeom prst="rect">
+            <a:avLst/>
+          </a:prstGeom>
+        </p:spPr>
+      </p:sp>
+      <p:sp>
+        <p:nvSpPr>
+          <p:cNvPr id="156" name="PlaceHolder 2"/>
           <p:cNvSpPr>
             <a:spLocks noGrp="1"/>
           </p:cNvSpPr>
@@ -429,17 +752,18 @@
           </a:prstGeom>
         </p:spPr>
         <p:txBody>
-          <a:bodyPr lIns="95400" rIns="95400" tIns="47880" bIns="47880"/>
-          <a:p>
-            <a:endParaRPr b="0" lang="de-DE" sz="2000" spc="-1" strike="noStrike">
-              <a:latin typeface="Arial"/>
-            </a:endParaRPr>
-          </a:p>
-        </p:txBody>
-      </p:sp>
-      <p:sp>
-        <p:nvSpPr>
-          <p:cNvPr id="154" name="CustomShape 3"/>
+          <a:bodyPr lIns="95400" tIns="47880" rIns="95400" bIns="47880"/>
+          <a:lstStyle/>
+          <a:p>
+            <a:endParaRPr lang="de-DE" sz="2000" b="0" strike="noStrike" spc="-1">
+              <a:latin typeface="Arial"/>
+            </a:endParaRPr>
+          </a:p>
+        </p:txBody>
+      </p:sp>
+      <p:sp>
+        <p:nvSpPr>
+          <p:cNvPr id="157" name="CustomShape 3"/>
           <p:cNvSpPr/>
           <p:nvPr/>
         </p:nvSpPr>
@@ -457,30 +781,37 @@
           </a:ln>
         </p:spPr>
         <p:style>
-          <a:lnRef idx="0"/>
-          <a:fillRef idx="0"/>
-          <a:effectRef idx="0"/>
+          <a:lnRef idx="0">
+            <a:scrgbClr r="0" g="0" b="0"/>
+          </a:lnRef>
+          <a:fillRef idx="0">
+            <a:scrgbClr r="0" g="0" b="0"/>
+          </a:fillRef>
+          <a:effectRef idx="0">
+            <a:scrgbClr r="0" g="0" b="0"/>
+          </a:effectRef>
           <a:fontRef idx="minor"/>
         </p:style>
         <p:txBody>
-          <a:bodyPr lIns="95400" rIns="95400" tIns="47880" bIns="47880" anchor="b"/>
+          <a:bodyPr lIns="95400" tIns="47880" rIns="95400" bIns="47880" anchor="b"/>
+          <a:lstStyle/>
           <a:p>
             <a:pPr algn="r">
               <a:lnSpc>
                 <a:spcPct val="100000"/>
               </a:lnSpc>
             </a:pPr>
-            <a:fld id="{9971E0EA-CB75-452E-8007-AA38DA311B09}" type="slidenum">
-              <a:rPr b="0" lang="de-DE" sz="1300" spc="-1" strike="noStrike">
+            <a:fld id="{94811705-E27D-4079-B2EB-996305A90F9C}" type="slidenum">
+              <a:rPr lang="de-DE" sz="1300" b="0" strike="noStrike" spc="-1">
                 <a:solidFill>
                   <a:srgbClr val="000000"/>
                 </a:solidFill>
                 <a:latin typeface="Arial Unicode MS"/>
                 <a:ea typeface="+mn-ea"/>
               </a:rPr>
-              <a:t>&lt;Foliennummer&gt;</a:t>
+              <a:t>3</a:t>
             </a:fld>
-            <a:endParaRPr b="0" lang="de-DE" sz="1300" spc="-1" strike="noStrike">
+            <a:endParaRPr lang="de-DE" sz="1300" b="0" strike="noStrike" spc="-1">
               <a:latin typeface="Arial"/>
             </a:endParaRPr>
           </a:p>
@@ -488,11 +819,14 @@
       </p:sp>
     </p:spTree>
   </p:cSld>
+  <p:clrMapOvr>
+    <a:masterClrMapping/>
+  </p:clrMapOvr>
 </p:notes>
 </file>
 
-<file path=ppt/notesSlides/notesSlide3.xml><?xml version="1.0" encoding="utf-8"?>
-<p:notes xmlns:a="http://schemas.openxmlformats.org/drawingml/2006/main" xmlns:p="http://schemas.openxmlformats.org/presentationml/2006/main" xmlns:r="http://schemas.openxmlformats.org/officeDocument/2006/relationships" xmlns:p14="http://schemas.microsoft.com/office/powerpoint/2010/main" xmlns:p15="http://schemas.microsoft.com/office/powerpoint/2012/main" xmlns:mc="http://schemas.openxmlformats.org/markup-compatibility/2006">
+<file path=ppt/notesSlides/notesSlide4.xml><?xml version="1.0" encoding="utf-8"?>
+<p:notes xmlns:a="http://schemas.openxmlformats.org/drawingml/2006/main" xmlns:r="http://schemas.openxmlformats.org/officeDocument/2006/relationships" xmlns:p="http://schemas.openxmlformats.org/presentationml/2006/main">
   <p:cSld>
     <p:spTree>
       <p:nvGrpSpPr>
@@ -510,9 +844,9 @@
       </p:grpSpPr>
       <p:sp>
         <p:nvSpPr>
-          <p:cNvPr id="155" name="PlaceHolder 1"/>
+          <p:cNvPr id="158" name="PlaceHolder 1"/>
           <p:cNvSpPr>
-            <a:spLocks noGrp="1"/>
+            <a:spLocks noGrp="1" noRot="1" noChangeAspect="1"/>
           </p:cNvSpPr>
           <p:nvPr>
             <p:ph type="sldImg"/>
@@ -520,17 +854,17 @@
         </p:nvSpPr>
         <p:spPr>
           <a:xfrm>
-            <a:off x="919080" y="746280"/>
-            <a:ext cx="4958640" cy="3720240"/>
-          </a:xfrm>
-          <a:prstGeom prst="rect">
-            <a:avLst/>
-          </a:prstGeom>
-        </p:spPr>
-      </p:sp>
-      <p:sp>
-        <p:nvSpPr>
-          <p:cNvPr id="156" name="PlaceHolder 2"/>
+            <a:off x="919163" y="746125"/>
+            <a:ext cx="4959350" cy="3721100"/>
+          </a:xfrm>
+          <a:prstGeom prst="rect">
+            <a:avLst/>
+          </a:prstGeom>
+        </p:spPr>
+      </p:sp>
+      <p:sp>
+        <p:nvSpPr>
+          <p:cNvPr id="159" name="PlaceHolder 2"/>
           <p:cNvSpPr>
             <a:spLocks noGrp="1"/>
           </p:cNvSpPr>
@@ -548,17 +882,18 @@
           </a:prstGeom>
         </p:spPr>
         <p:txBody>
-          <a:bodyPr lIns="95400" rIns="95400" tIns="47880" bIns="47880"/>
-          <a:p>
-            <a:endParaRPr b="0" lang="de-DE" sz="2000" spc="-1" strike="noStrike">
-              <a:latin typeface="Arial"/>
-            </a:endParaRPr>
-          </a:p>
-        </p:txBody>
-      </p:sp>
-      <p:sp>
-        <p:nvSpPr>
-          <p:cNvPr id="157" name="CustomShape 3"/>
+          <a:bodyPr lIns="95400" tIns="47880" rIns="95400" bIns="47880"/>
+          <a:lstStyle/>
+          <a:p>
+            <a:endParaRPr lang="de-DE" sz="2000" b="0" strike="noStrike" spc="-1">
+              <a:latin typeface="Arial"/>
+            </a:endParaRPr>
+          </a:p>
+        </p:txBody>
+      </p:sp>
+      <p:sp>
+        <p:nvSpPr>
+          <p:cNvPr id="160" name="CustomShape 3"/>
           <p:cNvSpPr/>
           <p:nvPr/>
         </p:nvSpPr>
@@ -576,30 +911,37 @@
           </a:ln>
         </p:spPr>
         <p:style>
-          <a:lnRef idx="0"/>
-          <a:fillRef idx="0"/>
-          <a:effectRef idx="0"/>
+          <a:lnRef idx="0">
+            <a:scrgbClr r="0" g="0" b="0"/>
+          </a:lnRef>
+          <a:fillRef idx="0">
+            <a:scrgbClr r="0" g="0" b="0"/>
+          </a:fillRef>
+          <a:effectRef idx="0">
+            <a:scrgbClr r="0" g="0" b="0"/>
+          </a:effectRef>
           <a:fontRef idx="minor"/>
         </p:style>
         <p:txBody>
-          <a:bodyPr lIns="95400" rIns="95400" tIns="47880" bIns="47880" anchor="b"/>
+          <a:bodyPr lIns="95400" tIns="47880" rIns="95400" bIns="47880" anchor="b"/>
+          <a:lstStyle/>
           <a:p>
             <a:pPr algn="r">
               <a:lnSpc>
                 <a:spcPct val="100000"/>
               </a:lnSpc>
             </a:pPr>
-            <a:fld id="{94811705-E27D-4079-B2EB-996305A90F9C}" type="slidenum">
-              <a:rPr b="0" lang="de-DE" sz="1300" spc="-1" strike="noStrike">
+            <a:fld id="{5239495A-5DE0-4181-ACF5-4B65EE886806}" type="slidenum">
+              <a:rPr lang="de-DE" sz="1300" b="0" strike="noStrike" spc="-1">
                 <a:solidFill>
                   <a:srgbClr val="000000"/>
                 </a:solidFill>
                 <a:latin typeface="Arial Unicode MS"/>
                 <a:ea typeface="+mn-ea"/>
               </a:rPr>
-              <a:t>&lt;Foliennummer&gt;</a:t>
+              <a:t>4</a:t>
             </a:fld>
-            <a:endParaRPr b="0" lang="de-DE" sz="1300" spc="-1" strike="noStrike">
+            <a:endParaRPr lang="de-DE" sz="1300" b="0" strike="noStrike" spc="-1">
               <a:latin typeface="Arial"/>
             </a:endParaRPr>
           </a:p>
@@ -607,11 +949,14 @@
       </p:sp>
     </p:spTree>
   </p:cSld>
+  <p:clrMapOvr>
+    <a:masterClrMapping/>
+  </p:clrMapOvr>
 </p:notes>
 </file>
 
 <file path=ppt/notesSlides/notesSlide5.xml><?xml version="1.0" encoding="utf-8"?>
-<p:notes xmlns:a="http://schemas.openxmlformats.org/drawingml/2006/main" xmlns:p="http://schemas.openxmlformats.org/presentationml/2006/main" xmlns:r="http://schemas.openxmlformats.org/officeDocument/2006/relationships" xmlns:p14="http://schemas.microsoft.com/office/powerpoint/2010/main" xmlns:p15="http://schemas.microsoft.com/office/powerpoint/2012/main" xmlns:mc="http://schemas.openxmlformats.org/markup-compatibility/2006">
+<p:notes xmlns:a="http://schemas.openxmlformats.org/drawingml/2006/main" xmlns:r="http://schemas.openxmlformats.org/officeDocument/2006/relationships" xmlns:p="http://schemas.openxmlformats.org/presentationml/2006/main">
   <p:cSld>
     <p:spTree>
       <p:nvGrpSpPr>
@@ -629,9 +974,9 @@
       </p:grpSpPr>
       <p:sp>
         <p:nvSpPr>
-          <p:cNvPr id="158" name="PlaceHolder 1"/>
+          <p:cNvPr id="161" name="PlaceHolder 1"/>
           <p:cNvSpPr>
-            <a:spLocks noGrp="1"/>
+            <a:spLocks noGrp="1" noRot="1" noChangeAspect="1"/>
           </p:cNvSpPr>
           <p:nvPr>
             <p:ph type="sldImg"/>
@@ -639,17 +984,17 @@
         </p:nvSpPr>
         <p:spPr>
           <a:xfrm>
-            <a:off x="919080" y="746280"/>
-            <a:ext cx="4958640" cy="3720240"/>
-          </a:xfrm>
-          <a:prstGeom prst="rect">
-            <a:avLst/>
-          </a:prstGeom>
-        </p:spPr>
-      </p:sp>
-      <p:sp>
-        <p:nvSpPr>
-          <p:cNvPr id="159" name="PlaceHolder 2"/>
+            <a:off x="919163" y="746125"/>
+            <a:ext cx="4959350" cy="3721100"/>
+          </a:xfrm>
+          <a:prstGeom prst="rect">
+            <a:avLst/>
+          </a:prstGeom>
+        </p:spPr>
+      </p:sp>
+      <p:sp>
+        <p:nvSpPr>
+          <p:cNvPr id="162" name="PlaceHolder 2"/>
           <p:cNvSpPr>
             <a:spLocks noGrp="1"/>
           </p:cNvSpPr>
@@ -667,17 +1012,18 @@
           </a:prstGeom>
         </p:spPr>
         <p:txBody>
-          <a:bodyPr lIns="95400" rIns="95400" tIns="47880" bIns="47880"/>
-          <a:p>
-            <a:endParaRPr b="0" lang="de-DE" sz="2000" spc="-1" strike="noStrike">
-              <a:latin typeface="Arial"/>
-            </a:endParaRPr>
-          </a:p>
-        </p:txBody>
-      </p:sp>
-      <p:sp>
-        <p:nvSpPr>
-          <p:cNvPr id="160" name="CustomShape 3"/>
+          <a:bodyPr lIns="95400" tIns="47880" rIns="95400" bIns="47880"/>
+          <a:lstStyle/>
+          <a:p>
+            <a:endParaRPr lang="de-DE" sz="2000" b="0" strike="noStrike" spc="-1">
+              <a:latin typeface="Arial"/>
+            </a:endParaRPr>
+          </a:p>
+        </p:txBody>
+      </p:sp>
+      <p:sp>
+        <p:nvSpPr>
+          <p:cNvPr id="163" name="CustomShape 3"/>
           <p:cNvSpPr/>
           <p:nvPr/>
         </p:nvSpPr>
@@ -695,30 +1041,37 @@
           </a:ln>
         </p:spPr>
         <p:style>
-          <a:lnRef idx="0"/>
-          <a:fillRef idx="0"/>
-          <a:effectRef idx="0"/>
+          <a:lnRef idx="0">
+            <a:scrgbClr r="0" g="0" b="0"/>
+          </a:lnRef>
+          <a:fillRef idx="0">
+            <a:scrgbClr r="0" g="0" b="0"/>
+          </a:fillRef>
+          <a:effectRef idx="0">
+            <a:scrgbClr r="0" g="0" b="0"/>
+          </a:effectRef>
           <a:fontRef idx="minor"/>
         </p:style>
         <p:txBody>
-          <a:bodyPr lIns="95400" rIns="95400" tIns="47880" bIns="47880" anchor="b"/>
+          <a:bodyPr lIns="95400" tIns="47880" rIns="95400" bIns="47880" anchor="b"/>
+          <a:lstStyle/>
           <a:p>
             <a:pPr algn="r">
               <a:lnSpc>
                 <a:spcPct val="100000"/>
               </a:lnSpc>
             </a:pPr>
-            <a:fld id="{5239495A-5DE0-4181-ACF5-4B65EE886806}" type="slidenum">
-              <a:rPr b="0" lang="de-DE" sz="1300" spc="-1" strike="noStrike">
+            <a:fld id="{90F64611-AF36-4EB7-8576-453B7BDBDA69}" type="slidenum">
+              <a:rPr lang="de-DE" sz="1300" b="0" strike="noStrike" spc="-1">
                 <a:solidFill>
                   <a:srgbClr val="000000"/>
                 </a:solidFill>
                 <a:latin typeface="Arial Unicode MS"/>
                 <a:ea typeface="+mn-ea"/>
               </a:rPr>
-              <a:t>&lt;Foliennummer&gt;</a:t>
+              <a:t>5</a:t>
             </a:fld>
-            <a:endParaRPr b="0" lang="de-DE" sz="1300" spc="-1" strike="noStrike">
+            <a:endParaRPr lang="de-DE" sz="1300" b="0" strike="noStrike" spc="-1">
               <a:latin typeface="Arial"/>
             </a:endParaRPr>
           </a:p>
@@ -726,11 +1079,14 @@
       </p:sp>
     </p:spTree>
   </p:cSld>
+  <p:clrMapOvr>
+    <a:masterClrMapping/>
+  </p:clrMapOvr>
 </p:notes>
 </file>
 
 <file path=ppt/notesSlides/notesSlide6.xml><?xml version="1.0" encoding="utf-8"?>
-<p:notes xmlns:a="http://schemas.openxmlformats.org/drawingml/2006/main" xmlns:p="http://schemas.openxmlformats.org/presentationml/2006/main" xmlns:r="http://schemas.openxmlformats.org/officeDocument/2006/relationships" xmlns:p14="http://schemas.microsoft.com/office/powerpoint/2010/main" xmlns:p15="http://schemas.microsoft.com/office/powerpoint/2012/main" xmlns:mc="http://schemas.openxmlformats.org/markup-compatibility/2006">
+<p:notes xmlns:a="http://schemas.openxmlformats.org/drawingml/2006/main" xmlns:r="http://schemas.openxmlformats.org/officeDocument/2006/relationships" xmlns:p="http://schemas.openxmlformats.org/presentationml/2006/main">
   <p:cSld>
     <p:spTree>
       <p:nvGrpSpPr>
@@ -748,9 +1104,9 @@
       </p:grpSpPr>
       <p:sp>
         <p:nvSpPr>
-          <p:cNvPr id="161" name="PlaceHolder 1"/>
+          <p:cNvPr id="164" name="PlaceHolder 1"/>
           <p:cNvSpPr>
-            <a:spLocks noGrp="1"/>
+            <a:spLocks noGrp="1" noRot="1" noChangeAspect="1"/>
           </p:cNvSpPr>
           <p:nvPr>
             <p:ph type="sldImg"/>
@@ -758,17 +1114,17 @@
         </p:nvSpPr>
         <p:spPr>
           <a:xfrm>
-            <a:off x="919080" y="746280"/>
-            <a:ext cx="4958640" cy="3720240"/>
-          </a:xfrm>
-          <a:prstGeom prst="rect">
-            <a:avLst/>
-          </a:prstGeom>
-        </p:spPr>
-      </p:sp>
-      <p:sp>
-        <p:nvSpPr>
-          <p:cNvPr id="162" name="PlaceHolder 2"/>
+            <a:off x="919163" y="746125"/>
+            <a:ext cx="4959350" cy="3721100"/>
+          </a:xfrm>
+          <a:prstGeom prst="rect">
+            <a:avLst/>
+          </a:prstGeom>
+        </p:spPr>
+      </p:sp>
+      <p:sp>
+        <p:nvSpPr>
+          <p:cNvPr id="165" name="PlaceHolder 2"/>
           <p:cNvSpPr>
             <a:spLocks noGrp="1"/>
           </p:cNvSpPr>
@@ -786,17 +1142,18 @@
           </a:prstGeom>
         </p:spPr>
         <p:txBody>
-          <a:bodyPr lIns="95400" rIns="95400" tIns="47880" bIns="47880"/>
-          <a:p>
-            <a:endParaRPr b="0" lang="de-DE" sz="2000" spc="-1" strike="noStrike">
-              <a:latin typeface="Arial"/>
-            </a:endParaRPr>
-          </a:p>
-        </p:txBody>
-      </p:sp>
-      <p:sp>
-        <p:nvSpPr>
-          <p:cNvPr id="163" name="CustomShape 3"/>
+          <a:bodyPr lIns="95400" tIns="47880" rIns="95400" bIns="47880"/>
+          <a:lstStyle/>
+          <a:p>
+            <a:endParaRPr lang="de-DE" sz="2000" b="0" strike="noStrike" spc="-1">
+              <a:latin typeface="Arial"/>
+            </a:endParaRPr>
+          </a:p>
+        </p:txBody>
+      </p:sp>
+      <p:sp>
+        <p:nvSpPr>
+          <p:cNvPr id="166" name="CustomShape 3"/>
           <p:cNvSpPr/>
           <p:nvPr/>
         </p:nvSpPr>
@@ -814,30 +1171,37 @@
           </a:ln>
         </p:spPr>
         <p:style>
-          <a:lnRef idx="0"/>
-          <a:fillRef idx="0"/>
-          <a:effectRef idx="0"/>
+          <a:lnRef idx="0">
+            <a:scrgbClr r="0" g="0" b="0"/>
+          </a:lnRef>
+          <a:fillRef idx="0">
+            <a:scrgbClr r="0" g="0" b="0"/>
+          </a:fillRef>
+          <a:effectRef idx="0">
+            <a:scrgbClr r="0" g="0" b="0"/>
+          </a:effectRef>
           <a:fontRef idx="minor"/>
         </p:style>
         <p:txBody>
-          <a:bodyPr lIns="95400" rIns="95400" tIns="47880" bIns="47880" anchor="b"/>
+          <a:bodyPr lIns="95400" tIns="47880" rIns="95400" bIns="47880" anchor="b"/>
+          <a:lstStyle/>
           <a:p>
             <a:pPr algn="r">
               <a:lnSpc>
                 <a:spcPct val="100000"/>
               </a:lnSpc>
             </a:pPr>
-            <a:fld id="{90F64611-AF36-4EB7-8576-453B7BDBDA69}" type="slidenum">
-              <a:rPr b="0" lang="de-DE" sz="1300" spc="-1" strike="noStrike">
+            <a:fld id="{1EEB0207-4BF8-4FD7-B5A4-03FA8D49F941}" type="slidenum">
+              <a:rPr lang="de-DE" sz="1300" b="0" strike="noStrike" spc="-1">
                 <a:solidFill>
                   <a:srgbClr val="000000"/>
                 </a:solidFill>
                 <a:latin typeface="Arial Unicode MS"/>
                 <a:ea typeface="+mn-ea"/>
               </a:rPr>
-              <a:t>&lt;Foliennummer&gt;</a:t>
+              <a:t>6</a:t>
             </a:fld>
-            <a:endParaRPr b="0" lang="de-DE" sz="1300" spc="-1" strike="noStrike">
+            <a:endParaRPr lang="de-DE" sz="1300" b="0" strike="noStrike" spc="-1">
               <a:latin typeface="Arial"/>
             </a:endParaRPr>
           </a:p>
@@ -845,11 +1209,14 @@
       </p:sp>
     </p:spTree>
   </p:cSld>
+  <p:clrMapOvr>
+    <a:masterClrMapping/>
+  </p:clrMapOvr>
 </p:notes>
 </file>
 
 <file path=ppt/notesSlides/notesSlide7.xml><?xml version="1.0" encoding="utf-8"?>
-<p:notes xmlns:a="http://schemas.openxmlformats.org/drawingml/2006/main" xmlns:p="http://schemas.openxmlformats.org/presentationml/2006/main" xmlns:r="http://schemas.openxmlformats.org/officeDocument/2006/relationships" xmlns:p14="http://schemas.microsoft.com/office/powerpoint/2010/main" xmlns:p15="http://schemas.microsoft.com/office/powerpoint/2012/main" xmlns:mc="http://schemas.openxmlformats.org/markup-compatibility/2006">
+<p:notes xmlns:a="http://schemas.openxmlformats.org/drawingml/2006/main" xmlns:r="http://schemas.openxmlformats.org/officeDocument/2006/relationships" xmlns:p="http://schemas.openxmlformats.org/presentationml/2006/main">
   <p:cSld>
     <p:spTree>
       <p:nvGrpSpPr>
@@ -867,9 +1234,9 @@
       </p:grpSpPr>
       <p:sp>
         <p:nvSpPr>
-          <p:cNvPr id="164" name="PlaceHolder 1"/>
+          <p:cNvPr id="167" name="PlaceHolder 1"/>
           <p:cNvSpPr>
-            <a:spLocks noGrp="1"/>
+            <a:spLocks noGrp="1" noRot="1" noChangeAspect="1"/>
           </p:cNvSpPr>
           <p:nvPr>
             <p:ph type="sldImg"/>
@@ -877,127 +1244,8 @@
         </p:nvSpPr>
         <p:spPr>
           <a:xfrm>
-            <a:off x="919080" y="746280"/>
-            <a:ext cx="4958640" cy="3720240"/>
-          </a:xfrm>
-          <a:prstGeom prst="rect">
-            <a:avLst/>
-          </a:prstGeom>
-        </p:spPr>
-      </p:sp>
-      <p:sp>
-        <p:nvSpPr>
-          <p:cNvPr id="165" name="PlaceHolder 2"/>
-          <p:cNvSpPr>
-            <a:spLocks noGrp="1"/>
-          </p:cNvSpPr>
-          <p:nvPr>
-            <p:ph type="body"/>
-          </p:nvPr>
-        </p:nvSpPr>
-        <p:spPr>
-          <a:xfrm>
-            <a:off x="906480" y="4715640"/>
-            <a:ext cx="4984200" cy="4465800"/>
-          </a:xfrm>
-          <a:prstGeom prst="rect">
-            <a:avLst/>
-          </a:prstGeom>
-        </p:spPr>
-        <p:txBody>
-          <a:bodyPr lIns="95400" rIns="95400" tIns="47880" bIns="47880"/>
-          <a:p>
-            <a:endParaRPr b="0" lang="de-DE" sz="2000" spc="-1" strike="noStrike">
-              <a:latin typeface="Arial"/>
-            </a:endParaRPr>
-          </a:p>
-        </p:txBody>
-      </p:sp>
-      <p:sp>
-        <p:nvSpPr>
-          <p:cNvPr id="166" name="CustomShape 3"/>
-          <p:cNvSpPr/>
-          <p:nvPr/>
-        </p:nvSpPr>
-        <p:spPr>
-          <a:xfrm>
-            <a:off x="3851280" y="9429840"/>
-            <a:ext cx="2945520" cy="496080"/>
-          </a:xfrm>
-          <a:prstGeom prst="rect">
-            <a:avLst/>
-          </a:prstGeom>
-          <a:noFill/>
-          <a:ln w="9360">
-            <a:noFill/>
-          </a:ln>
-        </p:spPr>
-        <p:style>
-          <a:lnRef idx="0"/>
-          <a:fillRef idx="0"/>
-          <a:effectRef idx="0"/>
-          <a:fontRef idx="minor"/>
-        </p:style>
-        <p:txBody>
-          <a:bodyPr lIns="95400" rIns="95400" tIns="47880" bIns="47880" anchor="b"/>
-          <a:p>
-            <a:pPr algn="r">
-              <a:lnSpc>
-                <a:spcPct val="100000"/>
-              </a:lnSpc>
-            </a:pPr>
-            <a:fld id="{1EEB0207-4BF8-4FD7-B5A4-03FA8D49F941}" type="slidenum">
-              <a:rPr b="0" lang="de-DE" sz="1300" spc="-1" strike="noStrike">
-                <a:solidFill>
-                  <a:srgbClr val="000000"/>
-                </a:solidFill>
-                <a:latin typeface="Arial Unicode MS"/>
-                <a:ea typeface="+mn-ea"/>
-              </a:rPr>
-              <a:t>&lt;Foliennummer&gt;</a:t>
-            </a:fld>
-            <a:endParaRPr b="0" lang="de-DE" sz="1300" spc="-1" strike="noStrike">
-              <a:latin typeface="Arial"/>
-            </a:endParaRPr>
-          </a:p>
-        </p:txBody>
-      </p:sp>
-    </p:spTree>
-  </p:cSld>
-</p:notes>
-</file>
-
-<file path=ppt/notesSlides/notesSlide8.xml><?xml version="1.0" encoding="utf-8"?>
-<p:notes xmlns:a="http://schemas.openxmlformats.org/drawingml/2006/main" xmlns:p="http://schemas.openxmlformats.org/presentationml/2006/main" xmlns:r="http://schemas.openxmlformats.org/officeDocument/2006/relationships" xmlns:p14="http://schemas.microsoft.com/office/powerpoint/2010/main" xmlns:p15="http://schemas.microsoft.com/office/powerpoint/2012/main" xmlns:mc="http://schemas.openxmlformats.org/markup-compatibility/2006">
-  <p:cSld>
-    <p:spTree>
-      <p:nvGrpSpPr>
-        <p:cNvPr id="1" name=""/>
-        <p:cNvGrpSpPr/>
-        <p:nvPr/>
-      </p:nvGrpSpPr>
-      <p:grpSpPr>
-        <a:xfrm>
-          <a:off x="0" y="0"/>
-          <a:ext cx="0" cy="0"/>
-          <a:chOff x="0" y="0"/>
-          <a:chExt cx="0" cy="0"/>
-        </a:xfrm>
-      </p:grpSpPr>
-      <p:sp>
-        <p:nvSpPr>
-          <p:cNvPr id="167" name="PlaceHolder 1"/>
-          <p:cNvSpPr>
-            <a:spLocks noGrp="1"/>
-          </p:cNvSpPr>
-          <p:nvPr>
-            <p:ph type="sldImg"/>
-          </p:nvPr>
-        </p:nvSpPr>
-        <p:spPr>
-          <a:xfrm>
-            <a:off x="919080" y="746280"/>
-            <a:ext cx="4958640" cy="3720240"/>
+            <a:off x="919163" y="746125"/>
+            <a:ext cx="4959350" cy="3721100"/>
           </a:xfrm>
           <a:prstGeom prst="rect">
             <a:avLst/>
@@ -1024,9 +1272,10 @@
           </a:prstGeom>
         </p:spPr>
         <p:txBody>
-          <a:bodyPr lIns="95400" rIns="95400" tIns="47880" bIns="47880"/>
-          <a:p>
-            <a:endParaRPr b="0" lang="de-DE" sz="2000" spc="-1" strike="noStrike">
+          <a:bodyPr lIns="95400" tIns="47880" rIns="95400" bIns="47880"/>
+          <a:lstStyle/>
+          <a:p>
+            <a:endParaRPr lang="de-DE" sz="2000" b="0" strike="noStrike" spc="-1">
               <a:latin typeface="Arial"/>
             </a:endParaRPr>
           </a:p>
@@ -1052,13 +1301,20 @@
           </a:ln>
         </p:spPr>
         <p:style>
-          <a:lnRef idx="0"/>
-          <a:fillRef idx="0"/>
-          <a:effectRef idx="0"/>
+          <a:lnRef idx="0">
+            <a:scrgbClr r="0" g="0" b="0"/>
+          </a:lnRef>
+          <a:fillRef idx="0">
+            <a:scrgbClr r="0" g="0" b="0"/>
+          </a:fillRef>
+          <a:effectRef idx="0">
+            <a:scrgbClr r="0" g="0" b="0"/>
+          </a:effectRef>
           <a:fontRef idx="minor"/>
         </p:style>
         <p:txBody>
-          <a:bodyPr lIns="95400" rIns="95400" tIns="47880" bIns="47880" anchor="b"/>
+          <a:bodyPr lIns="95400" tIns="47880" rIns="95400" bIns="47880" anchor="b"/>
+          <a:lstStyle/>
           <a:p>
             <a:pPr algn="r">
               <a:lnSpc>
@@ -1066,16 +1322,16 @@
               </a:lnSpc>
             </a:pPr>
             <a:fld id="{EB76FB03-65D1-494C-876E-AF229EB5808C}" type="slidenum">
-              <a:rPr b="0" lang="de-DE" sz="1300" spc="-1" strike="noStrike">
+              <a:rPr lang="de-DE" sz="1300" b="0" strike="noStrike" spc="-1">
                 <a:solidFill>
                   <a:srgbClr val="000000"/>
                 </a:solidFill>
                 <a:latin typeface="Arial Unicode MS"/>
                 <a:ea typeface="+mn-ea"/>
               </a:rPr>
-              <a:t>&lt;Foliennummer&gt;</a:t>
+              <a:t>7</a:t>
             </a:fld>
-            <a:endParaRPr b="0" lang="de-DE" sz="1300" spc="-1" strike="noStrike">
+            <a:endParaRPr lang="de-DE" sz="1300" b="0" strike="noStrike" spc="-1">
               <a:latin typeface="Arial"/>
             </a:endParaRPr>
           </a:p>
@@ -1083,11 +1339,14 @@
       </p:sp>
     </p:spTree>
   </p:cSld>
+  <p:clrMapOvr>
+    <a:masterClrMapping/>
+  </p:clrMapOvr>
 </p:notes>
 </file>
 
 <file path=ppt/slideLayouts/slideLayout1.xml><?xml version="1.0" encoding="utf-8"?>
-<p:sldLayout xmlns:a="http://schemas.openxmlformats.org/drawingml/2006/main" xmlns:p="http://schemas.openxmlformats.org/presentationml/2006/main" xmlns:r="http://schemas.openxmlformats.org/officeDocument/2006/relationships" xmlns:p14="http://schemas.microsoft.com/office/powerpoint/2010/main" xmlns:p15="http://schemas.microsoft.com/office/powerpoint/2012/main" xmlns:mc="http://schemas.openxmlformats.org/markup-compatibility/2006" type="blank" preserve="1">
+<p:sldLayout xmlns:a="http://schemas.openxmlformats.org/drawingml/2006/main" xmlns:r="http://schemas.openxmlformats.org/officeDocument/2006/relationships" xmlns:p="http://schemas.openxmlformats.org/presentationml/2006/main" type="blank" preserve="1">
   <p:cSld name="Blank Slide">
     <p:spTree>
       <p:nvGrpSpPr>
@@ -1105,11 +1364,14 @@
       </p:grpSpPr>
     </p:spTree>
   </p:cSld>
+  <p:clrMapOvr>
+    <a:masterClrMapping/>
+  </p:clrMapOvr>
 </p:sldLayout>
 </file>
 
 <file path=ppt/slideLayouts/slideLayout10.xml><?xml version="1.0" encoding="utf-8"?>
-<p:sldLayout xmlns:a="http://schemas.openxmlformats.org/drawingml/2006/main" xmlns:p="http://schemas.openxmlformats.org/presentationml/2006/main" xmlns:r="http://schemas.openxmlformats.org/officeDocument/2006/relationships" xmlns:p14="http://schemas.microsoft.com/office/powerpoint/2010/main" xmlns:p15="http://schemas.microsoft.com/office/powerpoint/2012/main" xmlns:mc="http://schemas.openxmlformats.org/markup-compatibility/2006" type="objOverTx" preserve="1">
+<p:sldLayout xmlns:a="http://schemas.openxmlformats.org/drawingml/2006/main" xmlns:r="http://schemas.openxmlformats.org/officeDocument/2006/relationships" xmlns:p="http://schemas.openxmlformats.org/presentationml/2006/main" type="objOverTx" preserve="1">
   <p:cSld name="Title, Content over Content">
     <p:spTree>
       <p:nvGrpSpPr>
@@ -1145,10 +1407,11 @@
           </a:prstGeom>
         </p:spPr>
         <p:txBody>
-          <a:bodyPr lIns="0" rIns="0" tIns="0" bIns="0" anchor="ctr"/>
+          <a:bodyPr lIns="0" tIns="0" rIns="0" bIns="0" anchor="ctr"/>
+          <a:lstStyle/>
           <a:p>
             <a:pPr algn="ctr"/>
-            <a:endParaRPr b="0" lang="de-DE" sz="4400" spc="-1" strike="noStrike">
+            <a:endParaRPr lang="de-DE" sz="4400" b="0" strike="noStrike" spc="-1">
               <a:latin typeface="Arial"/>
             </a:endParaRPr>
           </a:p>
@@ -1174,11 +1437,12 @@
           </a:prstGeom>
         </p:spPr>
         <p:txBody>
-          <a:bodyPr lIns="0" rIns="0" tIns="0" bIns="0">
+          <a:bodyPr lIns="0" tIns="0" rIns="0" bIns="0">
             <a:normAutofit/>
           </a:bodyPr>
-          <a:p>
-            <a:endParaRPr b="0" lang="de-DE" sz="3200" spc="-1" strike="noStrike">
+          <a:lstStyle/>
+          <a:p>
+            <a:endParaRPr lang="de-DE" sz="3200" b="0" strike="noStrike" spc="-1">
               <a:latin typeface="Arial"/>
             </a:endParaRPr>
           </a:p>
@@ -1204,11 +1468,12 @@
           </a:prstGeom>
         </p:spPr>
         <p:txBody>
-          <a:bodyPr lIns="0" rIns="0" tIns="0" bIns="0">
+          <a:bodyPr lIns="0" tIns="0" rIns="0" bIns="0">
             <a:normAutofit/>
           </a:bodyPr>
-          <a:p>
-            <a:endParaRPr b="0" lang="de-DE" sz="3200" spc="-1" strike="noStrike">
+          <a:lstStyle/>
+          <a:p>
+            <a:endParaRPr lang="de-DE" sz="3200" b="0" strike="noStrike" spc="-1">
               <a:latin typeface="Arial"/>
             </a:endParaRPr>
           </a:p>
@@ -1216,11 +1481,14 @@
       </p:sp>
     </p:spTree>
   </p:cSld>
+  <p:clrMapOvr>
+    <a:masterClrMapping/>
+  </p:clrMapOvr>
 </p:sldLayout>
 </file>
 
 <file path=ppt/slideLayouts/slideLayout11.xml><?xml version="1.0" encoding="utf-8"?>
-<p:sldLayout xmlns:a="http://schemas.openxmlformats.org/drawingml/2006/main" xmlns:p="http://schemas.openxmlformats.org/presentationml/2006/main" xmlns:r="http://schemas.openxmlformats.org/officeDocument/2006/relationships" xmlns:p14="http://schemas.microsoft.com/office/powerpoint/2010/main" xmlns:p15="http://schemas.microsoft.com/office/powerpoint/2012/main" xmlns:mc="http://schemas.openxmlformats.org/markup-compatibility/2006" type="fourObj" preserve="1">
+<p:sldLayout xmlns:a="http://schemas.openxmlformats.org/drawingml/2006/main" xmlns:r="http://schemas.openxmlformats.org/officeDocument/2006/relationships" xmlns:p="http://schemas.openxmlformats.org/presentationml/2006/main" type="fourObj" preserve="1">
   <p:cSld name="Title, 4 Content">
     <p:spTree>
       <p:nvGrpSpPr>
@@ -1256,10 +1524,11 @@
           </a:prstGeom>
         </p:spPr>
         <p:txBody>
-          <a:bodyPr lIns="0" rIns="0" tIns="0" bIns="0" anchor="ctr"/>
+          <a:bodyPr lIns="0" tIns="0" rIns="0" bIns="0" anchor="ctr"/>
+          <a:lstStyle/>
           <a:p>
             <a:pPr algn="ctr"/>
-            <a:endParaRPr b="0" lang="de-DE" sz="4400" spc="-1" strike="noStrike">
+            <a:endParaRPr lang="de-DE" sz="4400" b="0" strike="noStrike" spc="-1">
               <a:latin typeface="Arial"/>
             </a:endParaRPr>
           </a:p>
@@ -1285,11 +1554,12 @@
           </a:prstGeom>
         </p:spPr>
         <p:txBody>
-          <a:bodyPr lIns="0" rIns="0" tIns="0" bIns="0">
+          <a:bodyPr lIns="0" tIns="0" rIns="0" bIns="0">
             <a:normAutofit/>
           </a:bodyPr>
-          <a:p>
-            <a:endParaRPr b="0" lang="de-DE" sz="3200" spc="-1" strike="noStrike">
+          <a:lstStyle/>
+          <a:p>
+            <a:endParaRPr lang="de-DE" sz="3200" b="0" strike="noStrike" spc="-1">
               <a:latin typeface="Arial"/>
             </a:endParaRPr>
           </a:p>
@@ -1315,11 +1585,12 @@
           </a:prstGeom>
         </p:spPr>
         <p:txBody>
-          <a:bodyPr lIns="0" rIns="0" tIns="0" bIns="0">
+          <a:bodyPr lIns="0" tIns="0" rIns="0" bIns="0">
             <a:normAutofit/>
           </a:bodyPr>
-          <a:p>
-            <a:endParaRPr b="0" lang="de-DE" sz="3200" spc="-1" strike="noStrike">
+          <a:lstStyle/>
+          <a:p>
+            <a:endParaRPr lang="de-DE" sz="3200" b="0" strike="noStrike" spc="-1">
               <a:latin typeface="Arial"/>
             </a:endParaRPr>
           </a:p>
@@ -1345,11 +1616,12 @@
           </a:prstGeom>
         </p:spPr>
         <p:txBody>
-          <a:bodyPr lIns="0" rIns="0" tIns="0" bIns="0">
+          <a:bodyPr lIns="0" tIns="0" rIns="0" bIns="0">
             <a:normAutofit/>
           </a:bodyPr>
-          <a:p>
-            <a:endParaRPr b="0" lang="de-DE" sz="3200" spc="-1" strike="noStrike">
+          <a:lstStyle/>
+          <a:p>
+            <a:endParaRPr lang="de-DE" sz="3200" b="0" strike="noStrike" spc="-1">
               <a:latin typeface="Arial"/>
             </a:endParaRPr>
           </a:p>
@@ -1375,11 +1647,12 @@
           </a:prstGeom>
         </p:spPr>
         <p:txBody>
-          <a:bodyPr lIns="0" rIns="0" tIns="0" bIns="0">
+          <a:bodyPr lIns="0" tIns="0" rIns="0" bIns="0">
             <a:normAutofit/>
           </a:bodyPr>
-          <a:p>
-            <a:endParaRPr b="0" lang="de-DE" sz="3200" spc="-1" strike="noStrike">
+          <a:lstStyle/>
+          <a:p>
+            <a:endParaRPr lang="de-DE" sz="3200" b="0" strike="noStrike" spc="-1">
               <a:latin typeface="Arial"/>
             </a:endParaRPr>
           </a:p>
@@ -1387,11 +1660,14 @@
       </p:sp>
     </p:spTree>
   </p:cSld>
+  <p:clrMapOvr>
+    <a:masterClrMapping/>
+  </p:clrMapOvr>
 </p:sldLayout>
 </file>
 
 <file path=ppt/slideLayouts/slideLayout12.xml><?xml version="1.0" encoding="utf-8"?>
-<p:sldLayout xmlns:a="http://schemas.openxmlformats.org/drawingml/2006/main" xmlns:p="http://schemas.openxmlformats.org/presentationml/2006/main" xmlns:r="http://schemas.openxmlformats.org/officeDocument/2006/relationships" xmlns:p14="http://schemas.microsoft.com/office/powerpoint/2010/main" xmlns:p15="http://schemas.microsoft.com/office/powerpoint/2012/main" xmlns:mc="http://schemas.openxmlformats.org/markup-compatibility/2006" type="blank" preserve="1">
+<p:sldLayout xmlns:a="http://schemas.openxmlformats.org/drawingml/2006/main" xmlns:r="http://schemas.openxmlformats.org/officeDocument/2006/relationships" xmlns:p="http://schemas.openxmlformats.org/presentationml/2006/main" type="blank" preserve="1">
   <p:cSld name="Title, 6 Content">
     <p:spTree>
       <p:nvGrpSpPr>
@@ -1427,10 +1703,11 @@
           </a:prstGeom>
         </p:spPr>
         <p:txBody>
-          <a:bodyPr lIns="0" rIns="0" tIns="0" bIns="0" anchor="ctr"/>
+          <a:bodyPr lIns="0" tIns="0" rIns="0" bIns="0" anchor="ctr"/>
+          <a:lstStyle/>
           <a:p>
             <a:pPr algn="ctr"/>
-            <a:endParaRPr b="0" lang="de-DE" sz="4400" spc="-1" strike="noStrike">
+            <a:endParaRPr lang="de-DE" sz="4400" b="0" strike="noStrike" spc="-1">
               <a:latin typeface="Arial"/>
             </a:endParaRPr>
           </a:p>
@@ -1456,11 +1733,12 @@
           </a:prstGeom>
         </p:spPr>
         <p:txBody>
-          <a:bodyPr lIns="0" rIns="0" tIns="0" bIns="0">
+          <a:bodyPr lIns="0" tIns="0" rIns="0" bIns="0">
             <a:normAutofit/>
           </a:bodyPr>
-          <a:p>
-            <a:endParaRPr b="0" lang="de-DE" sz="3200" spc="-1" strike="noStrike">
+          <a:lstStyle/>
+          <a:p>
+            <a:endParaRPr lang="de-DE" sz="3200" b="0" strike="noStrike" spc="-1">
               <a:latin typeface="Arial"/>
             </a:endParaRPr>
           </a:p>
@@ -1486,11 +1764,12 @@
           </a:prstGeom>
         </p:spPr>
         <p:txBody>
-          <a:bodyPr lIns="0" rIns="0" tIns="0" bIns="0">
+          <a:bodyPr lIns="0" tIns="0" rIns="0" bIns="0">
             <a:normAutofit/>
           </a:bodyPr>
-          <a:p>
-            <a:endParaRPr b="0" lang="de-DE" sz="3200" spc="-1" strike="noStrike">
+          <a:lstStyle/>
+          <a:p>
+            <a:endParaRPr lang="de-DE" sz="3200" b="0" strike="noStrike" spc="-1">
               <a:latin typeface="Arial"/>
             </a:endParaRPr>
           </a:p>
@@ -1516,11 +1795,12 @@
           </a:prstGeom>
         </p:spPr>
         <p:txBody>
-          <a:bodyPr lIns="0" rIns="0" tIns="0" bIns="0">
+          <a:bodyPr lIns="0" tIns="0" rIns="0" bIns="0">
             <a:normAutofit/>
           </a:bodyPr>
-          <a:p>
-            <a:endParaRPr b="0" lang="de-DE" sz="3200" spc="-1" strike="noStrike">
+          <a:lstStyle/>
+          <a:p>
+            <a:endParaRPr lang="de-DE" sz="3200" b="0" strike="noStrike" spc="-1">
               <a:latin typeface="Arial"/>
             </a:endParaRPr>
           </a:p>
@@ -1546,11 +1826,12 @@
           </a:prstGeom>
         </p:spPr>
         <p:txBody>
-          <a:bodyPr lIns="0" rIns="0" tIns="0" bIns="0">
+          <a:bodyPr lIns="0" tIns="0" rIns="0" bIns="0">
             <a:normAutofit/>
           </a:bodyPr>
-          <a:p>
-            <a:endParaRPr b="0" lang="de-DE" sz="3200" spc="-1" strike="noStrike">
+          <a:lstStyle/>
+          <a:p>
+            <a:endParaRPr lang="de-DE" sz="3200" b="0" strike="noStrike" spc="-1">
               <a:latin typeface="Arial"/>
             </a:endParaRPr>
           </a:p>
@@ -1576,11 +1857,12 @@
           </a:prstGeom>
         </p:spPr>
         <p:txBody>
-          <a:bodyPr lIns="0" rIns="0" tIns="0" bIns="0">
+          <a:bodyPr lIns="0" tIns="0" rIns="0" bIns="0">
             <a:normAutofit/>
           </a:bodyPr>
-          <a:p>
-            <a:endParaRPr b="0" lang="de-DE" sz="3200" spc="-1" strike="noStrike">
+          <a:lstStyle/>
+          <a:p>
+            <a:endParaRPr lang="de-DE" sz="3200" b="0" strike="noStrike" spc="-1">
               <a:latin typeface="Arial"/>
             </a:endParaRPr>
           </a:p>
@@ -1606,11 +1888,12 @@
           </a:prstGeom>
         </p:spPr>
         <p:txBody>
-          <a:bodyPr lIns="0" rIns="0" tIns="0" bIns="0">
+          <a:bodyPr lIns="0" tIns="0" rIns="0" bIns="0">
             <a:normAutofit/>
           </a:bodyPr>
-          <a:p>
-            <a:endParaRPr b="0" lang="de-DE" sz="3200" spc="-1" strike="noStrike">
+          <a:lstStyle/>
+          <a:p>
+            <a:endParaRPr lang="de-DE" sz="3200" b="0" strike="noStrike" spc="-1">
               <a:latin typeface="Arial"/>
             </a:endParaRPr>
           </a:p>
@@ -1618,11 +1901,14 @@
       </p:sp>
     </p:spTree>
   </p:cSld>
+  <p:clrMapOvr>
+    <a:masterClrMapping/>
+  </p:clrMapOvr>
 </p:sldLayout>
 </file>
 
 <file path=ppt/slideLayouts/slideLayout13.xml><?xml version="1.0" encoding="utf-8"?>
-<p:sldLayout xmlns:a="http://schemas.openxmlformats.org/drawingml/2006/main" xmlns:p="http://schemas.openxmlformats.org/presentationml/2006/main" xmlns:r="http://schemas.openxmlformats.org/officeDocument/2006/relationships" xmlns:p14="http://schemas.microsoft.com/office/powerpoint/2010/main" xmlns:p15="http://schemas.microsoft.com/office/powerpoint/2012/main" xmlns:mc="http://schemas.openxmlformats.org/markup-compatibility/2006" type="blank" preserve="1">
+<p:sldLayout xmlns:a="http://schemas.openxmlformats.org/drawingml/2006/main" xmlns:r="http://schemas.openxmlformats.org/officeDocument/2006/relationships" xmlns:p="http://schemas.openxmlformats.org/presentationml/2006/main" type="blank" preserve="1">
   <p:cSld name="Blank Slide">
     <p:spTree>
       <p:nvGrpSpPr>
@@ -1640,11 +1926,14 @@
       </p:grpSpPr>
     </p:spTree>
   </p:cSld>
+  <p:clrMapOvr>
+    <a:masterClrMapping/>
+  </p:clrMapOvr>
 </p:sldLayout>
 </file>
 
 <file path=ppt/slideLayouts/slideLayout14.xml><?xml version="1.0" encoding="utf-8"?>
-<p:sldLayout xmlns:a="http://schemas.openxmlformats.org/drawingml/2006/main" xmlns:p="http://schemas.openxmlformats.org/presentationml/2006/main" xmlns:r="http://schemas.openxmlformats.org/officeDocument/2006/relationships" xmlns:p14="http://schemas.microsoft.com/office/powerpoint/2010/main" xmlns:p15="http://schemas.microsoft.com/office/powerpoint/2012/main" xmlns:mc="http://schemas.openxmlformats.org/markup-compatibility/2006" type="tx" preserve="1">
+<p:sldLayout xmlns:a="http://schemas.openxmlformats.org/drawingml/2006/main" xmlns:r="http://schemas.openxmlformats.org/officeDocument/2006/relationships" xmlns:p="http://schemas.openxmlformats.org/presentationml/2006/main" type="tx" preserve="1">
   <p:cSld name="Title Slide">
     <p:spTree>
       <p:nvGrpSpPr>
@@ -1680,10 +1969,11 @@
           </a:prstGeom>
         </p:spPr>
         <p:txBody>
-          <a:bodyPr lIns="0" rIns="0" tIns="0" bIns="0" anchor="ctr"/>
+          <a:bodyPr lIns="0" tIns="0" rIns="0" bIns="0" anchor="ctr"/>
+          <a:lstStyle/>
           <a:p>
             <a:pPr algn="ctr"/>
-            <a:endParaRPr b="0" lang="de-DE" sz="4400" spc="-1" strike="noStrike">
+            <a:endParaRPr lang="de-DE" sz="4400" b="0" strike="noStrike" spc="-1">
               <a:latin typeface="Arial"/>
             </a:endParaRPr>
           </a:p>
@@ -1709,10 +1999,11 @@
           </a:prstGeom>
         </p:spPr>
         <p:txBody>
-          <a:bodyPr lIns="0" rIns="0" tIns="0" bIns="0" anchor="ctr"/>
+          <a:bodyPr lIns="0" tIns="0" rIns="0" bIns="0" anchor="ctr"/>
+          <a:lstStyle/>
           <a:p>
             <a:pPr algn="ctr"/>
-            <a:endParaRPr b="0" lang="de-DE" sz="3200" spc="-1" strike="noStrike">
+            <a:endParaRPr lang="de-DE" sz="3200" b="0" strike="noStrike" spc="-1">
               <a:latin typeface="Arial"/>
             </a:endParaRPr>
           </a:p>
@@ -1720,11 +2011,14 @@
       </p:sp>
     </p:spTree>
   </p:cSld>
+  <p:clrMapOvr>
+    <a:masterClrMapping/>
+  </p:clrMapOvr>
 </p:sldLayout>
 </file>
 
 <file path=ppt/slideLayouts/slideLayout15.xml><?xml version="1.0" encoding="utf-8"?>
-<p:sldLayout xmlns:a="http://schemas.openxmlformats.org/drawingml/2006/main" xmlns:p="http://schemas.openxmlformats.org/presentationml/2006/main" xmlns:r="http://schemas.openxmlformats.org/officeDocument/2006/relationships" xmlns:p14="http://schemas.microsoft.com/office/powerpoint/2010/main" xmlns:p15="http://schemas.microsoft.com/office/powerpoint/2012/main" xmlns:mc="http://schemas.openxmlformats.org/markup-compatibility/2006" type="obj" preserve="1">
+<p:sldLayout xmlns:a="http://schemas.openxmlformats.org/drawingml/2006/main" xmlns:r="http://schemas.openxmlformats.org/officeDocument/2006/relationships" xmlns:p="http://schemas.openxmlformats.org/presentationml/2006/main" type="obj" preserve="1">
   <p:cSld name="Title, Content">
     <p:spTree>
       <p:nvGrpSpPr>
@@ -1760,10 +2054,11 @@
           </a:prstGeom>
         </p:spPr>
         <p:txBody>
-          <a:bodyPr lIns="0" rIns="0" tIns="0" bIns="0" anchor="ctr"/>
+          <a:bodyPr lIns="0" tIns="0" rIns="0" bIns="0" anchor="ctr"/>
+          <a:lstStyle/>
           <a:p>
             <a:pPr algn="ctr"/>
-            <a:endParaRPr b="0" lang="de-DE" sz="4400" spc="-1" strike="noStrike">
+            <a:endParaRPr lang="de-DE" sz="4400" b="0" strike="noStrike" spc="-1">
               <a:latin typeface="Arial"/>
             </a:endParaRPr>
           </a:p>
@@ -1789,11 +2084,12 @@
           </a:prstGeom>
         </p:spPr>
         <p:txBody>
-          <a:bodyPr lIns="0" rIns="0" tIns="0" bIns="0">
+          <a:bodyPr lIns="0" tIns="0" rIns="0" bIns="0">
             <a:normAutofit/>
           </a:bodyPr>
-          <a:p>
-            <a:endParaRPr b="0" lang="de-DE" sz="3200" spc="-1" strike="noStrike">
+          <a:lstStyle/>
+          <a:p>
+            <a:endParaRPr lang="de-DE" sz="3200" b="0" strike="noStrike" spc="-1">
               <a:latin typeface="Arial"/>
             </a:endParaRPr>
           </a:p>
@@ -1801,11 +2097,14 @@
       </p:sp>
     </p:spTree>
   </p:cSld>
+  <p:clrMapOvr>
+    <a:masterClrMapping/>
+  </p:clrMapOvr>
 </p:sldLayout>
 </file>
 
 <file path=ppt/slideLayouts/slideLayout16.xml><?xml version="1.0" encoding="utf-8"?>
-<p:sldLayout xmlns:a="http://schemas.openxmlformats.org/drawingml/2006/main" xmlns:p="http://schemas.openxmlformats.org/presentationml/2006/main" xmlns:r="http://schemas.openxmlformats.org/officeDocument/2006/relationships" xmlns:p14="http://schemas.microsoft.com/office/powerpoint/2010/main" xmlns:p15="http://schemas.microsoft.com/office/powerpoint/2012/main" xmlns:mc="http://schemas.openxmlformats.org/markup-compatibility/2006" type="twoObj" preserve="1">
+<p:sldLayout xmlns:a="http://schemas.openxmlformats.org/drawingml/2006/main" xmlns:r="http://schemas.openxmlformats.org/officeDocument/2006/relationships" xmlns:p="http://schemas.openxmlformats.org/presentationml/2006/main" type="twoObj" preserve="1">
   <p:cSld name="Title, 2 Content">
     <p:spTree>
       <p:nvGrpSpPr>
@@ -1841,10 +2140,11 @@
           </a:prstGeom>
         </p:spPr>
         <p:txBody>
-          <a:bodyPr lIns="0" rIns="0" tIns="0" bIns="0" anchor="ctr"/>
+          <a:bodyPr lIns="0" tIns="0" rIns="0" bIns="0" anchor="ctr"/>
+          <a:lstStyle/>
           <a:p>
             <a:pPr algn="ctr"/>
-            <a:endParaRPr b="0" lang="de-DE" sz="4400" spc="-1" strike="noStrike">
+            <a:endParaRPr lang="de-DE" sz="4400" b="0" strike="noStrike" spc="-1">
               <a:latin typeface="Arial"/>
             </a:endParaRPr>
           </a:p>
@@ -1870,11 +2170,12 @@
           </a:prstGeom>
         </p:spPr>
         <p:txBody>
-          <a:bodyPr lIns="0" rIns="0" tIns="0" bIns="0">
+          <a:bodyPr lIns="0" tIns="0" rIns="0" bIns="0">
             <a:normAutofit/>
           </a:bodyPr>
-          <a:p>
-            <a:endParaRPr b="0" lang="de-DE" sz="3200" spc="-1" strike="noStrike">
+          <a:lstStyle/>
+          <a:p>
+            <a:endParaRPr lang="de-DE" sz="3200" b="0" strike="noStrike" spc="-1">
               <a:latin typeface="Arial"/>
             </a:endParaRPr>
           </a:p>
@@ -1900,11 +2201,12 @@
           </a:prstGeom>
         </p:spPr>
         <p:txBody>
-          <a:bodyPr lIns="0" rIns="0" tIns="0" bIns="0">
+          <a:bodyPr lIns="0" tIns="0" rIns="0" bIns="0">
             <a:normAutofit/>
           </a:bodyPr>
-          <a:p>
-            <a:endParaRPr b="0" lang="de-DE" sz="3200" spc="-1" strike="noStrike">
+          <a:lstStyle/>
+          <a:p>
+            <a:endParaRPr lang="de-DE" sz="3200" b="0" strike="noStrike" spc="-1">
               <a:latin typeface="Arial"/>
             </a:endParaRPr>
           </a:p>
@@ -1912,11 +2214,14 @@
       </p:sp>
     </p:spTree>
   </p:cSld>
+  <p:clrMapOvr>
+    <a:masterClrMapping/>
+  </p:clrMapOvr>
 </p:sldLayout>
 </file>
 
 <file path=ppt/slideLayouts/slideLayout17.xml><?xml version="1.0" encoding="utf-8"?>
-<p:sldLayout xmlns:a="http://schemas.openxmlformats.org/drawingml/2006/main" xmlns:p="http://schemas.openxmlformats.org/presentationml/2006/main" xmlns:r="http://schemas.openxmlformats.org/officeDocument/2006/relationships" xmlns:p14="http://schemas.microsoft.com/office/powerpoint/2010/main" xmlns:p15="http://schemas.microsoft.com/office/powerpoint/2012/main" xmlns:mc="http://schemas.openxmlformats.org/markup-compatibility/2006" type="titleOnly" preserve="1">
+<p:sldLayout xmlns:a="http://schemas.openxmlformats.org/drawingml/2006/main" xmlns:r="http://schemas.openxmlformats.org/officeDocument/2006/relationships" xmlns:p="http://schemas.openxmlformats.org/presentationml/2006/main" type="titleOnly" preserve="1">
   <p:cSld name="Title Only">
     <p:spTree>
       <p:nvGrpSpPr>
@@ -1952,10 +2257,11 @@
           </a:prstGeom>
         </p:spPr>
         <p:txBody>
-          <a:bodyPr lIns="0" rIns="0" tIns="0" bIns="0" anchor="ctr"/>
+          <a:bodyPr lIns="0" tIns="0" rIns="0" bIns="0" anchor="ctr"/>
+          <a:lstStyle/>
           <a:p>
             <a:pPr algn="ctr"/>
-            <a:endParaRPr b="0" lang="de-DE" sz="4400" spc="-1" strike="noStrike">
+            <a:endParaRPr lang="de-DE" sz="4400" b="0" strike="noStrike" spc="-1">
               <a:latin typeface="Arial"/>
             </a:endParaRPr>
           </a:p>
@@ -1963,11 +2269,14 @@
       </p:sp>
     </p:spTree>
   </p:cSld>
+  <p:clrMapOvr>
+    <a:masterClrMapping/>
+  </p:clrMapOvr>
 </p:sldLayout>
 </file>
 
 <file path=ppt/slideLayouts/slideLayout18.xml><?xml version="1.0" encoding="utf-8"?>
-<p:sldLayout xmlns:a="http://schemas.openxmlformats.org/drawingml/2006/main" xmlns:p="http://schemas.openxmlformats.org/presentationml/2006/main" xmlns:r="http://schemas.openxmlformats.org/officeDocument/2006/relationships" xmlns:p14="http://schemas.microsoft.com/office/powerpoint/2010/main" xmlns:p15="http://schemas.microsoft.com/office/powerpoint/2012/main" xmlns:mc="http://schemas.openxmlformats.org/markup-compatibility/2006" type="objOnly" preserve="1">
+<p:sldLayout xmlns:a="http://schemas.openxmlformats.org/drawingml/2006/main" xmlns:r="http://schemas.openxmlformats.org/officeDocument/2006/relationships" xmlns:p="http://schemas.openxmlformats.org/presentationml/2006/main" type="objOnly" preserve="1">
   <p:cSld name="Centered Text">
     <p:spTree>
       <p:nvGrpSpPr>
@@ -2003,10 +2312,11 @@
           </a:prstGeom>
         </p:spPr>
         <p:txBody>
-          <a:bodyPr lIns="0" rIns="0" tIns="0" bIns="0" anchor="ctr"/>
+          <a:bodyPr lIns="0" tIns="0" rIns="0" bIns="0" anchor="ctr"/>
+          <a:lstStyle/>
           <a:p>
             <a:pPr algn="ctr"/>
-            <a:endParaRPr b="0" lang="de-DE" sz="3200" spc="-1" strike="noStrike">
+            <a:endParaRPr lang="de-DE" sz="3200" b="0" strike="noStrike" spc="-1">
               <a:latin typeface="Arial"/>
             </a:endParaRPr>
           </a:p>
@@ -2014,11 +2324,14 @@
       </p:sp>
     </p:spTree>
   </p:cSld>
+  <p:clrMapOvr>
+    <a:masterClrMapping/>
+  </p:clrMapOvr>
 </p:sldLayout>
 </file>
 
 <file path=ppt/slideLayouts/slideLayout19.xml><?xml version="1.0" encoding="utf-8"?>
-<p:sldLayout xmlns:a="http://schemas.openxmlformats.org/drawingml/2006/main" xmlns:p="http://schemas.openxmlformats.org/presentationml/2006/main" xmlns:r="http://schemas.openxmlformats.org/officeDocument/2006/relationships" xmlns:p14="http://schemas.microsoft.com/office/powerpoint/2010/main" xmlns:p15="http://schemas.microsoft.com/office/powerpoint/2012/main" xmlns:mc="http://schemas.openxmlformats.org/markup-compatibility/2006" type="twoObjAndObj" preserve="1">
+<p:sldLayout xmlns:a="http://schemas.openxmlformats.org/drawingml/2006/main" xmlns:r="http://schemas.openxmlformats.org/officeDocument/2006/relationships" xmlns:p="http://schemas.openxmlformats.org/presentationml/2006/main" type="twoObjAndObj" preserve="1">
   <p:cSld name="Title, 2 Content and Content">
     <p:spTree>
       <p:nvGrpSpPr>
@@ -2054,10 +2367,11 @@
           </a:prstGeom>
         </p:spPr>
         <p:txBody>
-          <a:bodyPr lIns="0" rIns="0" tIns="0" bIns="0" anchor="ctr"/>
+          <a:bodyPr lIns="0" tIns="0" rIns="0" bIns="0" anchor="ctr"/>
+          <a:lstStyle/>
           <a:p>
             <a:pPr algn="ctr"/>
-            <a:endParaRPr b="0" lang="de-DE" sz="4400" spc="-1" strike="noStrike">
+            <a:endParaRPr lang="de-DE" sz="4400" b="0" strike="noStrike" spc="-1">
               <a:latin typeface="Arial"/>
             </a:endParaRPr>
           </a:p>
@@ -2083,11 +2397,12 @@
           </a:prstGeom>
         </p:spPr>
         <p:txBody>
-          <a:bodyPr lIns="0" rIns="0" tIns="0" bIns="0">
+          <a:bodyPr lIns="0" tIns="0" rIns="0" bIns="0">
             <a:normAutofit/>
           </a:bodyPr>
-          <a:p>
-            <a:endParaRPr b="0" lang="de-DE" sz="3200" spc="-1" strike="noStrike">
+          <a:lstStyle/>
+          <a:p>
+            <a:endParaRPr lang="de-DE" sz="3200" b="0" strike="noStrike" spc="-1">
               <a:latin typeface="Arial"/>
             </a:endParaRPr>
           </a:p>
@@ -2113,11 +2428,12 @@
           </a:prstGeom>
         </p:spPr>
         <p:txBody>
-          <a:bodyPr lIns="0" rIns="0" tIns="0" bIns="0">
+          <a:bodyPr lIns="0" tIns="0" rIns="0" bIns="0">
             <a:normAutofit/>
           </a:bodyPr>
-          <a:p>
-            <a:endParaRPr b="0" lang="de-DE" sz="3200" spc="-1" strike="noStrike">
+          <a:lstStyle/>
+          <a:p>
+            <a:endParaRPr lang="de-DE" sz="3200" b="0" strike="noStrike" spc="-1">
               <a:latin typeface="Arial"/>
             </a:endParaRPr>
           </a:p>
@@ -2143,11 +2459,12 @@
           </a:prstGeom>
         </p:spPr>
         <p:txBody>
-          <a:bodyPr lIns="0" rIns="0" tIns="0" bIns="0">
+          <a:bodyPr lIns="0" tIns="0" rIns="0" bIns="0">
             <a:normAutofit/>
           </a:bodyPr>
-          <a:p>
-            <a:endParaRPr b="0" lang="de-DE" sz="3200" spc="-1" strike="noStrike">
+          <a:lstStyle/>
+          <a:p>
+            <a:endParaRPr lang="de-DE" sz="3200" b="0" strike="noStrike" spc="-1">
               <a:latin typeface="Arial"/>
             </a:endParaRPr>
           </a:p>
@@ -2155,11 +2472,14 @@
       </p:sp>
     </p:spTree>
   </p:cSld>
+  <p:clrMapOvr>
+    <a:masterClrMapping/>
+  </p:clrMapOvr>
 </p:sldLayout>
 </file>
 
 <file path=ppt/slideLayouts/slideLayout2.xml><?xml version="1.0" encoding="utf-8"?>
-<p:sldLayout xmlns:a="http://schemas.openxmlformats.org/drawingml/2006/main" xmlns:p="http://schemas.openxmlformats.org/presentationml/2006/main" xmlns:r="http://schemas.openxmlformats.org/officeDocument/2006/relationships" xmlns:p14="http://schemas.microsoft.com/office/powerpoint/2010/main" xmlns:p15="http://schemas.microsoft.com/office/powerpoint/2012/main" xmlns:mc="http://schemas.openxmlformats.org/markup-compatibility/2006" type="tx" preserve="1">
+<p:sldLayout xmlns:a="http://schemas.openxmlformats.org/drawingml/2006/main" xmlns:r="http://schemas.openxmlformats.org/officeDocument/2006/relationships" xmlns:p="http://schemas.openxmlformats.org/presentationml/2006/main" type="tx" preserve="1">
   <p:cSld name="Title Slide">
     <p:spTree>
       <p:nvGrpSpPr>
@@ -2195,10 +2515,11 @@
           </a:prstGeom>
         </p:spPr>
         <p:txBody>
-          <a:bodyPr lIns="0" rIns="0" tIns="0" bIns="0" anchor="ctr"/>
+          <a:bodyPr lIns="0" tIns="0" rIns="0" bIns="0" anchor="ctr"/>
+          <a:lstStyle/>
           <a:p>
             <a:pPr algn="ctr"/>
-            <a:endParaRPr b="0" lang="de-DE" sz="4400" spc="-1" strike="noStrike">
+            <a:endParaRPr lang="de-DE" sz="4400" b="0" strike="noStrike" spc="-1">
               <a:latin typeface="Arial"/>
             </a:endParaRPr>
           </a:p>
@@ -2224,10 +2545,11 @@
           </a:prstGeom>
         </p:spPr>
         <p:txBody>
-          <a:bodyPr lIns="0" rIns="0" tIns="0" bIns="0" anchor="ctr"/>
+          <a:bodyPr lIns="0" tIns="0" rIns="0" bIns="0" anchor="ctr"/>
+          <a:lstStyle/>
           <a:p>
             <a:pPr algn="ctr"/>
-            <a:endParaRPr b="0" lang="de-DE" sz="3200" spc="-1" strike="noStrike">
+            <a:endParaRPr lang="de-DE" sz="3200" b="0" strike="noStrike" spc="-1">
               <a:latin typeface="Arial"/>
             </a:endParaRPr>
           </a:p>
@@ -2235,11 +2557,14 @@
       </p:sp>
     </p:spTree>
   </p:cSld>
+  <p:clrMapOvr>
+    <a:masterClrMapping/>
+  </p:clrMapOvr>
 </p:sldLayout>
 </file>
 
 <file path=ppt/slideLayouts/slideLayout20.xml><?xml version="1.0" encoding="utf-8"?>
-<p:sldLayout xmlns:a="http://schemas.openxmlformats.org/drawingml/2006/main" xmlns:p="http://schemas.openxmlformats.org/presentationml/2006/main" xmlns:r="http://schemas.openxmlformats.org/officeDocument/2006/relationships" xmlns:p14="http://schemas.microsoft.com/office/powerpoint/2010/main" xmlns:p15="http://schemas.microsoft.com/office/powerpoint/2012/main" xmlns:mc="http://schemas.openxmlformats.org/markup-compatibility/2006" type="objAndTwoObj" preserve="1">
+<p:sldLayout xmlns:a="http://schemas.openxmlformats.org/drawingml/2006/main" xmlns:r="http://schemas.openxmlformats.org/officeDocument/2006/relationships" xmlns:p="http://schemas.openxmlformats.org/presentationml/2006/main" type="objAndTwoObj" preserve="1">
   <p:cSld name="Title Content and 2 Content">
     <p:spTree>
       <p:nvGrpSpPr>
@@ -2275,10 +2600,11 @@
           </a:prstGeom>
         </p:spPr>
         <p:txBody>
-          <a:bodyPr lIns="0" rIns="0" tIns="0" bIns="0" anchor="ctr"/>
+          <a:bodyPr lIns="0" tIns="0" rIns="0" bIns="0" anchor="ctr"/>
+          <a:lstStyle/>
           <a:p>
             <a:pPr algn="ctr"/>
-            <a:endParaRPr b="0" lang="de-DE" sz="4400" spc="-1" strike="noStrike">
+            <a:endParaRPr lang="de-DE" sz="4400" b="0" strike="noStrike" spc="-1">
               <a:latin typeface="Arial"/>
             </a:endParaRPr>
           </a:p>
@@ -2304,11 +2630,12 @@
           </a:prstGeom>
         </p:spPr>
         <p:txBody>
-          <a:bodyPr lIns="0" rIns="0" tIns="0" bIns="0">
+          <a:bodyPr lIns="0" tIns="0" rIns="0" bIns="0">
             <a:normAutofit/>
           </a:bodyPr>
-          <a:p>
-            <a:endParaRPr b="0" lang="de-DE" sz="3200" spc="-1" strike="noStrike">
+          <a:lstStyle/>
+          <a:p>
+            <a:endParaRPr lang="de-DE" sz="3200" b="0" strike="noStrike" spc="-1">
               <a:latin typeface="Arial"/>
             </a:endParaRPr>
           </a:p>
@@ -2334,11 +2661,12 @@
           </a:prstGeom>
         </p:spPr>
         <p:txBody>
-          <a:bodyPr lIns="0" rIns="0" tIns="0" bIns="0">
+          <a:bodyPr lIns="0" tIns="0" rIns="0" bIns="0">
             <a:normAutofit/>
           </a:bodyPr>
-          <a:p>
-            <a:endParaRPr b="0" lang="de-DE" sz="3200" spc="-1" strike="noStrike">
+          <a:lstStyle/>
+          <a:p>
+            <a:endParaRPr lang="de-DE" sz="3200" b="0" strike="noStrike" spc="-1">
               <a:latin typeface="Arial"/>
             </a:endParaRPr>
           </a:p>
@@ -2364,11 +2692,12 @@
           </a:prstGeom>
         </p:spPr>
         <p:txBody>
-          <a:bodyPr lIns="0" rIns="0" tIns="0" bIns="0">
+          <a:bodyPr lIns="0" tIns="0" rIns="0" bIns="0">
             <a:normAutofit/>
           </a:bodyPr>
-          <a:p>
-            <a:endParaRPr b="0" lang="de-DE" sz="3200" spc="-1" strike="noStrike">
+          <a:lstStyle/>
+          <a:p>
+            <a:endParaRPr lang="de-DE" sz="3200" b="0" strike="noStrike" spc="-1">
               <a:latin typeface="Arial"/>
             </a:endParaRPr>
           </a:p>
@@ -2376,11 +2705,14 @@
       </p:sp>
     </p:spTree>
   </p:cSld>
+  <p:clrMapOvr>
+    <a:masterClrMapping/>
+  </p:clrMapOvr>
 </p:sldLayout>
 </file>
 
 <file path=ppt/slideLayouts/slideLayout21.xml><?xml version="1.0" encoding="utf-8"?>
-<p:sldLayout xmlns:a="http://schemas.openxmlformats.org/drawingml/2006/main" xmlns:p="http://schemas.openxmlformats.org/presentationml/2006/main" xmlns:r="http://schemas.openxmlformats.org/officeDocument/2006/relationships" xmlns:p14="http://schemas.microsoft.com/office/powerpoint/2010/main" xmlns:p15="http://schemas.microsoft.com/office/powerpoint/2012/main" xmlns:mc="http://schemas.openxmlformats.org/markup-compatibility/2006" type="twoObjOverTx" preserve="1">
+<p:sldLayout xmlns:a="http://schemas.openxmlformats.org/drawingml/2006/main" xmlns:r="http://schemas.openxmlformats.org/officeDocument/2006/relationships" xmlns:p="http://schemas.openxmlformats.org/presentationml/2006/main" type="twoObjOverTx" preserve="1">
   <p:cSld name="Title, 2 Content over Content">
     <p:spTree>
       <p:nvGrpSpPr>
@@ -2416,10 +2748,11 @@
           </a:prstGeom>
         </p:spPr>
         <p:txBody>
-          <a:bodyPr lIns="0" rIns="0" tIns="0" bIns="0" anchor="ctr"/>
+          <a:bodyPr lIns="0" tIns="0" rIns="0" bIns="0" anchor="ctr"/>
+          <a:lstStyle/>
           <a:p>
             <a:pPr algn="ctr"/>
-            <a:endParaRPr b="0" lang="de-DE" sz="4400" spc="-1" strike="noStrike">
+            <a:endParaRPr lang="de-DE" sz="4400" b="0" strike="noStrike" spc="-1">
               <a:latin typeface="Arial"/>
             </a:endParaRPr>
           </a:p>
@@ -2445,11 +2778,12 @@
           </a:prstGeom>
         </p:spPr>
         <p:txBody>
-          <a:bodyPr lIns="0" rIns="0" tIns="0" bIns="0">
+          <a:bodyPr lIns="0" tIns="0" rIns="0" bIns="0">
             <a:normAutofit/>
           </a:bodyPr>
-          <a:p>
-            <a:endParaRPr b="0" lang="de-DE" sz="3200" spc="-1" strike="noStrike">
+          <a:lstStyle/>
+          <a:p>
+            <a:endParaRPr lang="de-DE" sz="3200" b="0" strike="noStrike" spc="-1">
               <a:latin typeface="Arial"/>
             </a:endParaRPr>
           </a:p>
@@ -2475,11 +2809,12 @@
           </a:prstGeom>
         </p:spPr>
         <p:txBody>
-          <a:bodyPr lIns="0" rIns="0" tIns="0" bIns="0">
+          <a:bodyPr lIns="0" tIns="0" rIns="0" bIns="0">
             <a:normAutofit/>
           </a:bodyPr>
-          <a:p>
-            <a:endParaRPr b="0" lang="de-DE" sz="3200" spc="-1" strike="noStrike">
+          <a:lstStyle/>
+          <a:p>
+            <a:endParaRPr lang="de-DE" sz="3200" b="0" strike="noStrike" spc="-1">
               <a:latin typeface="Arial"/>
             </a:endParaRPr>
           </a:p>
@@ -2505,11 +2840,12 @@
           </a:prstGeom>
         </p:spPr>
         <p:txBody>
-          <a:bodyPr lIns="0" rIns="0" tIns="0" bIns="0">
+          <a:bodyPr lIns="0" tIns="0" rIns="0" bIns="0">
             <a:normAutofit/>
           </a:bodyPr>
-          <a:p>
-            <a:endParaRPr b="0" lang="de-DE" sz="3200" spc="-1" strike="noStrike">
+          <a:lstStyle/>
+          <a:p>
+            <a:endParaRPr lang="de-DE" sz="3200" b="0" strike="noStrike" spc="-1">
               <a:latin typeface="Arial"/>
             </a:endParaRPr>
           </a:p>
@@ -2517,11 +2853,14 @@
       </p:sp>
     </p:spTree>
   </p:cSld>
+  <p:clrMapOvr>
+    <a:masterClrMapping/>
+  </p:clrMapOvr>
 </p:sldLayout>
 </file>
 
 <file path=ppt/slideLayouts/slideLayout22.xml><?xml version="1.0" encoding="utf-8"?>
-<p:sldLayout xmlns:a="http://schemas.openxmlformats.org/drawingml/2006/main" xmlns:p="http://schemas.openxmlformats.org/presentationml/2006/main" xmlns:r="http://schemas.openxmlformats.org/officeDocument/2006/relationships" xmlns:p14="http://schemas.microsoft.com/office/powerpoint/2010/main" xmlns:p15="http://schemas.microsoft.com/office/powerpoint/2012/main" xmlns:mc="http://schemas.openxmlformats.org/markup-compatibility/2006" type="objOverTx" preserve="1">
+<p:sldLayout xmlns:a="http://schemas.openxmlformats.org/drawingml/2006/main" xmlns:r="http://schemas.openxmlformats.org/officeDocument/2006/relationships" xmlns:p="http://schemas.openxmlformats.org/presentationml/2006/main" type="objOverTx" preserve="1">
   <p:cSld name="Title, Content over Content">
     <p:spTree>
       <p:nvGrpSpPr>
@@ -2557,10 +2896,11 @@
           </a:prstGeom>
         </p:spPr>
         <p:txBody>
-          <a:bodyPr lIns="0" rIns="0" tIns="0" bIns="0" anchor="ctr"/>
+          <a:bodyPr lIns="0" tIns="0" rIns="0" bIns="0" anchor="ctr"/>
+          <a:lstStyle/>
           <a:p>
             <a:pPr algn="ctr"/>
-            <a:endParaRPr b="0" lang="de-DE" sz="4400" spc="-1" strike="noStrike">
+            <a:endParaRPr lang="de-DE" sz="4400" b="0" strike="noStrike" spc="-1">
               <a:latin typeface="Arial"/>
             </a:endParaRPr>
           </a:p>
@@ -2586,11 +2926,12 @@
           </a:prstGeom>
         </p:spPr>
         <p:txBody>
-          <a:bodyPr lIns="0" rIns="0" tIns="0" bIns="0">
+          <a:bodyPr lIns="0" tIns="0" rIns="0" bIns="0">
             <a:normAutofit/>
           </a:bodyPr>
-          <a:p>
-            <a:endParaRPr b="0" lang="de-DE" sz="3200" spc="-1" strike="noStrike">
+          <a:lstStyle/>
+          <a:p>
+            <a:endParaRPr lang="de-DE" sz="3200" b="0" strike="noStrike" spc="-1">
               <a:latin typeface="Arial"/>
             </a:endParaRPr>
           </a:p>
@@ -2616,11 +2957,12 @@
           </a:prstGeom>
         </p:spPr>
         <p:txBody>
-          <a:bodyPr lIns="0" rIns="0" tIns="0" bIns="0">
+          <a:bodyPr lIns="0" tIns="0" rIns="0" bIns="0">
             <a:normAutofit/>
           </a:bodyPr>
-          <a:p>
-            <a:endParaRPr b="0" lang="de-DE" sz="3200" spc="-1" strike="noStrike">
+          <a:lstStyle/>
+          <a:p>
+            <a:endParaRPr lang="de-DE" sz="3200" b="0" strike="noStrike" spc="-1">
               <a:latin typeface="Arial"/>
             </a:endParaRPr>
           </a:p>
@@ -2628,11 +2970,14 @@
       </p:sp>
     </p:spTree>
   </p:cSld>
+  <p:clrMapOvr>
+    <a:masterClrMapping/>
+  </p:clrMapOvr>
 </p:sldLayout>
 </file>
 
 <file path=ppt/slideLayouts/slideLayout23.xml><?xml version="1.0" encoding="utf-8"?>
-<p:sldLayout xmlns:a="http://schemas.openxmlformats.org/drawingml/2006/main" xmlns:p="http://schemas.openxmlformats.org/presentationml/2006/main" xmlns:r="http://schemas.openxmlformats.org/officeDocument/2006/relationships" xmlns:p14="http://schemas.microsoft.com/office/powerpoint/2010/main" xmlns:p15="http://schemas.microsoft.com/office/powerpoint/2012/main" xmlns:mc="http://schemas.openxmlformats.org/markup-compatibility/2006" type="fourObj" preserve="1">
+<p:sldLayout xmlns:a="http://schemas.openxmlformats.org/drawingml/2006/main" xmlns:r="http://schemas.openxmlformats.org/officeDocument/2006/relationships" xmlns:p="http://schemas.openxmlformats.org/presentationml/2006/main" type="fourObj" preserve="1">
   <p:cSld name="Title, 4 Content">
     <p:spTree>
       <p:nvGrpSpPr>
@@ -2668,10 +3013,11 @@
           </a:prstGeom>
         </p:spPr>
         <p:txBody>
-          <a:bodyPr lIns="0" rIns="0" tIns="0" bIns="0" anchor="ctr"/>
+          <a:bodyPr lIns="0" tIns="0" rIns="0" bIns="0" anchor="ctr"/>
+          <a:lstStyle/>
           <a:p>
             <a:pPr algn="ctr"/>
-            <a:endParaRPr b="0" lang="de-DE" sz="4400" spc="-1" strike="noStrike">
+            <a:endParaRPr lang="de-DE" sz="4400" b="0" strike="noStrike" spc="-1">
               <a:latin typeface="Arial"/>
             </a:endParaRPr>
           </a:p>
@@ -2697,11 +3043,12 @@
           </a:prstGeom>
         </p:spPr>
         <p:txBody>
-          <a:bodyPr lIns="0" rIns="0" tIns="0" bIns="0">
+          <a:bodyPr lIns="0" tIns="0" rIns="0" bIns="0">
             <a:normAutofit/>
           </a:bodyPr>
-          <a:p>
-            <a:endParaRPr b="0" lang="de-DE" sz="3200" spc="-1" strike="noStrike">
+          <a:lstStyle/>
+          <a:p>
+            <a:endParaRPr lang="de-DE" sz="3200" b="0" strike="noStrike" spc="-1">
               <a:latin typeface="Arial"/>
             </a:endParaRPr>
           </a:p>
@@ -2727,11 +3074,12 @@
           </a:prstGeom>
         </p:spPr>
         <p:txBody>
-          <a:bodyPr lIns="0" rIns="0" tIns="0" bIns="0">
+          <a:bodyPr lIns="0" tIns="0" rIns="0" bIns="0">
             <a:normAutofit/>
           </a:bodyPr>
-          <a:p>
-            <a:endParaRPr b="0" lang="de-DE" sz="3200" spc="-1" strike="noStrike">
+          <a:lstStyle/>
+          <a:p>
+            <a:endParaRPr lang="de-DE" sz="3200" b="0" strike="noStrike" spc="-1">
               <a:latin typeface="Arial"/>
             </a:endParaRPr>
           </a:p>
@@ -2757,11 +3105,12 @@
           </a:prstGeom>
         </p:spPr>
         <p:txBody>
-          <a:bodyPr lIns="0" rIns="0" tIns="0" bIns="0">
+          <a:bodyPr lIns="0" tIns="0" rIns="0" bIns="0">
             <a:normAutofit/>
           </a:bodyPr>
-          <a:p>
-            <a:endParaRPr b="0" lang="de-DE" sz="3200" spc="-1" strike="noStrike">
+          <a:lstStyle/>
+          <a:p>
+            <a:endParaRPr lang="de-DE" sz="3200" b="0" strike="noStrike" spc="-1">
               <a:latin typeface="Arial"/>
             </a:endParaRPr>
           </a:p>
@@ -2787,11 +3136,12 @@
           </a:prstGeom>
         </p:spPr>
         <p:txBody>
-          <a:bodyPr lIns="0" rIns="0" tIns="0" bIns="0">
+          <a:bodyPr lIns="0" tIns="0" rIns="0" bIns="0">
             <a:normAutofit/>
           </a:bodyPr>
-          <a:p>
-            <a:endParaRPr b="0" lang="de-DE" sz="3200" spc="-1" strike="noStrike">
+          <a:lstStyle/>
+          <a:p>
+            <a:endParaRPr lang="de-DE" sz="3200" b="0" strike="noStrike" spc="-1">
               <a:latin typeface="Arial"/>
             </a:endParaRPr>
           </a:p>
@@ -2799,11 +3149,14 @@
       </p:sp>
     </p:spTree>
   </p:cSld>
+  <p:clrMapOvr>
+    <a:masterClrMapping/>
+  </p:clrMapOvr>
 </p:sldLayout>
 </file>
 
 <file path=ppt/slideLayouts/slideLayout24.xml><?xml version="1.0" encoding="utf-8"?>
-<p:sldLayout xmlns:a="http://schemas.openxmlformats.org/drawingml/2006/main" xmlns:p="http://schemas.openxmlformats.org/presentationml/2006/main" xmlns:r="http://schemas.openxmlformats.org/officeDocument/2006/relationships" xmlns:p14="http://schemas.microsoft.com/office/powerpoint/2010/main" xmlns:p15="http://schemas.microsoft.com/office/powerpoint/2012/main" xmlns:mc="http://schemas.openxmlformats.org/markup-compatibility/2006" type="blank" preserve="1">
+<p:sldLayout xmlns:a="http://schemas.openxmlformats.org/drawingml/2006/main" xmlns:r="http://schemas.openxmlformats.org/officeDocument/2006/relationships" xmlns:p="http://schemas.openxmlformats.org/presentationml/2006/main" type="blank" preserve="1">
   <p:cSld name="Title, 6 Content">
     <p:spTree>
       <p:nvGrpSpPr>
@@ -2839,10 +3192,11 @@
           </a:prstGeom>
         </p:spPr>
         <p:txBody>
-          <a:bodyPr lIns="0" rIns="0" tIns="0" bIns="0" anchor="ctr"/>
+          <a:bodyPr lIns="0" tIns="0" rIns="0" bIns="0" anchor="ctr"/>
+          <a:lstStyle/>
           <a:p>
             <a:pPr algn="ctr"/>
-            <a:endParaRPr b="0" lang="de-DE" sz="4400" spc="-1" strike="noStrike">
+            <a:endParaRPr lang="de-DE" sz="4400" b="0" strike="noStrike" spc="-1">
               <a:latin typeface="Arial"/>
             </a:endParaRPr>
           </a:p>
@@ -2868,11 +3222,12 @@
           </a:prstGeom>
         </p:spPr>
         <p:txBody>
-          <a:bodyPr lIns="0" rIns="0" tIns="0" bIns="0">
+          <a:bodyPr lIns="0" tIns="0" rIns="0" bIns="0">
             <a:normAutofit/>
           </a:bodyPr>
-          <a:p>
-            <a:endParaRPr b="0" lang="de-DE" sz="3200" spc="-1" strike="noStrike">
+          <a:lstStyle/>
+          <a:p>
+            <a:endParaRPr lang="de-DE" sz="3200" b="0" strike="noStrike" spc="-1">
               <a:latin typeface="Arial"/>
             </a:endParaRPr>
           </a:p>
@@ -2898,11 +3253,12 @@
           </a:prstGeom>
         </p:spPr>
         <p:txBody>
-          <a:bodyPr lIns="0" rIns="0" tIns="0" bIns="0">
+          <a:bodyPr lIns="0" tIns="0" rIns="0" bIns="0">
             <a:normAutofit/>
           </a:bodyPr>
-          <a:p>
-            <a:endParaRPr b="0" lang="de-DE" sz="3200" spc="-1" strike="noStrike">
+          <a:lstStyle/>
+          <a:p>
+            <a:endParaRPr lang="de-DE" sz="3200" b="0" strike="noStrike" spc="-1">
               <a:latin typeface="Arial"/>
             </a:endParaRPr>
           </a:p>
@@ -2928,11 +3284,12 @@
           </a:prstGeom>
         </p:spPr>
         <p:txBody>
-          <a:bodyPr lIns="0" rIns="0" tIns="0" bIns="0">
+          <a:bodyPr lIns="0" tIns="0" rIns="0" bIns="0">
             <a:normAutofit/>
           </a:bodyPr>
-          <a:p>
-            <a:endParaRPr b="0" lang="de-DE" sz="3200" spc="-1" strike="noStrike">
+          <a:lstStyle/>
+          <a:p>
+            <a:endParaRPr lang="de-DE" sz="3200" b="0" strike="noStrike" spc="-1">
               <a:latin typeface="Arial"/>
             </a:endParaRPr>
           </a:p>
@@ -2958,11 +3315,12 @@
           </a:prstGeom>
         </p:spPr>
         <p:txBody>
-          <a:bodyPr lIns="0" rIns="0" tIns="0" bIns="0">
+          <a:bodyPr lIns="0" tIns="0" rIns="0" bIns="0">
             <a:normAutofit/>
           </a:bodyPr>
-          <a:p>
-            <a:endParaRPr b="0" lang="de-DE" sz="3200" spc="-1" strike="noStrike">
+          <a:lstStyle/>
+          <a:p>
+            <a:endParaRPr lang="de-DE" sz="3200" b="0" strike="noStrike" spc="-1">
               <a:latin typeface="Arial"/>
             </a:endParaRPr>
           </a:p>
@@ -2988,11 +3346,12 @@
           </a:prstGeom>
         </p:spPr>
         <p:txBody>
-          <a:bodyPr lIns="0" rIns="0" tIns="0" bIns="0">
+          <a:bodyPr lIns="0" tIns="0" rIns="0" bIns="0">
             <a:normAutofit/>
           </a:bodyPr>
-          <a:p>
-            <a:endParaRPr b="0" lang="de-DE" sz="3200" spc="-1" strike="noStrike">
+          <a:lstStyle/>
+          <a:p>
+            <a:endParaRPr lang="de-DE" sz="3200" b="0" strike="noStrike" spc="-1">
               <a:latin typeface="Arial"/>
             </a:endParaRPr>
           </a:p>
@@ -3018,11 +3377,12 @@
           </a:prstGeom>
         </p:spPr>
         <p:txBody>
-          <a:bodyPr lIns="0" rIns="0" tIns="0" bIns="0">
+          <a:bodyPr lIns="0" tIns="0" rIns="0" bIns="0">
             <a:normAutofit/>
           </a:bodyPr>
-          <a:p>
-            <a:endParaRPr b="0" lang="de-DE" sz="3200" spc="-1" strike="noStrike">
+          <a:lstStyle/>
+          <a:p>
+            <a:endParaRPr lang="de-DE" sz="3200" b="0" strike="noStrike" spc="-1">
               <a:latin typeface="Arial"/>
             </a:endParaRPr>
           </a:p>
@@ -3030,11 +3390,14 @@
       </p:sp>
     </p:spTree>
   </p:cSld>
+  <p:clrMapOvr>
+    <a:masterClrMapping/>
+  </p:clrMapOvr>
 </p:sldLayout>
 </file>
 
 <file path=ppt/slideLayouts/slideLayout3.xml><?xml version="1.0" encoding="utf-8"?>
-<p:sldLayout xmlns:a="http://schemas.openxmlformats.org/drawingml/2006/main" xmlns:p="http://schemas.openxmlformats.org/presentationml/2006/main" xmlns:r="http://schemas.openxmlformats.org/officeDocument/2006/relationships" xmlns:p14="http://schemas.microsoft.com/office/powerpoint/2010/main" xmlns:p15="http://schemas.microsoft.com/office/powerpoint/2012/main" xmlns:mc="http://schemas.openxmlformats.org/markup-compatibility/2006" type="obj" preserve="1">
+<p:sldLayout xmlns:a="http://schemas.openxmlformats.org/drawingml/2006/main" xmlns:r="http://schemas.openxmlformats.org/officeDocument/2006/relationships" xmlns:p="http://schemas.openxmlformats.org/presentationml/2006/main" type="obj" preserve="1">
   <p:cSld name="Title, Content">
     <p:spTree>
       <p:nvGrpSpPr>
@@ -3070,10 +3433,11 @@
           </a:prstGeom>
         </p:spPr>
         <p:txBody>
-          <a:bodyPr lIns="0" rIns="0" tIns="0" bIns="0" anchor="ctr"/>
+          <a:bodyPr lIns="0" tIns="0" rIns="0" bIns="0" anchor="ctr"/>
+          <a:lstStyle/>
           <a:p>
             <a:pPr algn="ctr"/>
-            <a:endParaRPr b="0" lang="de-DE" sz="4400" spc="-1" strike="noStrike">
+            <a:endParaRPr lang="de-DE" sz="4400" b="0" strike="noStrike" spc="-1">
               <a:latin typeface="Arial"/>
             </a:endParaRPr>
           </a:p>
@@ -3099,11 +3463,12 @@
           </a:prstGeom>
         </p:spPr>
         <p:txBody>
-          <a:bodyPr lIns="0" rIns="0" tIns="0" bIns="0">
+          <a:bodyPr lIns="0" tIns="0" rIns="0" bIns="0">
             <a:normAutofit/>
           </a:bodyPr>
-          <a:p>
-            <a:endParaRPr b="0" lang="de-DE" sz="3200" spc="-1" strike="noStrike">
+          <a:lstStyle/>
+          <a:p>
+            <a:endParaRPr lang="de-DE" sz="3200" b="0" strike="noStrike" spc="-1">
               <a:latin typeface="Arial"/>
             </a:endParaRPr>
           </a:p>
@@ -3111,11 +3476,14 @@
       </p:sp>
     </p:spTree>
   </p:cSld>
+  <p:clrMapOvr>
+    <a:masterClrMapping/>
+  </p:clrMapOvr>
 </p:sldLayout>
 </file>
 
 <file path=ppt/slideLayouts/slideLayout4.xml><?xml version="1.0" encoding="utf-8"?>
-<p:sldLayout xmlns:a="http://schemas.openxmlformats.org/drawingml/2006/main" xmlns:p="http://schemas.openxmlformats.org/presentationml/2006/main" xmlns:r="http://schemas.openxmlformats.org/officeDocument/2006/relationships" xmlns:p14="http://schemas.microsoft.com/office/powerpoint/2010/main" xmlns:p15="http://schemas.microsoft.com/office/powerpoint/2012/main" xmlns:mc="http://schemas.openxmlformats.org/markup-compatibility/2006" type="twoObj" preserve="1">
+<p:sldLayout xmlns:a="http://schemas.openxmlformats.org/drawingml/2006/main" xmlns:r="http://schemas.openxmlformats.org/officeDocument/2006/relationships" xmlns:p="http://schemas.openxmlformats.org/presentationml/2006/main" type="twoObj" preserve="1">
   <p:cSld name="Title, 2 Content">
     <p:spTree>
       <p:nvGrpSpPr>
@@ -3151,10 +3519,11 @@
           </a:prstGeom>
         </p:spPr>
         <p:txBody>
-          <a:bodyPr lIns="0" rIns="0" tIns="0" bIns="0" anchor="ctr"/>
+          <a:bodyPr lIns="0" tIns="0" rIns="0" bIns="0" anchor="ctr"/>
+          <a:lstStyle/>
           <a:p>
             <a:pPr algn="ctr"/>
-            <a:endParaRPr b="0" lang="de-DE" sz="4400" spc="-1" strike="noStrike">
+            <a:endParaRPr lang="de-DE" sz="4400" b="0" strike="noStrike" spc="-1">
               <a:latin typeface="Arial"/>
             </a:endParaRPr>
           </a:p>
@@ -3180,11 +3549,12 @@
           </a:prstGeom>
         </p:spPr>
         <p:txBody>
-          <a:bodyPr lIns="0" rIns="0" tIns="0" bIns="0">
+          <a:bodyPr lIns="0" tIns="0" rIns="0" bIns="0">
             <a:normAutofit/>
           </a:bodyPr>
-          <a:p>
-            <a:endParaRPr b="0" lang="de-DE" sz="3200" spc="-1" strike="noStrike">
+          <a:lstStyle/>
+          <a:p>
+            <a:endParaRPr lang="de-DE" sz="3200" b="0" strike="noStrike" spc="-1">
               <a:latin typeface="Arial"/>
             </a:endParaRPr>
           </a:p>
@@ -3210,11 +3580,12 @@
           </a:prstGeom>
         </p:spPr>
         <p:txBody>
-          <a:bodyPr lIns="0" rIns="0" tIns="0" bIns="0">
+          <a:bodyPr lIns="0" tIns="0" rIns="0" bIns="0">
             <a:normAutofit/>
           </a:bodyPr>
-          <a:p>
-            <a:endParaRPr b="0" lang="de-DE" sz="3200" spc="-1" strike="noStrike">
+          <a:lstStyle/>
+          <a:p>
+            <a:endParaRPr lang="de-DE" sz="3200" b="0" strike="noStrike" spc="-1">
               <a:latin typeface="Arial"/>
             </a:endParaRPr>
           </a:p>
@@ -3222,11 +3593,14 @@
       </p:sp>
     </p:spTree>
   </p:cSld>
+  <p:clrMapOvr>
+    <a:masterClrMapping/>
+  </p:clrMapOvr>
 </p:sldLayout>
 </file>
 
 <file path=ppt/slideLayouts/slideLayout5.xml><?xml version="1.0" encoding="utf-8"?>
-<p:sldLayout xmlns:a="http://schemas.openxmlformats.org/drawingml/2006/main" xmlns:p="http://schemas.openxmlformats.org/presentationml/2006/main" xmlns:r="http://schemas.openxmlformats.org/officeDocument/2006/relationships" xmlns:p14="http://schemas.microsoft.com/office/powerpoint/2010/main" xmlns:p15="http://schemas.microsoft.com/office/powerpoint/2012/main" xmlns:mc="http://schemas.openxmlformats.org/markup-compatibility/2006" type="titleOnly" preserve="1">
+<p:sldLayout xmlns:a="http://schemas.openxmlformats.org/drawingml/2006/main" xmlns:r="http://schemas.openxmlformats.org/officeDocument/2006/relationships" xmlns:p="http://schemas.openxmlformats.org/presentationml/2006/main" type="titleOnly" preserve="1">
   <p:cSld name="Title Only">
     <p:spTree>
       <p:nvGrpSpPr>
@@ -3262,10 +3636,11 @@
           </a:prstGeom>
         </p:spPr>
         <p:txBody>
-          <a:bodyPr lIns="0" rIns="0" tIns="0" bIns="0" anchor="ctr"/>
+          <a:bodyPr lIns="0" tIns="0" rIns="0" bIns="0" anchor="ctr"/>
+          <a:lstStyle/>
           <a:p>
             <a:pPr algn="ctr"/>
-            <a:endParaRPr b="0" lang="de-DE" sz="4400" spc="-1" strike="noStrike">
+            <a:endParaRPr lang="de-DE" sz="4400" b="0" strike="noStrike" spc="-1">
               <a:latin typeface="Arial"/>
             </a:endParaRPr>
           </a:p>
@@ -3273,11 +3648,14 @@
       </p:sp>
     </p:spTree>
   </p:cSld>
+  <p:clrMapOvr>
+    <a:masterClrMapping/>
+  </p:clrMapOvr>
 </p:sldLayout>
 </file>
 
 <file path=ppt/slideLayouts/slideLayout6.xml><?xml version="1.0" encoding="utf-8"?>
-<p:sldLayout xmlns:a="http://schemas.openxmlformats.org/drawingml/2006/main" xmlns:p="http://schemas.openxmlformats.org/presentationml/2006/main" xmlns:r="http://schemas.openxmlformats.org/officeDocument/2006/relationships" xmlns:p14="http://schemas.microsoft.com/office/powerpoint/2010/main" xmlns:p15="http://schemas.microsoft.com/office/powerpoint/2012/main" xmlns:mc="http://schemas.openxmlformats.org/markup-compatibility/2006" type="objOnly" preserve="1">
+<p:sldLayout xmlns:a="http://schemas.openxmlformats.org/drawingml/2006/main" xmlns:r="http://schemas.openxmlformats.org/officeDocument/2006/relationships" xmlns:p="http://schemas.openxmlformats.org/presentationml/2006/main" type="objOnly" preserve="1">
   <p:cSld name="Centered Text">
     <p:spTree>
       <p:nvGrpSpPr>
@@ -3313,10 +3691,11 @@
           </a:prstGeom>
         </p:spPr>
         <p:txBody>
-          <a:bodyPr lIns="0" rIns="0" tIns="0" bIns="0" anchor="ctr"/>
+          <a:bodyPr lIns="0" tIns="0" rIns="0" bIns="0" anchor="ctr"/>
+          <a:lstStyle/>
           <a:p>
             <a:pPr algn="ctr"/>
-            <a:endParaRPr b="0" lang="de-DE" sz="3200" spc="-1" strike="noStrike">
+            <a:endParaRPr lang="de-DE" sz="3200" b="0" strike="noStrike" spc="-1">
               <a:latin typeface="Arial"/>
             </a:endParaRPr>
           </a:p>
@@ -3324,11 +3703,14 @@
       </p:sp>
     </p:spTree>
   </p:cSld>
+  <p:clrMapOvr>
+    <a:masterClrMapping/>
+  </p:clrMapOvr>
 </p:sldLayout>
 </file>
 
 <file path=ppt/slideLayouts/slideLayout7.xml><?xml version="1.0" encoding="utf-8"?>
-<p:sldLayout xmlns:a="http://schemas.openxmlformats.org/drawingml/2006/main" xmlns:p="http://schemas.openxmlformats.org/presentationml/2006/main" xmlns:r="http://schemas.openxmlformats.org/officeDocument/2006/relationships" xmlns:p14="http://schemas.microsoft.com/office/powerpoint/2010/main" xmlns:p15="http://schemas.microsoft.com/office/powerpoint/2012/main" xmlns:mc="http://schemas.openxmlformats.org/markup-compatibility/2006" type="twoObjAndObj" preserve="1">
+<p:sldLayout xmlns:a="http://schemas.openxmlformats.org/drawingml/2006/main" xmlns:r="http://schemas.openxmlformats.org/officeDocument/2006/relationships" xmlns:p="http://schemas.openxmlformats.org/presentationml/2006/main" type="twoObjAndObj" preserve="1">
   <p:cSld name="Title, 2 Content and Content">
     <p:spTree>
       <p:nvGrpSpPr>
@@ -3364,10 +3746,11 @@
           </a:prstGeom>
         </p:spPr>
         <p:txBody>
-          <a:bodyPr lIns="0" rIns="0" tIns="0" bIns="0" anchor="ctr"/>
+          <a:bodyPr lIns="0" tIns="0" rIns="0" bIns="0" anchor="ctr"/>
+          <a:lstStyle/>
           <a:p>
             <a:pPr algn="ctr"/>
-            <a:endParaRPr b="0" lang="de-DE" sz="4400" spc="-1" strike="noStrike">
+            <a:endParaRPr lang="de-DE" sz="4400" b="0" strike="noStrike" spc="-1">
               <a:latin typeface="Arial"/>
             </a:endParaRPr>
           </a:p>
@@ -3393,11 +3776,12 @@
           </a:prstGeom>
         </p:spPr>
         <p:txBody>
-          <a:bodyPr lIns="0" rIns="0" tIns="0" bIns="0">
+          <a:bodyPr lIns="0" tIns="0" rIns="0" bIns="0">
             <a:normAutofit/>
           </a:bodyPr>
-          <a:p>
-            <a:endParaRPr b="0" lang="de-DE" sz="3200" spc="-1" strike="noStrike">
+          <a:lstStyle/>
+          <a:p>
+            <a:endParaRPr lang="de-DE" sz="3200" b="0" strike="noStrike" spc="-1">
               <a:latin typeface="Arial"/>
             </a:endParaRPr>
           </a:p>
@@ -3423,11 +3807,12 @@
           </a:prstGeom>
         </p:spPr>
         <p:txBody>
-          <a:bodyPr lIns="0" rIns="0" tIns="0" bIns="0">
+          <a:bodyPr lIns="0" tIns="0" rIns="0" bIns="0">
             <a:normAutofit/>
           </a:bodyPr>
-          <a:p>
-            <a:endParaRPr b="0" lang="de-DE" sz="3200" spc="-1" strike="noStrike">
+          <a:lstStyle/>
+          <a:p>
+            <a:endParaRPr lang="de-DE" sz="3200" b="0" strike="noStrike" spc="-1">
               <a:latin typeface="Arial"/>
             </a:endParaRPr>
           </a:p>
@@ -3453,11 +3838,12 @@
           </a:prstGeom>
         </p:spPr>
         <p:txBody>
-          <a:bodyPr lIns="0" rIns="0" tIns="0" bIns="0">
+          <a:bodyPr lIns="0" tIns="0" rIns="0" bIns="0">
             <a:normAutofit/>
           </a:bodyPr>
-          <a:p>
-            <a:endParaRPr b="0" lang="de-DE" sz="3200" spc="-1" strike="noStrike">
+          <a:lstStyle/>
+          <a:p>
+            <a:endParaRPr lang="de-DE" sz="3200" b="0" strike="noStrike" spc="-1">
               <a:latin typeface="Arial"/>
             </a:endParaRPr>
           </a:p>
@@ -3465,11 +3851,14 @@
       </p:sp>
     </p:spTree>
   </p:cSld>
+  <p:clrMapOvr>
+    <a:masterClrMapping/>
+  </p:clrMapOvr>
 </p:sldLayout>
 </file>
 
 <file path=ppt/slideLayouts/slideLayout8.xml><?xml version="1.0" encoding="utf-8"?>
-<p:sldLayout xmlns:a="http://schemas.openxmlformats.org/drawingml/2006/main" xmlns:p="http://schemas.openxmlformats.org/presentationml/2006/main" xmlns:r="http://schemas.openxmlformats.org/officeDocument/2006/relationships" xmlns:p14="http://schemas.microsoft.com/office/powerpoint/2010/main" xmlns:p15="http://schemas.microsoft.com/office/powerpoint/2012/main" xmlns:mc="http://schemas.openxmlformats.org/markup-compatibility/2006" type="objAndTwoObj" preserve="1">
+<p:sldLayout xmlns:a="http://schemas.openxmlformats.org/drawingml/2006/main" xmlns:r="http://schemas.openxmlformats.org/officeDocument/2006/relationships" xmlns:p="http://schemas.openxmlformats.org/presentationml/2006/main" type="objAndTwoObj" preserve="1">
   <p:cSld name="Title Content and 2 Content">
     <p:spTree>
       <p:nvGrpSpPr>
@@ -3505,10 +3894,11 @@
           </a:prstGeom>
         </p:spPr>
         <p:txBody>
-          <a:bodyPr lIns="0" rIns="0" tIns="0" bIns="0" anchor="ctr"/>
+          <a:bodyPr lIns="0" tIns="0" rIns="0" bIns="0" anchor="ctr"/>
+          <a:lstStyle/>
           <a:p>
             <a:pPr algn="ctr"/>
-            <a:endParaRPr b="0" lang="de-DE" sz="4400" spc="-1" strike="noStrike">
+            <a:endParaRPr lang="de-DE" sz="4400" b="0" strike="noStrike" spc="-1">
               <a:latin typeface="Arial"/>
             </a:endParaRPr>
           </a:p>
@@ -3534,11 +3924,12 @@
           </a:prstGeom>
         </p:spPr>
         <p:txBody>
-          <a:bodyPr lIns="0" rIns="0" tIns="0" bIns="0">
+          <a:bodyPr lIns="0" tIns="0" rIns="0" bIns="0">
             <a:normAutofit/>
           </a:bodyPr>
-          <a:p>
-            <a:endParaRPr b="0" lang="de-DE" sz="3200" spc="-1" strike="noStrike">
+          <a:lstStyle/>
+          <a:p>
+            <a:endParaRPr lang="de-DE" sz="3200" b="0" strike="noStrike" spc="-1">
               <a:latin typeface="Arial"/>
             </a:endParaRPr>
           </a:p>
@@ -3564,11 +3955,12 @@
           </a:prstGeom>
         </p:spPr>
         <p:txBody>
-          <a:bodyPr lIns="0" rIns="0" tIns="0" bIns="0">
+          <a:bodyPr lIns="0" tIns="0" rIns="0" bIns="0">
             <a:normAutofit/>
           </a:bodyPr>
-          <a:p>
-            <a:endParaRPr b="0" lang="de-DE" sz="3200" spc="-1" strike="noStrike">
+          <a:lstStyle/>
+          <a:p>
+            <a:endParaRPr lang="de-DE" sz="3200" b="0" strike="noStrike" spc="-1">
               <a:latin typeface="Arial"/>
             </a:endParaRPr>
           </a:p>
@@ -3594,11 +3986,12 @@
           </a:prstGeom>
         </p:spPr>
         <p:txBody>
-          <a:bodyPr lIns="0" rIns="0" tIns="0" bIns="0">
+          <a:bodyPr lIns="0" tIns="0" rIns="0" bIns="0">
             <a:normAutofit/>
           </a:bodyPr>
-          <a:p>
-            <a:endParaRPr b="0" lang="de-DE" sz="3200" spc="-1" strike="noStrike">
+          <a:lstStyle/>
+          <a:p>
+            <a:endParaRPr lang="de-DE" sz="3200" b="0" strike="noStrike" spc="-1">
               <a:latin typeface="Arial"/>
             </a:endParaRPr>
           </a:p>
@@ -3606,11 +3999,14 @@
       </p:sp>
     </p:spTree>
   </p:cSld>
+  <p:clrMapOvr>
+    <a:masterClrMapping/>
+  </p:clrMapOvr>
 </p:sldLayout>
 </file>
 
 <file path=ppt/slideLayouts/slideLayout9.xml><?xml version="1.0" encoding="utf-8"?>
-<p:sldLayout xmlns:a="http://schemas.openxmlformats.org/drawingml/2006/main" xmlns:p="http://schemas.openxmlformats.org/presentationml/2006/main" xmlns:r="http://schemas.openxmlformats.org/officeDocument/2006/relationships" xmlns:p14="http://schemas.microsoft.com/office/powerpoint/2010/main" xmlns:p15="http://schemas.microsoft.com/office/powerpoint/2012/main" xmlns:mc="http://schemas.openxmlformats.org/markup-compatibility/2006" type="twoObjOverTx" preserve="1">
+<p:sldLayout xmlns:a="http://schemas.openxmlformats.org/drawingml/2006/main" xmlns:r="http://schemas.openxmlformats.org/officeDocument/2006/relationships" xmlns:p="http://schemas.openxmlformats.org/presentationml/2006/main" type="twoObjOverTx" preserve="1">
   <p:cSld name="Title, 2 Content over Content">
     <p:spTree>
       <p:nvGrpSpPr>
@@ -3646,10 +4042,11 @@
           </a:prstGeom>
         </p:spPr>
         <p:txBody>
-          <a:bodyPr lIns="0" rIns="0" tIns="0" bIns="0" anchor="ctr"/>
+          <a:bodyPr lIns="0" tIns="0" rIns="0" bIns="0" anchor="ctr"/>
+          <a:lstStyle/>
           <a:p>
             <a:pPr algn="ctr"/>
-            <a:endParaRPr b="0" lang="de-DE" sz="4400" spc="-1" strike="noStrike">
+            <a:endParaRPr lang="de-DE" sz="4400" b="0" strike="noStrike" spc="-1">
               <a:latin typeface="Arial"/>
             </a:endParaRPr>
           </a:p>
@@ -3675,11 +4072,12 @@
           </a:prstGeom>
         </p:spPr>
         <p:txBody>
-          <a:bodyPr lIns="0" rIns="0" tIns="0" bIns="0">
+          <a:bodyPr lIns="0" tIns="0" rIns="0" bIns="0">
             <a:normAutofit/>
           </a:bodyPr>
-          <a:p>
-            <a:endParaRPr b="0" lang="de-DE" sz="3200" spc="-1" strike="noStrike">
+          <a:lstStyle/>
+          <a:p>
+            <a:endParaRPr lang="de-DE" sz="3200" b="0" strike="noStrike" spc="-1">
               <a:latin typeface="Arial"/>
             </a:endParaRPr>
           </a:p>
@@ -3705,11 +4103,12 @@
           </a:prstGeom>
         </p:spPr>
         <p:txBody>
-          <a:bodyPr lIns="0" rIns="0" tIns="0" bIns="0">
+          <a:bodyPr lIns="0" tIns="0" rIns="0" bIns="0">
             <a:normAutofit/>
           </a:bodyPr>
-          <a:p>
-            <a:endParaRPr b="0" lang="de-DE" sz="3200" spc="-1" strike="noStrike">
+          <a:lstStyle/>
+          <a:p>
+            <a:endParaRPr lang="de-DE" sz="3200" b="0" strike="noStrike" spc="-1">
               <a:latin typeface="Arial"/>
             </a:endParaRPr>
           </a:p>
@@ -3735,11 +4134,12 @@
           </a:prstGeom>
         </p:spPr>
         <p:txBody>
-          <a:bodyPr lIns="0" rIns="0" tIns="0" bIns="0">
+          <a:bodyPr lIns="0" tIns="0" rIns="0" bIns="0">
             <a:normAutofit/>
           </a:bodyPr>
-          <a:p>
-            <a:endParaRPr b="0" lang="de-DE" sz="3200" spc="-1" strike="noStrike">
+          <a:lstStyle/>
+          <a:p>
+            <a:endParaRPr lang="de-DE" sz="3200" b="0" strike="noStrike" spc="-1">
               <a:latin typeface="Arial"/>
             </a:endParaRPr>
           </a:p>
@@ -3747,17 +4147,21 @@
       </p:sp>
     </p:spTree>
   </p:cSld>
+  <p:clrMapOvr>
+    <a:masterClrMapping/>
+  </p:clrMapOvr>
 </p:sldLayout>
 </file>
 
 <file path=ppt/slideMasters/slideMaster1.xml><?xml version="1.0" encoding="utf-8"?>
-<p:sldMaster xmlns:a="http://schemas.openxmlformats.org/drawingml/2006/main" xmlns:p="http://schemas.openxmlformats.org/presentationml/2006/main" xmlns:r="http://schemas.openxmlformats.org/officeDocument/2006/relationships" xmlns:p14="http://schemas.microsoft.com/office/powerpoint/2010/main" xmlns:p15="http://schemas.microsoft.com/office/powerpoint/2012/main" xmlns:mc="http://schemas.openxmlformats.org/markup-compatibility/2006">
+<p:sldMaster xmlns:a="http://schemas.openxmlformats.org/drawingml/2006/main" xmlns:r="http://schemas.openxmlformats.org/officeDocument/2006/relationships" xmlns:p="http://schemas.openxmlformats.org/presentationml/2006/main">
   <p:cSld>
     <p:bg>
       <p:bgPr>
         <a:solidFill>
-          <a:srgbClr val="ffffff"/>
+          <a:srgbClr val="FFFFFF"/>
         </a:solidFill>
+        <a:effectLst/>
       </p:bgPr>
     </p:bg>
     <p:spTree>
@@ -3776,7 +4180,7 @@
       </p:grpSpPr>
       <p:sp>
         <p:nvSpPr>
-          <p:cNvPr id="0" name="CustomShape 1"/>
+          <p:cNvPr id="9" name="CustomShape 1"/>
           <p:cNvSpPr/>
           <p:nvPr/>
         </p:nvSpPr>
@@ -3798,7 +4202,7 @@
             <a:round/>
           </a:ln>
           <a:effectLst>
-            <a:outerShdw blurRad="40000" dir="5400000" dist="20160" rotWithShape="0">
+            <a:outerShdw blurRad="40000" dist="20160" dir="5400000" rotWithShape="0">
               <a:srgbClr val="000000">
                 <a:alpha val="38000"/>
               </a:srgbClr>
@@ -3820,7 +4224,7 @@
       </p:sp>
       <p:sp>
         <p:nvSpPr>
-          <p:cNvPr id="1" name="CustomShape 2"/>
+          <p:cNvPr id="10" name="CustomShape 2"/>
           <p:cNvSpPr/>
           <p:nvPr/>
         </p:nvSpPr>
@@ -3842,7 +4246,7 @@
             <a:round/>
           </a:ln>
           <a:effectLst>
-            <a:outerShdw blurRad="40000" dir="5400000" dist="20160" rotWithShape="0">
+            <a:outerShdw blurRad="40000" dist="20160" dir="5400000" rotWithShape="0">
               <a:srgbClr val="000000">
                 <a:alpha val="38000"/>
               </a:srgbClr>
@@ -3864,12 +4268,12 @@
       </p:sp>
       <p:pic>
         <p:nvPicPr>
-          <p:cNvPr id="2" name="Bild 6" descr=""/>
+          <p:cNvPr id="2" name="Bild 6"/>
           <p:cNvPicPr/>
           <p:nvPr/>
         </p:nvPicPr>
         <p:blipFill>
-          <a:blip r:embed="rId2"/>
+          <a:blip r:embed="rId14"/>
           <a:stretch/>
         </p:blipFill>
         <p:spPr>
@@ -3887,12 +4291,12 @@
       </p:pic>
       <p:pic>
         <p:nvPicPr>
-          <p:cNvPr id="3" name="Grafik 13" descr=""/>
+          <p:cNvPr id="3" name="Grafik 13"/>
           <p:cNvPicPr/>
           <p:nvPr/>
         </p:nvPicPr>
         <p:blipFill>
-          <a:blip r:embed="rId3"/>
+          <a:blip r:embed="rId15"/>
           <a:stretch/>
         </p:blipFill>
         <p:spPr>
@@ -3923,13 +4327,13 @@
             <a:avLst/>
           </a:prstGeom>
           <a:solidFill>
-            <a:srgbClr val="ffffff"/>
+            <a:srgbClr val="FFFFFF"/>
           </a:solidFill>
           <a:ln>
             <a:noFill/>
           </a:ln>
           <a:effectLst>
-            <a:outerShdw blurRad="40000" dir="5400000" dist="23040" rotWithShape="0">
+            <a:outerShdw blurRad="40000" dist="23040" dir="5400000" rotWithShape="0">
               <a:srgbClr val="000000">
                 <a:alpha val="35000"/>
               </a:srgbClr>
@@ -3973,13 +4377,20 @@
           </a:ln>
         </p:spPr>
         <p:style>
-          <a:lnRef idx="0"/>
-          <a:fillRef idx="0"/>
-          <a:effectRef idx="0"/>
+          <a:lnRef idx="0">
+            <a:scrgbClr r="0" g="0" b="0"/>
+          </a:lnRef>
+          <a:fillRef idx="0">
+            <a:scrgbClr r="0" g="0" b="0"/>
+          </a:fillRef>
+          <a:effectRef idx="0">
+            <a:scrgbClr r="0" g="0" b="0"/>
+          </a:effectRef>
           <a:fontRef idx="minor"/>
         </p:style>
         <p:txBody>
-          <a:bodyPr lIns="540000" rIns="144000" tIns="140400" bIns="140400"/>
+          <a:bodyPr lIns="540000" tIns="140400" rIns="144000" bIns="140400"/>
+          <a:lstStyle/>
           <a:p>
             <a:pPr marL="180000">
               <a:lnSpc>
@@ -3987,7 +4398,7 @@
               </a:lnSpc>
             </a:pPr>
             <a:r>
-              <a:rPr b="0" lang="de-DE" sz="1400" spc="-1" strike="noStrike">
+              <a:rPr lang="de-DE" sz="1400" b="0" strike="noStrike" spc="-1">
                 <a:solidFill>
                   <a:srgbClr val="666666"/>
                 </a:solidFill>
@@ -3996,7 +4407,7 @@
               </a:rPr>
               <a:t>Software- and Systems Engineering Research Group </a:t>
             </a:r>
-            <a:endParaRPr b="0" lang="de-DE" sz="1400" spc="-1" strike="noStrike">
+            <a:endParaRPr lang="de-DE" sz="1400" b="0" strike="noStrike" spc="-1">
               <a:latin typeface="Arial"/>
             </a:endParaRPr>
           </a:p>
@@ -4007,7 +4418,7 @@
               </a:lnSpc>
             </a:pPr>
             <a:r>
-              <a:rPr b="0" lang="de-DE" sz="1400" spc="-1" strike="noStrike">
+              <a:rPr lang="de-DE" sz="1400" b="0" strike="noStrike" spc="-1">
                 <a:solidFill>
                   <a:srgbClr val="666666"/>
                 </a:solidFill>
@@ -4016,7 +4427,7 @@
               </a:rPr>
               <a:t>Fakultät für Informatik</a:t>
             </a:r>
-            <a:endParaRPr b="0" lang="de-DE" sz="1400" spc="-1" strike="noStrike">
+            <a:endParaRPr lang="de-DE" sz="1400" b="0" strike="noStrike" spc="-1">
               <a:latin typeface="Arial"/>
             </a:endParaRPr>
           </a:p>
@@ -4027,7 +4438,7 @@
               </a:lnSpc>
             </a:pPr>
             <a:r>
-              <a:rPr b="0" lang="de-DE" sz="1400" spc="-1" strike="noStrike">
+              <a:rPr lang="de-DE" sz="1400" b="0" strike="noStrike" spc="-1">
                 <a:solidFill>
                   <a:srgbClr val="666666"/>
                 </a:solidFill>
@@ -4036,7 +4447,7 @@
               </a:rPr>
               <a:t>Technische Universität München</a:t>
             </a:r>
-            <a:endParaRPr b="0" lang="de-DE" sz="1400" spc="-1" strike="noStrike">
+            <a:endParaRPr lang="de-DE" sz="1400" b="0" strike="noStrike" spc="-1">
               <a:latin typeface="Arial"/>
             </a:endParaRPr>
           </a:p>
@@ -4046,7 +4457,7 @@
                 <a:spcPct val="100000"/>
               </a:lnSpc>
             </a:pPr>
-            <a:endParaRPr b="0" lang="de-DE" sz="1400" spc="-1" strike="noStrike">
+            <a:endParaRPr lang="de-DE" sz="1400" b="0" strike="noStrike" spc="-1">
               <a:latin typeface="Arial"/>
             </a:endParaRPr>
           </a:p>
@@ -4057,19 +4468,19 @@
               </a:lnSpc>
             </a:pPr>
             <a:r>
-              <a:rPr b="0" lang="de-DE" sz="1400" spc="-1" strike="noStrike" u="sng">
+              <a:rPr lang="de-DE" sz="1400" b="0" u="sng" strike="noStrike" spc="-1">
                 <a:solidFill>
-                  <a:srgbClr val="64a0c8"/>
+                  <a:srgbClr val="64A0C8"/>
                 </a:solidFill>
                 <a:uFillTx/>
                 <a:latin typeface="Arial"/>
                 <a:ea typeface="DejaVu Sans"/>
-                <a:hlinkClick r:id="rId4"/>
+                <a:hlinkClick r:id="rId16"/>
               </a:rPr>
               <a:t>www4.in.tum.de/</a:t>
             </a:r>
             <a:r>
-              <a:rPr b="0" lang="de-DE" sz="1400" spc="-1" strike="noStrike">
+              <a:rPr lang="de-DE" sz="1400" b="0" strike="noStrike" spc="-1">
                 <a:solidFill>
                   <a:srgbClr val="666666"/>
                 </a:solidFill>
@@ -4078,7 +4489,7 @@
               </a:rPr>
               <a:t> </a:t>
             </a:r>
-            <a:endParaRPr b="0" lang="de-DE" sz="1400" spc="-1" strike="noStrike">
+            <a:endParaRPr lang="de-DE" sz="1400" b="0" strike="noStrike" spc="-1">
               <a:latin typeface="Arial"/>
             </a:endParaRPr>
           </a:p>
@@ -4086,13 +4497,13 @@
       </p:sp>
       <p:pic>
         <p:nvPicPr>
-          <p:cNvPr id="6" name="Bild 6" descr=""/>
+          <p:cNvPr id="6" name="Bild 6"/>
           <p:cNvPicPr/>
           <p:nvPr/>
         </p:nvPicPr>
         <p:blipFill>
-          <a:blip r:embed="rId5"/>
-          <a:srcRect l="0" t="0" r="29089" b="0"/>
+          <a:blip r:embed="rId17"/>
+          <a:srcRect r="29089"/>
           <a:stretch/>
         </p:blipFill>
         <p:spPr>
@@ -4128,18 +4539,16 @@
           </a:prstGeom>
         </p:spPr>
         <p:txBody>
-          <a:bodyPr lIns="0" rIns="0" tIns="0" bIns="0" anchor="ctr"/>
+          <a:bodyPr lIns="0" tIns="0" rIns="0" bIns="0" anchor="ctr"/>
+          <a:lstStyle/>
           <a:p>
             <a:pPr algn="ctr"/>
             <a:r>
-              <a:rPr b="0" lang="de-DE" sz="4400" spc="-1" strike="noStrike">
+              <a:rPr lang="de-DE" sz="4400" b="0" strike="noStrike" spc="-1">
                 <a:latin typeface="Arial"/>
               </a:rPr>
               <a:t>Format des Titeltextes durch Klicken bearbeiten</a:t>
             </a:r>
-            <a:endParaRPr b="0" lang="de-DE" sz="4400" spc="-1" strike="noStrike">
-              <a:latin typeface="Arial"/>
-            </a:endParaRPr>
           </a:p>
         </p:txBody>
       </p:sp>
@@ -4163,9 +4572,10 @@
           </a:prstGeom>
         </p:spPr>
         <p:txBody>
-          <a:bodyPr lIns="0" rIns="0" tIns="0" bIns="0">
+          <a:bodyPr lIns="0" tIns="0" rIns="0" bIns="0">
             <a:normAutofit/>
           </a:bodyPr>
+          <a:lstStyle/>
           <a:p>
             <a:pPr marL="432000" indent="-324000">
               <a:spcBef>
@@ -4179,17 +4589,14 @@
               <a:buChar char=""/>
             </a:pPr>
             <a:r>
-              <a:rPr b="0" lang="de-DE" sz="3200" spc="-1" strike="noStrike">
+              <a:rPr lang="de-DE" sz="3200" b="0" strike="noStrike" spc="-1">
                 <a:latin typeface="Arial"/>
               </a:rPr>
               <a:t>Format des Gliederungstextes durch Klicken bearbeiten</a:t>
             </a:r>
-            <a:endParaRPr b="0" lang="de-DE" sz="3200" spc="-1" strike="noStrike">
-              <a:latin typeface="Arial"/>
-            </a:endParaRPr>
-          </a:p>
-          <a:p>
-            <a:pPr lvl="1" marL="864000" indent="-324000">
+          </a:p>
+          <a:p>
+            <a:pPr marL="864000" lvl="1" indent="-324000">
               <a:spcBef>
                 <a:spcPts val="1134"/>
               </a:spcBef>
@@ -4201,17 +4608,14 @@
               <a:buChar char=""/>
             </a:pPr>
             <a:r>
-              <a:rPr b="0" lang="de-DE" sz="2800" spc="-1" strike="noStrike">
+              <a:rPr lang="de-DE" sz="2800" b="0" strike="noStrike" spc="-1">
                 <a:latin typeface="Arial"/>
               </a:rPr>
               <a:t>Zweite Gliederungsebene</a:t>
             </a:r>
-            <a:endParaRPr b="0" lang="de-DE" sz="2800" spc="-1" strike="noStrike">
-              <a:latin typeface="Arial"/>
-            </a:endParaRPr>
-          </a:p>
-          <a:p>
-            <a:pPr lvl="2" marL="1296000" indent="-288000">
+          </a:p>
+          <a:p>
+            <a:pPr marL="1296000" lvl="2" indent="-288000">
               <a:spcBef>
                 <a:spcPts val="850"/>
               </a:spcBef>
@@ -4223,17 +4627,14 @@
               <a:buChar char=""/>
             </a:pPr>
             <a:r>
-              <a:rPr b="0" lang="de-DE" sz="2400" spc="-1" strike="noStrike">
+              <a:rPr lang="de-DE" sz="2400" b="0" strike="noStrike" spc="-1">
                 <a:latin typeface="Arial"/>
               </a:rPr>
               <a:t>Dritte Gliederungsebene</a:t>
             </a:r>
-            <a:endParaRPr b="0" lang="de-DE" sz="2400" spc="-1" strike="noStrike">
-              <a:latin typeface="Arial"/>
-            </a:endParaRPr>
-          </a:p>
-          <a:p>
-            <a:pPr lvl="3" marL="1728000" indent="-216000">
+          </a:p>
+          <a:p>
+            <a:pPr marL="1728000" lvl="3" indent="-216000">
               <a:spcBef>
                 <a:spcPts val="567"/>
               </a:spcBef>
@@ -4245,17 +4646,14 @@
               <a:buChar char=""/>
             </a:pPr>
             <a:r>
-              <a:rPr b="0" lang="de-DE" sz="2000" spc="-1" strike="noStrike">
+              <a:rPr lang="de-DE" sz="2000" b="0" strike="noStrike" spc="-1">
                 <a:latin typeface="Arial"/>
               </a:rPr>
               <a:t>Vierte Gliederungsebene</a:t>
             </a:r>
-            <a:endParaRPr b="0" lang="de-DE" sz="2000" spc="-1" strike="noStrike">
-              <a:latin typeface="Arial"/>
-            </a:endParaRPr>
-          </a:p>
-          <a:p>
-            <a:pPr lvl="4" marL="2160000" indent="-216000">
+          </a:p>
+          <a:p>
+            <a:pPr marL="2160000" lvl="4" indent="-216000">
               <a:spcBef>
                 <a:spcPts val="283"/>
               </a:spcBef>
@@ -4267,17 +4665,14 @@
               <a:buChar char=""/>
             </a:pPr>
             <a:r>
-              <a:rPr b="0" lang="de-DE" sz="2000" spc="-1" strike="noStrike">
+              <a:rPr lang="de-DE" sz="2000" b="0" strike="noStrike" spc="-1">
                 <a:latin typeface="Arial"/>
               </a:rPr>
               <a:t>Fünfte Gliederungsebene</a:t>
             </a:r>
-            <a:endParaRPr b="0" lang="de-DE" sz="2000" spc="-1" strike="noStrike">
-              <a:latin typeface="Arial"/>
-            </a:endParaRPr>
-          </a:p>
-          <a:p>
-            <a:pPr lvl="5" marL="2592000" indent="-216000">
+          </a:p>
+          <a:p>
+            <a:pPr marL="2592000" lvl="5" indent="-216000">
               <a:spcBef>
                 <a:spcPts val="283"/>
               </a:spcBef>
@@ -4289,17 +4684,14 @@
               <a:buChar char=""/>
             </a:pPr>
             <a:r>
-              <a:rPr b="0" lang="de-DE" sz="2000" spc="-1" strike="noStrike">
+              <a:rPr lang="de-DE" sz="2000" b="0" strike="noStrike" spc="-1">
                 <a:latin typeface="Arial"/>
               </a:rPr>
               <a:t>Sechste Gliederungsebene</a:t>
             </a:r>
-            <a:endParaRPr b="0" lang="de-DE" sz="2000" spc="-1" strike="noStrike">
-              <a:latin typeface="Arial"/>
-            </a:endParaRPr>
-          </a:p>
-          <a:p>
-            <a:pPr lvl="6" marL="3024000" indent="-216000">
+          </a:p>
+          <a:p>
+            <a:pPr marL="3024000" lvl="6" indent="-216000">
               <a:spcBef>
                 <a:spcPts val="283"/>
               </a:spcBef>
@@ -4311,45 +4703,323 @@
               <a:buChar char=""/>
             </a:pPr>
             <a:r>
-              <a:rPr b="0" lang="de-DE" sz="2000" spc="-1" strike="noStrike">
+              <a:rPr lang="de-DE" sz="2000" b="0" strike="noStrike" spc="-1">
                 <a:latin typeface="Arial"/>
               </a:rPr>
               <a:t>Siebte Gliederungsebene</a:t>
             </a:r>
-            <a:endParaRPr b="0" lang="de-DE" sz="2000" spc="-1" strike="noStrike">
-              <a:latin typeface="Arial"/>
-            </a:endParaRPr>
           </a:p>
         </p:txBody>
       </p:sp>
     </p:spTree>
   </p:cSld>
-  <p:clrMap bg1="lt1" bg2="lt2" tx1="dk1" tx2="dk2" accent1="accent1" accent2="accent2" accent3="accent3" accent4="accent4" accent5="accent5" accent6="accent6" hlink="hlink" folHlink="folHlink"/>
+  <p:clrMap bg1="lt1" tx1="dk1" bg2="lt2" tx2="dk2" accent1="accent1" accent2="accent2" accent3="accent3" accent4="accent4" accent5="accent5" accent6="accent6" hlink="hlink" folHlink="folHlink"/>
   <p:sldLayoutIdLst>
-    <p:sldLayoutId id="2147483649" r:id="rId6"/>
-    <p:sldLayoutId id="2147483650" r:id="rId7"/>
-    <p:sldLayoutId id="2147483651" r:id="rId8"/>
-    <p:sldLayoutId id="2147483652" r:id="rId9"/>
-    <p:sldLayoutId id="2147483653" r:id="rId10"/>
-    <p:sldLayoutId id="2147483654" r:id="rId11"/>
-    <p:sldLayoutId id="2147483655" r:id="rId12"/>
-    <p:sldLayoutId id="2147483656" r:id="rId13"/>
-    <p:sldLayoutId id="2147483657" r:id="rId14"/>
-    <p:sldLayoutId id="2147483658" r:id="rId15"/>
-    <p:sldLayoutId id="2147483659" r:id="rId16"/>
-    <p:sldLayoutId id="2147483660" r:id="rId17"/>
+    <p:sldLayoutId id="2147483649" r:id="rId1"/>
+    <p:sldLayoutId id="2147483650" r:id="rId2"/>
+    <p:sldLayoutId id="2147483651" r:id="rId3"/>
+    <p:sldLayoutId id="2147483652" r:id="rId4"/>
+    <p:sldLayoutId id="2147483653" r:id="rId5"/>
+    <p:sldLayoutId id="2147483654" r:id="rId6"/>
+    <p:sldLayoutId id="2147483655" r:id="rId7"/>
+    <p:sldLayoutId id="2147483656" r:id="rId8"/>
+    <p:sldLayoutId id="2147483657" r:id="rId9"/>
+    <p:sldLayoutId id="2147483658" r:id="rId10"/>
+    <p:sldLayoutId id="2147483659" r:id="rId11"/>
+    <p:sldLayoutId id="2147483660" r:id="rId12"/>
   </p:sldLayoutIdLst>
+  <p:txStyles>
+    <p:titleStyle>
+      <a:lvl1pPr algn="l" defTabSz="914400" rtl="0" eaLnBrk="1" latinLnBrk="0" hangingPunct="1">
+        <a:lnSpc>
+          <a:spcPct val="90000"/>
+        </a:lnSpc>
+        <a:spcBef>
+          <a:spcPct val="0"/>
+        </a:spcBef>
+        <a:buNone/>
+        <a:defRPr sz="4400" kern="1200">
+          <a:solidFill>
+            <a:schemeClr val="tx1"/>
+          </a:solidFill>
+          <a:latin typeface="+mj-lt"/>
+          <a:ea typeface="+mj-ea"/>
+          <a:cs typeface="+mj-cs"/>
+        </a:defRPr>
+      </a:lvl1pPr>
+    </p:titleStyle>
+    <p:bodyStyle>
+      <a:lvl1pPr marL="228600" indent="-228600" algn="l" defTabSz="914400" rtl="0" eaLnBrk="1" latinLnBrk="0" hangingPunct="1">
+        <a:lnSpc>
+          <a:spcPct val="90000"/>
+        </a:lnSpc>
+        <a:spcBef>
+          <a:spcPts val="1000"/>
+        </a:spcBef>
+        <a:buFont typeface="Arial" panose="020B0604020202020204" pitchFamily="34" charset="0"/>
+        <a:buChar char="•"/>
+        <a:defRPr sz="2800" kern="1200">
+          <a:solidFill>
+            <a:schemeClr val="tx1"/>
+          </a:solidFill>
+          <a:latin typeface="+mn-lt"/>
+          <a:ea typeface="+mn-ea"/>
+          <a:cs typeface="+mn-cs"/>
+        </a:defRPr>
+      </a:lvl1pPr>
+      <a:lvl2pPr marL="685800" indent="-228600" algn="l" defTabSz="914400" rtl="0" eaLnBrk="1" latinLnBrk="0" hangingPunct="1">
+        <a:lnSpc>
+          <a:spcPct val="90000"/>
+        </a:lnSpc>
+        <a:spcBef>
+          <a:spcPts val="500"/>
+        </a:spcBef>
+        <a:buFont typeface="Arial" panose="020B0604020202020204" pitchFamily="34" charset="0"/>
+        <a:buChar char="•"/>
+        <a:defRPr sz="2400" kern="1200">
+          <a:solidFill>
+            <a:schemeClr val="tx1"/>
+          </a:solidFill>
+          <a:latin typeface="+mn-lt"/>
+          <a:ea typeface="+mn-ea"/>
+          <a:cs typeface="+mn-cs"/>
+        </a:defRPr>
+      </a:lvl2pPr>
+      <a:lvl3pPr marL="1143000" indent="-228600" algn="l" defTabSz="914400" rtl="0" eaLnBrk="1" latinLnBrk="0" hangingPunct="1">
+        <a:lnSpc>
+          <a:spcPct val="90000"/>
+        </a:lnSpc>
+        <a:spcBef>
+          <a:spcPts val="500"/>
+        </a:spcBef>
+        <a:buFont typeface="Arial" panose="020B0604020202020204" pitchFamily="34" charset="0"/>
+        <a:buChar char="•"/>
+        <a:defRPr sz="2000" kern="1200">
+          <a:solidFill>
+            <a:schemeClr val="tx1"/>
+          </a:solidFill>
+          <a:latin typeface="+mn-lt"/>
+          <a:ea typeface="+mn-ea"/>
+          <a:cs typeface="+mn-cs"/>
+        </a:defRPr>
+      </a:lvl3pPr>
+      <a:lvl4pPr marL="1600200" indent="-228600" algn="l" defTabSz="914400" rtl="0" eaLnBrk="1" latinLnBrk="0" hangingPunct="1">
+        <a:lnSpc>
+          <a:spcPct val="90000"/>
+        </a:lnSpc>
+        <a:spcBef>
+          <a:spcPts val="500"/>
+        </a:spcBef>
+        <a:buFont typeface="Arial" panose="020B0604020202020204" pitchFamily="34" charset="0"/>
+        <a:buChar char="•"/>
+        <a:defRPr sz="1800" kern="1200">
+          <a:solidFill>
+            <a:schemeClr val="tx1"/>
+          </a:solidFill>
+          <a:latin typeface="+mn-lt"/>
+          <a:ea typeface="+mn-ea"/>
+          <a:cs typeface="+mn-cs"/>
+        </a:defRPr>
+      </a:lvl4pPr>
+      <a:lvl5pPr marL="2057400" indent="-228600" algn="l" defTabSz="914400" rtl="0" eaLnBrk="1" latinLnBrk="0" hangingPunct="1">
+        <a:lnSpc>
+          <a:spcPct val="90000"/>
+        </a:lnSpc>
+        <a:spcBef>
+          <a:spcPts val="500"/>
+        </a:spcBef>
+        <a:buFont typeface="Arial" panose="020B0604020202020204" pitchFamily="34" charset="0"/>
+        <a:buChar char="•"/>
+        <a:defRPr sz="1800" kern="1200">
+          <a:solidFill>
+            <a:schemeClr val="tx1"/>
+          </a:solidFill>
+          <a:latin typeface="+mn-lt"/>
+          <a:ea typeface="+mn-ea"/>
+          <a:cs typeface="+mn-cs"/>
+        </a:defRPr>
+      </a:lvl5pPr>
+      <a:lvl6pPr marL="2514600" indent="-228600" algn="l" defTabSz="914400" rtl="0" eaLnBrk="1" latinLnBrk="0" hangingPunct="1">
+        <a:lnSpc>
+          <a:spcPct val="90000"/>
+        </a:lnSpc>
+        <a:spcBef>
+          <a:spcPts val="500"/>
+        </a:spcBef>
+        <a:buFont typeface="Arial" panose="020B0604020202020204" pitchFamily="34" charset="0"/>
+        <a:buChar char="•"/>
+        <a:defRPr sz="1800" kern="1200">
+          <a:solidFill>
+            <a:schemeClr val="tx1"/>
+          </a:solidFill>
+          <a:latin typeface="+mn-lt"/>
+          <a:ea typeface="+mn-ea"/>
+          <a:cs typeface="+mn-cs"/>
+        </a:defRPr>
+      </a:lvl6pPr>
+      <a:lvl7pPr marL="2971800" indent="-228600" algn="l" defTabSz="914400" rtl="0" eaLnBrk="1" latinLnBrk="0" hangingPunct="1">
+        <a:lnSpc>
+          <a:spcPct val="90000"/>
+        </a:lnSpc>
+        <a:spcBef>
+          <a:spcPts val="500"/>
+        </a:spcBef>
+        <a:buFont typeface="Arial" panose="020B0604020202020204" pitchFamily="34" charset="0"/>
+        <a:buChar char="•"/>
+        <a:defRPr sz="1800" kern="1200">
+          <a:solidFill>
+            <a:schemeClr val="tx1"/>
+          </a:solidFill>
+          <a:latin typeface="+mn-lt"/>
+          <a:ea typeface="+mn-ea"/>
+          <a:cs typeface="+mn-cs"/>
+        </a:defRPr>
+      </a:lvl7pPr>
+      <a:lvl8pPr marL="3429000" indent="-228600" algn="l" defTabSz="914400" rtl="0" eaLnBrk="1" latinLnBrk="0" hangingPunct="1">
+        <a:lnSpc>
+          <a:spcPct val="90000"/>
+        </a:lnSpc>
+        <a:spcBef>
+          <a:spcPts val="500"/>
+        </a:spcBef>
+        <a:buFont typeface="Arial" panose="020B0604020202020204" pitchFamily="34" charset="0"/>
+        <a:buChar char="•"/>
+        <a:defRPr sz="1800" kern="1200">
+          <a:solidFill>
+            <a:schemeClr val="tx1"/>
+          </a:solidFill>
+          <a:latin typeface="+mn-lt"/>
+          <a:ea typeface="+mn-ea"/>
+          <a:cs typeface="+mn-cs"/>
+        </a:defRPr>
+      </a:lvl8pPr>
+      <a:lvl9pPr marL="3886200" indent="-228600" algn="l" defTabSz="914400" rtl="0" eaLnBrk="1" latinLnBrk="0" hangingPunct="1">
+        <a:lnSpc>
+          <a:spcPct val="90000"/>
+        </a:lnSpc>
+        <a:spcBef>
+          <a:spcPts val="500"/>
+        </a:spcBef>
+        <a:buFont typeface="Arial" panose="020B0604020202020204" pitchFamily="34" charset="0"/>
+        <a:buChar char="•"/>
+        <a:defRPr sz="1800" kern="1200">
+          <a:solidFill>
+            <a:schemeClr val="tx1"/>
+          </a:solidFill>
+          <a:latin typeface="+mn-lt"/>
+          <a:ea typeface="+mn-ea"/>
+          <a:cs typeface="+mn-cs"/>
+        </a:defRPr>
+      </a:lvl9pPr>
+    </p:bodyStyle>
+    <p:otherStyle>
+      <a:defPPr>
+        <a:defRPr lang="de-DE"/>
+      </a:defPPr>
+      <a:lvl1pPr marL="0" algn="l" defTabSz="914400" rtl="0" eaLnBrk="1" latinLnBrk="0" hangingPunct="1">
+        <a:defRPr sz="1800" kern="1200">
+          <a:solidFill>
+            <a:schemeClr val="tx1"/>
+          </a:solidFill>
+          <a:latin typeface="+mn-lt"/>
+          <a:ea typeface="+mn-ea"/>
+          <a:cs typeface="+mn-cs"/>
+        </a:defRPr>
+      </a:lvl1pPr>
+      <a:lvl2pPr marL="457200" algn="l" defTabSz="914400" rtl="0" eaLnBrk="1" latinLnBrk="0" hangingPunct="1">
+        <a:defRPr sz="1800" kern="1200">
+          <a:solidFill>
+            <a:schemeClr val="tx1"/>
+          </a:solidFill>
+          <a:latin typeface="+mn-lt"/>
+          <a:ea typeface="+mn-ea"/>
+          <a:cs typeface="+mn-cs"/>
+        </a:defRPr>
+      </a:lvl2pPr>
+      <a:lvl3pPr marL="914400" algn="l" defTabSz="914400" rtl="0" eaLnBrk="1" latinLnBrk="0" hangingPunct="1">
+        <a:defRPr sz="1800" kern="1200">
+          <a:solidFill>
+            <a:schemeClr val="tx1"/>
+          </a:solidFill>
+          <a:latin typeface="+mn-lt"/>
+          <a:ea typeface="+mn-ea"/>
+          <a:cs typeface="+mn-cs"/>
+        </a:defRPr>
+      </a:lvl3pPr>
+      <a:lvl4pPr marL="1371600" algn="l" defTabSz="914400" rtl="0" eaLnBrk="1" latinLnBrk="0" hangingPunct="1">
+        <a:defRPr sz="1800" kern="1200">
+          <a:solidFill>
+            <a:schemeClr val="tx1"/>
+          </a:solidFill>
+          <a:latin typeface="+mn-lt"/>
+          <a:ea typeface="+mn-ea"/>
+          <a:cs typeface="+mn-cs"/>
+        </a:defRPr>
+      </a:lvl4pPr>
+      <a:lvl5pPr marL="1828800" algn="l" defTabSz="914400" rtl="0" eaLnBrk="1" latinLnBrk="0" hangingPunct="1">
+        <a:defRPr sz="1800" kern="1200">
+          <a:solidFill>
+            <a:schemeClr val="tx1"/>
+          </a:solidFill>
+          <a:latin typeface="+mn-lt"/>
+          <a:ea typeface="+mn-ea"/>
+          <a:cs typeface="+mn-cs"/>
+        </a:defRPr>
+      </a:lvl5pPr>
+      <a:lvl6pPr marL="2286000" algn="l" defTabSz="914400" rtl="0" eaLnBrk="1" latinLnBrk="0" hangingPunct="1">
+        <a:defRPr sz="1800" kern="1200">
+          <a:solidFill>
+            <a:schemeClr val="tx1"/>
+          </a:solidFill>
+          <a:latin typeface="+mn-lt"/>
+          <a:ea typeface="+mn-ea"/>
+          <a:cs typeface="+mn-cs"/>
+        </a:defRPr>
+      </a:lvl6pPr>
+      <a:lvl7pPr marL="2743200" algn="l" defTabSz="914400" rtl="0" eaLnBrk="1" latinLnBrk="0" hangingPunct="1">
+        <a:defRPr sz="1800" kern="1200">
+          <a:solidFill>
+            <a:schemeClr val="tx1"/>
+          </a:solidFill>
+          <a:latin typeface="+mn-lt"/>
+          <a:ea typeface="+mn-ea"/>
+          <a:cs typeface="+mn-cs"/>
+        </a:defRPr>
+      </a:lvl7pPr>
+      <a:lvl8pPr marL="3200400" algn="l" defTabSz="914400" rtl="0" eaLnBrk="1" latinLnBrk="0" hangingPunct="1">
+        <a:defRPr sz="1800" kern="1200">
+          <a:solidFill>
+            <a:schemeClr val="tx1"/>
+          </a:solidFill>
+          <a:latin typeface="+mn-lt"/>
+          <a:ea typeface="+mn-ea"/>
+          <a:cs typeface="+mn-cs"/>
+        </a:defRPr>
+      </a:lvl8pPr>
+      <a:lvl9pPr marL="3657600" algn="l" defTabSz="914400" rtl="0" eaLnBrk="1" latinLnBrk="0" hangingPunct="1">
+        <a:defRPr sz="1800" kern="1200">
+          <a:solidFill>
+            <a:schemeClr val="tx1"/>
+          </a:solidFill>
+          <a:latin typeface="+mn-lt"/>
+          <a:ea typeface="+mn-ea"/>
+          <a:cs typeface="+mn-cs"/>
+        </a:defRPr>
+      </a:lvl9pPr>
+    </p:otherStyle>
+  </p:txStyles>
 </p:sldMaster>
 </file>
 
 <file path=ppt/slideMasters/slideMaster2.xml><?xml version="1.0" encoding="utf-8"?>
-<p:sldMaster xmlns:a="http://schemas.openxmlformats.org/drawingml/2006/main" xmlns:p="http://schemas.openxmlformats.org/presentationml/2006/main" xmlns:r="http://schemas.openxmlformats.org/officeDocument/2006/relationships" xmlns:p14="http://schemas.microsoft.com/office/powerpoint/2010/main" xmlns:p15="http://schemas.microsoft.com/office/powerpoint/2012/main" xmlns:mc="http://schemas.openxmlformats.org/markup-compatibility/2006">
+<p:sldMaster xmlns:a="http://schemas.openxmlformats.org/drawingml/2006/main" xmlns:r="http://schemas.openxmlformats.org/officeDocument/2006/relationships" xmlns:p="http://schemas.openxmlformats.org/presentationml/2006/main">
   <p:cSld>
     <p:bg>
       <p:bgPr>
         <a:solidFill>
-          <a:srgbClr val="ffffff"/>
+          <a:srgbClr val="FFFFFF"/>
         </a:solidFill>
+        <a:effectLst/>
       </p:bgPr>
     </p:bg>
     <p:spTree>
@@ -4390,7 +5060,7 @@
             <a:round/>
           </a:ln>
           <a:effectLst>
-            <a:outerShdw blurRad="40000" dir="5400000" dist="20160" rotWithShape="0">
+            <a:outerShdw blurRad="40000" dist="20160" dir="5400000" rotWithShape="0">
               <a:srgbClr val="000000">
                 <a:alpha val="38000"/>
               </a:srgbClr>
@@ -4434,7 +5104,7 @@
             <a:round/>
           </a:ln>
           <a:effectLst>
-            <a:outerShdw blurRad="40000" dir="5400000" dist="20160" rotWithShape="0">
+            <a:outerShdw blurRad="40000" dist="20160" dir="5400000" rotWithShape="0">
               <a:srgbClr val="000000">
                 <a:alpha val="38000"/>
               </a:srgbClr>
@@ -4456,12 +5126,12 @@
       </p:sp>
       <p:pic>
         <p:nvPicPr>
-          <p:cNvPr id="47" name="Bild 6" descr=""/>
+          <p:cNvPr id="47" name="Bild 6"/>
           <p:cNvPicPr/>
           <p:nvPr/>
         </p:nvPicPr>
         <p:blipFill>
-          <a:blip r:embed="rId2"/>
+          <a:blip r:embed="rId14"/>
           <a:stretch/>
         </p:blipFill>
         <p:spPr>
@@ -4497,18 +5167,16 @@
           </a:prstGeom>
         </p:spPr>
         <p:txBody>
-          <a:bodyPr lIns="0" rIns="0" tIns="0" bIns="0" anchor="ctr"/>
+          <a:bodyPr lIns="0" tIns="0" rIns="0" bIns="0" anchor="ctr"/>
+          <a:lstStyle/>
           <a:p>
             <a:pPr algn="ctr"/>
             <a:r>
-              <a:rPr b="0" lang="de-DE" sz="4400" spc="-1" strike="noStrike">
+              <a:rPr lang="de-DE" sz="4400" b="0" strike="noStrike" spc="-1">
                 <a:latin typeface="Arial"/>
               </a:rPr>
               <a:t>Format des Titeltextes durch Klicken bearbeiten</a:t>
             </a:r>
-            <a:endParaRPr b="0" lang="de-DE" sz="4400" spc="-1" strike="noStrike">
-              <a:latin typeface="Arial"/>
-            </a:endParaRPr>
           </a:p>
         </p:txBody>
       </p:sp>
@@ -4532,9 +5200,10 @@
           </a:prstGeom>
         </p:spPr>
         <p:txBody>
-          <a:bodyPr lIns="0" rIns="0" tIns="0" bIns="0">
+          <a:bodyPr lIns="0" tIns="0" rIns="0" bIns="0">
             <a:normAutofit/>
           </a:bodyPr>
+          <a:lstStyle/>
           <a:p>
             <a:pPr marL="432000" indent="-324000">
               <a:spcBef>
@@ -4548,17 +5217,14 @@
               <a:buChar char=""/>
             </a:pPr>
             <a:r>
-              <a:rPr b="0" lang="de-DE" sz="3200" spc="-1" strike="noStrike">
+              <a:rPr lang="de-DE" sz="3200" b="0" strike="noStrike" spc="-1">
                 <a:latin typeface="Arial"/>
               </a:rPr>
               <a:t>Format des Gliederungstextes durch Klicken bearbeiten</a:t>
             </a:r>
-            <a:endParaRPr b="0" lang="de-DE" sz="3200" spc="-1" strike="noStrike">
-              <a:latin typeface="Arial"/>
-            </a:endParaRPr>
-          </a:p>
-          <a:p>
-            <a:pPr lvl="1" marL="864000" indent="-324000">
+          </a:p>
+          <a:p>
+            <a:pPr marL="864000" lvl="1" indent="-324000">
               <a:spcBef>
                 <a:spcPts val="1134"/>
               </a:spcBef>
@@ -4570,17 +5236,14 @@
               <a:buChar char=""/>
             </a:pPr>
             <a:r>
-              <a:rPr b="0" lang="de-DE" sz="2800" spc="-1" strike="noStrike">
+              <a:rPr lang="de-DE" sz="2800" b="0" strike="noStrike" spc="-1">
                 <a:latin typeface="Arial"/>
               </a:rPr>
               <a:t>Zweite Gliederungsebene</a:t>
             </a:r>
-            <a:endParaRPr b="0" lang="de-DE" sz="2800" spc="-1" strike="noStrike">
-              <a:latin typeface="Arial"/>
-            </a:endParaRPr>
-          </a:p>
-          <a:p>
-            <a:pPr lvl="2" marL="1296000" indent="-288000">
+          </a:p>
+          <a:p>
+            <a:pPr marL="1296000" lvl="2" indent="-288000">
               <a:spcBef>
                 <a:spcPts val="850"/>
               </a:spcBef>
@@ -4592,17 +5255,14 @@
               <a:buChar char=""/>
             </a:pPr>
             <a:r>
-              <a:rPr b="0" lang="de-DE" sz="2400" spc="-1" strike="noStrike">
+              <a:rPr lang="de-DE" sz="2400" b="0" strike="noStrike" spc="-1">
                 <a:latin typeface="Arial"/>
               </a:rPr>
               <a:t>Dritte Gliederungsebene</a:t>
             </a:r>
-            <a:endParaRPr b="0" lang="de-DE" sz="2400" spc="-1" strike="noStrike">
-              <a:latin typeface="Arial"/>
-            </a:endParaRPr>
-          </a:p>
-          <a:p>
-            <a:pPr lvl="3" marL="1728000" indent="-216000">
+          </a:p>
+          <a:p>
+            <a:pPr marL="1728000" lvl="3" indent="-216000">
               <a:spcBef>
                 <a:spcPts val="567"/>
               </a:spcBef>
@@ -4614,17 +5274,14 @@
               <a:buChar char=""/>
             </a:pPr>
             <a:r>
-              <a:rPr b="0" lang="de-DE" sz="2000" spc="-1" strike="noStrike">
+              <a:rPr lang="de-DE" sz="2000" b="0" strike="noStrike" spc="-1">
                 <a:latin typeface="Arial"/>
               </a:rPr>
               <a:t>Vierte Gliederungsebene</a:t>
             </a:r>
-            <a:endParaRPr b="0" lang="de-DE" sz="2000" spc="-1" strike="noStrike">
-              <a:latin typeface="Arial"/>
-            </a:endParaRPr>
-          </a:p>
-          <a:p>
-            <a:pPr lvl="4" marL="2160000" indent="-216000">
+          </a:p>
+          <a:p>
+            <a:pPr marL="2160000" lvl="4" indent="-216000">
               <a:spcBef>
                 <a:spcPts val="283"/>
               </a:spcBef>
@@ -4636,17 +5293,14 @@
               <a:buChar char=""/>
             </a:pPr>
             <a:r>
-              <a:rPr b="0" lang="de-DE" sz="2000" spc="-1" strike="noStrike">
+              <a:rPr lang="de-DE" sz="2000" b="0" strike="noStrike" spc="-1">
                 <a:latin typeface="Arial"/>
               </a:rPr>
               <a:t>Fünfte Gliederungsebene</a:t>
             </a:r>
-            <a:endParaRPr b="0" lang="de-DE" sz="2000" spc="-1" strike="noStrike">
-              <a:latin typeface="Arial"/>
-            </a:endParaRPr>
-          </a:p>
-          <a:p>
-            <a:pPr lvl="5" marL="2592000" indent="-216000">
+          </a:p>
+          <a:p>
+            <a:pPr marL="2592000" lvl="5" indent="-216000">
               <a:spcBef>
                 <a:spcPts val="283"/>
               </a:spcBef>
@@ -4658,17 +5312,14 @@
               <a:buChar char=""/>
             </a:pPr>
             <a:r>
-              <a:rPr b="0" lang="de-DE" sz="2000" spc="-1" strike="noStrike">
+              <a:rPr lang="de-DE" sz="2000" b="0" strike="noStrike" spc="-1">
                 <a:latin typeface="Arial"/>
               </a:rPr>
               <a:t>Sechste Gliederungsebene</a:t>
             </a:r>
-            <a:endParaRPr b="0" lang="de-DE" sz="2000" spc="-1" strike="noStrike">
-              <a:latin typeface="Arial"/>
-            </a:endParaRPr>
-          </a:p>
-          <a:p>
-            <a:pPr lvl="6" marL="3024000" indent="-216000">
+          </a:p>
+          <a:p>
+            <a:pPr marL="3024000" lvl="6" indent="-216000">
               <a:spcBef>
                 <a:spcPts val="283"/>
               </a:spcBef>
@@ -4680,39 +5331,316 @@
               <a:buChar char=""/>
             </a:pPr>
             <a:r>
-              <a:rPr b="0" lang="de-DE" sz="2000" spc="-1" strike="noStrike">
+              <a:rPr lang="de-DE" sz="2000" b="0" strike="noStrike" spc="-1">
                 <a:latin typeface="Arial"/>
               </a:rPr>
               <a:t>Siebte Gliederungsebene</a:t>
             </a:r>
-            <a:endParaRPr b="0" lang="de-DE" sz="2000" spc="-1" strike="noStrike">
-              <a:latin typeface="Arial"/>
-            </a:endParaRPr>
           </a:p>
         </p:txBody>
       </p:sp>
     </p:spTree>
   </p:cSld>
-  <p:clrMap bg1="lt1" bg2="lt2" tx1="dk1" tx2="dk2" accent1="accent1" accent2="accent2" accent3="accent3" accent4="accent4" accent5="accent5" accent6="accent6" hlink="hlink" folHlink="folHlink"/>
+  <p:clrMap bg1="lt1" tx1="dk1" bg2="lt2" tx2="dk2" accent1="accent1" accent2="accent2" accent3="accent3" accent4="accent4" accent5="accent5" accent6="accent6" hlink="hlink" folHlink="folHlink"/>
   <p:sldLayoutIdLst>
-    <p:sldLayoutId id="2147483662" r:id="rId3"/>
-    <p:sldLayoutId id="2147483663" r:id="rId4"/>
-    <p:sldLayoutId id="2147483664" r:id="rId5"/>
-    <p:sldLayoutId id="2147483665" r:id="rId6"/>
-    <p:sldLayoutId id="2147483666" r:id="rId7"/>
-    <p:sldLayoutId id="2147483667" r:id="rId8"/>
-    <p:sldLayoutId id="2147483668" r:id="rId9"/>
-    <p:sldLayoutId id="2147483669" r:id="rId10"/>
-    <p:sldLayoutId id="2147483670" r:id="rId11"/>
-    <p:sldLayoutId id="2147483671" r:id="rId12"/>
-    <p:sldLayoutId id="2147483672" r:id="rId13"/>
-    <p:sldLayoutId id="2147483673" r:id="rId14"/>
+    <p:sldLayoutId id="2147483662" r:id="rId1"/>
+    <p:sldLayoutId id="2147483663" r:id="rId2"/>
+    <p:sldLayoutId id="2147483664" r:id="rId3"/>
+    <p:sldLayoutId id="2147483665" r:id="rId4"/>
+    <p:sldLayoutId id="2147483666" r:id="rId5"/>
+    <p:sldLayoutId id="2147483667" r:id="rId6"/>
+    <p:sldLayoutId id="2147483668" r:id="rId7"/>
+    <p:sldLayoutId id="2147483669" r:id="rId8"/>
+    <p:sldLayoutId id="2147483670" r:id="rId9"/>
+    <p:sldLayoutId id="2147483671" r:id="rId10"/>
+    <p:sldLayoutId id="2147483672" r:id="rId11"/>
+    <p:sldLayoutId id="2147483673" r:id="rId12"/>
   </p:sldLayoutIdLst>
+  <p:txStyles>
+    <p:titleStyle>
+      <a:lvl1pPr algn="l" defTabSz="914400" rtl="0" eaLnBrk="1" latinLnBrk="0" hangingPunct="1">
+        <a:lnSpc>
+          <a:spcPct val="90000"/>
+        </a:lnSpc>
+        <a:spcBef>
+          <a:spcPct val="0"/>
+        </a:spcBef>
+        <a:buNone/>
+        <a:defRPr sz="4400" kern="1200">
+          <a:solidFill>
+            <a:schemeClr val="tx1"/>
+          </a:solidFill>
+          <a:latin typeface="+mj-lt"/>
+          <a:ea typeface="+mj-ea"/>
+          <a:cs typeface="+mj-cs"/>
+        </a:defRPr>
+      </a:lvl1pPr>
+    </p:titleStyle>
+    <p:bodyStyle>
+      <a:lvl1pPr marL="228600" indent="-228600" algn="l" defTabSz="914400" rtl="0" eaLnBrk="1" latinLnBrk="0" hangingPunct="1">
+        <a:lnSpc>
+          <a:spcPct val="90000"/>
+        </a:lnSpc>
+        <a:spcBef>
+          <a:spcPts val="1000"/>
+        </a:spcBef>
+        <a:buFont typeface="Arial" panose="020B0604020202020204" pitchFamily="34" charset="0"/>
+        <a:buChar char="•"/>
+        <a:defRPr sz="2800" kern="1200">
+          <a:solidFill>
+            <a:schemeClr val="tx1"/>
+          </a:solidFill>
+          <a:latin typeface="+mn-lt"/>
+          <a:ea typeface="+mn-ea"/>
+          <a:cs typeface="+mn-cs"/>
+        </a:defRPr>
+      </a:lvl1pPr>
+      <a:lvl2pPr marL="685800" indent="-228600" algn="l" defTabSz="914400" rtl="0" eaLnBrk="1" latinLnBrk="0" hangingPunct="1">
+        <a:lnSpc>
+          <a:spcPct val="90000"/>
+        </a:lnSpc>
+        <a:spcBef>
+          <a:spcPts val="500"/>
+        </a:spcBef>
+        <a:buFont typeface="Arial" panose="020B0604020202020204" pitchFamily="34" charset="0"/>
+        <a:buChar char="•"/>
+        <a:defRPr sz="2400" kern="1200">
+          <a:solidFill>
+            <a:schemeClr val="tx1"/>
+          </a:solidFill>
+          <a:latin typeface="+mn-lt"/>
+          <a:ea typeface="+mn-ea"/>
+          <a:cs typeface="+mn-cs"/>
+        </a:defRPr>
+      </a:lvl2pPr>
+      <a:lvl3pPr marL="1143000" indent="-228600" algn="l" defTabSz="914400" rtl="0" eaLnBrk="1" latinLnBrk="0" hangingPunct="1">
+        <a:lnSpc>
+          <a:spcPct val="90000"/>
+        </a:lnSpc>
+        <a:spcBef>
+          <a:spcPts val="500"/>
+        </a:spcBef>
+        <a:buFont typeface="Arial" panose="020B0604020202020204" pitchFamily="34" charset="0"/>
+        <a:buChar char="•"/>
+        <a:defRPr sz="2000" kern="1200">
+          <a:solidFill>
+            <a:schemeClr val="tx1"/>
+          </a:solidFill>
+          <a:latin typeface="+mn-lt"/>
+          <a:ea typeface="+mn-ea"/>
+          <a:cs typeface="+mn-cs"/>
+        </a:defRPr>
+      </a:lvl3pPr>
+      <a:lvl4pPr marL="1600200" indent="-228600" algn="l" defTabSz="914400" rtl="0" eaLnBrk="1" latinLnBrk="0" hangingPunct="1">
+        <a:lnSpc>
+          <a:spcPct val="90000"/>
+        </a:lnSpc>
+        <a:spcBef>
+          <a:spcPts val="500"/>
+        </a:spcBef>
+        <a:buFont typeface="Arial" panose="020B0604020202020204" pitchFamily="34" charset="0"/>
+        <a:buChar char="•"/>
+        <a:defRPr sz="1800" kern="1200">
+          <a:solidFill>
+            <a:schemeClr val="tx1"/>
+          </a:solidFill>
+          <a:latin typeface="+mn-lt"/>
+          <a:ea typeface="+mn-ea"/>
+          <a:cs typeface="+mn-cs"/>
+        </a:defRPr>
+      </a:lvl4pPr>
+      <a:lvl5pPr marL="2057400" indent="-228600" algn="l" defTabSz="914400" rtl="0" eaLnBrk="1" latinLnBrk="0" hangingPunct="1">
+        <a:lnSpc>
+          <a:spcPct val="90000"/>
+        </a:lnSpc>
+        <a:spcBef>
+          <a:spcPts val="500"/>
+        </a:spcBef>
+        <a:buFont typeface="Arial" panose="020B0604020202020204" pitchFamily="34" charset="0"/>
+        <a:buChar char="•"/>
+        <a:defRPr sz="1800" kern="1200">
+          <a:solidFill>
+            <a:schemeClr val="tx1"/>
+          </a:solidFill>
+          <a:latin typeface="+mn-lt"/>
+          <a:ea typeface="+mn-ea"/>
+          <a:cs typeface="+mn-cs"/>
+        </a:defRPr>
+      </a:lvl5pPr>
+      <a:lvl6pPr marL="2514600" indent="-228600" algn="l" defTabSz="914400" rtl="0" eaLnBrk="1" latinLnBrk="0" hangingPunct="1">
+        <a:lnSpc>
+          <a:spcPct val="90000"/>
+        </a:lnSpc>
+        <a:spcBef>
+          <a:spcPts val="500"/>
+        </a:spcBef>
+        <a:buFont typeface="Arial" panose="020B0604020202020204" pitchFamily="34" charset="0"/>
+        <a:buChar char="•"/>
+        <a:defRPr sz="1800" kern="1200">
+          <a:solidFill>
+            <a:schemeClr val="tx1"/>
+          </a:solidFill>
+          <a:latin typeface="+mn-lt"/>
+          <a:ea typeface="+mn-ea"/>
+          <a:cs typeface="+mn-cs"/>
+        </a:defRPr>
+      </a:lvl6pPr>
+      <a:lvl7pPr marL="2971800" indent="-228600" algn="l" defTabSz="914400" rtl="0" eaLnBrk="1" latinLnBrk="0" hangingPunct="1">
+        <a:lnSpc>
+          <a:spcPct val="90000"/>
+        </a:lnSpc>
+        <a:spcBef>
+          <a:spcPts val="500"/>
+        </a:spcBef>
+        <a:buFont typeface="Arial" panose="020B0604020202020204" pitchFamily="34" charset="0"/>
+        <a:buChar char="•"/>
+        <a:defRPr sz="1800" kern="1200">
+          <a:solidFill>
+            <a:schemeClr val="tx1"/>
+          </a:solidFill>
+          <a:latin typeface="+mn-lt"/>
+          <a:ea typeface="+mn-ea"/>
+          <a:cs typeface="+mn-cs"/>
+        </a:defRPr>
+      </a:lvl7pPr>
+      <a:lvl8pPr marL="3429000" indent="-228600" algn="l" defTabSz="914400" rtl="0" eaLnBrk="1" latinLnBrk="0" hangingPunct="1">
+        <a:lnSpc>
+          <a:spcPct val="90000"/>
+        </a:lnSpc>
+        <a:spcBef>
+          <a:spcPts val="500"/>
+        </a:spcBef>
+        <a:buFont typeface="Arial" panose="020B0604020202020204" pitchFamily="34" charset="0"/>
+        <a:buChar char="•"/>
+        <a:defRPr sz="1800" kern="1200">
+          <a:solidFill>
+            <a:schemeClr val="tx1"/>
+          </a:solidFill>
+          <a:latin typeface="+mn-lt"/>
+          <a:ea typeface="+mn-ea"/>
+          <a:cs typeface="+mn-cs"/>
+        </a:defRPr>
+      </a:lvl8pPr>
+      <a:lvl9pPr marL="3886200" indent="-228600" algn="l" defTabSz="914400" rtl="0" eaLnBrk="1" latinLnBrk="0" hangingPunct="1">
+        <a:lnSpc>
+          <a:spcPct val="90000"/>
+        </a:lnSpc>
+        <a:spcBef>
+          <a:spcPts val="500"/>
+        </a:spcBef>
+        <a:buFont typeface="Arial" panose="020B0604020202020204" pitchFamily="34" charset="0"/>
+        <a:buChar char="•"/>
+        <a:defRPr sz="1800" kern="1200">
+          <a:solidFill>
+            <a:schemeClr val="tx1"/>
+          </a:solidFill>
+          <a:latin typeface="+mn-lt"/>
+          <a:ea typeface="+mn-ea"/>
+          <a:cs typeface="+mn-cs"/>
+        </a:defRPr>
+      </a:lvl9pPr>
+    </p:bodyStyle>
+    <p:otherStyle>
+      <a:defPPr>
+        <a:defRPr lang="de-DE"/>
+      </a:defPPr>
+      <a:lvl1pPr marL="0" algn="l" defTabSz="914400" rtl="0" eaLnBrk="1" latinLnBrk="0" hangingPunct="1">
+        <a:defRPr sz="1800" kern="1200">
+          <a:solidFill>
+            <a:schemeClr val="tx1"/>
+          </a:solidFill>
+          <a:latin typeface="+mn-lt"/>
+          <a:ea typeface="+mn-ea"/>
+          <a:cs typeface="+mn-cs"/>
+        </a:defRPr>
+      </a:lvl1pPr>
+      <a:lvl2pPr marL="457200" algn="l" defTabSz="914400" rtl="0" eaLnBrk="1" latinLnBrk="0" hangingPunct="1">
+        <a:defRPr sz="1800" kern="1200">
+          <a:solidFill>
+            <a:schemeClr val="tx1"/>
+          </a:solidFill>
+          <a:latin typeface="+mn-lt"/>
+          <a:ea typeface="+mn-ea"/>
+          <a:cs typeface="+mn-cs"/>
+        </a:defRPr>
+      </a:lvl2pPr>
+      <a:lvl3pPr marL="914400" algn="l" defTabSz="914400" rtl="0" eaLnBrk="1" latinLnBrk="0" hangingPunct="1">
+        <a:defRPr sz="1800" kern="1200">
+          <a:solidFill>
+            <a:schemeClr val="tx1"/>
+          </a:solidFill>
+          <a:latin typeface="+mn-lt"/>
+          <a:ea typeface="+mn-ea"/>
+          <a:cs typeface="+mn-cs"/>
+        </a:defRPr>
+      </a:lvl3pPr>
+      <a:lvl4pPr marL="1371600" algn="l" defTabSz="914400" rtl="0" eaLnBrk="1" latinLnBrk="0" hangingPunct="1">
+        <a:defRPr sz="1800" kern="1200">
+          <a:solidFill>
+            <a:schemeClr val="tx1"/>
+          </a:solidFill>
+          <a:latin typeface="+mn-lt"/>
+          <a:ea typeface="+mn-ea"/>
+          <a:cs typeface="+mn-cs"/>
+        </a:defRPr>
+      </a:lvl4pPr>
+      <a:lvl5pPr marL="1828800" algn="l" defTabSz="914400" rtl="0" eaLnBrk="1" latinLnBrk="0" hangingPunct="1">
+        <a:defRPr sz="1800" kern="1200">
+          <a:solidFill>
+            <a:schemeClr val="tx1"/>
+          </a:solidFill>
+          <a:latin typeface="+mn-lt"/>
+          <a:ea typeface="+mn-ea"/>
+          <a:cs typeface="+mn-cs"/>
+        </a:defRPr>
+      </a:lvl5pPr>
+      <a:lvl6pPr marL="2286000" algn="l" defTabSz="914400" rtl="0" eaLnBrk="1" latinLnBrk="0" hangingPunct="1">
+        <a:defRPr sz="1800" kern="1200">
+          <a:solidFill>
+            <a:schemeClr val="tx1"/>
+          </a:solidFill>
+          <a:latin typeface="+mn-lt"/>
+          <a:ea typeface="+mn-ea"/>
+          <a:cs typeface="+mn-cs"/>
+        </a:defRPr>
+      </a:lvl6pPr>
+      <a:lvl7pPr marL="2743200" algn="l" defTabSz="914400" rtl="0" eaLnBrk="1" latinLnBrk="0" hangingPunct="1">
+        <a:defRPr sz="1800" kern="1200">
+          <a:solidFill>
+            <a:schemeClr val="tx1"/>
+          </a:solidFill>
+          <a:latin typeface="+mn-lt"/>
+          <a:ea typeface="+mn-ea"/>
+          <a:cs typeface="+mn-cs"/>
+        </a:defRPr>
+      </a:lvl7pPr>
+      <a:lvl8pPr marL="3200400" algn="l" defTabSz="914400" rtl="0" eaLnBrk="1" latinLnBrk="0" hangingPunct="1">
+        <a:defRPr sz="1800" kern="1200">
+          <a:solidFill>
+            <a:schemeClr val="tx1"/>
+          </a:solidFill>
+          <a:latin typeface="+mn-lt"/>
+          <a:ea typeface="+mn-ea"/>
+          <a:cs typeface="+mn-cs"/>
+        </a:defRPr>
+      </a:lvl8pPr>
+      <a:lvl9pPr marL="3657600" algn="l" defTabSz="914400" rtl="0" eaLnBrk="1" latinLnBrk="0" hangingPunct="1">
+        <a:defRPr sz="1800" kern="1200">
+          <a:solidFill>
+            <a:schemeClr val="tx1"/>
+          </a:solidFill>
+          <a:latin typeface="+mn-lt"/>
+          <a:ea typeface="+mn-ea"/>
+          <a:cs typeface="+mn-cs"/>
+        </a:defRPr>
+      </a:lvl9pPr>
+    </p:otherStyle>
+  </p:txStyles>
 </p:sldMaster>
 </file>
 
 <file path=ppt/slides/slide1.xml><?xml version="1.0" encoding="utf-8"?>
-<p:sld xmlns:a="http://schemas.openxmlformats.org/drawingml/2006/main" xmlns:p="http://schemas.openxmlformats.org/presentationml/2006/main" xmlns:r="http://schemas.openxmlformats.org/officeDocument/2006/relationships" xmlns:p14="http://schemas.microsoft.com/office/powerpoint/2010/main" xmlns:p15="http://schemas.microsoft.com/office/powerpoint/2012/main" xmlns:mc="http://schemas.openxmlformats.org/markup-compatibility/2006">
+<p:sld xmlns:a="http://schemas.openxmlformats.org/drawingml/2006/main" xmlns:r="http://schemas.openxmlformats.org/officeDocument/2006/relationships" xmlns:p="http://schemas.openxmlformats.org/presentationml/2006/main">
   <p:cSld>
     <p:spTree>
       <p:nvGrpSpPr>
@@ -4760,6 +5688,13 @@
           </a:effectRef>
           <a:fontRef idx="minor"/>
         </p:style>
+        <p:txBody>
+          <a:bodyPr/>
+          <a:lstStyle/>
+          <a:p>
+            <a:endParaRPr lang="de-DE"/>
+          </a:p>
+        </p:txBody>
       </p:sp>
       <p:sp>
         <p:nvSpPr>
@@ -4781,15 +5716,22 @@
           </a:ln>
         </p:spPr>
         <p:style>
-          <a:lnRef idx="0"/>
-          <a:fillRef idx="0"/>
-          <a:effectRef idx="0"/>
+          <a:lnRef idx="0">
+            <a:scrgbClr r="0" g="0" b="0"/>
+          </a:lnRef>
+          <a:fillRef idx="0">
+            <a:scrgbClr r="0" g="0" b="0"/>
+          </a:fillRef>
+          <a:effectRef idx="0">
+            <a:scrgbClr r="0" g="0" b="0"/>
+          </a:effectRef>
           <a:fontRef idx="minor"/>
         </p:style>
         <p:txBody>
-          <a:bodyPr lIns="90000" rIns="90000" tIns="0" bIns="0" anchor="b">
+          <a:bodyPr lIns="90000" tIns="0" rIns="90000" bIns="0" anchor="b">
             <a:normAutofit/>
           </a:bodyPr>
+          <a:lstStyle/>
           <a:p>
             <a:pPr marL="180000">
               <a:lnSpc>
@@ -4797,7 +5739,7 @@
               </a:lnSpc>
             </a:pPr>
             <a:r>
-              <a:rPr b="1" lang="de-DE" sz="3200" spc="-1" strike="noStrike">
+              <a:rPr lang="de-DE" sz="3200" b="1" strike="noStrike" spc="-1">
                 <a:solidFill>
                   <a:srgbClr val="002143"/>
                 </a:solidFill>
@@ -4807,7 +5749,7 @@
             </a:r>
             <a:br/>
             <a:r>
-              <a:rPr b="1" lang="de-DE" sz="3200" spc="-1" strike="noStrike">
+              <a:rPr lang="de-DE" sz="3200" b="1" strike="noStrike" spc="-1">
                 <a:solidFill>
                   <a:srgbClr val="002143"/>
                 </a:solidFill>
@@ -4815,7 +5757,7 @@
               </a:rPr>
               <a:t>Distance Based Application Trigger</a:t>
             </a:r>
-            <a:endParaRPr b="0" lang="de-DE" sz="3200" spc="-1" strike="noStrike">
+            <a:endParaRPr lang="de-DE" sz="3200" b="0" strike="noStrike" spc="-1">
               <a:latin typeface="Arial"/>
             </a:endParaRPr>
           </a:p>
@@ -4836,20 +5778,27 @@
             <a:avLst/>
           </a:prstGeom>
           <a:solidFill>
-            <a:srgbClr val="ffffff"/>
+            <a:srgbClr val="FFFFFF"/>
           </a:solidFill>
           <a:ln w="9360">
             <a:noFill/>
           </a:ln>
         </p:spPr>
         <p:style>
-          <a:lnRef idx="0"/>
-          <a:fillRef idx="0"/>
-          <a:effectRef idx="0"/>
+          <a:lnRef idx="0">
+            <a:scrgbClr r="0" g="0" b="0"/>
+          </a:lnRef>
+          <a:fillRef idx="0">
+            <a:scrgbClr r="0" g="0" b="0"/>
+          </a:fillRef>
+          <a:effectRef idx="0">
+            <a:scrgbClr r="0" g="0" b="0"/>
+          </a:effectRef>
           <a:fontRef idx="minor"/>
         </p:style>
         <p:txBody>
-          <a:bodyPr lIns="90000" rIns="90000" tIns="45000" bIns="45000"/>
+          <a:bodyPr lIns="90000" tIns="45000" rIns="90000" bIns="45000"/>
+          <a:lstStyle/>
           <a:p>
             <a:pPr marL="180000">
               <a:lnSpc>
@@ -4860,24 +5809,15 @@
               </a:spcBef>
             </a:pPr>
             <a:r>
-              <a:rPr b="0" lang="de-DE" sz="1800" spc="-1" strike="noStrike">
+              <a:rPr lang="de-DE" sz="1800" b="0" strike="noStrike" spc="-1">
                 <a:solidFill>
                   <a:srgbClr val="666666"/>
                 </a:solidFill>
                 <a:latin typeface="Arial"/>
               </a:rPr>
-              <a:t> </a:t>
+              <a:t> Mehdi Yosofie &amp; Philipp Schlieker, 21.12.2018</a:t>
             </a:r>
-            <a:r>
-              <a:rPr b="0" lang="de-DE" sz="1800" spc="-1" strike="noStrike">
-                <a:solidFill>
-                  <a:srgbClr val="666666"/>
-                </a:solidFill>
-                <a:latin typeface="Arial"/>
-              </a:rPr>
-              <a:t>Mehdi Yosofie &amp; Philipp Schlieker, 21.12.2018</a:t>
-            </a:r>
-            <a:endParaRPr b="0" lang="de-DE" sz="1800" spc="-1" strike="noStrike">
+            <a:endParaRPr lang="de-DE" sz="1800" b="0" strike="noStrike" spc="-1">
               <a:latin typeface="Arial"/>
             </a:endParaRPr>
           </a:p>
@@ -4885,12 +5825,12 @@
       </p:sp>
       <p:pic>
         <p:nvPicPr>
-          <p:cNvPr id="95" name="" descr=""/>
+          <p:cNvPr id="95" name="Grafik 94"/>
           <p:cNvPicPr/>
           <p:nvPr/>
         </p:nvPicPr>
         <p:blipFill>
-          <a:blip r:embed="rId1"/>
+          <a:blip r:embed="rId3"/>
           <a:stretch/>
         </p:blipFill>
         <p:spPr>
@@ -4908,14 +5848,9 @@
       </p:pic>
     </p:spTree>
   </p:cSld>
-  <mc:AlternateContent>
-    <mc:Choice Requires="p14">
-      <p:transition spd="slow" p14:dur="2000"/>
-    </mc:Choice>
-    <mc:Fallback>
-      <p:transition spd="slow"/>
-    </mc:Fallback>
-  </mc:AlternateContent>
+  <p:clrMapOvr>
+    <a:masterClrMapping/>
+  </p:clrMapOvr>
   <p:timing>
     <p:tnLst>
       <p:par>
@@ -4924,14 +5859,14 @@
             <p:seq>
               <p:cTn id="2" dur="indefinite" nodeType="mainSeq"/>
               <p:prevCondLst>
-                <p:cond delay="0" evt="onPrev">
+                <p:cond evt="onPrev" delay="0">
                   <p:tgtEl>
                     <p:sldTgt/>
                   </p:tgtEl>
                 </p:cond>
               </p:prevCondLst>
               <p:nextCondLst>
-                <p:cond delay="0" evt="onNext">
+                <p:cond evt="onNext" delay="0">
                   <p:tgtEl>
                     <p:sldTgt/>
                   </p:tgtEl>
@@ -4947,7 +5882,7 @@
 </file>
 
 <file path=ppt/slides/slide2.xml><?xml version="1.0" encoding="utf-8"?>
-<p:sld xmlns:a="http://schemas.openxmlformats.org/drawingml/2006/main" xmlns:p="http://schemas.openxmlformats.org/presentationml/2006/main" xmlns:r="http://schemas.openxmlformats.org/officeDocument/2006/relationships" xmlns:p14="http://schemas.microsoft.com/office/powerpoint/2010/main" xmlns:p15="http://schemas.microsoft.com/office/powerpoint/2012/main" xmlns:mc="http://schemas.openxmlformats.org/markup-compatibility/2006">
+<p:sld xmlns:a="http://schemas.openxmlformats.org/drawingml/2006/main" xmlns:r="http://schemas.openxmlformats.org/officeDocument/2006/relationships" xmlns:p="http://schemas.openxmlformats.org/presentationml/2006/main">
   <p:cSld>
     <p:spTree>
       <p:nvGrpSpPr>
@@ -4995,6 +5930,13 @@
           </a:effectRef>
           <a:fontRef idx="minor"/>
         </p:style>
+        <p:txBody>
+          <a:bodyPr/>
+          <a:lstStyle/>
+          <a:p>
+            <a:endParaRPr lang="de-DE"/>
+          </a:p>
+        </p:txBody>
       </p:sp>
       <p:sp>
         <p:nvSpPr>
@@ -5016,13 +5958,20 @@
           </a:ln>
         </p:spPr>
         <p:style>
-          <a:lnRef idx="0"/>
-          <a:fillRef idx="0"/>
-          <a:effectRef idx="0"/>
+          <a:lnRef idx="0">
+            <a:scrgbClr r="0" g="0" b="0"/>
+          </a:lnRef>
+          <a:fillRef idx="0">
+            <a:scrgbClr r="0" g="0" b="0"/>
+          </a:fillRef>
+          <a:effectRef idx="0">
+            <a:scrgbClr r="0" g="0" b="0"/>
+          </a:effectRef>
           <a:fontRef idx="minor"/>
         </p:style>
         <p:txBody>
-          <a:bodyPr lIns="90000" rIns="90000" tIns="0" bIns="0" anchor="b"/>
+          <a:bodyPr lIns="90000" tIns="0" rIns="90000" bIns="0" anchor="b"/>
+          <a:lstStyle/>
           <a:p>
             <a:pPr>
               <a:lnSpc>
@@ -5030,15 +5979,15 @@
               </a:lnSpc>
             </a:pPr>
             <a:r>
-              <a:rPr b="0" lang="de-DE" sz="2800" spc="-1" strike="noStrike">
+              <a:rPr lang="de-DE" sz="2800" b="0" strike="noStrike" spc="-1">
                 <a:solidFill>
-                  <a:srgbClr val="ffffff"/>
+                  <a:srgbClr val="FFFFFF"/>
                 </a:solidFill>
                 <a:latin typeface="Arial"/>
               </a:rPr>
               <a:t>Distance Based Application Trigger</a:t>
             </a:r>
-            <a:endParaRPr b="0" lang="de-DE" sz="2800" spc="-1" strike="noStrike">
+            <a:endParaRPr lang="de-DE" sz="2800" b="0" strike="noStrike" spc="-1">
               <a:latin typeface="Arial"/>
             </a:endParaRPr>
           </a:p>
@@ -5064,13 +6013,20 @@
           </a:ln>
         </p:spPr>
         <p:style>
-          <a:lnRef idx="0"/>
-          <a:fillRef idx="0"/>
-          <a:effectRef idx="0"/>
+          <a:lnRef idx="0">
+            <a:scrgbClr r="0" g="0" b="0"/>
+          </a:lnRef>
+          <a:fillRef idx="0">
+            <a:scrgbClr r="0" g="0" b="0"/>
+          </a:fillRef>
+          <a:effectRef idx="0">
+            <a:scrgbClr r="0" g="0" b="0"/>
+          </a:effectRef>
           <a:fontRef idx="minor"/>
         </p:style>
         <p:txBody>
-          <a:bodyPr lIns="90000" rIns="90000" tIns="45000" bIns="45000" anchor="ctr"/>
+          <a:bodyPr lIns="90000" tIns="45000" rIns="90000" bIns="45000" anchor="ctr"/>
+          <a:lstStyle/>
           <a:p>
             <a:pPr>
               <a:lnSpc>
@@ -5078,15 +6034,15 @@
               </a:lnSpc>
             </a:pPr>
             <a:r>
-              <a:rPr b="0" lang="de-DE" sz="800" spc="-1" strike="noStrike">
+              <a:rPr lang="de-DE" sz="800" b="0" strike="noStrike" spc="-1">
                 <a:solidFill>
-                  <a:srgbClr val="ffffff"/>
+                  <a:srgbClr val="FFFFFF"/>
                 </a:solidFill>
                 <a:latin typeface="Arial"/>
               </a:rPr>
               <a:t>Distance Based Application Trigger</a:t>
             </a:r>
-            <a:endParaRPr b="0" lang="de-DE" sz="800" spc="-1" strike="noStrike">
+            <a:endParaRPr lang="de-DE" sz="800" b="0" strike="noStrike" spc="-1">
               <a:latin typeface="Arial"/>
             </a:endParaRPr>
           </a:p>
@@ -5112,13 +6068,20 @@
           </a:ln>
         </p:spPr>
         <p:style>
-          <a:lnRef idx="0"/>
-          <a:fillRef idx="0"/>
-          <a:effectRef idx="0"/>
+          <a:lnRef idx="0">
+            <a:scrgbClr r="0" g="0" b="0"/>
+          </a:lnRef>
+          <a:fillRef idx="0">
+            <a:scrgbClr r="0" g="0" b="0"/>
+          </a:fillRef>
+          <a:effectRef idx="0">
+            <a:scrgbClr r="0" g="0" b="0"/>
+          </a:effectRef>
           <a:fontRef idx="minor"/>
         </p:style>
         <p:txBody>
-          <a:bodyPr lIns="90000" rIns="90000" tIns="45000" bIns="45000" anchor="ctr"/>
+          <a:bodyPr lIns="90000" tIns="45000" rIns="90000" bIns="45000" anchor="ctr"/>
+          <a:lstStyle/>
           <a:p>
             <a:pPr algn="r">
               <a:lnSpc>
@@ -5126,15 +6089,15 @@
               </a:lnSpc>
             </a:pPr>
             <a:fld id="{A510D951-7CBF-4624-AD05-0EE1D13DF899}" type="slidenum">
-              <a:rPr b="0" lang="de-DE" sz="800" spc="-1" strike="noStrike">
+              <a:rPr lang="de-DE" sz="800" b="0" strike="noStrike" spc="-1">
                 <a:solidFill>
-                  <a:srgbClr val="ffffff"/>
+                  <a:srgbClr val="FFFFFF"/>
                 </a:solidFill>
                 <a:latin typeface="Arial"/>
               </a:rPr>
-              <a:t>&lt;Foliennummer&gt;</a:t>
+              <a:t>2</a:t>
             </a:fld>
-            <a:endParaRPr b="0" lang="de-DE" sz="800" spc="-1" strike="noStrike">
+            <a:endParaRPr lang="de-DE" sz="800" b="0" strike="noStrike" spc="-1">
               <a:latin typeface="Arial"/>
             </a:endParaRPr>
           </a:p>
@@ -5160,13 +6123,20 @@
           </a:ln>
         </p:spPr>
         <p:style>
-          <a:lnRef idx="0"/>
-          <a:fillRef idx="0"/>
-          <a:effectRef idx="0"/>
+          <a:lnRef idx="0">
+            <a:scrgbClr r="0" g="0" b="0"/>
+          </a:lnRef>
+          <a:fillRef idx="0">
+            <a:scrgbClr r="0" g="0" b="0"/>
+          </a:fillRef>
+          <a:effectRef idx="0">
+            <a:scrgbClr r="0" g="0" b="0"/>
+          </a:effectRef>
           <a:fontRef idx="minor"/>
         </p:style>
         <p:txBody>
-          <a:bodyPr lIns="90000" rIns="90000" tIns="45000" bIns="45000" anchor="ctr"/>
+          <a:bodyPr lIns="90000" tIns="45000" rIns="90000" bIns="45000" anchor="ctr"/>
+          <a:lstStyle/>
           <a:p>
             <a:pPr algn="r">
               <a:lnSpc>
@@ -5174,15 +6144,15 @@
               </a:lnSpc>
             </a:pPr>
             <a:r>
-              <a:rPr b="0" lang="de-DE" sz="800" spc="-1" strike="noStrike">
+              <a:rPr lang="de-DE" sz="800" b="0" strike="noStrike" spc="-1">
                 <a:solidFill>
-                  <a:srgbClr val="ffffff"/>
+                  <a:srgbClr val="FFFFFF"/>
                 </a:solidFill>
                 <a:latin typeface="Arial"/>
               </a:rPr>
               <a:t>Software- and Systems Engineering Research Group</a:t>
             </a:r>
-            <a:endParaRPr b="0" lang="de-DE" sz="800" spc="-1" strike="noStrike">
+            <a:endParaRPr lang="de-DE" sz="800" b="0" strike="noStrike" spc="-1">
               <a:latin typeface="Arial"/>
             </a:endParaRPr>
           </a:p>
@@ -5190,12 +6160,12 @@
       </p:sp>
       <p:pic>
         <p:nvPicPr>
-          <p:cNvPr id="101" name="Grafik 9" descr=""/>
+          <p:cNvPr id="101" name="Grafik 9"/>
           <p:cNvPicPr/>
           <p:nvPr/>
         </p:nvPicPr>
         <p:blipFill>
-          <a:blip r:embed="rId1"/>
+          <a:blip r:embed="rId3"/>
           <a:stretch/>
         </p:blipFill>
         <p:spPr>
@@ -5213,12 +6183,12 @@
       </p:pic>
       <p:pic>
         <p:nvPicPr>
-          <p:cNvPr id="102" name="" descr=""/>
+          <p:cNvPr id="102" name="Grafik 101"/>
           <p:cNvPicPr/>
           <p:nvPr/>
         </p:nvPicPr>
         <p:blipFill>
-          <a:blip r:embed="rId2"/>
+          <a:blip r:embed="rId4"/>
           <a:stretch/>
         </p:blipFill>
         <p:spPr>
@@ -5236,30 +6206,25 @@
       </p:pic>
     </p:spTree>
   </p:cSld>
-  <mc:AlternateContent>
-    <mc:Choice Requires="p14">
-      <p:transition spd="slow" p14:dur="2000"/>
-    </mc:Choice>
-    <mc:Fallback>
-      <p:transition spd="slow"/>
-    </mc:Fallback>
-  </mc:AlternateContent>
+  <p:clrMapOvr>
+    <a:masterClrMapping/>
+  </p:clrMapOvr>
   <p:timing>
     <p:tnLst>
       <p:par>
-        <p:cTn id="3" dur="indefinite" restart="never" nodeType="tmRoot">
+        <p:cTn id="1" dur="indefinite" restart="never" nodeType="tmRoot">
           <p:childTnLst>
             <p:seq>
-              <p:cTn id="4" dur="indefinite" nodeType="mainSeq"/>
+              <p:cTn id="2" dur="indefinite" nodeType="mainSeq"/>
               <p:prevCondLst>
-                <p:cond delay="0" evt="onPrev">
+                <p:cond evt="onPrev" delay="0">
                   <p:tgtEl>
                     <p:sldTgt/>
                   </p:tgtEl>
                 </p:cond>
               </p:prevCondLst>
               <p:nextCondLst>
-                <p:cond delay="0" evt="onNext">
+                <p:cond evt="onNext" delay="0">
                   <p:tgtEl>
                     <p:sldTgt/>
                   </p:tgtEl>
@@ -5275,7 +6240,7 @@
 </file>
 
 <file path=ppt/slides/slide3.xml><?xml version="1.0" encoding="utf-8"?>
-<p:sld xmlns:a="http://schemas.openxmlformats.org/drawingml/2006/main" xmlns:p="http://schemas.openxmlformats.org/presentationml/2006/main" xmlns:r="http://schemas.openxmlformats.org/officeDocument/2006/relationships" xmlns:p14="http://schemas.microsoft.com/office/powerpoint/2010/main" xmlns:p15="http://schemas.microsoft.com/office/powerpoint/2012/main" xmlns:mc="http://schemas.openxmlformats.org/markup-compatibility/2006">
+<p:sld xmlns:a="http://schemas.openxmlformats.org/drawingml/2006/main" xmlns:r="http://schemas.openxmlformats.org/officeDocument/2006/relationships" xmlns:p="http://schemas.openxmlformats.org/presentationml/2006/main">
   <p:cSld>
     <p:spTree>
       <p:nvGrpSpPr>
@@ -5323,6 +6288,13 @@
           </a:effectRef>
           <a:fontRef idx="minor"/>
         </p:style>
+        <p:txBody>
+          <a:bodyPr/>
+          <a:lstStyle/>
+          <a:p>
+            <a:endParaRPr lang="de-DE"/>
+          </a:p>
+        </p:txBody>
       </p:sp>
       <p:sp>
         <p:nvSpPr>
@@ -5344,13 +6316,20 @@
           </a:ln>
         </p:spPr>
         <p:style>
-          <a:lnRef idx="0"/>
-          <a:fillRef idx="0"/>
-          <a:effectRef idx="0"/>
+          <a:lnRef idx="0">
+            <a:scrgbClr r="0" g="0" b="0"/>
+          </a:lnRef>
+          <a:fillRef idx="0">
+            <a:scrgbClr r="0" g="0" b="0"/>
+          </a:fillRef>
+          <a:effectRef idx="0">
+            <a:scrgbClr r="0" g="0" b="0"/>
+          </a:effectRef>
           <a:fontRef idx="minor"/>
         </p:style>
         <p:txBody>
-          <a:bodyPr lIns="90000" rIns="90000" tIns="0" bIns="0" anchor="b"/>
+          <a:bodyPr lIns="90000" tIns="0" rIns="90000" bIns="0" anchor="b"/>
+          <a:lstStyle/>
           <a:p>
             <a:pPr>
               <a:lnSpc>
@@ -5358,15 +6337,15 @@
               </a:lnSpc>
             </a:pPr>
             <a:r>
-              <a:rPr b="0" lang="de-DE" sz="2800" spc="-1" strike="noStrike">
+              <a:rPr lang="de-DE" sz="2800" b="0" strike="noStrike" spc="-1">
                 <a:solidFill>
-                  <a:srgbClr val="ffffff"/>
+                  <a:srgbClr val="FFFFFF"/>
                 </a:solidFill>
                 <a:latin typeface="Arial"/>
               </a:rPr>
               <a:t>Distance Based Application Trigger</a:t>
             </a:r>
-            <a:endParaRPr b="0" lang="de-DE" sz="2800" spc="-1" strike="noStrike">
+            <a:endParaRPr lang="de-DE" sz="2800" b="0" strike="noStrike" spc="-1">
               <a:latin typeface="Arial"/>
             </a:endParaRPr>
           </a:p>
@@ -5392,13 +6371,20 @@
           </a:ln>
         </p:spPr>
         <p:style>
-          <a:lnRef idx="0"/>
-          <a:fillRef idx="0"/>
-          <a:effectRef idx="0"/>
+          <a:lnRef idx="0">
+            <a:scrgbClr r="0" g="0" b="0"/>
+          </a:lnRef>
+          <a:fillRef idx="0">
+            <a:scrgbClr r="0" g="0" b="0"/>
+          </a:fillRef>
+          <a:effectRef idx="0">
+            <a:scrgbClr r="0" g="0" b="0"/>
+          </a:effectRef>
           <a:fontRef idx="minor"/>
         </p:style>
         <p:txBody>
-          <a:bodyPr lIns="90000" rIns="90000" tIns="45000" bIns="45000" anchor="ctr"/>
+          <a:bodyPr lIns="90000" tIns="45000" rIns="90000" bIns="45000" anchor="ctr"/>
+          <a:lstStyle/>
           <a:p>
             <a:pPr>
               <a:lnSpc>
@@ -5406,15 +6392,15 @@
               </a:lnSpc>
             </a:pPr>
             <a:r>
-              <a:rPr b="0" lang="de-DE" sz="800" spc="-1" strike="noStrike">
+              <a:rPr lang="de-DE" sz="800" b="0" strike="noStrike" spc="-1">
                 <a:solidFill>
-                  <a:srgbClr val="ffffff"/>
+                  <a:srgbClr val="FFFFFF"/>
                 </a:solidFill>
                 <a:latin typeface="Arial"/>
               </a:rPr>
               <a:t>Distance Based Application Trigger</a:t>
             </a:r>
-            <a:endParaRPr b="0" lang="de-DE" sz="800" spc="-1" strike="noStrike">
+            <a:endParaRPr lang="de-DE" sz="800" b="0" strike="noStrike" spc="-1">
               <a:latin typeface="Arial"/>
             </a:endParaRPr>
           </a:p>
@@ -5440,13 +6426,20 @@
           </a:ln>
         </p:spPr>
         <p:style>
-          <a:lnRef idx="0"/>
-          <a:fillRef idx="0"/>
-          <a:effectRef idx="0"/>
+          <a:lnRef idx="0">
+            <a:scrgbClr r="0" g="0" b="0"/>
+          </a:lnRef>
+          <a:fillRef idx="0">
+            <a:scrgbClr r="0" g="0" b="0"/>
+          </a:fillRef>
+          <a:effectRef idx="0">
+            <a:scrgbClr r="0" g="0" b="0"/>
+          </a:effectRef>
           <a:fontRef idx="minor"/>
         </p:style>
         <p:txBody>
-          <a:bodyPr lIns="90000" rIns="90000" tIns="45000" bIns="45000" anchor="ctr"/>
+          <a:bodyPr lIns="90000" tIns="45000" rIns="90000" bIns="45000" anchor="ctr"/>
+          <a:lstStyle/>
           <a:p>
             <a:pPr algn="r">
               <a:lnSpc>
@@ -5454,15 +6447,15 @@
               </a:lnSpc>
             </a:pPr>
             <a:fld id="{D2C5821F-5F09-48ED-BC9C-FFB6E89BD21B}" type="slidenum">
-              <a:rPr b="0" lang="de-DE" sz="800" spc="-1" strike="noStrike">
+              <a:rPr lang="de-DE" sz="800" b="0" strike="noStrike" spc="-1">
                 <a:solidFill>
-                  <a:srgbClr val="ffffff"/>
+                  <a:srgbClr val="FFFFFF"/>
                 </a:solidFill>
                 <a:latin typeface="Arial"/>
               </a:rPr>
-              <a:t>&lt;Foliennummer&gt;</a:t>
+              <a:t>3</a:t>
             </a:fld>
-            <a:endParaRPr b="0" lang="de-DE" sz="800" spc="-1" strike="noStrike">
+            <a:endParaRPr lang="de-DE" sz="800" b="0" strike="noStrike" spc="-1">
               <a:latin typeface="Arial"/>
             </a:endParaRPr>
           </a:p>
@@ -5488,13 +6481,20 @@
           </a:ln>
         </p:spPr>
         <p:style>
-          <a:lnRef idx="0"/>
-          <a:fillRef idx="0"/>
-          <a:effectRef idx="0"/>
+          <a:lnRef idx="0">
+            <a:scrgbClr r="0" g="0" b="0"/>
+          </a:lnRef>
+          <a:fillRef idx="0">
+            <a:scrgbClr r="0" g="0" b="0"/>
+          </a:fillRef>
+          <a:effectRef idx="0">
+            <a:scrgbClr r="0" g="0" b="0"/>
+          </a:effectRef>
           <a:fontRef idx="minor"/>
         </p:style>
         <p:txBody>
-          <a:bodyPr lIns="90000" rIns="90000" tIns="45000" bIns="45000" anchor="ctr"/>
+          <a:bodyPr lIns="90000" tIns="45000" rIns="90000" bIns="45000" anchor="ctr"/>
+          <a:lstStyle/>
           <a:p>
             <a:pPr algn="r">
               <a:lnSpc>
@@ -5502,15 +6502,15 @@
               </a:lnSpc>
             </a:pPr>
             <a:r>
-              <a:rPr b="0" lang="de-DE" sz="800" spc="-1" strike="noStrike">
+              <a:rPr lang="de-DE" sz="800" b="0" strike="noStrike" spc="-1">
                 <a:solidFill>
-                  <a:srgbClr val="ffffff"/>
+                  <a:srgbClr val="FFFFFF"/>
                 </a:solidFill>
                 <a:latin typeface="Arial"/>
               </a:rPr>
               <a:t>Software- and Systems Engineering Research Group</a:t>
             </a:r>
-            <a:endParaRPr b="0" lang="de-DE" sz="800" spc="-1" strike="noStrike">
+            <a:endParaRPr lang="de-DE" sz="800" b="0" strike="noStrike" spc="-1">
               <a:latin typeface="Arial"/>
             </a:endParaRPr>
           </a:p>
@@ -5518,12 +6518,12 @@
       </p:sp>
       <p:pic>
         <p:nvPicPr>
-          <p:cNvPr id="108" name="Grafik 8" descr=""/>
+          <p:cNvPr id="108" name="Grafik 8"/>
           <p:cNvPicPr/>
           <p:nvPr/>
         </p:nvPicPr>
         <p:blipFill>
-          <a:blip r:embed="rId1"/>
+          <a:blip r:embed="rId3"/>
           <a:stretch/>
         </p:blipFill>
         <p:spPr>
@@ -5541,12 +6541,12 @@
       </p:pic>
       <p:pic>
         <p:nvPicPr>
-          <p:cNvPr id="109" name="" descr=""/>
+          <p:cNvPr id="109" name="Grafik 108"/>
           <p:cNvPicPr/>
           <p:nvPr/>
         </p:nvPicPr>
         <p:blipFill>
-          <a:blip r:embed="rId2"/>
+          <a:blip r:embed="rId4"/>
           <a:stretch/>
         </p:blipFill>
         <p:spPr>
@@ -5564,30 +6564,25 @@
       </p:pic>
     </p:spTree>
   </p:cSld>
-  <mc:AlternateContent>
-    <mc:Choice Requires="p14">
-      <p:transition spd="slow" p14:dur="2000"/>
-    </mc:Choice>
-    <mc:Fallback>
-      <p:transition spd="slow"/>
-    </mc:Fallback>
-  </mc:AlternateContent>
+  <p:clrMapOvr>
+    <a:masterClrMapping/>
+  </p:clrMapOvr>
   <p:timing>
     <p:tnLst>
       <p:par>
-        <p:cTn id="5" dur="indefinite" restart="never" nodeType="tmRoot">
+        <p:cTn id="1" dur="indefinite" restart="never" nodeType="tmRoot">
           <p:childTnLst>
             <p:seq>
-              <p:cTn id="6" dur="indefinite" nodeType="mainSeq"/>
+              <p:cTn id="2" dur="indefinite" nodeType="mainSeq"/>
               <p:prevCondLst>
-                <p:cond delay="0" evt="onPrev">
+                <p:cond evt="onPrev" delay="0">
                   <p:tgtEl>
                     <p:sldTgt/>
                   </p:tgtEl>
                 </p:cond>
               </p:prevCondLst>
               <p:nextCondLst>
-                <p:cond delay="0" evt="onNext">
+                <p:cond evt="onNext" delay="0">
                   <p:tgtEl>
                     <p:sldTgt/>
                   </p:tgtEl>
@@ -5603,7 +6598,7 @@
 </file>
 
 <file path=ppt/slides/slide4.xml><?xml version="1.0" encoding="utf-8"?>
-<p:sld xmlns:a="http://schemas.openxmlformats.org/drawingml/2006/main" xmlns:p="http://schemas.openxmlformats.org/presentationml/2006/main" xmlns:r="http://schemas.openxmlformats.org/officeDocument/2006/relationships" xmlns:p14="http://schemas.microsoft.com/office/powerpoint/2010/main" xmlns:p15="http://schemas.microsoft.com/office/powerpoint/2012/main" xmlns:mc="http://schemas.openxmlformats.org/markup-compatibility/2006">
+<p:sld xmlns:a="http://schemas.openxmlformats.org/drawingml/2006/main" xmlns:r="http://schemas.openxmlformats.org/officeDocument/2006/relationships" xmlns:p="http://schemas.openxmlformats.org/presentationml/2006/main">
   <p:cSld>
     <p:spTree>
       <p:nvGrpSpPr>
@@ -5621,12 +6616,52 @@
       </p:grpSpPr>
       <p:sp>
         <p:nvSpPr>
-          <p:cNvPr id="110" name="CustomShape 1"/>
+          <p:cNvPr id="112" name="CustomShape 1" hidden="1"/>
           <p:cNvSpPr/>
           <p:nvPr/>
         </p:nvSpPr>
         <p:spPr>
           <a:xfrm>
+            <a:off x="0" y="0"/>
+            <a:ext cx="158040" cy="158040"/>
+          </a:xfrm>
+          <a:prstGeom prst="rect">
+            <a:avLst/>
+          </a:prstGeom>
+          <a:ln>
+            <a:round/>
+          </a:ln>
+        </p:spPr>
+        <p:style>
+          <a:lnRef idx="2">
+            <a:schemeClr val="accent3">
+              <a:shade val="50000"/>
+            </a:schemeClr>
+          </a:lnRef>
+          <a:fillRef idx="1">
+            <a:schemeClr val="accent3"/>
+          </a:fillRef>
+          <a:effectRef idx="0">
+            <a:schemeClr val="accent3"/>
+          </a:effectRef>
+          <a:fontRef idx="minor"/>
+        </p:style>
+        <p:txBody>
+          <a:bodyPr/>
+          <a:lstStyle/>
+          <a:p>
+            <a:endParaRPr lang="de-DE"/>
+          </a:p>
+        </p:txBody>
+      </p:sp>
+      <p:sp>
+        <p:nvSpPr>
+          <p:cNvPr id="113" name="CustomShape 2"/>
+          <p:cNvSpPr/>
+          <p:nvPr/>
+        </p:nvSpPr>
+        <p:spPr>
+          <a:xfrm>
             <a:off x="250920" y="44280"/>
             <a:ext cx="7535160" cy="720000"/>
           </a:xfrm>
@@ -5634,18 +6669,25 @@
             <a:avLst/>
           </a:prstGeom>
           <a:noFill/>
-          <a:ln>
+          <a:ln w="9360">
             <a:noFill/>
           </a:ln>
         </p:spPr>
         <p:style>
-          <a:lnRef idx="0"/>
-          <a:fillRef idx="0"/>
-          <a:effectRef idx="0"/>
+          <a:lnRef idx="0">
+            <a:scrgbClr r="0" g="0" b="0"/>
+          </a:lnRef>
+          <a:fillRef idx="0">
+            <a:scrgbClr r="0" g="0" b="0"/>
+          </a:fillRef>
+          <a:effectRef idx="0">
+            <a:scrgbClr r="0" g="0" b="0"/>
+          </a:effectRef>
           <a:fontRef idx="minor"/>
         </p:style>
         <p:txBody>
-          <a:bodyPr lIns="0" rIns="0" tIns="0" bIns="0" anchor="ctr"/>
+          <a:bodyPr lIns="90000" tIns="0" rIns="90000" bIns="0" anchor="b"/>
+          <a:lstStyle/>
           <a:p>
             <a:pPr>
               <a:lnSpc>
@@ -5653,15 +6695,237 @@
               </a:lnSpc>
             </a:pPr>
             <a:r>
-              <a:rPr b="0" lang="de-DE" sz="2400" spc="-1" strike="noStrike">
+              <a:rPr lang="de-DE" sz="2800" b="0" strike="noStrike" spc="-1" dirty="0" err="1">
                 <a:solidFill>
-                  <a:srgbClr val="ffffff"/>
+                  <a:srgbClr val="FFFFFF"/>
                 </a:solidFill>
-                <a:latin typeface="Helvetica Neue"/>
-              </a:rPr>
-              <a:t>Project Architecture</a:t>
+                <a:latin typeface="Arial"/>
+              </a:rPr>
+              <a:t>Conceptual</a:t>
             </a:r>
-            <a:endParaRPr b="0" lang="de-DE" sz="2400" spc="-1" strike="noStrike">
+            <a:r>
+              <a:rPr lang="de-DE" sz="2800" b="0" strike="noStrike" spc="-1" dirty="0">
+                <a:solidFill>
+                  <a:srgbClr val="FFFFFF"/>
+                </a:solidFill>
+                <a:latin typeface="Arial"/>
+              </a:rPr>
+              <a:t> </a:t>
+            </a:r>
+            <a:r>
+              <a:rPr lang="de-DE" sz="2800" b="0" strike="noStrike" spc="-1" dirty="0" err="1">
+                <a:solidFill>
+                  <a:srgbClr val="FFFFFF"/>
+                </a:solidFill>
+                <a:latin typeface="Arial"/>
+              </a:rPr>
+              <a:t>approach</a:t>
+            </a:r>
+            <a:endParaRPr lang="de-DE" sz="2800" b="0" strike="noStrike" spc="-1" dirty="0">
+              <a:latin typeface="Arial"/>
+            </a:endParaRPr>
+          </a:p>
+        </p:txBody>
+      </p:sp>
+      <p:sp>
+        <p:nvSpPr>
+          <p:cNvPr id="114" name="CustomShape 3"/>
+          <p:cNvSpPr/>
+          <p:nvPr/>
+        </p:nvSpPr>
+        <p:spPr>
+          <a:xfrm>
+            <a:off x="250920" y="981000"/>
+            <a:ext cx="8641800" cy="5400000"/>
+          </a:xfrm>
+          <a:prstGeom prst="rect">
+            <a:avLst/>
+          </a:prstGeom>
+          <a:noFill/>
+          <a:ln w="9360">
+            <a:noFill/>
+          </a:ln>
+        </p:spPr>
+        <p:style>
+          <a:lnRef idx="0">
+            <a:scrgbClr r="0" g="0" b="0"/>
+          </a:lnRef>
+          <a:fillRef idx="0">
+            <a:scrgbClr r="0" g="0" b="0"/>
+          </a:fillRef>
+          <a:effectRef idx="0">
+            <a:scrgbClr r="0" g="0" b="0"/>
+          </a:effectRef>
+          <a:fontRef idx="minor"/>
+        </p:style>
+        <p:txBody>
+          <a:bodyPr/>
+          <a:lstStyle/>
+          <a:p>
+            <a:endParaRPr lang="de-DE"/>
+          </a:p>
+        </p:txBody>
+      </p:sp>
+      <p:sp>
+        <p:nvSpPr>
+          <p:cNvPr id="115" name="CustomShape 4"/>
+          <p:cNvSpPr/>
+          <p:nvPr/>
+        </p:nvSpPr>
+        <p:spPr>
+          <a:xfrm>
+            <a:off x="249840" y="6568920"/>
+            <a:ext cx="4320360" cy="288360"/>
+          </a:xfrm>
+          <a:prstGeom prst="rect">
+            <a:avLst/>
+          </a:prstGeom>
+          <a:noFill/>
+          <a:ln w="9360">
+            <a:noFill/>
+          </a:ln>
+        </p:spPr>
+        <p:style>
+          <a:lnRef idx="0">
+            <a:scrgbClr r="0" g="0" b="0"/>
+          </a:lnRef>
+          <a:fillRef idx="0">
+            <a:scrgbClr r="0" g="0" b="0"/>
+          </a:fillRef>
+          <a:effectRef idx="0">
+            <a:scrgbClr r="0" g="0" b="0"/>
+          </a:effectRef>
+          <a:fontRef idx="minor"/>
+        </p:style>
+        <p:txBody>
+          <a:bodyPr lIns="90000" tIns="45000" rIns="90000" bIns="45000" anchor="ctr"/>
+          <a:lstStyle/>
+          <a:p>
+            <a:pPr>
+              <a:lnSpc>
+                <a:spcPct val="100000"/>
+              </a:lnSpc>
+            </a:pPr>
+            <a:r>
+              <a:rPr lang="de-DE" sz="800" b="0" strike="noStrike" spc="-1">
+                <a:solidFill>
+                  <a:srgbClr val="FFFFFF"/>
+                </a:solidFill>
+                <a:latin typeface="Arial"/>
+              </a:rPr>
+              <a:t>Distance Based Application Trigger</a:t>
+            </a:r>
+            <a:endParaRPr lang="de-DE" sz="800" b="0" strike="noStrike" spc="-1">
+              <a:latin typeface="Arial"/>
+            </a:endParaRPr>
+          </a:p>
+        </p:txBody>
+      </p:sp>
+      <p:sp>
+        <p:nvSpPr>
+          <p:cNvPr id="116" name="CustomShape 5"/>
+          <p:cNvSpPr/>
+          <p:nvPr/>
+        </p:nvSpPr>
+        <p:spPr>
+          <a:xfrm>
+            <a:off x="8643960" y="6570720"/>
+            <a:ext cx="248400" cy="288360"/>
+          </a:xfrm>
+          <a:prstGeom prst="rect">
+            <a:avLst/>
+          </a:prstGeom>
+          <a:noFill/>
+          <a:ln w="9360">
+            <a:noFill/>
+          </a:ln>
+        </p:spPr>
+        <p:style>
+          <a:lnRef idx="0">
+            <a:scrgbClr r="0" g="0" b="0"/>
+          </a:lnRef>
+          <a:fillRef idx="0">
+            <a:scrgbClr r="0" g="0" b="0"/>
+          </a:fillRef>
+          <a:effectRef idx="0">
+            <a:scrgbClr r="0" g="0" b="0"/>
+          </a:effectRef>
+          <a:fontRef idx="minor"/>
+        </p:style>
+        <p:txBody>
+          <a:bodyPr lIns="90000" tIns="45000" rIns="90000" bIns="45000" anchor="ctr"/>
+          <a:lstStyle/>
+          <a:p>
+            <a:pPr algn="r">
+              <a:lnSpc>
+                <a:spcPct val="100000"/>
+              </a:lnSpc>
+            </a:pPr>
+            <a:fld id="{6E059888-0BA4-42DD-883B-F9C389FC8B00}" type="slidenum">
+              <a:rPr lang="de-DE" sz="800" b="0" strike="noStrike" spc="-1">
+                <a:solidFill>
+                  <a:srgbClr val="FFFFFF"/>
+                </a:solidFill>
+                <a:latin typeface="Arial"/>
+              </a:rPr>
+              <a:t>4</a:t>
+            </a:fld>
+            <a:endParaRPr lang="de-DE" sz="800" b="0" strike="noStrike" spc="-1">
+              <a:latin typeface="Arial"/>
+            </a:endParaRPr>
+          </a:p>
+        </p:txBody>
+      </p:sp>
+      <p:sp>
+        <p:nvSpPr>
+          <p:cNvPr id="117" name="CustomShape 6"/>
+          <p:cNvSpPr/>
+          <p:nvPr/>
+        </p:nvSpPr>
+        <p:spPr>
+          <a:xfrm>
+            <a:off x="7037280" y="6570720"/>
+            <a:ext cx="1605960" cy="288360"/>
+          </a:xfrm>
+          <a:prstGeom prst="rect">
+            <a:avLst/>
+          </a:prstGeom>
+          <a:noFill/>
+          <a:ln w="9360">
+            <a:noFill/>
+          </a:ln>
+        </p:spPr>
+        <p:style>
+          <a:lnRef idx="0">
+            <a:scrgbClr r="0" g="0" b="0"/>
+          </a:lnRef>
+          <a:fillRef idx="0">
+            <a:scrgbClr r="0" g="0" b="0"/>
+          </a:fillRef>
+          <a:effectRef idx="0">
+            <a:scrgbClr r="0" g="0" b="0"/>
+          </a:effectRef>
+          <a:fontRef idx="minor"/>
+        </p:style>
+        <p:txBody>
+          <a:bodyPr lIns="90000" tIns="45000" rIns="90000" bIns="45000" anchor="ctr"/>
+          <a:lstStyle/>
+          <a:p>
+            <a:pPr algn="r">
+              <a:lnSpc>
+                <a:spcPct val="100000"/>
+              </a:lnSpc>
+            </a:pPr>
+            <a:r>
+              <a:rPr lang="de-DE" sz="800" b="0" strike="noStrike" spc="-1">
+                <a:solidFill>
+                  <a:srgbClr val="FFFFFF"/>
+                </a:solidFill>
+                <a:latin typeface="Arial"/>
+              </a:rPr>
+              <a:t>Software- and Systems Engineering Research Group</a:t>
+            </a:r>
+            <a:endParaRPr lang="de-DE" sz="800" b="0" strike="noStrike" spc="-1">
               <a:latin typeface="Arial"/>
             </a:endParaRPr>
           </a:p>
@@ -5669,18 +6933,18 @@
       </p:sp>
       <p:pic>
         <p:nvPicPr>
-          <p:cNvPr id="111" name="" descr=""/>
+          <p:cNvPr id="119" name="Grafik 118"/>
           <p:cNvPicPr/>
           <p:nvPr/>
         </p:nvPicPr>
         <p:blipFill>
-          <a:blip r:embed="rId1"/>
+          <a:blip r:embed="rId3"/>
           <a:stretch/>
         </p:blipFill>
         <p:spPr>
           <a:xfrm>
-            <a:off x="358200" y="1080000"/>
-            <a:ext cx="8713800" cy="5193360"/>
+            <a:off x="360" y="0"/>
+            <a:ext cx="360" cy="360"/>
           </a:xfrm>
           <a:prstGeom prst="rect">
             <a:avLst/>
@@ -5690,32 +6954,56 @@
           </a:ln>
         </p:spPr>
       </p:pic>
+      <p:pic>
+        <p:nvPicPr>
+          <p:cNvPr id="10" name="Grafik 9">
+            <a:extLst>
+              <a:ext uri="{FF2B5EF4-FFF2-40B4-BE49-F238E27FC236}">
+                <a16:creationId xmlns:a16="http://schemas.microsoft.com/office/drawing/2014/main" id="{9E462414-61D5-45B0-858D-D72B5A541A2E}"/>
+              </a:ext>
+            </a:extLst>
+          </p:cNvPr>
+          <p:cNvPicPr/>
+          <p:nvPr/>
+        </p:nvPicPr>
+        <p:blipFill>
+          <a:blip r:embed="rId4"/>
+          <a:stretch/>
+        </p:blipFill>
+        <p:spPr>
+          <a:xfrm>
+            <a:off x="358200" y="1080000"/>
+            <a:ext cx="8713800" cy="5193360"/>
+          </a:xfrm>
+          <a:prstGeom prst="rect">
+            <a:avLst/>
+          </a:prstGeom>
+          <a:ln>
+            <a:noFill/>
+          </a:ln>
+        </p:spPr>
+      </p:pic>
     </p:spTree>
   </p:cSld>
-  <mc:AlternateContent>
-    <mc:Choice Requires="p14">
-      <p:transition spd="slow" p14:dur="2000"/>
-    </mc:Choice>
-    <mc:Fallback>
-      <p:transition spd="slow"/>
-    </mc:Fallback>
-  </mc:AlternateContent>
+  <p:clrMapOvr>
+    <a:masterClrMapping/>
+  </p:clrMapOvr>
   <p:timing>
     <p:tnLst>
       <p:par>
-        <p:cTn id="7" dur="indefinite" restart="never" nodeType="tmRoot">
+        <p:cTn id="1" dur="indefinite" restart="never" nodeType="tmRoot">
           <p:childTnLst>
             <p:seq>
-              <p:cTn id="8" dur="indefinite" nodeType="mainSeq"/>
+              <p:cTn id="2" dur="indefinite" nodeType="mainSeq"/>
               <p:prevCondLst>
-                <p:cond delay="0" evt="onPrev">
+                <p:cond evt="onPrev" delay="0">
                   <p:tgtEl>
                     <p:sldTgt/>
                   </p:tgtEl>
                 </p:cond>
               </p:prevCondLst>
               <p:nextCondLst>
-                <p:cond delay="0" evt="onNext">
+                <p:cond evt="onNext" delay="0">
                   <p:tgtEl>
                     <p:sldTgt/>
                   </p:tgtEl>
@@ -5731,7 +7019,7 @@
 </file>
 
 <file path=ppt/slides/slide5.xml><?xml version="1.0" encoding="utf-8"?>
-<p:sld xmlns:a="http://schemas.openxmlformats.org/drawingml/2006/main" xmlns:p="http://schemas.openxmlformats.org/presentationml/2006/main" xmlns:r="http://schemas.openxmlformats.org/officeDocument/2006/relationships" xmlns:p14="http://schemas.microsoft.com/office/powerpoint/2010/main" xmlns:p15="http://schemas.microsoft.com/office/powerpoint/2012/main" xmlns:mc="http://schemas.openxmlformats.org/markup-compatibility/2006">
+<p:sld xmlns:a="http://schemas.openxmlformats.org/drawingml/2006/main" xmlns:r="http://schemas.openxmlformats.org/officeDocument/2006/relationships" xmlns:p="http://schemas.openxmlformats.org/presentationml/2006/main">
   <p:cSld>
     <p:spTree>
       <p:nvGrpSpPr>
@@ -5749,7 +7037,7 @@
       </p:grpSpPr>
       <p:sp>
         <p:nvSpPr>
-          <p:cNvPr id="112" name="CustomShape 1" hidden="1"/>
+          <p:cNvPr id="120" name="CustomShape 1" hidden="1"/>
           <p:cNvSpPr/>
           <p:nvPr/>
         </p:nvSpPr>
@@ -5779,10 +7067,17 @@
           </a:effectRef>
           <a:fontRef idx="minor"/>
         </p:style>
-      </p:sp>
-      <p:sp>
-        <p:nvSpPr>
-          <p:cNvPr id="113" name="CustomShape 2"/>
+        <p:txBody>
+          <a:bodyPr/>
+          <a:lstStyle/>
+          <a:p>
+            <a:endParaRPr lang="de-DE"/>
+          </a:p>
+        </p:txBody>
+      </p:sp>
+      <p:sp>
+        <p:nvSpPr>
+          <p:cNvPr id="121" name="CustomShape 2"/>
           <p:cNvSpPr/>
           <p:nvPr/>
         </p:nvSpPr>
@@ -5800,13 +7095,20 @@
           </a:ln>
         </p:spPr>
         <p:style>
-          <a:lnRef idx="0"/>
-          <a:fillRef idx="0"/>
-          <a:effectRef idx="0"/>
+          <a:lnRef idx="0">
+            <a:scrgbClr r="0" g="0" b="0"/>
+          </a:lnRef>
+          <a:fillRef idx="0">
+            <a:scrgbClr r="0" g="0" b="0"/>
+          </a:fillRef>
+          <a:effectRef idx="0">
+            <a:scrgbClr r="0" g="0" b="0"/>
+          </a:effectRef>
           <a:fontRef idx="minor"/>
         </p:style>
         <p:txBody>
-          <a:bodyPr lIns="90000" rIns="90000" tIns="0" bIns="0" anchor="b"/>
+          <a:bodyPr lIns="90000" tIns="0" rIns="90000" bIns="0" anchor="b"/>
+          <a:lstStyle/>
           <a:p>
             <a:pPr>
               <a:lnSpc>
@@ -5814,30 +7116,30 @@
               </a:lnSpc>
             </a:pPr>
             <a:r>
-              <a:rPr b="0" lang="de-DE" sz="2800" spc="-1" strike="noStrike">
+              <a:rPr lang="de-DE" sz="2800" b="0" strike="noStrike" spc="-1">
                 <a:solidFill>
-                  <a:srgbClr val="ffffff"/>
+                  <a:srgbClr val="FFFFFF"/>
                 </a:solidFill>
                 <a:latin typeface="Arial"/>
               </a:rPr>
-              <a:t>Conceptual approach</a:t>
+              <a:t>Sensors used</a:t>
             </a:r>
-            <a:endParaRPr b="0" lang="de-DE" sz="2800" spc="-1" strike="noStrike">
-              <a:latin typeface="Arial"/>
-            </a:endParaRPr>
-          </a:p>
-        </p:txBody>
-      </p:sp>
-      <p:sp>
-        <p:nvSpPr>
-          <p:cNvPr id="114" name="CustomShape 3"/>
+            <a:endParaRPr lang="de-DE" sz="2800" b="0" strike="noStrike" spc="-1">
+              <a:latin typeface="Arial"/>
+            </a:endParaRPr>
+          </a:p>
+        </p:txBody>
+      </p:sp>
+      <p:sp>
+        <p:nvSpPr>
+          <p:cNvPr id="122" name="CustomShape 3"/>
           <p:cNvSpPr/>
           <p:nvPr/>
         </p:nvSpPr>
         <p:spPr>
           <a:xfrm>
-            <a:off x="250920" y="981000"/>
-            <a:ext cx="8641800" cy="5400000"/>
+            <a:off x="20160" y="5356080"/>
+            <a:ext cx="4872960" cy="791280"/>
           </a:xfrm>
           <a:prstGeom prst="rect">
             <a:avLst/>
@@ -5848,15 +7150,49 @@
           </a:ln>
         </p:spPr>
         <p:style>
-          <a:lnRef idx="0"/>
-          <a:fillRef idx="0"/>
-          <a:effectRef idx="0"/>
+          <a:lnRef idx="0">
+            <a:scrgbClr r="0" g="0" b="0"/>
+          </a:lnRef>
+          <a:fillRef idx="0">
+            <a:scrgbClr r="0" g="0" b="0"/>
+          </a:fillRef>
+          <a:effectRef idx="0">
+            <a:scrgbClr r="0" g="0" b="0"/>
+          </a:effectRef>
           <a:fontRef idx="minor"/>
         </p:style>
-      </p:sp>
-      <p:sp>
-        <p:nvSpPr>
-          <p:cNvPr id="115" name="CustomShape 4"/>
+        <p:txBody>
+          <a:bodyPr lIns="90000" tIns="45000" rIns="90000" bIns="45000">
+            <a:normAutofit/>
+          </a:bodyPr>
+          <a:lstStyle/>
+          <a:p>
+            <a:pPr algn="ctr">
+              <a:lnSpc>
+                <a:spcPct val="100000"/>
+              </a:lnSpc>
+              <a:spcBef>
+                <a:spcPts val="479"/>
+              </a:spcBef>
+            </a:pPr>
+            <a:r>
+              <a:rPr lang="de-DE" sz="2400" b="0" strike="noStrike" spc="-1">
+                <a:solidFill>
+                  <a:srgbClr val="000000"/>
+                </a:solidFill>
+                <a:latin typeface="Arial"/>
+              </a:rPr>
+              <a:t>Bluetooth Low Energy (BLE)</a:t>
+            </a:r>
+            <a:endParaRPr lang="de-DE" sz="2400" b="0" strike="noStrike" spc="-1">
+              <a:latin typeface="Arial"/>
+            </a:endParaRPr>
+          </a:p>
+        </p:txBody>
+      </p:sp>
+      <p:sp>
+        <p:nvSpPr>
+          <p:cNvPr id="123" name="CustomShape 4"/>
           <p:cNvSpPr/>
           <p:nvPr/>
         </p:nvSpPr>
@@ -5874,13 +7210,20 @@
           </a:ln>
         </p:spPr>
         <p:style>
-          <a:lnRef idx="0"/>
-          <a:fillRef idx="0"/>
-          <a:effectRef idx="0"/>
+          <a:lnRef idx="0">
+            <a:scrgbClr r="0" g="0" b="0"/>
+          </a:lnRef>
+          <a:fillRef idx="0">
+            <a:scrgbClr r="0" g="0" b="0"/>
+          </a:fillRef>
+          <a:effectRef idx="0">
+            <a:scrgbClr r="0" g="0" b="0"/>
+          </a:effectRef>
           <a:fontRef idx="minor"/>
         </p:style>
         <p:txBody>
-          <a:bodyPr lIns="90000" rIns="90000" tIns="45000" bIns="45000" anchor="ctr"/>
+          <a:bodyPr lIns="90000" tIns="45000" rIns="90000" bIns="45000" anchor="ctr"/>
+          <a:lstStyle/>
           <a:p>
             <a:pPr>
               <a:lnSpc>
@@ -5888,23 +7231,23 @@
               </a:lnSpc>
             </a:pPr>
             <a:r>
-              <a:rPr b="0" lang="de-DE" sz="800" spc="-1" strike="noStrike">
+              <a:rPr lang="de-DE" sz="800" b="0" strike="noStrike" spc="-1">
                 <a:solidFill>
-                  <a:srgbClr val="ffffff"/>
+                  <a:srgbClr val="FFFFFF"/>
                 </a:solidFill>
                 <a:latin typeface="Arial"/>
               </a:rPr>
               <a:t>Distance Based Application Trigger</a:t>
             </a:r>
-            <a:endParaRPr b="0" lang="de-DE" sz="800" spc="-1" strike="noStrike">
-              <a:latin typeface="Arial"/>
-            </a:endParaRPr>
-          </a:p>
-        </p:txBody>
-      </p:sp>
-      <p:sp>
-        <p:nvSpPr>
-          <p:cNvPr id="116" name="CustomShape 5"/>
+            <a:endParaRPr lang="de-DE" sz="800" b="0" strike="noStrike" spc="-1">
+              <a:latin typeface="Arial"/>
+            </a:endParaRPr>
+          </a:p>
+        </p:txBody>
+      </p:sp>
+      <p:sp>
+        <p:nvSpPr>
+          <p:cNvPr id="124" name="CustomShape 5"/>
           <p:cNvSpPr/>
           <p:nvPr/>
         </p:nvSpPr>
@@ -5922,37 +7265,44 @@
           </a:ln>
         </p:spPr>
         <p:style>
-          <a:lnRef idx="0"/>
-          <a:fillRef idx="0"/>
-          <a:effectRef idx="0"/>
+          <a:lnRef idx="0">
+            <a:scrgbClr r="0" g="0" b="0"/>
+          </a:lnRef>
+          <a:fillRef idx="0">
+            <a:scrgbClr r="0" g="0" b="0"/>
+          </a:fillRef>
+          <a:effectRef idx="0">
+            <a:scrgbClr r="0" g="0" b="0"/>
+          </a:effectRef>
           <a:fontRef idx="minor"/>
         </p:style>
         <p:txBody>
-          <a:bodyPr lIns="90000" rIns="90000" tIns="45000" bIns="45000" anchor="ctr"/>
+          <a:bodyPr lIns="90000" tIns="45000" rIns="90000" bIns="45000" anchor="ctr"/>
+          <a:lstStyle/>
           <a:p>
             <a:pPr algn="r">
               <a:lnSpc>
                 <a:spcPct val="100000"/>
               </a:lnSpc>
             </a:pPr>
-            <a:fld id="{6E059888-0BA4-42DD-883B-F9C389FC8B00}" type="slidenum">
-              <a:rPr b="0" lang="de-DE" sz="800" spc="-1" strike="noStrike">
+            <a:fld id="{EF7E94B8-2A16-43C2-9BF5-C641125782F7}" type="slidenum">
+              <a:rPr lang="de-DE" sz="800" b="0" strike="noStrike" spc="-1">
                 <a:solidFill>
-                  <a:srgbClr val="ffffff"/>
+                  <a:srgbClr val="FFFFFF"/>
                 </a:solidFill>
                 <a:latin typeface="Arial"/>
               </a:rPr>
-              <a:t>&lt;Foliennummer&gt;</a:t>
+              <a:t>5</a:t>
             </a:fld>
-            <a:endParaRPr b="0" lang="de-DE" sz="800" spc="-1" strike="noStrike">
-              <a:latin typeface="Arial"/>
-            </a:endParaRPr>
-          </a:p>
-        </p:txBody>
-      </p:sp>
-      <p:sp>
-        <p:nvSpPr>
-          <p:cNvPr id="117" name="CustomShape 6"/>
+            <a:endParaRPr lang="de-DE" sz="800" b="0" strike="noStrike" spc="-1">
+              <a:latin typeface="Arial"/>
+            </a:endParaRPr>
+          </a:p>
+        </p:txBody>
+      </p:sp>
+      <p:sp>
+        <p:nvSpPr>
+          <p:cNvPr id="125" name="CustomShape 6"/>
           <p:cNvSpPr/>
           <p:nvPr/>
         </p:nvSpPr>
@@ -5970,13 +7320,20 @@
           </a:ln>
         </p:spPr>
         <p:style>
-          <a:lnRef idx="0"/>
-          <a:fillRef idx="0"/>
-          <a:effectRef idx="0"/>
+          <a:lnRef idx="0">
+            <a:scrgbClr r="0" g="0" b="0"/>
+          </a:lnRef>
+          <a:fillRef idx="0">
+            <a:scrgbClr r="0" g="0" b="0"/>
+          </a:fillRef>
+          <a:effectRef idx="0">
+            <a:scrgbClr r="0" g="0" b="0"/>
+          </a:effectRef>
           <a:fontRef idx="minor"/>
         </p:style>
         <p:txBody>
-          <a:bodyPr lIns="90000" rIns="90000" tIns="45000" bIns="45000" anchor="ctr"/>
+          <a:bodyPr lIns="90000" tIns="45000" rIns="90000" bIns="45000" anchor="ctr"/>
+          <a:lstStyle/>
           <a:p>
             <a:pPr algn="r">
               <a:lnSpc>
@@ -5984,15 +7341,15 @@
               </a:lnSpc>
             </a:pPr>
             <a:r>
-              <a:rPr b="0" lang="de-DE" sz="800" spc="-1" strike="noStrike">
+              <a:rPr lang="de-DE" sz="800" b="0" strike="noStrike" spc="-1">
                 <a:solidFill>
-                  <a:srgbClr val="ffffff"/>
+                  <a:srgbClr val="FFFFFF"/>
                 </a:solidFill>
                 <a:latin typeface="Arial"/>
               </a:rPr>
               <a:t>Software- and Systems Engineering Research Group</a:t>
             </a:r>
-            <a:endParaRPr b="0" lang="de-DE" sz="800" spc="-1" strike="noStrike">
+            <a:endParaRPr lang="de-DE" sz="800" b="0" strike="noStrike" spc="-1">
               <a:latin typeface="Arial"/>
             </a:endParaRPr>
           </a:p>
@@ -6000,18 +7357,18 @@
       </p:sp>
       <p:pic>
         <p:nvPicPr>
-          <p:cNvPr id="118" name="Grafik 8" descr=""/>
+          <p:cNvPr id="126" name="Grafik 9"/>
           <p:cNvPicPr/>
           <p:nvPr/>
         </p:nvPicPr>
         <p:blipFill>
-          <a:blip r:embed="rId1"/>
+          <a:blip r:embed="rId3"/>
           <a:stretch/>
         </p:blipFill>
         <p:spPr>
           <a:xfrm>
-            <a:off x="227880" y="1224720"/>
-            <a:ext cx="8687160" cy="5028120"/>
+            <a:off x="492120" y="1506960"/>
+            <a:ext cx="3845520" cy="3177720"/>
           </a:xfrm>
           <a:prstGeom prst="rect">
             <a:avLst/>
@@ -6023,18 +7380,18 @@
       </p:pic>
       <p:pic>
         <p:nvPicPr>
-          <p:cNvPr id="119" name="" descr=""/>
+          <p:cNvPr id="127" name="Grafik 10"/>
           <p:cNvPicPr/>
           <p:nvPr/>
         </p:nvPicPr>
         <p:blipFill>
-          <a:blip r:embed="rId2"/>
+          <a:blip r:embed="rId4"/>
           <a:stretch/>
         </p:blipFill>
         <p:spPr>
           <a:xfrm>
-            <a:off x="360" y="0"/>
-            <a:ext cx="360" cy="360"/>
+            <a:off x="5214600" y="1506960"/>
+            <a:ext cx="3228120" cy="3177720"/>
           </a:xfrm>
           <a:prstGeom prst="rect">
             <a:avLst/>
@@ -6044,32 +7401,111 @@
           </a:ln>
         </p:spPr>
       </p:pic>
+      <p:sp>
+        <p:nvSpPr>
+          <p:cNvPr id="128" name="CustomShape 7"/>
+          <p:cNvSpPr/>
+          <p:nvPr/>
+        </p:nvSpPr>
+        <p:spPr>
+          <a:xfrm>
+            <a:off x="4764600" y="5356080"/>
+            <a:ext cx="4127760" cy="791280"/>
+          </a:xfrm>
+          <a:prstGeom prst="rect">
+            <a:avLst/>
+          </a:prstGeom>
+          <a:noFill/>
+          <a:ln w="9360">
+            <a:noFill/>
+          </a:ln>
+        </p:spPr>
+        <p:style>
+          <a:lnRef idx="0">
+            <a:scrgbClr r="0" g="0" b="0"/>
+          </a:lnRef>
+          <a:fillRef idx="0">
+            <a:scrgbClr r="0" g="0" b="0"/>
+          </a:fillRef>
+          <a:effectRef idx="0">
+            <a:scrgbClr r="0" g="0" b="0"/>
+          </a:effectRef>
+          <a:fontRef idx="minor"/>
+        </p:style>
+        <p:txBody>
+          <a:bodyPr lIns="90000" tIns="45000" rIns="90000" bIns="45000">
+            <a:normAutofit/>
+          </a:bodyPr>
+          <a:lstStyle/>
+          <a:p>
+            <a:pPr algn="ctr">
+              <a:lnSpc>
+                <a:spcPct val="100000"/>
+              </a:lnSpc>
+              <a:spcBef>
+                <a:spcPts val="479"/>
+              </a:spcBef>
+            </a:pPr>
+            <a:r>
+              <a:rPr lang="de-DE" sz="2400" b="0" strike="noStrike" spc="-1">
+                <a:solidFill>
+                  <a:srgbClr val="000000"/>
+                </a:solidFill>
+                <a:latin typeface="Arial"/>
+                <a:ea typeface="DejaVu Sans"/>
+              </a:rPr>
+              <a:t>Beacons</a:t>
+            </a:r>
+            <a:endParaRPr lang="de-DE" sz="2400" b="0" strike="noStrike" spc="-1">
+              <a:latin typeface="Arial"/>
+            </a:endParaRPr>
+          </a:p>
+        </p:txBody>
+      </p:sp>
+      <p:pic>
+        <p:nvPicPr>
+          <p:cNvPr id="129" name="Grafik 128"/>
+          <p:cNvPicPr/>
+          <p:nvPr/>
+        </p:nvPicPr>
+        <p:blipFill>
+          <a:blip r:embed="rId5"/>
+          <a:stretch/>
+        </p:blipFill>
+        <p:spPr>
+          <a:xfrm>
+            <a:off x="360" y="0"/>
+            <a:ext cx="360" cy="360"/>
+          </a:xfrm>
+          <a:prstGeom prst="rect">
+            <a:avLst/>
+          </a:prstGeom>
+          <a:ln>
+            <a:noFill/>
+          </a:ln>
+        </p:spPr>
+      </p:pic>
     </p:spTree>
   </p:cSld>
-  <mc:AlternateContent>
-    <mc:Choice Requires="p14">
-      <p:transition spd="slow" p14:dur="2000"/>
-    </mc:Choice>
-    <mc:Fallback>
-      <p:transition spd="slow"/>
-    </mc:Fallback>
-  </mc:AlternateContent>
+  <p:clrMapOvr>
+    <a:masterClrMapping/>
+  </p:clrMapOvr>
   <p:timing>
     <p:tnLst>
       <p:par>
-        <p:cTn id="9" dur="indefinite" restart="never" nodeType="tmRoot">
+        <p:cTn id="1" dur="indefinite" restart="never" nodeType="tmRoot">
           <p:childTnLst>
             <p:seq>
-              <p:cTn id="10" dur="indefinite" nodeType="mainSeq"/>
+              <p:cTn id="2" dur="indefinite" nodeType="mainSeq"/>
               <p:prevCondLst>
-                <p:cond delay="0" evt="onPrev">
+                <p:cond evt="onPrev" delay="0">
                   <p:tgtEl>
                     <p:sldTgt/>
                   </p:tgtEl>
                 </p:cond>
               </p:prevCondLst>
               <p:nextCondLst>
-                <p:cond delay="0" evt="onNext">
+                <p:cond evt="onNext" delay="0">
                   <p:tgtEl>
                     <p:sldTgt/>
                   </p:tgtEl>
@@ -6085,7 +7521,7 @@
 </file>
 
 <file path=ppt/slides/slide6.xml><?xml version="1.0" encoding="utf-8"?>
-<p:sld xmlns:a="http://schemas.openxmlformats.org/drawingml/2006/main" xmlns:p="http://schemas.openxmlformats.org/presentationml/2006/main" xmlns:r="http://schemas.openxmlformats.org/officeDocument/2006/relationships" xmlns:p14="http://schemas.microsoft.com/office/powerpoint/2010/main" xmlns:p15="http://schemas.microsoft.com/office/powerpoint/2012/main" xmlns:mc="http://schemas.openxmlformats.org/markup-compatibility/2006">
+<p:sld xmlns:a="http://schemas.openxmlformats.org/drawingml/2006/main" xmlns:r="http://schemas.openxmlformats.org/officeDocument/2006/relationships" xmlns:p="http://schemas.openxmlformats.org/presentationml/2006/main">
   <p:cSld>
     <p:spTree>
       <p:nvGrpSpPr>
@@ -6103,7 +7539,7 @@
       </p:grpSpPr>
       <p:sp>
         <p:nvSpPr>
-          <p:cNvPr id="120" name="CustomShape 1" hidden="1"/>
+          <p:cNvPr id="130" name="CustomShape 1" hidden="1"/>
           <p:cNvSpPr/>
           <p:nvPr/>
         </p:nvSpPr>
@@ -6133,10 +7569,17 @@
           </a:effectRef>
           <a:fontRef idx="minor"/>
         </p:style>
-      </p:sp>
-      <p:sp>
-        <p:nvSpPr>
-          <p:cNvPr id="121" name="CustomShape 2"/>
+        <p:txBody>
+          <a:bodyPr/>
+          <a:lstStyle/>
+          <a:p>
+            <a:endParaRPr lang="de-DE"/>
+          </a:p>
+        </p:txBody>
+      </p:sp>
+      <p:sp>
+        <p:nvSpPr>
+          <p:cNvPr id="131" name="CustomShape 2"/>
           <p:cNvSpPr/>
           <p:nvPr/>
         </p:nvSpPr>
@@ -6154,13 +7597,20 @@
           </a:ln>
         </p:spPr>
         <p:style>
-          <a:lnRef idx="0"/>
-          <a:fillRef idx="0"/>
-          <a:effectRef idx="0"/>
+          <a:lnRef idx="0">
+            <a:scrgbClr r="0" g="0" b="0"/>
+          </a:lnRef>
+          <a:fillRef idx="0">
+            <a:scrgbClr r="0" g="0" b="0"/>
+          </a:fillRef>
+          <a:effectRef idx="0">
+            <a:scrgbClr r="0" g="0" b="0"/>
+          </a:effectRef>
           <a:fontRef idx="minor"/>
         </p:style>
         <p:txBody>
-          <a:bodyPr lIns="90000" rIns="90000" tIns="0" bIns="0" anchor="b"/>
+          <a:bodyPr lIns="90000" tIns="0" rIns="90000" bIns="0" anchor="b"/>
+          <a:lstStyle/>
           <a:p>
             <a:pPr>
               <a:lnSpc>
@@ -6168,30 +7618,30 @@
               </a:lnSpc>
             </a:pPr>
             <a:r>
-              <a:rPr b="0" lang="de-DE" sz="2800" spc="-1" strike="noStrike">
+              <a:rPr lang="de-DE" sz="2800" b="0" strike="noStrike" spc="-1">
                 <a:solidFill>
-                  <a:srgbClr val="ffffff"/>
+                  <a:srgbClr val="FFFFFF"/>
                 </a:solidFill>
                 <a:latin typeface="Arial"/>
               </a:rPr>
-              <a:t>Sensors used</a:t>
+              <a:t>Potential Problems</a:t>
             </a:r>
-            <a:endParaRPr b="0" lang="de-DE" sz="2800" spc="-1" strike="noStrike">
-              <a:latin typeface="Arial"/>
-            </a:endParaRPr>
-          </a:p>
-        </p:txBody>
-      </p:sp>
-      <p:sp>
-        <p:nvSpPr>
-          <p:cNvPr id="122" name="CustomShape 3"/>
+            <a:endParaRPr lang="de-DE" sz="2800" b="0" strike="noStrike" spc="-1">
+              <a:latin typeface="Arial"/>
+            </a:endParaRPr>
+          </a:p>
+        </p:txBody>
+      </p:sp>
+      <p:sp>
+        <p:nvSpPr>
+          <p:cNvPr id="132" name="CustomShape 3"/>
           <p:cNvSpPr/>
           <p:nvPr/>
         </p:nvSpPr>
         <p:spPr>
           <a:xfrm>
-            <a:off x="20160" y="5356080"/>
-            <a:ext cx="4872960" cy="791280"/>
+            <a:off x="250920" y="981000"/>
+            <a:ext cx="8641800" cy="5400000"/>
           </a:xfrm>
           <a:prstGeom prst="rect">
             <a:avLst/>
@@ -6202,17 +7652,393 @@
           </a:ln>
         </p:spPr>
         <p:style>
-          <a:lnRef idx="0"/>
-          <a:fillRef idx="0"/>
-          <a:effectRef idx="0"/>
+          <a:lnRef idx="0">
+            <a:scrgbClr r="0" g="0" b="0"/>
+          </a:lnRef>
+          <a:fillRef idx="0">
+            <a:scrgbClr r="0" g="0" b="0"/>
+          </a:fillRef>
+          <a:effectRef idx="0">
+            <a:scrgbClr r="0" g="0" b="0"/>
+          </a:effectRef>
           <a:fontRef idx="minor"/>
         </p:style>
         <p:txBody>
-          <a:bodyPr lIns="90000" rIns="90000" tIns="45000" bIns="45000">
+          <a:bodyPr lIns="90000" tIns="45000" rIns="90000" bIns="45000" anchor="ctr">
             <a:normAutofit/>
           </a:bodyPr>
-          <a:p>
-            <a:pPr algn="ctr">
+          <a:lstStyle/>
+          <a:p>
+            <a:pPr marL="457200" indent="-456480">
+              <a:lnSpc>
+                <a:spcPct val="100000"/>
+              </a:lnSpc>
+              <a:spcBef>
+                <a:spcPts val="479"/>
+              </a:spcBef>
+              <a:buClr>
+                <a:srgbClr val="000000"/>
+              </a:buClr>
+              <a:buFont typeface="Arial"/>
+              <a:buChar char="•"/>
+            </a:pPr>
+            <a:r>
+              <a:rPr lang="de-DE" sz="2400" b="0" strike="noStrike" spc="-1" dirty="0" err="1">
+                <a:solidFill>
+                  <a:srgbClr val="000000"/>
+                </a:solidFill>
+                <a:latin typeface="Arial"/>
+              </a:rPr>
+              <a:t>Accuracy</a:t>
+            </a:r>
+            <a:r>
+              <a:rPr lang="de-DE" sz="2400" b="0" strike="noStrike" spc="-1" dirty="0">
+                <a:solidFill>
+                  <a:srgbClr val="000000"/>
+                </a:solidFill>
+                <a:latin typeface="Arial"/>
+              </a:rPr>
+              <a:t> </a:t>
+            </a:r>
+            <a:r>
+              <a:rPr lang="de-DE" sz="2400" b="0" strike="noStrike" spc="-1" dirty="0" err="1">
+                <a:solidFill>
+                  <a:srgbClr val="000000"/>
+                </a:solidFill>
+                <a:latin typeface="Arial"/>
+              </a:rPr>
+              <a:t>of</a:t>
+            </a:r>
+            <a:r>
+              <a:rPr lang="de-DE" sz="2400" b="0" strike="noStrike" spc="-1" dirty="0">
+                <a:solidFill>
+                  <a:srgbClr val="000000"/>
+                </a:solidFill>
+                <a:latin typeface="Arial"/>
+              </a:rPr>
+              <a:t> </a:t>
+            </a:r>
+            <a:r>
+              <a:rPr lang="de-DE" sz="2400" b="0" strike="noStrike" spc="-1" dirty="0" err="1">
+                <a:solidFill>
+                  <a:srgbClr val="000000"/>
+                </a:solidFill>
+                <a:latin typeface="Arial"/>
+              </a:rPr>
+              <a:t>position</a:t>
+            </a:r>
+            <a:r>
+              <a:rPr lang="de-DE" sz="2400" b="0" strike="noStrike" spc="-1" dirty="0">
+                <a:solidFill>
+                  <a:srgbClr val="000000"/>
+                </a:solidFill>
+                <a:latin typeface="Arial"/>
+              </a:rPr>
+              <a:t> </a:t>
+            </a:r>
+            <a:r>
+              <a:rPr lang="de-DE" sz="2400" b="0" strike="noStrike" spc="-1" dirty="0" err="1">
+                <a:solidFill>
+                  <a:srgbClr val="000000"/>
+                </a:solidFill>
+                <a:latin typeface="Arial"/>
+              </a:rPr>
+              <a:t>estimates</a:t>
+            </a:r>
+            <a:endParaRPr lang="de-DE" sz="2400" b="0" strike="noStrike" spc="-1" dirty="0">
+              <a:latin typeface="Arial"/>
+            </a:endParaRPr>
+          </a:p>
+          <a:p>
+            <a:pPr marL="457200" indent="-456480">
+              <a:lnSpc>
+                <a:spcPct val="100000"/>
+              </a:lnSpc>
+              <a:spcBef>
+                <a:spcPts val="479"/>
+              </a:spcBef>
+              <a:buClr>
+                <a:srgbClr val="000000"/>
+              </a:buClr>
+              <a:buFont typeface="Arial"/>
+              <a:buChar char="•"/>
+            </a:pPr>
+            <a:r>
+              <a:rPr lang="de-DE" sz="2400" b="0" strike="noStrike" spc="-1" dirty="0">
+                <a:solidFill>
+                  <a:srgbClr val="000000"/>
+                </a:solidFill>
+                <a:latin typeface="Arial"/>
+              </a:rPr>
+              <a:t>Response time </a:t>
+            </a:r>
+            <a:r>
+              <a:rPr lang="de-DE" sz="2400" b="0" strike="noStrike" spc="-1" dirty="0" err="1">
+                <a:solidFill>
+                  <a:srgbClr val="000000"/>
+                </a:solidFill>
+                <a:latin typeface="Arial"/>
+              </a:rPr>
+              <a:t>for</a:t>
+            </a:r>
+            <a:r>
+              <a:rPr lang="de-DE" sz="2400" b="0" strike="noStrike" spc="-1" dirty="0">
+                <a:solidFill>
+                  <a:srgbClr val="000000"/>
+                </a:solidFill>
+                <a:latin typeface="Arial"/>
+              </a:rPr>
+              <a:t> </a:t>
+            </a:r>
+            <a:r>
+              <a:rPr lang="de-DE" sz="2400" b="0" strike="noStrike" spc="-1" dirty="0" err="1">
+                <a:solidFill>
+                  <a:srgbClr val="000000"/>
+                </a:solidFill>
+                <a:latin typeface="Arial"/>
+              </a:rPr>
+              <a:t>detection</a:t>
+            </a:r>
+            <a:r>
+              <a:rPr lang="de-DE" sz="2400" b="0" strike="noStrike" spc="-1" dirty="0">
+                <a:solidFill>
+                  <a:srgbClr val="000000"/>
+                </a:solidFill>
+                <a:latin typeface="Arial"/>
+              </a:rPr>
+              <a:t> </a:t>
+            </a:r>
+            <a:r>
+              <a:rPr lang="de-DE" sz="2400" b="0" strike="noStrike" spc="-1" dirty="0" err="1">
+                <a:solidFill>
+                  <a:srgbClr val="000000"/>
+                </a:solidFill>
+                <a:latin typeface="Arial"/>
+              </a:rPr>
+              <a:t>of</a:t>
+            </a:r>
+            <a:r>
+              <a:rPr lang="de-DE" sz="2400" b="0" strike="noStrike" spc="-1" dirty="0">
+                <a:solidFill>
+                  <a:srgbClr val="000000"/>
+                </a:solidFill>
+                <a:latin typeface="Arial"/>
+              </a:rPr>
+              <a:t> </a:t>
+            </a:r>
+            <a:r>
+              <a:rPr lang="de-DE" sz="2400" b="0" strike="noStrike" spc="-1" dirty="0" err="1">
+                <a:solidFill>
+                  <a:srgbClr val="000000"/>
+                </a:solidFill>
+                <a:latin typeface="Arial"/>
+              </a:rPr>
+              <a:t>beacons</a:t>
+            </a:r>
+            <a:r>
+              <a:rPr lang="de-DE" sz="2400" b="0" strike="noStrike" spc="-1" dirty="0">
+                <a:solidFill>
+                  <a:srgbClr val="000000"/>
+                </a:solidFill>
+                <a:latin typeface="Arial"/>
+              </a:rPr>
+              <a:t> in </a:t>
+            </a:r>
+            <a:r>
+              <a:rPr lang="de-DE" sz="2400" b="0" strike="noStrike" spc="-1" dirty="0" err="1">
+                <a:solidFill>
+                  <a:srgbClr val="000000"/>
+                </a:solidFill>
+                <a:latin typeface="Arial"/>
+              </a:rPr>
+              <a:t>the</a:t>
+            </a:r>
+            <a:r>
+              <a:rPr lang="de-DE" sz="2400" b="0" strike="noStrike" spc="-1" dirty="0">
+                <a:solidFill>
+                  <a:srgbClr val="000000"/>
+                </a:solidFill>
+                <a:latin typeface="Arial"/>
+              </a:rPr>
+              <a:t> </a:t>
+            </a:r>
+            <a:r>
+              <a:rPr lang="de-DE" sz="2400" b="0" strike="noStrike" spc="-1" dirty="0" err="1">
+                <a:solidFill>
+                  <a:srgbClr val="000000"/>
+                </a:solidFill>
+                <a:latin typeface="Arial"/>
+              </a:rPr>
+              <a:t>background</a:t>
+            </a:r>
+            <a:endParaRPr lang="de-DE" sz="2400" b="0" strike="noStrike" spc="-1" dirty="0">
+              <a:latin typeface="Arial"/>
+            </a:endParaRPr>
+          </a:p>
+          <a:p>
+            <a:pPr marL="457200" indent="-456480">
+              <a:lnSpc>
+                <a:spcPct val="100000"/>
+              </a:lnSpc>
+              <a:spcBef>
+                <a:spcPts val="479"/>
+              </a:spcBef>
+              <a:buClr>
+                <a:srgbClr val="000000"/>
+              </a:buClr>
+              <a:buFont typeface="Arial"/>
+              <a:buChar char="•"/>
+            </a:pPr>
+            <a:r>
+              <a:rPr lang="de-DE" sz="2400" b="0" strike="noStrike" spc="-1" dirty="0" err="1">
+                <a:solidFill>
+                  <a:srgbClr val="000000"/>
+                </a:solidFill>
+                <a:latin typeface="Arial"/>
+              </a:rPr>
+              <a:t>Compatibility</a:t>
+            </a:r>
+            <a:r>
+              <a:rPr lang="de-DE" sz="2400" b="0" strike="noStrike" spc="-1" dirty="0">
+                <a:solidFill>
+                  <a:srgbClr val="000000"/>
+                </a:solidFill>
+                <a:latin typeface="Arial"/>
+              </a:rPr>
+              <a:t> </a:t>
+            </a:r>
+            <a:r>
+              <a:rPr lang="de-DE" sz="2400" b="0" strike="noStrike" spc="-1" dirty="0" err="1">
+                <a:solidFill>
+                  <a:srgbClr val="000000"/>
+                </a:solidFill>
+                <a:latin typeface="Arial"/>
+              </a:rPr>
+              <a:t>of</a:t>
+            </a:r>
+            <a:r>
+              <a:rPr lang="de-DE" sz="2400" b="0" strike="noStrike" spc="-1" dirty="0">
+                <a:solidFill>
+                  <a:srgbClr val="000000"/>
+                </a:solidFill>
+                <a:latin typeface="Arial"/>
+              </a:rPr>
+              <a:t> different </a:t>
+            </a:r>
+            <a:r>
+              <a:rPr lang="de-DE" sz="2400" b="0" strike="noStrike" spc="-1" dirty="0" err="1">
+                <a:solidFill>
+                  <a:srgbClr val="000000"/>
+                </a:solidFill>
+                <a:latin typeface="Arial"/>
+              </a:rPr>
+              <a:t>beacons</a:t>
+            </a:r>
+            <a:endParaRPr lang="de-DE" sz="2400" b="0" strike="noStrike" spc="-1" dirty="0">
+              <a:latin typeface="Arial"/>
+            </a:endParaRPr>
+          </a:p>
+          <a:p>
+            <a:pPr marL="457200" indent="-456480">
+              <a:lnSpc>
+                <a:spcPct val="100000"/>
+              </a:lnSpc>
+              <a:spcBef>
+                <a:spcPts val="479"/>
+              </a:spcBef>
+              <a:buClr>
+                <a:srgbClr val="000000"/>
+              </a:buClr>
+              <a:buFont typeface="Arial"/>
+              <a:buChar char="•"/>
+            </a:pPr>
+            <a:r>
+              <a:rPr lang="de-DE" sz="2400" b="0" strike="noStrike" spc="-1" dirty="0" err="1">
+                <a:solidFill>
+                  <a:srgbClr val="000000"/>
+                </a:solidFill>
+                <a:latin typeface="Arial"/>
+              </a:rPr>
+              <a:t>Compatibility</a:t>
+            </a:r>
+            <a:r>
+              <a:rPr lang="de-DE" sz="2400" b="0" strike="noStrike" spc="-1" dirty="0">
+                <a:solidFill>
+                  <a:srgbClr val="000000"/>
+                </a:solidFill>
+                <a:latin typeface="Arial"/>
+              </a:rPr>
+              <a:t> </a:t>
+            </a:r>
+            <a:r>
+              <a:rPr lang="de-DE" sz="2400" b="0" strike="noStrike" spc="-1" dirty="0" err="1">
+                <a:solidFill>
+                  <a:srgbClr val="000000"/>
+                </a:solidFill>
+                <a:latin typeface="Arial"/>
+              </a:rPr>
+              <a:t>of</a:t>
+            </a:r>
+            <a:r>
+              <a:rPr lang="de-DE" sz="2400" b="0" strike="noStrike" spc="-1" dirty="0">
+                <a:solidFill>
+                  <a:srgbClr val="000000"/>
+                </a:solidFill>
+                <a:latin typeface="Arial"/>
+              </a:rPr>
+              <a:t> BLE </a:t>
+            </a:r>
+            <a:r>
+              <a:rPr lang="de-DE" sz="2400" b="0" strike="noStrike" spc="-1" dirty="0" err="1">
+                <a:solidFill>
+                  <a:srgbClr val="000000"/>
+                </a:solidFill>
+                <a:latin typeface="Arial"/>
+              </a:rPr>
+              <a:t>libraries</a:t>
+            </a:r>
+            <a:r>
+              <a:rPr lang="de-DE" sz="2400" b="0" strike="noStrike" spc="-1" dirty="0">
+                <a:solidFill>
+                  <a:srgbClr val="000000"/>
+                </a:solidFill>
+                <a:latin typeface="Arial"/>
+              </a:rPr>
+              <a:t> </a:t>
+            </a:r>
+            <a:r>
+              <a:rPr lang="de-DE" sz="2400" b="0" strike="noStrike" spc="-1" dirty="0" err="1">
+                <a:solidFill>
+                  <a:srgbClr val="000000"/>
+                </a:solidFill>
+                <a:latin typeface="Arial"/>
+              </a:rPr>
+              <a:t>between</a:t>
+            </a:r>
+            <a:r>
+              <a:rPr lang="de-DE" sz="2400" b="0" strike="noStrike" spc="-1" dirty="0">
+                <a:solidFill>
+                  <a:srgbClr val="000000"/>
+                </a:solidFill>
+                <a:latin typeface="Arial"/>
+              </a:rPr>
+              <a:t> Android </a:t>
+            </a:r>
+            <a:r>
+              <a:rPr lang="de-DE" sz="2400" b="0" strike="noStrike" spc="-1" dirty="0" err="1">
+                <a:solidFill>
+                  <a:srgbClr val="000000"/>
+                </a:solidFill>
+                <a:latin typeface="Arial"/>
+              </a:rPr>
+              <a:t>versions</a:t>
+            </a:r>
+            <a:endParaRPr lang="de-DE" sz="2400" b="0" strike="noStrike" spc="-1" dirty="0">
+              <a:latin typeface="Arial"/>
+            </a:endParaRPr>
+          </a:p>
+          <a:p>
+            <a:pPr>
               <a:lnSpc>
                 <a:spcPct val="100000"/>
               </a:lnSpc>
@@ -6220,24 +8046,15 @@
                 <a:spcPts val="479"/>
               </a:spcBef>
             </a:pPr>
-            <a:r>
-              <a:rPr b="0" lang="de-DE" sz="2400" spc="-1" strike="noStrike">
-                <a:solidFill>
-                  <a:srgbClr val="000000"/>
-                </a:solidFill>
-                <a:latin typeface="Arial"/>
-              </a:rPr>
-              <a:t>Bluetooth Low Energy (BLE)</a:t>
-            </a:r>
-            <a:endParaRPr b="0" lang="de-DE" sz="2400" spc="-1" strike="noStrike">
-              <a:latin typeface="Arial"/>
-            </a:endParaRPr>
-          </a:p>
-        </p:txBody>
-      </p:sp>
-      <p:sp>
-        <p:nvSpPr>
-          <p:cNvPr id="123" name="CustomShape 4"/>
+            <a:endParaRPr lang="de-DE" sz="2400" b="0" strike="noStrike" spc="-1" dirty="0">
+              <a:latin typeface="Arial"/>
+            </a:endParaRPr>
+          </a:p>
+        </p:txBody>
+      </p:sp>
+      <p:sp>
+        <p:nvSpPr>
+          <p:cNvPr id="133" name="CustomShape 4"/>
           <p:cNvSpPr/>
           <p:nvPr/>
         </p:nvSpPr>
@@ -6255,13 +8072,20 @@
           </a:ln>
         </p:spPr>
         <p:style>
-          <a:lnRef idx="0"/>
-          <a:fillRef idx="0"/>
-          <a:effectRef idx="0"/>
+          <a:lnRef idx="0">
+            <a:scrgbClr r="0" g="0" b="0"/>
+          </a:lnRef>
+          <a:fillRef idx="0">
+            <a:scrgbClr r="0" g="0" b="0"/>
+          </a:fillRef>
+          <a:effectRef idx="0">
+            <a:scrgbClr r="0" g="0" b="0"/>
+          </a:effectRef>
           <a:fontRef idx="minor"/>
         </p:style>
         <p:txBody>
-          <a:bodyPr lIns="90000" rIns="90000" tIns="45000" bIns="45000" anchor="ctr"/>
+          <a:bodyPr lIns="90000" tIns="45000" rIns="90000" bIns="45000" anchor="ctr"/>
+          <a:lstStyle/>
           <a:p>
             <a:pPr>
               <a:lnSpc>
@@ -6269,23 +8093,23 @@
               </a:lnSpc>
             </a:pPr>
             <a:r>
-              <a:rPr b="0" lang="de-DE" sz="800" spc="-1" strike="noStrike">
+              <a:rPr lang="de-DE" sz="800" b="0" strike="noStrike" spc="-1">
                 <a:solidFill>
-                  <a:srgbClr val="ffffff"/>
+                  <a:srgbClr val="FFFFFF"/>
                 </a:solidFill>
                 <a:latin typeface="Arial"/>
               </a:rPr>
               <a:t>Distance Based Application Trigger</a:t>
             </a:r>
-            <a:endParaRPr b="0" lang="de-DE" sz="800" spc="-1" strike="noStrike">
-              <a:latin typeface="Arial"/>
-            </a:endParaRPr>
-          </a:p>
-        </p:txBody>
-      </p:sp>
-      <p:sp>
-        <p:nvSpPr>
-          <p:cNvPr id="124" name="CustomShape 5"/>
+            <a:endParaRPr lang="de-DE" sz="800" b="0" strike="noStrike" spc="-1">
+              <a:latin typeface="Arial"/>
+            </a:endParaRPr>
+          </a:p>
+        </p:txBody>
+      </p:sp>
+      <p:sp>
+        <p:nvSpPr>
+          <p:cNvPr id="134" name="CustomShape 5"/>
           <p:cNvSpPr/>
           <p:nvPr/>
         </p:nvSpPr>
@@ -6303,37 +8127,44 @@
           </a:ln>
         </p:spPr>
         <p:style>
-          <a:lnRef idx="0"/>
-          <a:fillRef idx="0"/>
-          <a:effectRef idx="0"/>
+          <a:lnRef idx="0">
+            <a:scrgbClr r="0" g="0" b="0"/>
+          </a:lnRef>
+          <a:fillRef idx="0">
+            <a:scrgbClr r="0" g="0" b="0"/>
+          </a:fillRef>
+          <a:effectRef idx="0">
+            <a:scrgbClr r="0" g="0" b="0"/>
+          </a:effectRef>
           <a:fontRef idx="minor"/>
         </p:style>
         <p:txBody>
-          <a:bodyPr lIns="90000" rIns="90000" tIns="45000" bIns="45000" anchor="ctr"/>
+          <a:bodyPr lIns="90000" tIns="45000" rIns="90000" bIns="45000" anchor="ctr"/>
+          <a:lstStyle/>
           <a:p>
             <a:pPr algn="r">
               <a:lnSpc>
                 <a:spcPct val="100000"/>
               </a:lnSpc>
             </a:pPr>
-            <a:fld id="{EF7E94B8-2A16-43C2-9BF5-C641125782F7}" type="slidenum">
-              <a:rPr b="0" lang="de-DE" sz="800" spc="-1" strike="noStrike">
+            <a:fld id="{192565A8-C951-4284-9AA4-601B1DC1E9A6}" type="slidenum">
+              <a:rPr lang="de-DE" sz="800" b="0" strike="noStrike" spc="-1">
                 <a:solidFill>
-                  <a:srgbClr val="ffffff"/>
+                  <a:srgbClr val="FFFFFF"/>
                 </a:solidFill>
                 <a:latin typeface="Arial"/>
               </a:rPr>
               <a:t>6</a:t>
             </a:fld>
-            <a:endParaRPr b="0" lang="de-DE" sz="800" spc="-1" strike="noStrike">
-              <a:latin typeface="Arial"/>
-            </a:endParaRPr>
-          </a:p>
-        </p:txBody>
-      </p:sp>
-      <p:sp>
-        <p:nvSpPr>
-          <p:cNvPr id="125" name="CustomShape 6"/>
+            <a:endParaRPr lang="de-DE" sz="800" b="0" strike="noStrike" spc="-1">
+              <a:latin typeface="Arial"/>
+            </a:endParaRPr>
+          </a:p>
+        </p:txBody>
+      </p:sp>
+      <p:sp>
+        <p:nvSpPr>
+          <p:cNvPr id="135" name="CustomShape 6"/>
           <p:cNvSpPr/>
           <p:nvPr/>
         </p:nvSpPr>
@@ -6351,13 +8182,20 @@
           </a:ln>
         </p:spPr>
         <p:style>
-          <a:lnRef idx="0"/>
-          <a:fillRef idx="0"/>
-          <a:effectRef idx="0"/>
+          <a:lnRef idx="0">
+            <a:scrgbClr r="0" g="0" b="0"/>
+          </a:lnRef>
+          <a:fillRef idx="0">
+            <a:scrgbClr r="0" g="0" b="0"/>
+          </a:fillRef>
+          <a:effectRef idx="0">
+            <a:scrgbClr r="0" g="0" b="0"/>
+          </a:effectRef>
           <a:fontRef idx="minor"/>
         </p:style>
         <p:txBody>
-          <a:bodyPr lIns="90000" rIns="90000" tIns="45000" bIns="45000" anchor="ctr"/>
+          <a:bodyPr lIns="90000" tIns="45000" rIns="90000" bIns="45000" anchor="ctr"/>
+          <a:lstStyle/>
           <a:p>
             <a:pPr algn="r">
               <a:lnSpc>
@@ -6365,15 +8203,15 @@
               </a:lnSpc>
             </a:pPr>
             <a:r>
-              <a:rPr b="0" lang="de-DE" sz="800" spc="-1" strike="noStrike">
+              <a:rPr lang="de-DE" sz="800" b="0" strike="noStrike" spc="-1">
                 <a:solidFill>
-                  <a:srgbClr val="ffffff"/>
+                  <a:srgbClr val="FFFFFF"/>
                 </a:solidFill>
                 <a:latin typeface="Arial"/>
               </a:rPr>
               <a:t>Software- and Systems Engineering Research Group</a:t>
             </a:r>
-            <a:endParaRPr b="0" lang="de-DE" sz="800" spc="-1" strike="noStrike">
+            <a:endParaRPr lang="de-DE" sz="800" b="0" strike="noStrike" spc="-1">
               <a:latin typeface="Arial"/>
             </a:endParaRPr>
           </a:p>
@@ -6381,107 +8219,7 @@
       </p:sp>
       <p:pic>
         <p:nvPicPr>
-          <p:cNvPr id="126" name="Grafik 9" descr=""/>
-          <p:cNvPicPr/>
-          <p:nvPr/>
-        </p:nvPicPr>
-        <p:blipFill>
-          <a:blip r:embed="rId1"/>
-          <a:stretch/>
-        </p:blipFill>
-        <p:spPr>
-          <a:xfrm>
-            <a:off x="492120" y="1506960"/>
-            <a:ext cx="3845520" cy="3177720"/>
-          </a:xfrm>
-          <a:prstGeom prst="rect">
-            <a:avLst/>
-          </a:prstGeom>
-          <a:ln>
-            <a:noFill/>
-          </a:ln>
-        </p:spPr>
-      </p:pic>
-      <p:pic>
-        <p:nvPicPr>
-          <p:cNvPr id="127" name="Grafik 10" descr=""/>
-          <p:cNvPicPr/>
-          <p:nvPr/>
-        </p:nvPicPr>
-        <p:blipFill>
-          <a:blip r:embed="rId2"/>
-          <a:stretch/>
-        </p:blipFill>
-        <p:spPr>
-          <a:xfrm>
-            <a:off x="5214600" y="1506960"/>
-            <a:ext cx="3228120" cy="3177720"/>
-          </a:xfrm>
-          <a:prstGeom prst="rect">
-            <a:avLst/>
-          </a:prstGeom>
-          <a:ln>
-            <a:noFill/>
-          </a:ln>
-        </p:spPr>
-      </p:pic>
-      <p:sp>
-        <p:nvSpPr>
-          <p:cNvPr id="128" name="CustomShape 7"/>
-          <p:cNvSpPr/>
-          <p:nvPr/>
-        </p:nvSpPr>
-        <p:spPr>
-          <a:xfrm>
-            <a:off x="4764600" y="5356080"/>
-            <a:ext cx="4127760" cy="791280"/>
-          </a:xfrm>
-          <a:prstGeom prst="rect">
-            <a:avLst/>
-          </a:prstGeom>
-          <a:noFill/>
-          <a:ln w="9360">
-            <a:noFill/>
-          </a:ln>
-        </p:spPr>
-        <p:style>
-          <a:lnRef idx="0"/>
-          <a:fillRef idx="0"/>
-          <a:effectRef idx="0"/>
-          <a:fontRef idx="minor"/>
-        </p:style>
-        <p:txBody>
-          <a:bodyPr lIns="90000" rIns="90000" tIns="45000" bIns="45000">
-            <a:normAutofit/>
-          </a:bodyPr>
-          <a:p>
-            <a:pPr algn="ctr">
-              <a:lnSpc>
-                <a:spcPct val="100000"/>
-              </a:lnSpc>
-              <a:spcBef>
-                <a:spcPts val="479"/>
-              </a:spcBef>
-            </a:pPr>
-            <a:r>
-              <a:rPr b="0" lang="de-DE" sz="2400" spc="-1" strike="noStrike">
-                <a:solidFill>
-                  <a:srgbClr val="000000"/>
-                </a:solidFill>
-                <a:latin typeface="Arial"/>
-                <a:ea typeface="DejaVu Sans"/>
-              </a:rPr>
-              <a:t>Beacons</a:t>
-            </a:r>
-            <a:endParaRPr b="0" lang="de-DE" sz="2400" spc="-1" strike="noStrike">
-              <a:latin typeface="Arial"/>
-            </a:endParaRPr>
-          </a:p>
-        </p:txBody>
-      </p:sp>
-      <p:pic>
-        <p:nvPicPr>
-          <p:cNvPr id="129" name="" descr=""/>
+          <p:cNvPr id="136" name="Grafik 135"/>
           <p:cNvPicPr/>
           <p:nvPr/>
         </p:nvPicPr>
@@ -6504,30 +8242,25 @@
       </p:pic>
     </p:spTree>
   </p:cSld>
-  <mc:AlternateContent>
-    <mc:Choice Requires="p14">
-      <p:transition spd="slow" p14:dur="2000"/>
-    </mc:Choice>
-    <mc:Fallback>
-      <p:transition spd="slow"/>
-    </mc:Fallback>
-  </mc:AlternateContent>
+  <p:clrMapOvr>
+    <a:masterClrMapping/>
+  </p:clrMapOvr>
   <p:timing>
     <p:tnLst>
       <p:par>
-        <p:cTn id="11" dur="indefinite" restart="never" nodeType="tmRoot">
+        <p:cTn id="1" dur="indefinite" restart="never" nodeType="tmRoot">
           <p:childTnLst>
             <p:seq>
-              <p:cTn id="12" dur="indefinite" nodeType="mainSeq"/>
+              <p:cTn id="2" dur="indefinite" nodeType="mainSeq"/>
               <p:prevCondLst>
-                <p:cond delay="0" evt="onPrev">
+                <p:cond evt="onPrev" delay="0">
                   <p:tgtEl>
                     <p:sldTgt/>
                   </p:tgtEl>
                 </p:cond>
               </p:prevCondLst>
               <p:nextCondLst>
-                <p:cond delay="0" evt="onNext">
+                <p:cond evt="onNext" delay="0">
                   <p:tgtEl>
                     <p:sldTgt/>
                   </p:tgtEl>
@@ -6543,7 +8276,7 @@
 </file>
 
 <file path=ppt/slides/slide7.xml><?xml version="1.0" encoding="utf-8"?>
-<p:sld xmlns:a="http://schemas.openxmlformats.org/drawingml/2006/main" xmlns:p="http://schemas.openxmlformats.org/presentationml/2006/main" xmlns:r="http://schemas.openxmlformats.org/officeDocument/2006/relationships" xmlns:p14="http://schemas.microsoft.com/office/powerpoint/2010/main" xmlns:p15="http://schemas.microsoft.com/office/powerpoint/2012/main" xmlns:mc="http://schemas.openxmlformats.org/markup-compatibility/2006">
+<p:sld xmlns:a="http://schemas.openxmlformats.org/drawingml/2006/main" xmlns:r="http://schemas.openxmlformats.org/officeDocument/2006/relationships" xmlns:p="http://schemas.openxmlformats.org/presentationml/2006/main">
   <p:cSld>
     <p:spTree>
       <p:nvGrpSpPr>
@@ -6561,7 +8294,7 @@
       </p:grpSpPr>
       <p:sp>
         <p:nvSpPr>
-          <p:cNvPr id="130" name="CustomShape 1" hidden="1"/>
+          <p:cNvPr id="137" name="CustomShape 1" hidden="1"/>
           <p:cNvSpPr/>
           <p:nvPr/>
         </p:nvSpPr>
@@ -6591,10 +8324,17 @@
           </a:effectRef>
           <a:fontRef idx="minor"/>
         </p:style>
-      </p:sp>
-      <p:sp>
-        <p:nvSpPr>
-          <p:cNvPr id="131" name="CustomShape 2"/>
+        <p:txBody>
+          <a:bodyPr/>
+          <a:lstStyle/>
+          <a:p>
+            <a:endParaRPr lang="de-DE"/>
+          </a:p>
+        </p:txBody>
+      </p:sp>
+      <p:sp>
+        <p:nvSpPr>
+          <p:cNvPr id="138" name="CustomShape 2"/>
           <p:cNvSpPr/>
           <p:nvPr/>
         </p:nvSpPr>
@@ -6612,13 +8352,20 @@
           </a:ln>
         </p:spPr>
         <p:style>
-          <a:lnRef idx="0"/>
-          <a:fillRef idx="0"/>
-          <a:effectRef idx="0"/>
+          <a:lnRef idx="0">
+            <a:scrgbClr r="0" g="0" b="0"/>
+          </a:lnRef>
+          <a:fillRef idx="0">
+            <a:scrgbClr r="0" g="0" b="0"/>
+          </a:fillRef>
+          <a:effectRef idx="0">
+            <a:scrgbClr r="0" g="0" b="0"/>
+          </a:effectRef>
           <a:fontRef idx="minor"/>
         </p:style>
         <p:txBody>
-          <a:bodyPr lIns="90000" rIns="90000" tIns="0" bIns="0" anchor="b"/>
+          <a:bodyPr lIns="90000" tIns="0" rIns="90000" bIns="0" anchor="b"/>
+          <a:lstStyle/>
           <a:p>
             <a:pPr>
               <a:lnSpc>
@@ -6626,30 +8373,30 @@
               </a:lnSpc>
             </a:pPr>
             <a:r>
-              <a:rPr b="0" lang="de-DE" sz="2800" spc="-1" strike="noStrike">
+              <a:rPr lang="de-DE" sz="2800" b="0" strike="noStrike" spc="-1">
                 <a:solidFill>
-                  <a:srgbClr val="ffffff"/>
+                  <a:srgbClr val="FFFFFF"/>
                 </a:solidFill>
                 <a:latin typeface="Arial"/>
               </a:rPr>
-              <a:t>Potential Problems</a:t>
+              <a:t>How would the prototype function?</a:t>
             </a:r>
-            <a:endParaRPr b="0" lang="de-DE" sz="2800" spc="-1" strike="noStrike">
-              <a:latin typeface="Arial"/>
-            </a:endParaRPr>
-          </a:p>
-        </p:txBody>
-      </p:sp>
-      <p:sp>
-        <p:nvSpPr>
-          <p:cNvPr id="132" name="CustomShape 3"/>
+            <a:endParaRPr lang="de-DE" sz="2800" b="0" strike="noStrike" spc="-1">
+              <a:latin typeface="Arial"/>
+            </a:endParaRPr>
+          </a:p>
+        </p:txBody>
+      </p:sp>
+      <p:sp>
+        <p:nvSpPr>
+          <p:cNvPr id="139" name="CustomShape 3"/>
           <p:cNvSpPr/>
           <p:nvPr/>
         </p:nvSpPr>
         <p:spPr>
           <a:xfrm>
-            <a:off x="250920" y="981000"/>
-            <a:ext cx="8641800" cy="5400000"/>
+            <a:off x="249840" y="6568920"/>
+            <a:ext cx="4320360" cy="288360"/>
           </a:xfrm>
           <a:prstGeom prst="rect">
             <a:avLst/>
@@ -6660,165 +8407,20 @@
           </a:ln>
         </p:spPr>
         <p:style>
-          <a:lnRef idx="0"/>
-          <a:fillRef idx="0"/>
-          <a:effectRef idx="0"/>
+          <a:lnRef idx="0">
+            <a:scrgbClr r="0" g="0" b="0"/>
+          </a:lnRef>
+          <a:fillRef idx="0">
+            <a:scrgbClr r="0" g="0" b="0"/>
+          </a:fillRef>
+          <a:effectRef idx="0">
+            <a:scrgbClr r="0" g="0" b="0"/>
+          </a:effectRef>
           <a:fontRef idx="minor"/>
         </p:style>
         <p:txBody>
-          <a:bodyPr lIns="90000" rIns="90000" tIns="45000" bIns="45000">
-            <a:normAutofit/>
-          </a:bodyPr>
-          <a:p>
-            <a:pPr marL="457200" indent="-456480">
-              <a:lnSpc>
-                <a:spcPct val="100000"/>
-              </a:lnSpc>
-              <a:spcBef>
-                <a:spcPts val="479"/>
-              </a:spcBef>
-              <a:buClr>
-                <a:srgbClr val="000000"/>
-              </a:buClr>
-              <a:buFont typeface="Arial"/>
-              <a:buChar char="•"/>
-            </a:pPr>
-            <a:r>
-              <a:rPr b="0" lang="de-DE" sz="2400" spc="-1" strike="noStrike">
-                <a:solidFill>
-                  <a:srgbClr val="000000"/>
-                </a:solidFill>
-                <a:latin typeface="Arial"/>
-              </a:rPr>
-              <a:t>Accuracy of position estimates</a:t>
-            </a:r>
-            <a:endParaRPr b="0" lang="de-DE" sz="2400" spc="-1" strike="noStrike">
-              <a:latin typeface="Arial"/>
-            </a:endParaRPr>
-          </a:p>
-          <a:p>
-            <a:pPr marL="457200" indent="-456480">
-              <a:lnSpc>
-                <a:spcPct val="100000"/>
-              </a:lnSpc>
-              <a:spcBef>
-                <a:spcPts val="479"/>
-              </a:spcBef>
-              <a:buClr>
-                <a:srgbClr val="000000"/>
-              </a:buClr>
-              <a:buFont typeface="Arial"/>
-              <a:buChar char="•"/>
-            </a:pPr>
-            <a:r>
-              <a:rPr b="0" lang="de-DE" sz="2400" spc="-1" strike="noStrike">
-                <a:solidFill>
-                  <a:srgbClr val="000000"/>
-                </a:solidFill>
-                <a:latin typeface="Arial"/>
-              </a:rPr>
-              <a:t>Response time for detection of beacons in the background</a:t>
-            </a:r>
-            <a:endParaRPr b="0" lang="de-DE" sz="2400" spc="-1" strike="noStrike">
-              <a:latin typeface="Arial"/>
-            </a:endParaRPr>
-          </a:p>
-          <a:p>
-            <a:pPr marL="457200" indent="-456480">
-              <a:lnSpc>
-                <a:spcPct val="100000"/>
-              </a:lnSpc>
-              <a:spcBef>
-                <a:spcPts val="479"/>
-              </a:spcBef>
-              <a:buClr>
-                <a:srgbClr val="000000"/>
-              </a:buClr>
-              <a:buFont typeface="Arial"/>
-              <a:buChar char="•"/>
-            </a:pPr>
-            <a:r>
-              <a:rPr b="0" lang="de-DE" sz="2400" spc="-1" strike="noStrike">
-                <a:solidFill>
-                  <a:srgbClr val="000000"/>
-                </a:solidFill>
-                <a:latin typeface="Arial"/>
-              </a:rPr>
-              <a:t>Compatibility of different beacons</a:t>
-            </a:r>
-            <a:endParaRPr b="0" lang="de-DE" sz="2400" spc="-1" strike="noStrike">
-              <a:latin typeface="Arial"/>
-            </a:endParaRPr>
-          </a:p>
-          <a:p>
-            <a:pPr marL="457200" indent="-456480">
-              <a:lnSpc>
-                <a:spcPct val="100000"/>
-              </a:lnSpc>
-              <a:spcBef>
-                <a:spcPts val="479"/>
-              </a:spcBef>
-              <a:buClr>
-                <a:srgbClr val="000000"/>
-              </a:buClr>
-              <a:buFont typeface="Arial"/>
-              <a:buChar char="•"/>
-            </a:pPr>
-            <a:r>
-              <a:rPr b="0" lang="de-DE" sz="2400" spc="-1" strike="noStrike">
-                <a:solidFill>
-                  <a:srgbClr val="000000"/>
-                </a:solidFill>
-                <a:latin typeface="Arial"/>
-              </a:rPr>
-              <a:t>Compatibility of BLE libraries between Android versions</a:t>
-            </a:r>
-            <a:endParaRPr b="0" lang="de-DE" sz="2400" spc="-1" strike="noStrike">
-              <a:latin typeface="Arial"/>
-            </a:endParaRPr>
-          </a:p>
-          <a:p>
-            <a:pPr>
-              <a:lnSpc>
-                <a:spcPct val="100000"/>
-              </a:lnSpc>
-              <a:spcBef>
-                <a:spcPts val="479"/>
-              </a:spcBef>
-            </a:pPr>
-            <a:endParaRPr b="0" lang="de-DE" sz="2400" spc="-1" strike="noStrike">
-              <a:latin typeface="Arial"/>
-            </a:endParaRPr>
-          </a:p>
-        </p:txBody>
-      </p:sp>
-      <p:sp>
-        <p:nvSpPr>
-          <p:cNvPr id="133" name="CustomShape 4"/>
-          <p:cNvSpPr/>
-          <p:nvPr/>
-        </p:nvSpPr>
-        <p:spPr>
-          <a:xfrm>
-            <a:off x="249840" y="6568920"/>
-            <a:ext cx="4320360" cy="288360"/>
-          </a:xfrm>
-          <a:prstGeom prst="rect">
-            <a:avLst/>
-          </a:prstGeom>
-          <a:noFill/>
-          <a:ln w="9360">
-            <a:noFill/>
-          </a:ln>
-        </p:spPr>
-        <p:style>
-          <a:lnRef idx="0"/>
-          <a:fillRef idx="0"/>
-          <a:effectRef idx="0"/>
-          <a:fontRef idx="minor"/>
-        </p:style>
-        <p:txBody>
-          <a:bodyPr lIns="90000" rIns="90000" tIns="45000" bIns="45000" anchor="ctr"/>
+          <a:bodyPr lIns="90000" tIns="45000" rIns="90000" bIns="45000" anchor="ctr"/>
+          <a:lstStyle/>
           <a:p>
             <a:pPr>
               <a:lnSpc>
@@ -6826,23 +8428,23 @@
               </a:lnSpc>
             </a:pPr>
             <a:r>
-              <a:rPr b="0" lang="de-DE" sz="800" spc="-1" strike="noStrike">
+              <a:rPr lang="de-DE" sz="800" b="0" strike="noStrike" spc="-1">
                 <a:solidFill>
-                  <a:srgbClr val="ffffff"/>
+                  <a:srgbClr val="FFFFFF"/>
                 </a:solidFill>
                 <a:latin typeface="Arial"/>
               </a:rPr>
               <a:t>Distance Based Application Trigger</a:t>
             </a:r>
-            <a:endParaRPr b="0" lang="de-DE" sz="800" spc="-1" strike="noStrike">
-              <a:latin typeface="Arial"/>
-            </a:endParaRPr>
-          </a:p>
-        </p:txBody>
-      </p:sp>
-      <p:sp>
-        <p:nvSpPr>
-          <p:cNvPr id="134" name="CustomShape 5"/>
+            <a:endParaRPr lang="de-DE" sz="800" b="0" strike="noStrike" spc="-1">
+              <a:latin typeface="Arial"/>
+            </a:endParaRPr>
+          </a:p>
+        </p:txBody>
+      </p:sp>
+      <p:sp>
+        <p:nvSpPr>
+          <p:cNvPr id="140" name="CustomShape 4"/>
           <p:cNvSpPr/>
           <p:nvPr/>
         </p:nvSpPr>
@@ -6860,37 +8462,44 @@
           </a:ln>
         </p:spPr>
         <p:style>
-          <a:lnRef idx="0"/>
-          <a:fillRef idx="0"/>
-          <a:effectRef idx="0"/>
+          <a:lnRef idx="0">
+            <a:scrgbClr r="0" g="0" b="0"/>
+          </a:lnRef>
+          <a:fillRef idx="0">
+            <a:scrgbClr r="0" g="0" b="0"/>
+          </a:fillRef>
+          <a:effectRef idx="0">
+            <a:scrgbClr r="0" g="0" b="0"/>
+          </a:effectRef>
           <a:fontRef idx="minor"/>
         </p:style>
         <p:txBody>
-          <a:bodyPr lIns="90000" rIns="90000" tIns="45000" bIns="45000" anchor="ctr"/>
+          <a:bodyPr lIns="90000" tIns="45000" rIns="90000" bIns="45000" anchor="ctr"/>
+          <a:lstStyle/>
           <a:p>
             <a:pPr algn="r">
               <a:lnSpc>
                 <a:spcPct val="100000"/>
               </a:lnSpc>
             </a:pPr>
-            <a:fld id="{192565A8-C951-4284-9AA4-601B1DC1E9A6}" type="slidenum">
-              <a:rPr b="0" lang="de-DE" sz="800" spc="-1" strike="noStrike">
+            <a:fld id="{4F461415-D2AE-4D82-AD85-645C25C5CEFB}" type="slidenum">
+              <a:rPr lang="de-DE" sz="800" b="0" strike="noStrike" spc="-1">
                 <a:solidFill>
-                  <a:srgbClr val="ffffff"/>
+                  <a:srgbClr val="FFFFFF"/>
                 </a:solidFill>
                 <a:latin typeface="Arial"/>
               </a:rPr>
               <a:t>7</a:t>
             </a:fld>
-            <a:endParaRPr b="0" lang="de-DE" sz="800" spc="-1" strike="noStrike">
-              <a:latin typeface="Arial"/>
-            </a:endParaRPr>
-          </a:p>
-        </p:txBody>
-      </p:sp>
-      <p:sp>
-        <p:nvSpPr>
-          <p:cNvPr id="135" name="CustomShape 6"/>
+            <a:endParaRPr lang="de-DE" sz="800" b="0" strike="noStrike" spc="-1">
+              <a:latin typeface="Arial"/>
+            </a:endParaRPr>
+          </a:p>
+        </p:txBody>
+      </p:sp>
+      <p:sp>
+        <p:nvSpPr>
+          <p:cNvPr id="141" name="CustomShape 5"/>
           <p:cNvSpPr/>
           <p:nvPr/>
         </p:nvSpPr>
@@ -6908,13 +8517,20 @@
           </a:ln>
         </p:spPr>
         <p:style>
-          <a:lnRef idx="0"/>
-          <a:fillRef idx="0"/>
-          <a:effectRef idx="0"/>
+          <a:lnRef idx="0">
+            <a:scrgbClr r="0" g="0" b="0"/>
+          </a:lnRef>
+          <a:fillRef idx="0">
+            <a:scrgbClr r="0" g="0" b="0"/>
+          </a:fillRef>
+          <a:effectRef idx="0">
+            <a:scrgbClr r="0" g="0" b="0"/>
+          </a:effectRef>
           <a:fontRef idx="minor"/>
         </p:style>
         <p:txBody>
-          <a:bodyPr lIns="90000" rIns="90000" tIns="45000" bIns="45000" anchor="ctr"/>
+          <a:bodyPr lIns="90000" tIns="45000" rIns="90000" bIns="45000" anchor="ctr"/>
+          <a:lstStyle/>
           <a:p>
             <a:pPr algn="r">
               <a:lnSpc>
@@ -6922,15 +8538,15 @@
               </a:lnSpc>
             </a:pPr>
             <a:r>
-              <a:rPr b="0" lang="de-DE" sz="800" spc="-1" strike="noStrike">
+              <a:rPr lang="de-DE" sz="800" b="0" strike="noStrike" spc="-1">
                 <a:solidFill>
-                  <a:srgbClr val="ffffff"/>
+                  <a:srgbClr val="FFFFFF"/>
                 </a:solidFill>
                 <a:latin typeface="Arial"/>
               </a:rPr>
               <a:t>Software- and Systems Engineering Research Group</a:t>
             </a:r>
-            <a:endParaRPr b="0" lang="de-DE" sz="800" spc="-1" strike="noStrike">
+            <a:endParaRPr lang="de-DE" sz="800" b="0" strike="noStrike" spc="-1">
               <a:latin typeface="Arial"/>
             </a:endParaRPr>
           </a:p>
@@ -6938,347 +8554,7 @@
       </p:sp>
       <p:pic>
         <p:nvPicPr>
-          <p:cNvPr id="136" name="" descr=""/>
-          <p:cNvPicPr/>
-          <p:nvPr/>
-        </p:nvPicPr>
-        <p:blipFill>
-          <a:blip r:embed="rId1"/>
-          <a:stretch/>
-        </p:blipFill>
-        <p:spPr>
-          <a:xfrm>
-            <a:off x="360" y="0"/>
-            <a:ext cx="360" cy="360"/>
-          </a:xfrm>
-          <a:prstGeom prst="rect">
-            <a:avLst/>
-          </a:prstGeom>
-          <a:ln>
-            <a:noFill/>
-          </a:ln>
-        </p:spPr>
-      </p:pic>
-    </p:spTree>
-  </p:cSld>
-  <mc:AlternateContent>
-    <mc:Choice Requires="p14">
-      <p:transition spd="slow" p14:dur="2000"/>
-    </mc:Choice>
-    <mc:Fallback>
-      <p:transition spd="slow"/>
-    </mc:Fallback>
-  </mc:AlternateContent>
-  <p:timing>
-    <p:tnLst>
-      <p:par>
-        <p:cTn id="13" dur="indefinite" restart="never" nodeType="tmRoot">
-          <p:childTnLst>
-            <p:seq>
-              <p:cTn id="14" dur="indefinite" nodeType="mainSeq"/>
-              <p:prevCondLst>
-                <p:cond delay="0" evt="onPrev">
-                  <p:tgtEl>
-                    <p:sldTgt/>
-                  </p:tgtEl>
-                </p:cond>
-              </p:prevCondLst>
-              <p:nextCondLst>
-                <p:cond delay="0" evt="onNext">
-                  <p:tgtEl>
-                    <p:sldTgt/>
-                  </p:tgtEl>
-                </p:cond>
-              </p:nextCondLst>
-            </p:seq>
-          </p:childTnLst>
-        </p:cTn>
-      </p:par>
-    </p:tnLst>
-  </p:timing>
-</p:sld>
-</file>
-
-<file path=ppt/slides/slide8.xml><?xml version="1.0" encoding="utf-8"?>
-<p:sld xmlns:a="http://schemas.openxmlformats.org/drawingml/2006/main" xmlns:p="http://schemas.openxmlformats.org/presentationml/2006/main" xmlns:r="http://schemas.openxmlformats.org/officeDocument/2006/relationships" xmlns:p14="http://schemas.microsoft.com/office/powerpoint/2010/main" xmlns:p15="http://schemas.microsoft.com/office/powerpoint/2012/main" xmlns:mc="http://schemas.openxmlformats.org/markup-compatibility/2006">
-  <p:cSld>
-    <p:spTree>
-      <p:nvGrpSpPr>
-        <p:cNvPr id="1" name=""/>
-        <p:cNvGrpSpPr/>
-        <p:nvPr/>
-      </p:nvGrpSpPr>
-      <p:grpSpPr>
-        <a:xfrm>
-          <a:off x="0" y="0"/>
-          <a:ext cx="0" cy="0"/>
-          <a:chOff x="0" y="0"/>
-          <a:chExt cx="0" cy="0"/>
-        </a:xfrm>
-      </p:grpSpPr>
-      <p:sp>
-        <p:nvSpPr>
-          <p:cNvPr id="137" name="CustomShape 1" hidden="1"/>
-          <p:cNvSpPr/>
-          <p:nvPr/>
-        </p:nvSpPr>
-        <p:spPr>
-          <a:xfrm>
-            <a:off x="0" y="0"/>
-            <a:ext cx="158040" cy="158040"/>
-          </a:xfrm>
-          <a:prstGeom prst="rect">
-            <a:avLst/>
-          </a:prstGeom>
-          <a:ln>
-            <a:round/>
-          </a:ln>
-        </p:spPr>
-        <p:style>
-          <a:lnRef idx="2">
-            <a:schemeClr val="accent3">
-              <a:shade val="50000"/>
-            </a:schemeClr>
-          </a:lnRef>
-          <a:fillRef idx="1">
-            <a:schemeClr val="accent3"/>
-          </a:fillRef>
-          <a:effectRef idx="0">
-            <a:schemeClr val="accent3"/>
-          </a:effectRef>
-          <a:fontRef idx="minor"/>
-        </p:style>
-      </p:sp>
-      <p:sp>
-        <p:nvSpPr>
-          <p:cNvPr id="138" name="CustomShape 2"/>
-          <p:cNvSpPr/>
-          <p:nvPr/>
-        </p:nvSpPr>
-        <p:spPr>
-          <a:xfrm>
-            <a:off x="250920" y="44280"/>
-            <a:ext cx="7535160" cy="720000"/>
-          </a:xfrm>
-          <a:prstGeom prst="rect">
-            <a:avLst/>
-          </a:prstGeom>
-          <a:noFill/>
-          <a:ln w="9360">
-            <a:noFill/>
-          </a:ln>
-        </p:spPr>
-        <p:style>
-          <a:lnRef idx="0"/>
-          <a:fillRef idx="0"/>
-          <a:effectRef idx="0"/>
-          <a:fontRef idx="minor"/>
-        </p:style>
-        <p:txBody>
-          <a:bodyPr lIns="90000" rIns="90000" tIns="0" bIns="0" anchor="b"/>
-          <a:p>
-            <a:pPr>
-              <a:lnSpc>
-                <a:spcPct val="100000"/>
-              </a:lnSpc>
-            </a:pPr>
-            <a:r>
-              <a:rPr b="0" lang="de-DE" sz="2800" spc="-1" strike="noStrike">
-                <a:solidFill>
-                  <a:srgbClr val="ffffff"/>
-                </a:solidFill>
-                <a:latin typeface="Arial"/>
-              </a:rPr>
-              <a:t>How would the prototype function?</a:t>
-            </a:r>
-            <a:endParaRPr b="0" lang="de-DE" sz="2800" spc="-1" strike="noStrike">
-              <a:latin typeface="Arial"/>
-            </a:endParaRPr>
-          </a:p>
-        </p:txBody>
-      </p:sp>
-      <p:sp>
-        <p:nvSpPr>
-          <p:cNvPr id="139" name="CustomShape 3"/>
-          <p:cNvSpPr/>
-          <p:nvPr/>
-        </p:nvSpPr>
-        <p:spPr>
-          <a:xfrm>
-            <a:off x="249840" y="6568920"/>
-            <a:ext cx="4320360" cy="288360"/>
-          </a:xfrm>
-          <a:prstGeom prst="rect">
-            <a:avLst/>
-          </a:prstGeom>
-          <a:noFill/>
-          <a:ln w="9360">
-            <a:noFill/>
-          </a:ln>
-        </p:spPr>
-        <p:style>
-          <a:lnRef idx="0"/>
-          <a:fillRef idx="0"/>
-          <a:effectRef idx="0"/>
-          <a:fontRef idx="minor"/>
-        </p:style>
-        <p:txBody>
-          <a:bodyPr lIns="90000" rIns="90000" tIns="45000" bIns="45000" anchor="ctr"/>
-          <a:p>
-            <a:pPr>
-              <a:lnSpc>
-                <a:spcPct val="100000"/>
-              </a:lnSpc>
-            </a:pPr>
-            <a:r>
-              <a:rPr b="0" lang="de-DE" sz="800" spc="-1" strike="noStrike">
-                <a:solidFill>
-                  <a:srgbClr val="ffffff"/>
-                </a:solidFill>
-                <a:latin typeface="Arial"/>
-              </a:rPr>
-              <a:t>Distance Based Application Trigger</a:t>
-            </a:r>
-            <a:endParaRPr b="0" lang="de-DE" sz="800" spc="-1" strike="noStrike">
-              <a:latin typeface="Arial"/>
-            </a:endParaRPr>
-          </a:p>
-        </p:txBody>
-      </p:sp>
-      <p:sp>
-        <p:nvSpPr>
-          <p:cNvPr id="140" name="CustomShape 4"/>
-          <p:cNvSpPr/>
-          <p:nvPr/>
-        </p:nvSpPr>
-        <p:spPr>
-          <a:xfrm>
-            <a:off x="8643960" y="6570720"/>
-            <a:ext cx="248400" cy="288360"/>
-          </a:xfrm>
-          <a:prstGeom prst="rect">
-            <a:avLst/>
-          </a:prstGeom>
-          <a:noFill/>
-          <a:ln w="9360">
-            <a:noFill/>
-          </a:ln>
-        </p:spPr>
-        <p:style>
-          <a:lnRef idx="0"/>
-          <a:fillRef idx="0"/>
-          <a:effectRef idx="0"/>
-          <a:fontRef idx="minor"/>
-        </p:style>
-        <p:txBody>
-          <a:bodyPr lIns="90000" rIns="90000" tIns="45000" bIns="45000" anchor="ctr"/>
-          <a:p>
-            <a:pPr algn="r">
-              <a:lnSpc>
-                <a:spcPct val="100000"/>
-              </a:lnSpc>
-            </a:pPr>
-            <a:fld id="{4F461415-D2AE-4D82-AD85-645C25C5CEFB}" type="slidenum">
-              <a:rPr b="0" lang="de-DE" sz="800" spc="-1" strike="noStrike">
-                <a:solidFill>
-                  <a:srgbClr val="ffffff"/>
-                </a:solidFill>
-                <a:latin typeface="Arial"/>
-              </a:rPr>
-              <a:t>&lt;Foliennummer&gt;</a:t>
-            </a:fld>
-            <a:endParaRPr b="0" lang="de-DE" sz="800" spc="-1" strike="noStrike">
-              <a:latin typeface="Arial"/>
-            </a:endParaRPr>
-          </a:p>
-        </p:txBody>
-      </p:sp>
-      <p:sp>
-        <p:nvSpPr>
-          <p:cNvPr id="141" name="CustomShape 5"/>
-          <p:cNvSpPr/>
-          <p:nvPr/>
-        </p:nvSpPr>
-        <p:spPr>
-          <a:xfrm>
-            <a:off x="7037280" y="6570720"/>
-            <a:ext cx="1605960" cy="288360"/>
-          </a:xfrm>
-          <a:prstGeom prst="rect">
-            <a:avLst/>
-          </a:prstGeom>
-          <a:noFill/>
-          <a:ln w="9360">
-            <a:noFill/>
-          </a:ln>
-        </p:spPr>
-        <p:style>
-          <a:lnRef idx="0"/>
-          <a:fillRef idx="0"/>
-          <a:effectRef idx="0"/>
-          <a:fontRef idx="minor"/>
-        </p:style>
-        <p:txBody>
-          <a:bodyPr lIns="90000" rIns="90000" tIns="45000" bIns="45000" anchor="ctr"/>
-          <a:p>
-            <a:pPr algn="r">
-              <a:lnSpc>
-                <a:spcPct val="100000"/>
-              </a:lnSpc>
-            </a:pPr>
-            <a:r>
-              <a:rPr b="0" lang="de-DE" sz="800" spc="-1" strike="noStrike">
-                <a:solidFill>
-                  <a:srgbClr val="ffffff"/>
-                </a:solidFill>
-                <a:latin typeface="Arial"/>
-              </a:rPr>
-              <a:t>Software- and Systems Engineering Research Group</a:t>
-            </a:r>
-            <a:endParaRPr b="0" lang="de-DE" sz="800" spc="-1" strike="noStrike">
-              <a:latin typeface="Arial"/>
-            </a:endParaRPr>
-          </a:p>
-        </p:txBody>
-      </p:sp>
-      <p:pic>
-        <p:nvPicPr>
-          <p:cNvPr id="142" name="Inhaltsplatzhalter 12" descr=""/>
-          <p:cNvPicPr/>
-          <p:nvPr/>
-        </p:nvPicPr>
-        <p:blipFill>
-          <a:blip r:embed="rId1">
-            <a:extLst>
-              <a:ext uri="{BEBA8EAE-BF5A-486C-A8C5-ECC9F3942E4B}">
-                <a14:imgProps xmlns:a14="http://schemas.microsoft.com/office/drawing/2010/main">
-                  <a14:imgLayer r:embed="rId2">
-                    <a14:imgEffect>
-                      <a14:saturation colorTemp="6200" sat="23000"/>
-                    </a14:imgEffect>
-                  </a14:imgLayer>
-                </a14:imgProps>
-              </a:ext>
-            </a:extLst>
-          </a:blip>
-          <a:stretch/>
-        </p:blipFill>
-        <p:spPr>
-          <a:xfrm>
-            <a:off x="3272760" y="1499040"/>
-            <a:ext cx="2595600" cy="2355840"/>
-          </a:xfrm>
-          <a:prstGeom prst="rect">
-            <a:avLst/>
-          </a:prstGeom>
-          <a:ln w="9360">
-            <a:noFill/>
-          </a:ln>
-        </p:spPr>
-      </p:pic>
-      <p:pic>
-        <p:nvPicPr>
-          <p:cNvPr id="143" name="Grafik 14" descr=""/>
+          <p:cNvPr id="142" name="Inhaltsplatzhalter 12"/>
           <p:cNvPicPr/>
           <p:nvPr/>
         </p:nvPicPr>
@@ -7289,6 +8565,41 @@
                 <a14:imgProps xmlns:a14="http://schemas.microsoft.com/office/drawing/2010/main">
                   <a14:imgLayer r:embed="rId4">
                     <a14:imgEffect>
+                      <a14:saturation sat="23000"/>
+                    </a14:imgEffect>
+                  </a14:imgLayer>
+                </a14:imgProps>
+              </a:ext>
+            </a:extLst>
+          </a:blip>
+          <a:stretch/>
+        </p:blipFill>
+        <p:spPr>
+          <a:xfrm>
+            <a:off x="3272760" y="1499040"/>
+            <a:ext cx="2595600" cy="2355840"/>
+          </a:xfrm>
+          <a:prstGeom prst="rect">
+            <a:avLst/>
+          </a:prstGeom>
+          <a:ln w="9360">
+            <a:noFill/>
+          </a:ln>
+        </p:spPr>
+      </p:pic>
+      <p:pic>
+        <p:nvPicPr>
+          <p:cNvPr id="143" name="Grafik 14"/>
+          <p:cNvPicPr/>
+          <p:nvPr/>
+        </p:nvPicPr>
+        <p:blipFill>
+          <a:blip r:embed="rId5">
+            <a:extLst>
+              <a:ext uri="{BEBA8EAE-BF5A-486C-A8C5-ECC9F3942E4B}">
+                <a14:imgProps xmlns:a14="http://schemas.microsoft.com/office/drawing/2010/main">
+                  <a14:imgLayer r:embed="rId6">
+                    <a14:imgEffect>
                       <a14:saturation sat="0"/>
                     </a14:imgEffect>
                   </a14:imgLayer>
@@ -7313,12 +8624,12 @@
       </p:pic>
       <p:pic>
         <p:nvPicPr>
-          <p:cNvPr id="144" name="Grafik 15" descr=""/>
+          <p:cNvPr id="144" name="Grafik 15"/>
           <p:cNvPicPr/>
           <p:nvPr/>
         </p:nvPicPr>
         <p:blipFill>
-          <a:blip r:embed="rId5"/>
+          <a:blip r:embed="rId7"/>
           <a:stretch/>
         </p:blipFill>
         <p:spPr>
@@ -7366,7 +8677,8 @@
           <a:fontRef idx="minor"/>
         </p:style>
         <p:txBody>
-          <a:bodyPr lIns="90000" rIns="90000" tIns="45000" bIns="45000"/>
+          <a:bodyPr lIns="90000" tIns="45000" rIns="90000" bIns="45000"/>
+          <a:lstStyle/>
           <a:p>
             <a:pPr algn="ctr">
               <a:lnSpc>
@@ -7374,7 +8686,7 @@
               </a:lnSpc>
             </a:pPr>
             <a:r>
-              <a:rPr b="1" lang="de-DE" sz="2400" spc="-1" strike="noStrike">
+              <a:rPr lang="de-DE" sz="2400" b="1" strike="noStrike" spc="-1">
                 <a:solidFill>
                   <a:srgbClr val="000000"/>
                 </a:solidFill>
@@ -7383,7 +8695,7 @@
               </a:rPr>
               <a:t>Android App</a:t>
             </a:r>
-            <a:endParaRPr b="0" lang="de-DE" sz="2400" spc="-1" strike="noStrike">
+            <a:endParaRPr lang="de-DE" sz="2400" b="0" strike="noStrike" spc="-1">
               <a:latin typeface="Arial"/>
             </a:endParaRPr>
           </a:p>
@@ -7394,7 +8706,7 @@
               </a:lnSpc>
             </a:pPr>
             <a:r>
-              <a:rPr b="0" lang="de-DE" sz="2400" spc="-1" strike="noStrike">
+              <a:rPr lang="de-DE" sz="2400" b="0" strike="noStrike" spc="-1">
                 <a:solidFill>
                   <a:srgbClr val="000000"/>
                 </a:solidFill>
@@ -7403,7 +8715,7 @@
               </a:rPr>
               <a:t>using AltBeacon Framework</a:t>
             </a:r>
-            <a:endParaRPr b="0" lang="de-DE" sz="2400" spc="-1" strike="noStrike">
+            <a:endParaRPr lang="de-DE" sz="2400" b="0" strike="noStrike" spc="-1">
               <a:latin typeface="Arial"/>
             </a:endParaRPr>
           </a:p>
@@ -7441,7 +8753,8 @@
           <a:fontRef idx="minor"/>
         </p:style>
         <p:txBody>
-          <a:bodyPr lIns="90000" rIns="90000" tIns="45000" bIns="45000"/>
+          <a:bodyPr lIns="90000" tIns="45000" rIns="90000" bIns="45000"/>
+          <a:lstStyle/>
           <a:p>
             <a:pPr algn="ctr">
               <a:lnSpc>
@@ -7449,7 +8762,7 @@
               </a:lnSpc>
             </a:pPr>
             <a:r>
-              <a:rPr b="1" lang="de-DE" sz="2400" spc="-1" strike="noStrike">
+              <a:rPr lang="de-DE" sz="2400" b="1" strike="noStrike" spc="-1">
                 <a:solidFill>
                   <a:srgbClr val="000000"/>
                 </a:solidFill>
@@ -7458,7 +8771,7 @@
               </a:rPr>
               <a:t>API</a:t>
             </a:r>
-            <a:endParaRPr b="0" lang="de-DE" sz="2400" spc="-1" strike="noStrike">
+            <a:endParaRPr lang="de-DE" sz="2400" b="0" strike="noStrike" spc="-1">
               <a:latin typeface="Arial"/>
             </a:endParaRPr>
           </a:p>
@@ -7469,7 +8782,7 @@
               </a:lnSpc>
             </a:pPr>
             <a:r>
-              <a:rPr b="0" lang="de-DE" sz="2400" spc="-1" strike="noStrike">
+              <a:rPr lang="de-DE" sz="2400" b="0" strike="noStrike" spc="-1">
                 <a:solidFill>
                   <a:srgbClr val="000000"/>
                 </a:solidFill>
@@ -7478,7 +8791,7 @@
               </a:rPr>
               <a:t>using Raspberry Pi or Sonoff Smart Switch</a:t>
             </a:r>
-            <a:endParaRPr b="0" lang="de-DE" sz="2400" spc="-1" strike="noStrike">
+            <a:endParaRPr lang="de-DE" sz="2400" b="0" strike="noStrike" spc="-1">
               <a:latin typeface="Arial"/>
             </a:endParaRPr>
           </a:p>
@@ -7516,7 +8829,8 @@
           <a:fontRef idx="minor"/>
         </p:style>
         <p:txBody>
-          <a:bodyPr lIns="90000" rIns="90000" tIns="45000" bIns="45000"/>
+          <a:bodyPr lIns="90000" tIns="45000" rIns="90000" bIns="45000"/>
+          <a:lstStyle/>
           <a:p>
             <a:pPr algn="ctr">
               <a:lnSpc>
@@ -7524,7 +8838,7 @@
               </a:lnSpc>
             </a:pPr>
             <a:r>
-              <a:rPr b="1" lang="de-DE" sz="2400" spc="-1" strike="noStrike">
+              <a:rPr lang="de-DE" sz="2400" b="1" strike="noStrike" spc="-1">
                 <a:solidFill>
                   <a:srgbClr val="000000"/>
                 </a:solidFill>
@@ -7533,7 +8847,7 @@
               </a:rPr>
               <a:t>Beacon</a:t>
             </a:r>
-            <a:endParaRPr b="0" lang="de-DE" sz="2400" spc="-1" strike="noStrike">
+            <a:endParaRPr lang="de-DE" sz="2400" b="0" strike="noStrike" spc="-1">
               <a:latin typeface="Arial"/>
             </a:endParaRPr>
           </a:p>
@@ -7544,7 +8858,7 @@
               </a:lnSpc>
             </a:pPr>
             <a:r>
-              <a:rPr b="0" lang="de-DE" sz="2400" spc="-1" strike="noStrike">
+              <a:rPr lang="de-DE" sz="2400" b="0" strike="noStrike" spc="-1">
                 <a:solidFill>
                   <a:srgbClr val="000000"/>
                 </a:solidFill>
@@ -7553,7 +8867,7 @@
               </a:rPr>
               <a:t>using Raspberry Pi,</a:t>
             </a:r>
-            <a:endParaRPr b="0" lang="de-DE" sz="2400" spc="-1" strike="noStrike">
+            <a:endParaRPr lang="de-DE" sz="2400" b="0" strike="noStrike" spc="-1">
               <a:latin typeface="Arial"/>
             </a:endParaRPr>
           </a:p>
@@ -7564,7 +8878,7 @@
               </a:lnSpc>
             </a:pPr>
             <a:r>
-              <a:rPr b="0" lang="de-DE" sz="2400" spc="-1" strike="noStrike">
+              <a:rPr lang="de-DE" sz="2400" b="0" strike="noStrike" spc="-1">
                 <a:solidFill>
                   <a:srgbClr val="000000"/>
                 </a:solidFill>
@@ -7573,7 +8887,7 @@
               </a:rPr>
               <a:t>Laptop or dedicated Beacon</a:t>
             </a:r>
-            <a:endParaRPr b="0" lang="de-DE" sz="2400" spc="-1" strike="noStrike">
+            <a:endParaRPr lang="de-DE" sz="2400" b="0" strike="noStrike" spc="-1">
               <a:latin typeface="Arial"/>
             </a:endParaRPr>
           </a:p>
@@ -7583,7 +8897,7 @@
                 <a:spcPct val="100000"/>
               </a:lnSpc>
             </a:pPr>
-            <a:endParaRPr b="0" lang="de-DE" sz="2400" spc="-1" strike="noStrike">
+            <a:endParaRPr lang="de-DE" sz="2400" b="0" strike="noStrike" spc="-1">
               <a:latin typeface="Arial"/>
             </a:endParaRPr>
           </a:p>
@@ -7591,12 +8905,12 @@
       </p:sp>
       <p:pic>
         <p:nvPicPr>
-          <p:cNvPr id="148" name="" descr=""/>
+          <p:cNvPr id="148" name="Grafik 147"/>
           <p:cNvPicPr/>
           <p:nvPr/>
         </p:nvPicPr>
         <p:blipFill>
-          <a:blip r:embed="rId6"/>
+          <a:blip r:embed="rId8"/>
           <a:stretch/>
         </p:blipFill>
         <p:spPr>
@@ -7614,30 +8928,25 @@
       </p:pic>
     </p:spTree>
   </p:cSld>
-  <mc:AlternateContent>
-    <mc:Choice Requires="p14">
-      <p:transition spd="slow" p14:dur="2000"/>
-    </mc:Choice>
-    <mc:Fallback>
-      <p:transition spd="slow"/>
-    </mc:Fallback>
-  </mc:AlternateContent>
+  <p:clrMapOvr>
+    <a:masterClrMapping/>
+  </p:clrMapOvr>
   <p:timing>
     <p:tnLst>
       <p:par>
-        <p:cTn id="15" dur="indefinite" restart="never" nodeType="tmRoot">
+        <p:cTn id="1" dur="indefinite" restart="never" nodeType="tmRoot">
           <p:childTnLst>
             <p:seq>
-              <p:cTn id="16" dur="indefinite" nodeType="mainSeq"/>
+              <p:cTn id="2" dur="indefinite" nodeType="mainSeq"/>
               <p:prevCondLst>
-                <p:cond delay="0" evt="onPrev">
+                <p:cond evt="onPrev" delay="0">
                   <p:tgtEl>
                     <p:sldTgt/>
                   </p:tgtEl>
                 </p:cond>
               </p:prevCondLst>
               <p:nextCondLst>
-                <p:cond delay="0" evt="onNext">
+                <p:cond evt="onNext" delay="0">
                   <p:tgtEl>
                     <p:sldTgt/>
                   </p:tgtEl>
@@ -7666,31 +8975,31 @@
         <a:srgbClr val="002143"/>
       </a:dk2>
       <a:lt2>
-        <a:srgbClr val="eeece1"/>
+        <a:srgbClr val="EEECE1"/>
       </a:lt2>
       <a:accent1>
-        <a:srgbClr val="91a02f"/>
+        <a:srgbClr val="91A02F"/>
       </a:accent1>
       <a:accent2>
-        <a:srgbClr val="e37c4d"/>
+        <a:srgbClr val="E37C4D"/>
       </a:accent2>
       <a:accent3>
-        <a:srgbClr val="dad7cb"/>
+        <a:srgbClr val="DAD7CB"/>
       </a:accent3>
       <a:accent4>
         <a:srgbClr val="003359"/>
       </a:accent4>
       <a:accent5>
-        <a:srgbClr val="0073cf"/>
+        <a:srgbClr val="0073CF"/>
       </a:accent5>
       <a:accent6>
-        <a:srgbClr val="98c6ea"/>
+        <a:srgbClr val="98C6EA"/>
       </a:accent6>
       <a:hlink>
-        <a:srgbClr val="64a0c8"/>
+        <a:srgbClr val="64A0C8"/>
       </a:hlink>
       <a:folHlink>
-        <a:srgbClr val="64a0c8"/>
+        <a:srgbClr val="64A0C8"/>
       </a:folHlink>
     </a:clrScheme>
     <a:fontScheme name="Office">
@@ -7872,6 +9181,8 @@
       </a:bgFillStyleLst>
     </a:fmtScheme>
   </a:themeElements>
+  <a:objectDefaults/>
+  <a:extraClrSchemeLst/>
 </a:theme>
 </file>
 
@@ -7889,31 +9200,31 @@
         <a:srgbClr val="002143"/>
       </a:dk2>
       <a:lt2>
-        <a:srgbClr val="eeece1"/>
+        <a:srgbClr val="EEECE1"/>
       </a:lt2>
       <a:accent1>
-        <a:srgbClr val="91a02f"/>
+        <a:srgbClr val="91A02F"/>
       </a:accent1>
       <a:accent2>
-        <a:srgbClr val="e37c4d"/>
+        <a:srgbClr val="E37C4D"/>
       </a:accent2>
       <a:accent3>
-        <a:srgbClr val="dad7cb"/>
+        <a:srgbClr val="DAD7CB"/>
       </a:accent3>
       <a:accent4>
         <a:srgbClr val="003359"/>
       </a:accent4>
       <a:accent5>
-        <a:srgbClr val="0073cf"/>
+        <a:srgbClr val="0073CF"/>
       </a:accent5>
       <a:accent6>
-        <a:srgbClr val="98c6ea"/>
+        <a:srgbClr val="98C6EA"/>
       </a:accent6>
       <a:hlink>
-        <a:srgbClr val="64a0c8"/>
+        <a:srgbClr val="64A0C8"/>
       </a:hlink>
       <a:folHlink>
-        <a:srgbClr val="64a0c8"/>
+        <a:srgbClr val="64A0C8"/>
       </a:folHlink>
     </a:clrScheme>
     <a:fontScheme name="Office">
@@ -8095,6 +9406,8 @@
       </a:bgFillStyleLst>
     </a:fmtScheme>
   </a:themeElements>
+  <a:objectDefaults/>
+  <a:extraClrSchemeLst/>
 </a:theme>
 </file>
 
@@ -8112,31 +9425,31 @@
         <a:srgbClr val="002143"/>
       </a:dk2>
       <a:lt2>
-        <a:srgbClr val="eeece1"/>
+        <a:srgbClr val="EEECE1"/>
       </a:lt2>
       <a:accent1>
-        <a:srgbClr val="91a02f"/>
+        <a:srgbClr val="91A02F"/>
       </a:accent1>
       <a:accent2>
-        <a:srgbClr val="e37c4d"/>
+        <a:srgbClr val="E37C4D"/>
       </a:accent2>
       <a:accent3>
-        <a:srgbClr val="dad7cb"/>
+        <a:srgbClr val="DAD7CB"/>
       </a:accent3>
       <a:accent4>
         <a:srgbClr val="003359"/>
       </a:accent4>
       <a:accent5>
-        <a:srgbClr val="0073cf"/>
+        <a:srgbClr val="0073CF"/>
       </a:accent5>
       <a:accent6>
-        <a:srgbClr val="98c6ea"/>
+        <a:srgbClr val="98C6EA"/>
       </a:accent6>
       <a:hlink>
-        <a:srgbClr val="64a0c8"/>
+        <a:srgbClr val="64A0C8"/>
       </a:hlink>
       <a:folHlink>
-        <a:srgbClr val="64a0c8"/>
+        <a:srgbClr val="64A0C8"/>
       </a:folHlink>
     </a:clrScheme>
     <a:fontScheme name="Office">
@@ -8318,5 +9631,7 @@
       </a:bgFillStyleLst>
     </a:fmtScheme>
   </a:themeElements>
+  <a:objectDefaults/>
+  <a:extraClrSchemeLst/>
 </a:theme>
 </file>